--- a/발표자료/CUAI_딥러닝__0523.pptx
+++ b/발표자료/CUAI_딥러닝__0523.pptx
@@ -357,122 +357,6 @@
     </inkml:brush>
   </inkml:definitions>
   <inkml:trace contextRef="#ctx0" brushRef="#br0">0 0,'0'0</inkml:trace>
-</inkml:ink>
-</file>
-
-<file path=ppt/ink/ink3.xml><?xml version="1.0" encoding="utf-8"?>
-<inkml:ink xmlns:inkml="http://www.w3.org/2003/InkML">
-  <inkml:definitions>
-    <inkml:context xml:id="ctx0">
-      <inkml:inkSource xml:id="inkSrc0">
-        <inkml:traceFormat>
-          <inkml:channel name="X" type="integer" min="-2.14748E9" max="2.14748E9" units="cm"/>
-          <inkml:channel name="Y" type="integer" min="-2.14748E9" max="2.14748E9" units="cm"/>
-        </inkml:traceFormat>
-        <inkml:channelProperties>
-          <inkml:channelProperty channel="X" name="resolution" value="1000" units="1/cm"/>
-          <inkml:channelProperty channel="Y" name="resolution" value="1000" units="1/cm"/>
-        </inkml:channelProperties>
-      </inkml:inkSource>
-      <inkml:timestamp xml:id="ts0" timeString="2023-05-22T14:37:25.917"/>
-    </inkml:context>
-    <inkml:brush xml:id="br0">
-      <inkml:brushProperty name="width" value="0.3" units="cm"/>
-      <inkml:brushProperty name="height" value="0.6" units="cm"/>
-      <inkml:brushProperty name="color" value="#D9AEFF"/>
-      <inkml:brushProperty name="tip" value="rectangle"/>
-      <inkml:brushProperty name="rasterOp" value="maskPen"/>
-      <inkml:brushProperty name="ignorePressure" value="1"/>
-    </inkml:brush>
-  </inkml:definitions>
-  <inkml:trace contextRef="#ctx0" brushRef="#br0">1 305,'92'1,"106"-3,-188 1,0 0,0-1,-1 0,1 0,-1-1,0-1,13-6,5-4,26-20,-7 4,60-30,138-59,-234 115,-1 0,0 1,1 0,-1 0,1 1,15-1,-23 3,0 0,0 0,0 1,0-1,-1 0,1 1,0-1,0 1,-1-1,1 1,0 0,-1 0,1 0,-1 0,1 0,-1 0,2 2,-1-2,-1 2,0-1,0 0,0 0,0 0,0 0,0 1,-1-1,1 0,-1 1,0-1,1 0,-1 1,0-1,0 1,-1 3,-1 4,1-1,-1 1,-1-1,0 0,0 0,-8 15,-34 49,30-50,-59 83,-136 150,172-211,2 0,2 3,3 1,-43 87,24-42,-66 90,8-12,106-169,1-1,-1 1,1-1,0 1,0 0,0 0,0 4,1-6,0-1,0 1,0 0,0-1,0 1,0 0,0-1,0 1,0 0,0-1,1 1,-1 0,0-1,0 1,1-1,-1 1,0 0,1-1,-1 1,1-1,-1 1,1 0,2 0,0 0,0 0,0-1,-1 1,1-1,0 1,0-1,0 0,0 0,0 0,0 0,0-1,0 1,5-3,53-13,-1-2,101-47,-156 63,335-174,-91 41,56-46,-213 121,-43 33,2 3,0 1,96-27,-101 35,-26 8,-10 2,1 1,0 1,0 0,1 0,-1 1,0 1,1 0,21 0,-32 2,1-1,0 0,-1 1,1-1,-1 1,1-1,-1 1,0 0,1-1,-1 1,0 0,1 0,-1 0,0 0,0 0,0 0,0 1,0-1,0 0,0 0,1 2,-1 0,-1-1,1 1,0 0,-1-1,0 1,1 0,-1-1,0 1,0 0,-1-1,0 5,-1 2,0-1,-1 1,0-1,0 0,-1 0,0-1,-5 8,-10 9,-1-2,0-1,-2 0,-30 21,-29 29,52-39,2 0,2 2,0 0,3 2,1 0,1 2,3 0,1 1,-13 48,26-77,0 0,1 0,0 1,-1 17,3-24,0-1,0 1,1-1,-1 0,1 1,0-1,0 1,0-1,0 0,1 0,-1 1,1-1,0 0,0-1,0 1,0 0,5 4,1-1,-1-1,1 0,0 0,0-1,1 0,0-1,-1 1,1-2,0 1,0-1,10 1,19 1,51-1,-72-3,92 3,-67 1</inkml:trace>
-</inkml:ink>
-</file>
-
-<file path=ppt/ink/ink4.xml><?xml version="1.0" encoding="utf-8"?>
-<inkml:ink xmlns:inkml="http://www.w3.org/2003/InkML">
-  <inkml:definitions>
-    <inkml:context xml:id="ctx0">
-      <inkml:inkSource xml:id="inkSrc0">
-        <inkml:traceFormat>
-          <inkml:channel name="X" type="integer" min="-2.14748E9" max="2.14748E9" units="cm"/>
-          <inkml:channel name="Y" type="integer" min="-2.14748E9" max="2.14748E9" units="cm"/>
-        </inkml:traceFormat>
-        <inkml:channelProperties>
-          <inkml:channelProperty channel="X" name="resolution" value="1000" units="1/cm"/>
-          <inkml:channelProperty channel="Y" name="resolution" value="1000" units="1/cm"/>
-        </inkml:channelProperties>
-      </inkml:inkSource>
-      <inkml:timestamp xml:id="ts0" timeString="2023-05-22T14:37:28.671"/>
-    </inkml:context>
-    <inkml:brush xml:id="br0">
-      <inkml:brushProperty name="width" value="0.3" units="cm"/>
-      <inkml:brushProperty name="height" value="0.6" units="cm"/>
-      <inkml:brushProperty name="color" value="#D9AEFF"/>
-      <inkml:brushProperty name="tip" value="rectangle"/>
-      <inkml:brushProperty name="rasterOp" value="maskPen"/>
-      <inkml:brushProperty name="ignorePressure" value="1"/>
-    </inkml:brush>
-  </inkml:definitions>
-  <inkml:trace contextRef="#ctx0" brushRef="#br0">1 149,'0'1,"0"-1,0 1,1 0,-1-1,0 1,0-1,1 1,-1-1,0 1,1-1,-1 1,0-1,1 0,-1 1,1-1,-1 1,1-1,-1 0,1 0,-1 1,1-1,-1 0,1 0,-1 1,1-1,1 0,19 4,-17-3,19 1,1-1,0-1,0-1,-1-1,1-1,33-9,138-51,-159 50,35-16,-44 17,54-16,-78 27,0 0,0 0,0 1,0-1,0 1,0 0,0 0,0 0,1 0,-1 0,0 1,0 0,0-1,0 1,0 0,0 0,0 1,0-1,-1 1,1-1,0 1,-1 0,1 0,-1 0,0 0,0 0,0 1,0-1,0 1,0 0,0-1,-1 1,0 0,1 0,0 4,2 7,0-1,-2 1,1 0,-2 0,0 0,0 0,-2 0,0 0,0 0,-1 0,-1 0,0-1,-1 1,-10 22,-3 3,-2-1,-2-1,-40 55,-85 86,38-52,78-88,-69 93,86-111,1 1,0 0,2 1,-13 37,22-56,0-1,0 1,0-1,1 1,-1-1,1 1,0-1,0 1,0-1,0 1,0-1,0 1,1-1,-1 1,1-1,0 1,0-1,0 1,0-1,0 0,2 3,0-3,-1 1,1-2,-1 1,1 0,0-1,-1 1,1-1,0 0,0 0,0 0,0 0,1 0,-1-1,0 1,0-1,0 0,5 0,13-1,0-1,-1 0,1-1,20-7,79-29,-92 29,450-175,-350 127,200-125,-259 136,-1-3,96-92,-19 22,-85 74,-42 32,1 1,1 1,0 0,1 2,0 0,1 1,0 2,26-7,-8 3,-1-2,61-29,-92 38,-1 1,1 0,0 0,-1 1,13-2,-18 3,1 1,-1 0,0 0,0 0,0 0,0 1,0-1,0 0,0 1,0 0,0-1,0 1,0 0,0 0,0 0,0 0,0 0,-1 1,1-1,0 0,-1 1,1 0,-1-1,0 1,3 3,-2-1,0 0,-1 1,1-1,-1 0,0 1,0 0,0-1,0 1,-1-1,0 1,0 0,0-1,-1 1,1 0,-1-1,-3 9,-2 7,-2-1,-14 29,15-34,-165 285,-22-13,180-267,-270 378,218-311,38-51,-45 72,2 13,70-118,0-1,0 1,1 0,-1 0,0-1,1 1,-1 0,1 0,0 0,-1 0,1 0,0 0,0 3,1-4,-1 0,1 0,-1 0,1 0,0 0,-1 0,1 0,0 0,0-1,0 1,-1 0,1 0,0-1,0 1,0 0,0-1,0 1,0-1,1 1,-1-1,0 0,0 0,0 1,2-1,6 1,-1 0,1 0,-1-1,1 0,0-1,15-2,57-18,-69 18,320-112,-8-24,169-107,-413 204,-60 32,1 0,0 1,0 1,1 1,0 1,1 1,35-4,-56 9,0 0,0 0,0 1,0-1,0 0,0 1,0-1,0 1,0-1,0 1,0 0,0 0,0 0,-1 0,1 0,0 1,-1-1,1 0,-1 1,1-1,-1 1,0-1,1 1,-1 0,0 0,0 0,0-1,-1 1,1 0,1 4,0 4,0 1,0 0,-1 0,-1 17,0-18,-3 190,2-155</inkml:trace>
-</inkml:ink>
-</file>
-
-<file path=ppt/ink/ink5.xml><?xml version="1.0" encoding="utf-8"?>
-<inkml:ink xmlns:inkml="http://www.w3.org/2003/InkML">
-  <inkml:definitions>
-    <inkml:context xml:id="ctx0">
-      <inkml:inkSource xml:id="inkSrc0">
-        <inkml:traceFormat>
-          <inkml:channel name="X" type="integer" min="-2.14748E9" max="2.14748E9" units="cm"/>
-          <inkml:channel name="Y" type="integer" min="-2.14748E9" max="2.14748E9" units="cm"/>
-        </inkml:traceFormat>
-        <inkml:channelProperties>
-          <inkml:channelProperty channel="X" name="resolution" value="1000" units="1/cm"/>
-          <inkml:channelProperty channel="Y" name="resolution" value="1000" units="1/cm"/>
-        </inkml:channelProperties>
-      </inkml:inkSource>
-      <inkml:timestamp xml:id="ts0" timeString="2023-05-22T14:38:20.935"/>
-    </inkml:context>
-    <inkml:brush xml:id="br0">
-      <inkml:brushProperty name="width" value="0.3" units="cm"/>
-      <inkml:brushProperty name="height" value="0.6" units="cm"/>
-      <inkml:brushProperty name="color" value="#A9D8FF"/>
-      <inkml:brushProperty name="tip" value="rectangle"/>
-      <inkml:brushProperty name="rasterOp" value="maskPen"/>
-      <inkml:brushProperty name="ignorePressure" value="1"/>
-    </inkml:brush>
-  </inkml:definitions>
-  <inkml:trace contextRef="#ctx0" brushRef="#br0">158 381,'-1'-2,"0"1,0-1,0 1,0-1,0 1,0-1,1 1,-1-1,1 1,-1-1,1 0,0 1,0-1,0 0,0 1,0-1,0 0,0 0,0 1,0-1,1 0,-1 1,1-1,0 1,-1-1,1 1,0-1,1-2,3-3,-1 1,1-1,0 1,0 0,7-6,7-4,1 0,0 2,1 0,1 1,0 1,26-10,149-45,-70 27,-84 24,2 2,-1 2,2 2,-1 1,82-3,-108 12,-1-1,0 1,22 3,-36-2,1 0,-1 0,1 0,-1 0,0 1,0-1,0 1,0 0,0 0,0 1,0-1,-1 1,1 0,3 4,-6-6,0 1,1 0,-1-1,0 1,0 0,0 0,0 0,-1 0,1 0,0 0,-1 0,1 0,-1 0,0 0,0 0,0 4,0-2,-1 0,0 0,0-1,-1 1,1 0,-1 0,1-1,-5 7,-14 17,0-1,-2-1,-29 26,36-36,-319 286,125-119,168-145,-303 301,311-299,1 2,-31 53,61-92,1 0,0 0,0 0,0 0,0 0,1 0,-1 0,1 0,-1 0,1 0,-1 0,1 0,0 3,1-4,-1 0,1 1,-1-1,1 0,0 0,0 0,-1 0,1 0,0 0,0 0,0 0,0 0,0 0,1 0,-1 0,0-1,0 1,0-1,1 1,-1-1,0 1,1-1,-1 0,3 1,22 4,1 0,0-2,0-1,0-2,0 0,28-5,166-31,-218 35,397-92,-332 73,-1-4,0-2,112-64,-157 77,55-32,119-93,-57 12,-10 9,-38 43,-46 40,78-78,-92 80,2 2,1 0,2 3,0 0,41-20,-45 29,0 1,1 2,43-13,166-36,-186 52,-29 5,0 2,1 0,30 0,-55 5,-1 0,1 0,-1 0,1 0,-1 1,1-1,-1 1,0-1,1 1,-1 0,0 0,1 0,-1 0,0 1,0-1,3 3,-4-3,0 1,0-1,0 1,0-1,0 1,-1 0,1-1,0 1,-1 0,1-1,-1 1,0 0,0 0,1 0,-1-1,0 1,-1 3,-1 4,0 0,0 0,-1 0,0-1,-1 1,0-1,-10 15,-318 424,284-389,-431 534,429-531,-80 131,129-190,0-1,0 1,0 0,0-1,1 1,-1 0,0 0,1 0,-1 0,1 2,6-3,11-10,379-273,-130 86,116-54,-104 71,-11 7,-239 156,1 2,0 1,33-10,95-21,-98 30,-2-3,82-35,-23-13,-82 43,1 2,53-22,-80 39,0 1,0-1,1 1,-1 1,16-2,-22 3,0 0,0 0,0 0,0 0,0 0,0 1,1-1,-1 1,0-1,0 1,0 0,0 0,-1 0,1 0,0 0,0 0,0 0,-1 1,1-1,-1 0,1 1,-1 0,1-1,-1 1,0 0,0 0,0 0,1 3,-1-1,0 0,0 0,-1 0,1 0,-1 0,0 1,-1-1,1 0,-1 0,0 0,1 0,-4 8,-4 7,-13 26,18-39,-174 289,-23-8,122-178,32-44,-34 46,-90 168,154-243,2 0,-18 73,30-99,1-7,0 0,0 0,1 0,0 0,-1 0,1 0,0 0,0 1,1-1,-1 0,1 0,-1 0,1 0,2 5,-2-6,1 0,-1 0,1 0,0-1,-1 1,1 0,0-1,0 1,0-1,0 0,0 0,0 0,0 0,0 0,1 0,-1 0,0-1,0 1,1-1,-1 0,4 1,10-1,0-1,0-1,0 0,0-1,0 0,-1-2,1 0,16-8,72-33,162-98,-214 113,375-237,-312 193,-27 22,117-53,100-21,-197 78,-78 34,0 1,0 2,1 0,1 2,45-8,-32 13,-16 2,1 0,-1-2,0-2,47-16,-29 3,82-37,-107 46,-1-2,-1 0,33-27,-37 25,-8 7,0 1,0 0,13-7,-21 14,1-1,0 1,-1-1,1 1,-1 0,1-1,0 1,-1 0,1 0,0-1,-1 1,1 0,0 0,-1 0,1 0,0 0,-1 0,1 0,0 0,-1 0,1 0,0 1,-1-1,1 0,0 0,-1 1,1-1,-1 0,1 1,0-1,-1 0,1 1,-1-1,1 1,-1-1,1 1,-1-1,0 1,1 0,-1-1,0 1,1-1,-1 1,0 0,0-1,1 1,-1 0,1 6,1-1,-1 0,-1 0,1 9,-1-9,4 128,-19 177,3-227,-4-1,-3 0,-52 136,-39 11,55-122,34-65</inkml:trace>
-</inkml:ink>
-</file>
-
-<file path=ppt/ink/ink6.xml><?xml version="1.0" encoding="utf-8"?>
-<inkml:ink xmlns:inkml="http://www.w3.org/2003/InkML">
-  <inkml:definitions>
-    <inkml:context xml:id="ctx0">
-      <inkml:inkSource xml:id="inkSrc0">
-        <inkml:traceFormat>
-          <inkml:channel name="X" type="integer" min="-2.14748E9" max="2.14748E9" units="cm"/>
-          <inkml:channel name="Y" type="integer" min="-2.14748E9" max="2.14748E9" units="cm"/>
-        </inkml:traceFormat>
-        <inkml:channelProperties>
-          <inkml:channelProperty channel="X" name="resolution" value="1000" units="1/cm"/>
-          <inkml:channelProperty channel="Y" name="resolution" value="1000" units="1/cm"/>
-        </inkml:channelProperties>
-      </inkml:inkSource>
-      <inkml:timestamp xml:id="ts0" timeString="2023-05-22T14:38:27.153"/>
-    </inkml:context>
-    <inkml:brush xml:id="br0">
-      <inkml:brushProperty name="width" value="0.3" units="cm"/>
-      <inkml:brushProperty name="height" value="0.6" units="cm"/>
-      <inkml:brushProperty name="color" value="#A9D8FF"/>
-      <inkml:brushProperty name="tip" value="rectangle"/>
-      <inkml:brushProperty name="rasterOp" value="maskPen"/>
-      <inkml:brushProperty name="ignorePressure" value="1"/>
-    </inkml:brush>
-  </inkml:definitions>
-  <inkml:trace contextRef="#ctx0" brushRef="#br0">1 301,'3'2,"1"1,0-1,0 0,0 0,0-1,0 1,0-1,1 0,-1 0,0 0,1-1,-1 1,9-2,0 2,43 4,106-6,-129-2,-1-1,0-2,-1-1,55-19,145-72,-156 65,-45 18,2 2,61-19,160-36,-246 65,39-10,-42 12,-1 1,0-1,1 1,-1 0,0 0,1 0,-1 0,1 1,-1-1,5 2,-7-1,0-1,0 0,0 1,-1-1,1 1,0-1,0 1,-1 0,1-1,0 1,-1 0,1 0,-1-1,1 1,-1 0,1 0,-1 0,1 0,-1-1,0 1,1 0,-1 0,0 0,0 0,0 0,0 0,0 0,0 0,0 0,0 1,-10 31,-4-1,-2-1,-27 42,-50 56,-5 10,-91 122,169-236,0 0,1 1,2 0,0 2,2 0,-16 42,-11 39,22-61,-20 74,34-101,-1 0,-1 0,-1 0,-14 24,-52 70,21-34,-46 66,84-123,16-20,6-6,30-17,-1-2,-1-1,38-32,-17 12,102-67,108-84,-196 129,-33 31,41-31,54-37,53-37,-155 119,0 2,2 1,-1 2,59-19,-23 10,67-32,41-15,-170 68,0 1,0 0,0 0,0 0,0 1,0 0,0-1,5 2,-8-1,1 0,-1 1,1-1,-1 1,1-1,-1 1,0 0,1-1,-1 1,0 0,0 0,0 0,0 0,1 0,-1 0,-1 1,1-1,0 0,0 0,0 1,-1-1,1 0,0 1,-1-1,1 3,1 4,0 1,-1-1,0 1,0 0,-1 0,0-1,-1 1,0 0,0 0,-1-1,0 1,0-1,-1 0,-7 14,-6 11,-2-1,-27 37,21-32,-23 36,-104 145,142-206,0 0,1 1,1 0,0 1,-6 16,-20 73,25-66,2 0,-3 52,7-53,1-31,0 1,1 0,0 0,1 0,-1-1,3 10,-3-13,1 0,0-1,0 1,-1 0,1-1,0 1,0-1,0 1,1-1,-1 0,0 1,1-1,-1 0,0 0,1 0,-1 0,1 0,0 0,-1 0,1 0,0-1,0 1,-1-1,3 1,21 2,0-1,0-1,0-1,28-3,3-1,24 2,182-15,-232 13</inkml:trace>
 </inkml:ink>
 </file>
 
@@ -7879,7 +7763,7 @@
         </p:blipFill>
         <p:spPr>
           <a:xfrm>
-            <a:off x="1662309" y="1306540"/>
+            <a:off x="1674583" y="1380805"/>
             <a:ext cx="5634602" cy="3678606"/>
           </a:xfrm>
           <a:prstGeom prst="rect">
@@ -7922,210 +7806,214 @@
           </a:ln>
         </p:spPr>
       </p:pic>
-      <mc:AlternateContent xmlns:mc="http://schemas.openxmlformats.org/markup-compatibility/2006" xmlns:p14="http://schemas.microsoft.com/office/powerpoint/2010/main">
-        <mc:Choice Requires="p14">
-          <p:contentPart p14:bwMode="auto" r:id="rId6">
-            <p14:nvContentPartPr>
-              <p14:cNvPr id="14" name="잉크 13">
-                <a:extLst>
-                  <a:ext uri="{FF2B5EF4-FFF2-40B4-BE49-F238E27FC236}">
-                    <a16:creationId xmlns:a16="http://schemas.microsoft.com/office/drawing/2014/main" id="{9F9D82E3-8088-548B-63F6-99FC5F95222C}"/>
-                  </a:ext>
-                </a:extLst>
-              </p14:cNvPr>
-              <p14:cNvContentPartPr/>
-              <p14:nvPr/>
-            </p14:nvContentPartPr>
-            <p14:xfrm>
-              <a:off x="2482765" y="1477228"/>
-              <a:ext cx="705600" cy="544680"/>
-            </p14:xfrm>
-          </p:contentPart>
-        </mc:Choice>
-        <mc:Fallback xmlns="">
-          <p:pic>
-            <p:nvPicPr>
-              <p:cNvPr id="14" name="잉크 13">
-                <a:extLst>
-                  <a:ext uri="{FF2B5EF4-FFF2-40B4-BE49-F238E27FC236}">
-                    <a16:creationId xmlns:a16="http://schemas.microsoft.com/office/drawing/2014/main" id="{9F9D82E3-8088-548B-63F6-99FC5F95222C}"/>
-                  </a:ext>
-                </a:extLst>
-              </p:cNvPr>
-              <p:cNvPicPr/>
-              <p:nvPr/>
-            </p:nvPicPr>
-            <p:blipFill>
-              <a:blip r:embed="rId7"/>
-              <a:stretch>
-                <a:fillRect/>
-              </a:stretch>
-            </p:blipFill>
-            <p:spPr>
-              <a:xfrm>
-                <a:off x="2429125" y="1369228"/>
-                <a:ext cx="813240" cy="760320"/>
-              </a:xfrm>
-              <a:prstGeom prst="rect">
-                <a:avLst/>
-              </a:prstGeom>
-            </p:spPr>
-          </p:pic>
-        </mc:Fallback>
-      </mc:AlternateContent>
-      <mc:AlternateContent xmlns:mc="http://schemas.openxmlformats.org/markup-compatibility/2006" xmlns:p14="http://schemas.microsoft.com/office/powerpoint/2010/main">
-        <mc:Choice Requires="p14">
-          <p:contentPart p14:bwMode="auto" r:id="rId8">
-            <p14:nvContentPartPr>
-              <p14:cNvPr id="15" name="잉크 14">
-                <a:extLst>
-                  <a:ext uri="{FF2B5EF4-FFF2-40B4-BE49-F238E27FC236}">
-                    <a16:creationId xmlns:a16="http://schemas.microsoft.com/office/drawing/2014/main" id="{4235F7A0-A22A-0009-A1EA-88F087D4BA8E}"/>
-                  </a:ext>
-                </a:extLst>
-              </p14:cNvPr>
-              <p14:cNvContentPartPr/>
-              <p14:nvPr/>
-            </p14:nvContentPartPr>
-            <p14:xfrm>
-              <a:off x="3746725" y="2339788"/>
-              <a:ext cx="1141560" cy="614160"/>
-            </p14:xfrm>
-          </p:contentPart>
-        </mc:Choice>
-        <mc:Fallback xmlns="">
-          <p:pic>
-            <p:nvPicPr>
-              <p:cNvPr id="15" name="잉크 14">
-                <a:extLst>
-                  <a:ext uri="{FF2B5EF4-FFF2-40B4-BE49-F238E27FC236}">
-                    <a16:creationId xmlns:a16="http://schemas.microsoft.com/office/drawing/2014/main" id="{4235F7A0-A22A-0009-A1EA-88F087D4BA8E}"/>
-                  </a:ext>
-                </a:extLst>
-              </p:cNvPr>
-              <p:cNvPicPr/>
-              <p:nvPr/>
-            </p:nvPicPr>
-            <p:blipFill>
-              <a:blip r:embed="rId9"/>
-              <a:stretch>
-                <a:fillRect/>
-              </a:stretch>
-            </p:blipFill>
-            <p:spPr>
-              <a:xfrm>
-                <a:off x="3693085" y="2232148"/>
-                <a:ext cx="1249200" cy="829800"/>
-              </a:xfrm>
-              <a:prstGeom prst="rect">
-                <a:avLst/>
-              </a:prstGeom>
-            </p:spPr>
-          </p:pic>
-        </mc:Fallback>
-      </mc:AlternateContent>
-      <mc:AlternateContent xmlns:mc="http://schemas.openxmlformats.org/markup-compatibility/2006" xmlns:p14="http://schemas.microsoft.com/office/powerpoint/2010/main">
-        <mc:Choice Requires="p14">
-          <p:contentPart p14:bwMode="auto" r:id="rId10">
-            <p14:nvContentPartPr>
-              <p14:cNvPr id="20" name="잉크 19">
-                <a:extLst>
-                  <a:ext uri="{FF2B5EF4-FFF2-40B4-BE49-F238E27FC236}">
-                    <a16:creationId xmlns:a16="http://schemas.microsoft.com/office/drawing/2014/main" id="{0C4B830D-53E4-C678-3299-77CF93216E07}"/>
-                  </a:ext>
-                </a:extLst>
-              </p14:cNvPr>
-              <p14:cNvContentPartPr/>
-              <p14:nvPr/>
-            </p14:nvContentPartPr>
-            <p14:xfrm>
-              <a:off x="3573925" y="3251668"/>
-              <a:ext cx="2284200" cy="631440"/>
-            </p14:xfrm>
-          </p:contentPart>
-        </mc:Choice>
-        <mc:Fallback xmlns="">
-          <p:pic>
-            <p:nvPicPr>
-              <p:cNvPr id="20" name="잉크 19">
-                <a:extLst>
-                  <a:ext uri="{FF2B5EF4-FFF2-40B4-BE49-F238E27FC236}">
-                    <a16:creationId xmlns:a16="http://schemas.microsoft.com/office/drawing/2014/main" id="{0C4B830D-53E4-C678-3299-77CF93216E07}"/>
-                  </a:ext>
-                </a:extLst>
-              </p:cNvPr>
-              <p:cNvPicPr/>
-              <p:nvPr/>
-            </p:nvPicPr>
-            <p:blipFill>
-              <a:blip r:embed="rId11"/>
-              <a:stretch>
-                <a:fillRect/>
-              </a:stretch>
-            </p:blipFill>
-            <p:spPr>
-              <a:xfrm>
-                <a:off x="3519925" y="3143668"/>
-                <a:ext cx="2391840" cy="847080"/>
-              </a:xfrm>
-              <a:prstGeom prst="rect">
-                <a:avLst/>
-              </a:prstGeom>
-            </p:spPr>
-          </p:pic>
-        </mc:Fallback>
-      </mc:AlternateContent>
-      <mc:AlternateContent xmlns:mc="http://schemas.openxmlformats.org/markup-compatibility/2006" xmlns:p14="http://schemas.microsoft.com/office/powerpoint/2010/main">
-        <mc:Choice Requires="p14">
-          <p:contentPart p14:bwMode="auto" r:id="rId12">
-            <p14:nvContentPartPr>
-              <p14:cNvPr id="22" name="잉크 21">
-                <a:extLst>
-                  <a:ext uri="{FF2B5EF4-FFF2-40B4-BE49-F238E27FC236}">
-                    <a16:creationId xmlns:a16="http://schemas.microsoft.com/office/drawing/2014/main" id="{9567020D-21C0-04BB-34D9-D23930161640}"/>
-                  </a:ext>
-                </a:extLst>
-              </p14:cNvPr>
-              <p14:cNvContentPartPr/>
-              <p14:nvPr/>
-            </p14:nvContentPartPr>
-            <p14:xfrm>
-              <a:off x="2429485" y="2303068"/>
-              <a:ext cx="839160" cy="624240"/>
-            </p14:xfrm>
-          </p:contentPart>
-        </mc:Choice>
-        <mc:Fallback xmlns="">
-          <p:pic>
-            <p:nvPicPr>
-              <p:cNvPr id="22" name="잉크 21">
-                <a:extLst>
-                  <a:ext uri="{FF2B5EF4-FFF2-40B4-BE49-F238E27FC236}">
-                    <a16:creationId xmlns:a16="http://schemas.microsoft.com/office/drawing/2014/main" id="{9567020D-21C0-04BB-34D9-D23930161640}"/>
-                  </a:ext>
-                </a:extLst>
-              </p:cNvPr>
-              <p:cNvPicPr/>
-              <p:nvPr/>
-            </p:nvPicPr>
-            <p:blipFill>
-              <a:blip r:embed="rId13"/>
-              <a:stretch>
-                <a:fillRect/>
-              </a:stretch>
-            </p:blipFill>
-            <p:spPr>
-              <a:xfrm>
-                <a:off x="2375845" y="2195428"/>
-                <a:ext cx="946800" cy="839880"/>
-              </a:xfrm>
-              <a:prstGeom prst="rect">
-                <a:avLst/>
-              </a:prstGeom>
-            </p:spPr>
-          </p:pic>
-        </mc:Fallback>
-      </mc:AlternateContent>
+      <p:sp>
+        <p:nvSpPr>
+          <p:cNvPr id="2" name="직사각형 1">
+            <a:extLst>
+              <a:ext uri="{FF2B5EF4-FFF2-40B4-BE49-F238E27FC236}">
+                <a16:creationId xmlns:a16="http://schemas.microsoft.com/office/drawing/2014/main" id="{D7B959ED-DAA4-9230-080B-3B3C861BF083}"/>
+              </a:ext>
+            </a:extLst>
+          </p:cNvPr>
+          <p:cNvSpPr/>
+          <p:nvPr/>
+        </p:nvSpPr>
+        <p:spPr>
+          <a:xfrm>
+            <a:off x="2387259" y="1380805"/>
+            <a:ext cx="951222" cy="810073"/>
+          </a:xfrm>
+          <a:prstGeom prst="rect">
+            <a:avLst/>
+          </a:prstGeom>
+          <a:noFill/>
+          <a:ln w="44450">
+            <a:solidFill>
+              <a:srgbClr val="FFCCFF"/>
+            </a:solidFill>
+          </a:ln>
+        </p:spPr>
+        <p:style>
+          <a:lnRef idx="2">
+            <a:schemeClr val="accent1">
+              <a:shade val="50000"/>
+            </a:schemeClr>
+          </a:lnRef>
+          <a:fillRef idx="1">
+            <a:schemeClr val="accent1"/>
+          </a:fillRef>
+          <a:effectRef idx="0">
+            <a:schemeClr val="accent1"/>
+          </a:effectRef>
+          <a:fontRef idx="minor">
+            <a:schemeClr val="lt1"/>
+          </a:fontRef>
+        </p:style>
+        <p:txBody>
+          <a:bodyPr rtlCol="0" anchor="ctr"/>
+          <a:lstStyle/>
+          <a:p>
+            <a:pPr algn="ctr"/>
+            <a:endParaRPr lang="ko-KR" altLang="en-US"/>
+          </a:p>
+        </p:txBody>
+      </p:sp>
+      <p:sp>
+        <p:nvSpPr>
+          <p:cNvPr id="4" name="직사각형 3">
+            <a:extLst>
+              <a:ext uri="{FF2B5EF4-FFF2-40B4-BE49-F238E27FC236}">
+                <a16:creationId xmlns:a16="http://schemas.microsoft.com/office/drawing/2014/main" id="{41548783-0810-3712-784E-0293DBFDD7DA}"/>
+              </a:ext>
+            </a:extLst>
+          </p:cNvPr>
+          <p:cNvSpPr/>
+          <p:nvPr/>
+        </p:nvSpPr>
+        <p:spPr>
+          <a:xfrm>
+            <a:off x="3522373" y="2273377"/>
+            <a:ext cx="1656387" cy="810073"/>
+          </a:xfrm>
+          <a:prstGeom prst="rect">
+            <a:avLst/>
+          </a:prstGeom>
+          <a:noFill/>
+          <a:ln w="44450">
+            <a:solidFill>
+              <a:srgbClr val="FFCCFF"/>
+            </a:solidFill>
+          </a:ln>
+        </p:spPr>
+        <p:style>
+          <a:lnRef idx="2">
+            <a:schemeClr val="accent1">
+              <a:shade val="50000"/>
+            </a:schemeClr>
+          </a:lnRef>
+          <a:fillRef idx="1">
+            <a:schemeClr val="accent1"/>
+          </a:fillRef>
+          <a:effectRef idx="0">
+            <a:schemeClr val="accent1"/>
+          </a:effectRef>
+          <a:fontRef idx="minor">
+            <a:schemeClr val="lt1"/>
+          </a:fontRef>
+        </p:style>
+        <p:txBody>
+          <a:bodyPr rtlCol="0" anchor="ctr"/>
+          <a:lstStyle/>
+          <a:p>
+            <a:pPr algn="ctr"/>
+            <a:endParaRPr lang="ko-KR" altLang="en-US"/>
+          </a:p>
+        </p:txBody>
+      </p:sp>
+      <p:sp>
+        <p:nvSpPr>
+          <p:cNvPr id="6" name="직사각형 5">
+            <a:extLst>
+              <a:ext uri="{FF2B5EF4-FFF2-40B4-BE49-F238E27FC236}">
+                <a16:creationId xmlns:a16="http://schemas.microsoft.com/office/drawing/2014/main" id="{FBF12419-A280-CE46-5C02-01CB974410E0}"/>
+              </a:ext>
+            </a:extLst>
+          </p:cNvPr>
+          <p:cNvSpPr/>
+          <p:nvPr/>
+        </p:nvSpPr>
+        <p:spPr>
+          <a:xfrm>
+            <a:off x="2387259" y="2334747"/>
+            <a:ext cx="951222" cy="810073"/>
+          </a:xfrm>
+          <a:prstGeom prst="rect">
+            <a:avLst/>
+          </a:prstGeom>
+          <a:noFill/>
+          <a:ln w="44450">
+            <a:solidFill>
+              <a:srgbClr val="92D050"/>
+            </a:solidFill>
+          </a:ln>
+        </p:spPr>
+        <p:style>
+          <a:lnRef idx="2">
+            <a:schemeClr val="accent1">
+              <a:shade val="50000"/>
+            </a:schemeClr>
+          </a:lnRef>
+          <a:fillRef idx="1">
+            <a:schemeClr val="accent1"/>
+          </a:fillRef>
+          <a:effectRef idx="0">
+            <a:schemeClr val="accent1"/>
+          </a:effectRef>
+          <a:fontRef idx="minor">
+            <a:schemeClr val="lt1"/>
+          </a:fontRef>
+        </p:style>
+        <p:txBody>
+          <a:bodyPr rtlCol="0" anchor="ctr"/>
+          <a:lstStyle/>
+          <a:p>
+            <a:pPr algn="ctr"/>
+            <a:endParaRPr lang="ko-KR" altLang="en-US" dirty="0"/>
+          </a:p>
+        </p:txBody>
+      </p:sp>
+      <p:sp>
+        <p:nvSpPr>
+          <p:cNvPr id="8" name="직사각형 7">
+            <a:extLst>
+              <a:ext uri="{FF2B5EF4-FFF2-40B4-BE49-F238E27FC236}">
+                <a16:creationId xmlns:a16="http://schemas.microsoft.com/office/drawing/2014/main" id="{2E332503-748C-B48F-1F18-173D6995FD0D}"/>
+              </a:ext>
+            </a:extLst>
+          </p:cNvPr>
+          <p:cNvSpPr/>
+          <p:nvPr/>
+        </p:nvSpPr>
+        <p:spPr>
+          <a:xfrm>
+            <a:off x="3540662" y="3220108"/>
+            <a:ext cx="2467376" cy="810073"/>
+          </a:xfrm>
+          <a:prstGeom prst="rect">
+            <a:avLst/>
+          </a:prstGeom>
+          <a:noFill/>
+          <a:ln w="44450">
+            <a:solidFill>
+              <a:srgbClr val="92D050"/>
+            </a:solidFill>
+          </a:ln>
+        </p:spPr>
+        <p:style>
+          <a:lnRef idx="2">
+            <a:schemeClr val="accent1">
+              <a:shade val="50000"/>
+            </a:schemeClr>
+          </a:lnRef>
+          <a:fillRef idx="1">
+            <a:schemeClr val="accent1"/>
+          </a:fillRef>
+          <a:effectRef idx="0">
+            <a:schemeClr val="accent1"/>
+          </a:effectRef>
+          <a:fontRef idx="minor">
+            <a:schemeClr val="lt1"/>
+          </a:fontRef>
+        </p:style>
+        <p:txBody>
+          <a:bodyPr rtlCol="0" anchor="ctr"/>
+          <a:lstStyle/>
+          <a:p>
+            <a:pPr algn="ctr"/>
+            <a:endParaRPr lang="ko-KR" altLang="en-US"/>
+          </a:p>
+        </p:txBody>
+      </p:sp>
     </p:spTree>
     <p:extLst>
       <p:ext uri="{BB962C8B-B14F-4D97-AF65-F5344CB8AC3E}">

--- a/발표자료/CUAI_딥러닝__0523.pptx
+++ b/발표자료/CUAI_딥러닝__0523.pptx
@@ -357,6 +357,122 @@
     </inkml:brush>
   </inkml:definitions>
   <inkml:trace contextRef="#ctx0" brushRef="#br0">0 0,'0'0</inkml:trace>
+</inkml:ink>
+</file>
+
+<file path=ppt/ink/ink3.xml><?xml version="1.0" encoding="utf-8"?>
+<inkml:ink xmlns:inkml="http://www.w3.org/2003/InkML">
+  <inkml:definitions>
+    <inkml:context xml:id="ctx0">
+      <inkml:inkSource xml:id="inkSrc0">
+        <inkml:traceFormat>
+          <inkml:channel name="X" type="integer" min="-2.14748E9" max="2.14748E9" units="cm"/>
+          <inkml:channel name="Y" type="integer" min="-2.14748E9" max="2.14748E9" units="cm"/>
+        </inkml:traceFormat>
+        <inkml:channelProperties>
+          <inkml:channelProperty channel="X" name="resolution" value="1000" units="1/cm"/>
+          <inkml:channelProperty channel="Y" name="resolution" value="1000" units="1/cm"/>
+        </inkml:channelProperties>
+      </inkml:inkSource>
+      <inkml:timestamp xml:id="ts0" timeString="2023-05-22T14:37:25.917"/>
+    </inkml:context>
+    <inkml:brush xml:id="br0">
+      <inkml:brushProperty name="width" value="0.3" units="cm"/>
+      <inkml:brushProperty name="height" value="0.6" units="cm"/>
+      <inkml:brushProperty name="color" value="#D9AEFF"/>
+      <inkml:brushProperty name="tip" value="rectangle"/>
+      <inkml:brushProperty name="rasterOp" value="maskPen"/>
+      <inkml:brushProperty name="ignorePressure" value="1"/>
+    </inkml:brush>
+  </inkml:definitions>
+  <inkml:trace contextRef="#ctx0" brushRef="#br0">1 305,'92'1,"106"-3,-188 1,0 0,0-1,-1 0,1 0,-1-1,0-1,13-6,5-4,26-20,-7 4,60-30,138-59,-234 115,-1 0,0 1,1 0,-1 0,1 1,15-1,-23 3,0 0,0 0,0 1,0-1,-1 0,1 1,0-1,0 1,-1-1,1 1,0 0,-1 0,1 0,-1 0,1 0,-1 0,2 2,-1-2,-1 2,0-1,0 0,0 0,0 0,0 0,0 1,-1-1,1 0,-1 1,0-1,1 0,-1 1,0-1,0 1,-1 3,-1 4,1-1,-1 1,-1-1,0 0,0 0,-8 15,-34 49,30-50,-59 83,-136 150,172-211,2 0,2 3,3 1,-43 87,24-42,-66 90,8-12,106-169,1-1,-1 1,1-1,0 1,0 0,0 0,0 4,1-6,0-1,0 1,0 0,0-1,0 1,0 0,0-1,0 1,0 0,0-1,1 1,-1 0,0-1,0 1,1-1,-1 1,0 0,1-1,-1 1,1-1,-1 1,1 0,2 0,0 0,0 0,0-1,-1 1,1-1,0 1,0-1,0 0,0 0,0 0,0 0,0-1,0 1,5-3,53-13,-1-2,101-47,-156 63,335-174,-91 41,56-46,-213 121,-43 33,2 3,0 1,96-27,-101 35,-26 8,-10 2,1 1,0 1,0 0,1 0,-1 1,0 1,1 0,21 0,-32 2,1-1,0 0,-1 1,1-1,-1 1,1-1,-1 1,0 0,1-1,-1 1,0 0,1 0,-1 0,0 0,0 0,0 0,0 1,0-1,0 0,0 0,1 2,-1 0,-1-1,1 1,0 0,-1-1,0 1,1 0,-1-1,0 1,0 0,-1-1,0 5,-1 2,0-1,-1 1,0-1,0 0,-1 0,0-1,-5 8,-10 9,-1-2,0-1,-2 0,-30 21,-29 29,52-39,2 0,2 2,0 0,3 2,1 0,1 2,3 0,1 1,-13 48,26-77,0 0,1 0,0 1,-1 17,3-24,0-1,0 1,1-1,-1 0,1 1,0-1,0 1,0-1,0 0,1 0,-1 1,1-1,0 0,0-1,0 1,0 0,5 4,1-1,-1-1,1 0,0 0,0-1,1 0,0-1,-1 1,1-2,0 1,0-1,10 1,19 1,51-1,-72-3,92 3,-67 1</inkml:trace>
+</inkml:ink>
+</file>
+
+<file path=ppt/ink/ink4.xml><?xml version="1.0" encoding="utf-8"?>
+<inkml:ink xmlns:inkml="http://www.w3.org/2003/InkML">
+  <inkml:definitions>
+    <inkml:context xml:id="ctx0">
+      <inkml:inkSource xml:id="inkSrc0">
+        <inkml:traceFormat>
+          <inkml:channel name="X" type="integer" min="-2.14748E9" max="2.14748E9" units="cm"/>
+          <inkml:channel name="Y" type="integer" min="-2.14748E9" max="2.14748E9" units="cm"/>
+        </inkml:traceFormat>
+        <inkml:channelProperties>
+          <inkml:channelProperty channel="X" name="resolution" value="1000" units="1/cm"/>
+          <inkml:channelProperty channel="Y" name="resolution" value="1000" units="1/cm"/>
+        </inkml:channelProperties>
+      </inkml:inkSource>
+      <inkml:timestamp xml:id="ts0" timeString="2023-05-22T14:37:28.671"/>
+    </inkml:context>
+    <inkml:brush xml:id="br0">
+      <inkml:brushProperty name="width" value="0.3" units="cm"/>
+      <inkml:brushProperty name="height" value="0.6" units="cm"/>
+      <inkml:brushProperty name="color" value="#D9AEFF"/>
+      <inkml:brushProperty name="tip" value="rectangle"/>
+      <inkml:brushProperty name="rasterOp" value="maskPen"/>
+      <inkml:brushProperty name="ignorePressure" value="1"/>
+    </inkml:brush>
+  </inkml:definitions>
+  <inkml:trace contextRef="#ctx0" brushRef="#br0">1 149,'0'1,"0"-1,0 1,1 0,-1-1,0 1,0-1,1 1,-1-1,0 1,1-1,-1 1,0-1,1 0,-1 1,1-1,-1 1,1-1,-1 0,1 0,-1 1,1-1,-1 0,1 0,-1 1,1-1,1 0,19 4,-17-3,19 1,1-1,0-1,0-1,-1-1,1-1,33-9,138-51,-159 50,35-16,-44 17,54-16,-78 27,0 0,0 0,0 1,0-1,0 1,0 0,0 0,0 0,1 0,-1 0,0 1,0 0,0-1,0 1,0 0,0 0,0 1,0-1,-1 1,1-1,0 1,-1 0,1 0,-1 0,0 0,0 0,0 1,0-1,0 1,0 0,0-1,-1 1,0 0,1 0,0 4,2 7,0-1,-2 1,1 0,-2 0,0 0,0 0,-2 0,0 0,0 0,-1 0,-1 0,0-1,-1 1,-10 22,-3 3,-2-1,-2-1,-40 55,-85 86,38-52,78-88,-69 93,86-111,1 1,0 0,2 1,-13 37,22-56,0-1,0 1,0-1,1 1,-1-1,1 1,0-1,0 1,0-1,0 1,0-1,0 1,1-1,-1 1,1-1,0 1,0-1,0 1,0-1,0 0,2 3,0-3,-1 1,1-2,-1 1,1 0,0-1,-1 1,1-1,0 0,0 0,0 0,0 0,1 0,-1-1,0 1,0-1,0 0,5 0,13-1,0-1,-1 0,1-1,20-7,79-29,-92 29,450-175,-350 127,200-125,-259 136,-1-3,96-92,-19 22,-85 74,-42 32,1 1,1 1,0 0,1 2,0 0,1 1,0 2,26-7,-8 3,-1-2,61-29,-92 38,-1 1,1 0,0 0,-1 1,13-2,-18 3,1 1,-1 0,0 0,0 0,0 0,0 1,0-1,0 0,0 1,0 0,0-1,0 1,0 0,0 0,0 0,0 0,0 0,-1 1,1-1,0 0,-1 1,1 0,-1-1,0 1,3 3,-2-1,0 0,-1 1,1-1,-1 0,0 1,0 0,0-1,0 1,-1-1,0 1,0 0,0-1,-1 1,1 0,-1-1,-3 9,-2 7,-2-1,-14 29,15-34,-165 285,-22-13,180-267,-270 378,218-311,38-51,-45 72,2 13,70-118,0-1,0 1,1 0,-1 0,0-1,1 1,-1 0,1 0,0 0,-1 0,1 0,0 0,0 3,1-4,-1 0,1 0,-1 0,1 0,0 0,-1 0,1 0,0 0,0-1,0 1,-1 0,1 0,0-1,0 1,0 0,0-1,0 1,0-1,1 1,-1-1,0 0,0 0,0 1,2-1,6 1,-1 0,1 0,-1-1,1 0,0-1,15-2,57-18,-69 18,320-112,-8-24,169-107,-413 204,-60 32,1 0,0 1,0 1,1 1,0 1,1 1,35-4,-56 9,0 0,0 0,0 1,0-1,0 0,0 1,0-1,0 1,0-1,0 1,0 0,0 0,0 0,-1 0,1 0,0 1,-1-1,1 0,-1 1,1-1,-1 1,0-1,1 1,-1 0,0 0,0 0,0-1,-1 1,1 0,1 4,0 4,0 1,0 0,-1 0,-1 17,0-18,-3 190,2-155</inkml:trace>
+</inkml:ink>
+</file>
+
+<file path=ppt/ink/ink5.xml><?xml version="1.0" encoding="utf-8"?>
+<inkml:ink xmlns:inkml="http://www.w3.org/2003/InkML">
+  <inkml:definitions>
+    <inkml:context xml:id="ctx0">
+      <inkml:inkSource xml:id="inkSrc0">
+        <inkml:traceFormat>
+          <inkml:channel name="X" type="integer" min="-2.14748E9" max="2.14748E9" units="cm"/>
+          <inkml:channel name="Y" type="integer" min="-2.14748E9" max="2.14748E9" units="cm"/>
+        </inkml:traceFormat>
+        <inkml:channelProperties>
+          <inkml:channelProperty channel="X" name="resolution" value="1000" units="1/cm"/>
+          <inkml:channelProperty channel="Y" name="resolution" value="1000" units="1/cm"/>
+        </inkml:channelProperties>
+      </inkml:inkSource>
+      <inkml:timestamp xml:id="ts0" timeString="2023-05-22T14:38:20.935"/>
+    </inkml:context>
+    <inkml:brush xml:id="br0">
+      <inkml:brushProperty name="width" value="0.3" units="cm"/>
+      <inkml:brushProperty name="height" value="0.6" units="cm"/>
+      <inkml:brushProperty name="color" value="#A9D8FF"/>
+      <inkml:brushProperty name="tip" value="rectangle"/>
+      <inkml:brushProperty name="rasterOp" value="maskPen"/>
+      <inkml:brushProperty name="ignorePressure" value="1"/>
+    </inkml:brush>
+  </inkml:definitions>
+  <inkml:trace contextRef="#ctx0" brushRef="#br0">158 381,'-1'-2,"0"1,0-1,0 1,0-1,0 1,0-1,1 1,-1-1,1 1,-1-1,1 0,0 1,0-1,0 0,0 1,0-1,0 0,0 0,0 1,0-1,1 0,-1 1,1-1,0 1,-1-1,1 1,0-1,1-2,3-3,-1 1,1-1,0 1,0 0,7-6,7-4,1 0,0 2,1 0,1 1,0 1,26-10,149-45,-70 27,-84 24,2 2,-1 2,2 2,-1 1,82-3,-108 12,-1-1,0 1,22 3,-36-2,1 0,-1 0,1 0,-1 0,0 1,0-1,0 1,0 0,0 0,0 1,0-1,-1 1,1 0,3 4,-6-6,0 1,1 0,-1-1,0 1,0 0,0 0,0 0,-1 0,1 0,0 0,-1 0,1 0,-1 0,0 0,0 0,0 4,0-2,-1 0,0 0,0-1,-1 1,1 0,-1 0,1-1,-5 7,-14 17,0-1,-2-1,-29 26,36-36,-319 286,125-119,168-145,-303 301,311-299,1 2,-31 53,61-92,1 0,0 0,0 0,0 0,0 0,1 0,-1 0,1 0,-1 0,1 0,-1 0,1 0,0 3,1-4,-1 0,1 1,-1-1,1 0,0 0,0 0,-1 0,1 0,0 0,0 0,0 0,0 0,0 0,1 0,-1 0,0-1,0 1,0-1,1 1,-1-1,0 1,1-1,-1 0,3 1,22 4,1 0,0-2,0-1,0-2,0 0,28-5,166-31,-218 35,397-92,-332 73,-1-4,0-2,112-64,-157 77,55-32,119-93,-57 12,-10 9,-38 43,-46 40,78-78,-92 80,2 2,1 0,2 3,0 0,41-20,-45 29,0 1,1 2,43-13,166-36,-186 52,-29 5,0 2,1 0,30 0,-55 5,-1 0,1 0,-1 0,1 0,-1 1,1-1,-1 1,0-1,1 1,-1 0,0 0,1 0,-1 0,0 1,0-1,3 3,-4-3,0 1,0-1,0 1,0-1,0 1,-1 0,1-1,0 1,-1 0,1-1,-1 1,0 0,0 0,1 0,-1-1,0 1,-1 3,-1 4,0 0,0 0,-1 0,0-1,-1 1,0-1,-10 15,-318 424,284-389,-431 534,429-531,-80 131,129-190,0-1,0 1,0 0,0-1,1 1,-1 0,0 0,1 0,-1 0,1 2,6-3,11-10,379-273,-130 86,116-54,-104 71,-11 7,-239 156,1 2,0 1,33-10,95-21,-98 30,-2-3,82-35,-23-13,-82 43,1 2,53-22,-80 39,0 1,0-1,1 1,-1 1,16-2,-22 3,0 0,0 0,0 0,0 0,0 0,0 1,1-1,-1 1,0-1,0 1,0 0,0 0,-1 0,1 0,0 0,0 0,0 0,-1 1,1-1,-1 0,1 1,-1 0,1-1,-1 1,0 0,0 0,0 0,1 3,-1-1,0 0,0 0,-1 0,1 0,-1 0,0 1,-1-1,1 0,-1 0,0 0,1 0,-4 8,-4 7,-13 26,18-39,-174 289,-23-8,122-178,32-44,-34 46,-90 168,154-243,2 0,-18 73,30-99,1-7,0 0,0 0,1 0,0 0,-1 0,1 0,0 0,0 1,1-1,-1 0,1 0,-1 0,1 0,2 5,-2-6,1 0,-1 0,1 0,0-1,-1 1,1 0,0-1,0 1,0-1,0 0,0 0,0 0,0 0,0 0,1 0,-1 0,0-1,0 1,1-1,-1 0,4 1,10-1,0-1,0-1,0 0,0-1,0 0,-1-2,1 0,16-8,72-33,162-98,-214 113,375-237,-312 193,-27 22,117-53,100-21,-197 78,-78 34,0 1,0 2,1 0,1 2,45-8,-32 13,-16 2,1 0,-1-2,0-2,47-16,-29 3,82-37,-107 46,-1-2,-1 0,33-27,-37 25,-8 7,0 1,0 0,13-7,-21 14,1-1,0 1,-1-1,1 1,-1 0,1-1,0 1,-1 0,1 0,0-1,-1 1,1 0,0 0,-1 0,1 0,0 0,-1 0,1 0,0 0,-1 0,1 0,0 1,-1-1,1 0,0 0,-1 1,1-1,-1 0,1 1,0-1,-1 0,1 1,-1-1,1 1,-1-1,1 1,-1-1,0 1,1 0,-1-1,0 1,1-1,-1 1,0 0,0-1,1 1,-1 0,1 6,1-1,-1 0,-1 0,1 9,-1-9,4 128,-19 177,3-227,-4-1,-3 0,-52 136,-39 11,55-122,34-65</inkml:trace>
+</inkml:ink>
+</file>
+
+<file path=ppt/ink/ink6.xml><?xml version="1.0" encoding="utf-8"?>
+<inkml:ink xmlns:inkml="http://www.w3.org/2003/InkML">
+  <inkml:definitions>
+    <inkml:context xml:id="ctx0">
+      <inkml:inkSource xml:id="inkSrc0">
+        <inkml:traceFormat>
+          <inkml:channel name="X" type="integer" min="-2.14748E9" max="2.14748E9" units="cm"/>
+          <inkml:channel name="Y" type="integer" min="-2.14748E9" max="2.14748E9" units="cm"/>
+        </inkml:traceFormat>
+        <inkml:channelProperties>
+          <inkml:channelProperty channel="X" name="resolution" value="1000" units="1/cm"/>
+          <inkml:channelProperty channel="Y" name="resolution" value="1000" units="1/cm"/>
+        </inkml:channelProperties>
+      </inkml:inkSource>
+      <inkml:timestamp xml:id="ts0" timeString="2023-05-22T14:38:27.153"/>
+    </inkml:context>
+    <inkml:brush xml:id="br0">
+      <inkml:brushProperty name="width" value="0.3" units="cm"/>
+      <inkml:brushProperty name="height" value="0.6" units="cm"/>
+      <inkml:brushProperty name="color" value="#A9D8FF"/>
+      <inkml:brushProperty name="tip" value="rectangle"/>
+      <inkml:brushProperty name="rasterOp" value="maskPen"/>
+      <inkml:brushProperty name="ignorePressure" value="1"/>
+    </inkml:brush>
+  </inkml:definitions>
+  <inkml:trace contextRef="#ctx0" brushRef="#br0">1 301,'3'2,"1"1,0-1,0 0,0 0,0-1,0 1,0-1,1 0,-1 0,0 0,1-1,-1 1,9-2,0 2,43 4,106-6,-129-2,-1-1,0-2,-1-1,55-19,145-72,-156 65,-45 18,2 2,61-19,160-36,-246 65,39-10,-42 12,-1 1,0-1,1 1,-1 0,0 0,1 0,-1 0,1 1,-1-1,5 2,-7-1,0-1,0 0,0 1,-1-1,1 1,0-1,0 1,-1 0,1-1,0 1,-1 0,1 0,-1-1,1 1,-1 0,1 0,-1 0,1 0,-1-1,0 1,1 0,-1 0,0 0,0 0,0 0,0 0,0 0,0 0,0 0,0 1,-10 31,-4-1,-2-1,-27 42,-50 56,-5 10,-91 122,169-236,0 0,1 1,2 0,0 2,2 0,-16 42,-11 39,22-61,-20 74,34-101,-1 0,-1 0,-1 0,-14 24,-52 70,21-34,-46 66,84-123,16-20,6-6,30-17,-1-2,-1-1,38-32,-17 12,102-67,108-84,-196 129,-33 31,41-31,54-37,53-37,-155 119,0 2,2 1,-1 2,59-19,-23 10,67-32,41-15,-170 68,0 1,0 0,0 0,0 0,0 1,0 0,0-1,5 2,-8-1,1 0,-1 1,1-1,-1 1,1-1,-1 1,0 0,1-1,-1 1,0 0,0 0,0 0,0 0,1 0,-1 0,-1 1,1-1,0 0,0 0,0 1,-1-1,1 0,0 1,-1-1,1 3,1 4,0 1,-1-1,0 1,0 0,-1 0,0-1,-1 1,0 0,0 0,-1-1,0 1,0-1,-1 0,-7 14,-6 11,-2-1,-27 37,21-32,-23 36,-104 145,142-206,0 0,1 1,1 0,0 1,-6 16,-20 73,25-66,2 0,-3 52,7-53,1-31,0 1,1 0,0 0,1 0,-1-1,3 10,-3-13,1 0,0-1,0 1,-1 0,1-1,0 1,0-1,0 1,1-1,-1 0,0 1,1-1,-1 0,0 0,1 0,-1 0,1 0,0 0,-1 0,1 0,0-1,0 1,-1-1,3 1,21 2,0-1,0-1,0-1,28-3,3-1,24 2,182-15,-232 13</inkml:trace>
 </inkml:ink>
 </file>
 
@@ -7763,7 +7879,7 @@
         </p:blipFill>
         <p:spPr>
           <a:xfrm>
-            <a:off x="1674583" y="1380805"/>
+            <a:off x="1662309" y="1306540"/>
             <a:ext cx="5634602" cy="3678606"/>
           </a:xfrm>
           <a:prstGeom prst="rect">
@@ -7806,214 +7922,210 @@
           </a:ln>
         </p:spPr>
       </p:pic>
-      <p:sp>
-        <p:nvSpPr>
-          <p:cNvPr id="2" name="직사각형 1">
-            <a:extLst>
-              <a:ext uri="{FF2B5EF4-FFF2-40B4-BE49-F238E27FC236}">
-                <a16:creationId xmlns:a16="http://schemas.microsoft.com/office/drawing/2014/main" id="{D7B959ED-DAA4-9230-080B-3B3C861BF083}"/>
-              </a:ext>
-            </a:extLst>
-          </p:cNvPr>
-          <p:cNvSpPr/>
-          <p:nvPr/>
-        </p:nvSpPr>
-        <p:spPr>
-          <a:xfrm>
-            <a:off x="2387259" y="1380805"/>
-            <a:ext cx="951222" cy="810073"/>
-          </a:xfrm>
-          <a:prstGeom prst="rect">
-            <a:avLst/>
-          </a:prstGeom>
-          <a:noFill/>
-          <a:ln w="44450">
-            <a:solidFill>
-              <a:srgbClr val="FFCCFF"/>
-            </a:solidFill>
-          </a:ln>
-        </p:spPr>
-        <p:style>
-          <a:lnRef idx="2">
-            <a:schemeClr val="accent1">
-              <a:shade val="50000"/>
-            </a:schemeClr>
-          </a:lnRef>
-          <a:fillRef idx="1">
-            <a:schemeClr val="accent1"/>
-          </a:fillRef>
-          <a:effectRef idx="0">
-            <a:schemeClr val="accent1"/>
-          </a:effectRef>
-          <a:fontRef idx="minor">
-            <a:schemeClr val="lt1"/>
-          </a:fontRef>
-        </p:style>
-        <p:txBody>
-          <a:bodyPr rtlCol="0" anchor="ctr"/>
-          <a:lstStyle/>
-          <a:p>
-            <a:pPr algn="ctr"/>
-            <a:endParaRPr lang="ko-KR" altLang="en-US"/>
-          </a:p>
-        </p:txBody>
-      </p:sp>
-      <p:sp>
-        <p:nvSpPr>
-          <p:cNvPr id="4" name="직사각형 3">
-            <a:extLst>
-              <a:ext uri="{FF2B5EF4-FFF2-40B4-BE49-F238E27FC236}">
-                <a16:creationId xmlns:a16="http://schemas.microsoft.com/office/drawing/2014/main" id="{41548783-0810-3712-784E-0293DBFDD7DA}"/>
-              </a:ext>
-            </a:extLst>
-          </p:cNvPr>
-          <p:cNvSpPr/>
-          <p:nvPr/>
-        </p:nvSpPr>
-        <p:spPr>
-          <a:xfrm>
-            <a:off x="3522373" y="2273377"/>
-            <a:ext cx="1656387" cy="810073"/>
-          </a:xfrm>
-          <a:prstGeom prst="rect">
-            <a:avLst/>
-          </a:prstGeom>
-          <a:noFill/>
-          <a:ln w="44450">
-            <a:solidFill>
-              <a:srgbClr val="FFCCFF"/>
-            </a:solidFill>
-          </a:ln>
-        </p:spPr>
-        <p:style>
-          <a:lnRef idx="2">
-            <a:schemeClr val="accent1">
-              <a:shade val="50000"/>
-            </a:schemeClr>
-          </a:lnRef>
-          <a:fillRef idx="1">
-            <a:schemeClr val="accent1"/>
-          </a:fillRef>
-          <a:effectRef idx="0">
-            <a:schemeClr val="accent1"/>
-          </a:effectRef>
-          <a:fontRef idx="minor">
-            <a:schemeClr val="lt1"/>
-          </a:fontRef>
-        </p:style>
-        <p:txBody>
-          <a:bodyPr rtlCol="0" anchor="ctr"/>
-          <a:lstStyle/>
-          <a:p>
-            <a:pPr algn="ctr"/>
-            <a:endParaRPr lang="ko-KR" altLang="en-US"/>
-          </a:p>
-        </p:txBody>
-      </p:sp>
-      <p:sp>
-        <p:nvSpPr>
-          <p:cNvPr id="6" name="직사각형 5">
-            <a:extLst>
-              <a:ext uri="{FF2B5EF4-FFF2-40B4-BE49-F238E27FC236}">
-                <a16:creationId xmlns:a16="http://schemas.microsoft.com/office/drawing/2014/main" id="{FBF12419-A280-CE46-5C02-01CB974410E0}"/>
-              </a:ext>
-            </a:extLst>
-          </p:cNvPr>
-          <p:cNvSpPr/>
-          <p:nvPr/>
-        </p:nvSpPr>
-        <p:spPr>
-          <a:xfrm>
-            <a:off x="2387259" y="2334747"/>
-            <a:ext cx="951222" cy="810073"/>
-          </a:xfrm>
-          <a:prstGeom prst="rect">
-            <a:avLst/>
-          </a:prstGeom>
-          <a:noFill/>
-          <a:ln w="44450">
-            <a:solidFill>
-              <a:srgbClr val="92D050"/>
-            </a:solidFill>
-          </a:ln>
-        </p:spPr>
-        <p:style>
-          <a:lnRef idx="2">
-            <a:schemeClr val="accent1">
-              <a:shade val="50000"/>
-            </a:schemeClr>
-          </a:lnRef>
-          <a:fillRef idx="1">
-            <a:schemeClr val="accent1"/>
-          </a:fillRef>
-          <a:effectRef idx="0">
-            <a:schemeClr val="accent1"/>
-          </a:effectRef>
-          <a:fontRef idx="minor">
-            <a:schemeClr val="lt1"/>
-          </a:fontRef>
-        </p:style>
-        <p:txBody>
-          <a:bodyPr rtlCol="0" anchor="ctr"/>
-          <a:lstStyle/>
-          <a:p>
-            <a:pPr algn="ctr"/>
-            <a:endParaRPr lang="ko-KR" altLang="en-US" dirty="0"/>
-          </a:p>
-        </p:txBody>
-      </p:sp>
-      <p:sp>
-        <p:nvSpPr>
-          <p:cNvPr id="8" name="직사각형 7">
-            <a:extLst>
-              <a:ext uri="{FF2B5EF4-FFF2-40B4-BE49-F238E27FC236}">
-                <a16:creationId xmlns:a16="http://schemas.microsoft.com/office/drawing/2014/main" id="{2E332503-748C-B48F-1F18-173D6995FD0D}"/>
-              </a:ext>
-            </a:extLst>
-          </p:cNvPr>
-          <p:cNvSpPr/>
-          <p:nvPr/>
-        </p:nvSpPr>
-        <p:spPr>
-          <a:xfrm>
-            <a:off x="3540662" y="3220108"/>
-            <a:ext cx="2467376" cy="810073"/>
-          </a:xfrm>
-          <a:prstGeom prst="rect">
-            <a:avLst/>
-          </a:prstGeom>
-          <a:noFill/>
-          <a:ln w="44450">
-            <a:solidFill>
-              <a:srgbClr val="92D050"/>
-            </a:solidFill>
-          </a:ln>
-        </p:spPr>
-        <p:style>
-          <a:lnRef idx="2">
-            <a:schemeClr val="accent1">
-              <a:shade val="50000"/>
-            </a:schemeClr>
-          </a:lnRef>
-          <a:fillRef idx="1">
-            <a:schemeClr val="accent1"/>
-          </a:fillRef>
-          <a:effectRef idx="0">
-            <a:schemeClr val="accent1"/>
-          </a:effectRef>
-          <a:fontRef idx="minor">
-            <a:schemeClr val="lt1"/>
-          </a:fontRef>
-        </p:style>
-        <p:txBody>
-          <a:bodyPr rtlCol="0" anchor="ctr"/>
-          <a:lstStyle/>
-          <a:p>
-            <a:pPr algn="ctr"/>
-            <a:endParaRPr lang="ko-KR" altLang="en-US"/>
-          </a:p>
-        </p:txBody>
-      </p:sp>
+      <mc:AlternateContent xmlns:mc="http://schemas.openxmlformats.org/markup-compatibility/2006" xmlns:p14="http://schemas.microsoft.com/office/powerpoint/2010/main">
+        <mc:Choice Requires="p14">
+          <p:contentPart p14:bwMode="auto" r:id="rId6">
+            <p14:nvContentPartPr>
+              <p14:cNvPr id="14" name="잉크 13">
+                <a:extLst>
+                  <a:ext uri="{FF2B5EF4-FFF2-40B4-BE49-F238E27FC236}">
+                    <a16:creationId xmlns:a16="http://schemas.microsoft.com/office/drawing/2014/main" id="{9F9D82E3-8088-548B-63F6-99FC5F95222C}"/>
+                  </a:ext>
+                </a:extLst>
+              </p14:cNvPr>
+              <p14:cNvContentPartPr/>
+              <p14:nvPr/>
+            </p14:nvContentPartPr>
+            <p14:xfrm>
+              <a:off x="2482765" y="1477228"/>
+              <a:ext cx="705600" cy="544680"/>
+            </p14:xfrm>
+          </p:contentPart>
+        </mc:Choice>
+        <mc:Fallback xmlns="">
+          <p:pic>
+            <p:nvPicPr>
+              <p:cNvPr id="14" name="잉크 13">
+                <a:extLst>
+                  <a:ext uri="{FF2B5EF4-FFF2-40B4-BE49-F238E27FC236}">
+                    <a16:creationId xmlns:a16="http://schemas.microsoft.com/office/drawing/2014/main" id="{9F9D82E3-8088-548B-63F6-99FC5F95222C}"/>
+                  </a:ext>
+                </a:extLst>
+              </p:cNvPr>
+              <p:cNvPicPr/>
+              <p:nvPr/>
+            </p:nvPicPr>
+            <p:blipFill>
+              <a:blip r:embed="rId7"/>
+              <a:stretch>
+                <a:fillRect/>
+              </a:stretch>
+            </p:blipFill>
+            <p:spPr>
+              <a:xfrm>
+                <a:off x="2429125" y="1369228"/>
+                <a:ext cx="813240" cy="760320"/>
+              </a:xfrm>
+              <a:prstGeom prst="rect">
+                <a:avLst/>
+              </a:prstGeom>
+            </p:spPr>
+          </p:pic>
+        </mc:Fallback>
+      </mc:AlternateContent>
+      <mc:AlternateContent xmlns:mc="http://schemas.openxmlformats.org/markup-compatibility/2006" xmlns:p14="http://schemas.microsoft.com/office/powerpoint/2010/main">
+        <mc:Choice Requires="p14">
+          <p:contentPart p14:bwMode="auto" r:id="rId8">
+            <p14:nvContentPartPr>
+              <p14:cNvPr id="15" name="잉크 14">
+                <a:extLst>
+                  <a:ext uri="{FF2B5EF4-FFF2-40B4-BE49-F238E27FC236}">
+                    <a16:creationId xmlns:a16="http://schemas.microsoft.com/office/drawing/2014/main" id="{4235F7A0-A22A-0009-A1EA-88F087D4BA8E}"/>
+                  </a:ext>
+                </a:extLst>
+              </p14:cNvPr>
+              <p14:cNvContentPartPr/>
+              <p14:nvPr/>
+            </p14:nvContentPartPr>
+            <p14:xfrm>
+              <a:off x="3746725" y="2339788"/>
+              <a:ext cx="1141560" cy="614160"/>
+            </p14:xfrm>
+          </p:contentPart>
+        </mc:Choice>
+        <mc:Fallback xmlns="">
+          <p:pic>
+            <p:nvPicPr>
+              <p:cNvPr id="15" name="잉크 14">
+                <a:extLst>
+                  <a:ext uri="{FF2B5EF4-FFF2-40B4-BE49-F238E27FC236}">
+                    <a16:creationId xmlns:a16="http://schemas.microsoft.com/office/drawing/2014/main" id="{4235F7A0-A22A-0009-A1EA-88F087D4BA8E}"/>
+                  </a:ext>
+                </a:extLst>
+              </p:cNvPr>
+              <p:cNvPicPr/>
+              <p:nvPr/>
+            </p:nvPicPr>
+            <p:blipFill>
+              <a:blip r:embed="rId9"/>
+              <a:stretch>
+                <a:fillRect/>
+              </a:stretch>
+            </p:blipFill>
+            <p:spPr>
+              <a:xfrm>
+                <a:off x="3693085" y="2232148"/>
+                <a:ext cx="1249200" cy="829800"/>
+              </a:xfrm>
+              <a:prstGeom prst="rect">
+                <a:avLst/>
+              </a:prstGeom>
+            </p:spPr>
+          </p:pic>
+        </mc:Fallback>
+      </mc:AlternateContent>
+      <mc:AlternateContent xmlns:mc="http://schemas.openxmlformats.org/markup-compatibility/2006" xmlns:p14="http://schemas.microsoft.com/office/powerpoint/2010/main">
+        <mc:Choice Requires="p14">
+          <p:contentPart p14:bwMode="auto" r:id="rId10">
+            <p14:nvContentPartPr>
+              <p14:cNvPr id="20" name="잉크 19">
+                <a:extLst>
+                  <a:ext uri="{FF2B5EF4-FFF2-40B4-BE49-F238E27FC236}">
+                    <a16:creationId xmlns:a16="http://schemas.microsoft.com/office/drawing/2014/main" id="{0C4B830D-53E4-C678-3299-77CF93216E07}"/>
+                  </a:ext>
+                </a:extLst>
+              </p14:cNvPr>
+              <p14:cNvContentPartPr/>
+              <p14:nvPr/>
+            </p14:nvContentPartPr>
+            <p14:xfrm>
+              <a:off x="3573925" y="3251668"/>
+              <a:ext cx="2284200" cy="631440"/>
+            </p14:xfrm>
+          </p:contentPart>
+        </mc:Choice>
+        <mc:Fallback xmlns="">
+          <p:pic>
+            <p:nvPicPr>
+              <p:cNvPr id="20" name="잉크 19">
+                <a:extLst>
+                  <a:ext uri="{FF2B5EF4-FFF2-40B4-BE49-F238E27FC236}">
+                    <a16:creationId xmlns:a16="http://schemas.microsoft.com/office/drawing/2014/main" id="{0C4B830D-53E4-C678-3299-77CF93216E07}"/>
+                  </a:ext>
+                </a:extLst>
+              </p:cNvPr>
+              <p:cNvPicPr/>
+              <p:nvPr/>
+            </p:nvPicPr>
+            <p:blipFill>
+              <a:blip r:embed="rId11"/>
+              <a:stretch>
+                <a:fillRect/>
+              </a:stretch>
+            </p:blipFill>
+            <p:spPr>
+              <a:xfrm>
+                <a:off x="3519925" y="3143668"/>
+                <a:ext cx="2391840" cy="847080"/>
+              </a:xfrm>
+              <a:prstGeom prst="rect">
+                <a:avLst/>
+              </a:prstGeom>
+            </p:spPr>
+          </p:pic>
+        </mc:Fallback>
+      </mc:AlternateContent>
+      <mc:AlternateContent xmlns:mc="http://schemas.openxmlformats.org/markup-compatibility/2006" xmlns:p14="http://schemas.microsoft.com/office/powerpoint/2010/main">
+        <mc:Choice Requires="p14">
+          <p:contentPart p14:bwMode="auto" r:id="rId12">
+            <p14:nvContentPartPr>
+              <p14:cNvPr id="22" name="잉크 21">
+                <a:extLst>
+                  <a:ext uri="{FF2B5EF4-FFF2-40B4-BE49-F238E27FC236}">
+                    <a16:creationId xmlns:a16="http://schemas.microsoft.com/office/drawing/2014/main" id="{9567020D-21C0-04BB-34D9-D23930161640}"/>
+                  </a:ext>
+                </a:extLst>
+              </p14:cNvPr>
+              <p14:cNvContentPartPr/>
+              <p14:nvPr/>
+            </p14:nvContentPartPr>
+            <p14:xfrm>
+              <a:off x="2429485" y="2303068"/>
+              <a:ext cx="839160" cy="624240"/>
+            </p14:xfrm>
+          </p:contentPart>
+        </mc:Choice>
+        <mc:Fallback xmlns="">
+          <p:pic>
+            <p:nvPicPr>
+              <p:cNvPr id="22" name="잉크 21">
+                <a:extLst>
+                  <a:ext uri="{FF2B5EF4-FFF2-40B4-BE49-F238E27FC236}">
+                    <a16:creationId xmlns:a16="http://schemas.microsoft.com/office/drawing/2014/main" id="{9567020D-21C0-04BB-34D9-D23930161640}"/>
+                  </a:ext>
+                </a:extLst>
+              </p:cNvPr>
+              <p:cNvPicPr/>
+              <p:nvPr/>
+            </p:nvPicPr>
+            <p:blipFill>
+              <a:blip r:embed="rId13"/>
+              <a:stretch>
+                <a:fillRect/>
+              </a:stretch>
+            </p:blipFill>
+            <p:spPr>
+              <a:xfrm>
+                <a:off x="2375845" y="2195428"/>
+                <a:ext cx="946800" cy="839880"/>
+              </a:xfrm>
+              <a:prstGeom prst="rect">
+                <a:avLst/>
+              </a:prstGeom>
+            </p:spPr>
+          </p:pic>
+        </mc:Fallback>
+      </mc:AlternateContent>
     </p:spTree>
     <p:extLst>
       <p:ext uri="{BB962C8B-B14F-4D97-AF65-F5344CB8AC3E}">

--- a/발표자료/CUAI_딥러닝__0523.pptx
+++ b/발표자료/CUAI_딥러닝__0523.pptx
@@ -3169,7 +3169,11 @@
               <a:tabLst/>
               <a:defRPr/>
             </a:pPr>
-            <a:endParaRPr dirty="0"/>
+            <a:endParaRPr dirty="0">
+              <a:solidFill>
+                <a:schemeClr val="tx1"/>
+              </a:solidFill>
+            </a:endParaRPr>
           </a:p>
         </p:txBody>
       </p:sp>
@@ -15163,7 +15167,7 @@
         </p:nvSpPr>
         <p:spPr>
           <a:xfrm>
-            <a:off x="895989" y="339539"/>
+            <a:off x="895989" y="112473"/>
             <a:ext cx="8248011" cy="3944470"/>
           </a:xfrm>
           <a:prstGeom prst="rect">
@@ -15511,8 +15515,8 @@
         </p:nvSpPr>
         <p:spPr>
           <a:xfrm>
-            <a:off x="1568824" y="1556087"/>
-            <a:ext cx="6006352" cy="2031325"/>
+            <a:off x="1568823" y="1279088"/>
+            <a:ext cx="7624271" cy="2585323"/>
           </a:xfrm>
           <a:prstGeom prst="rect">
             <a:avLst/>
@@ -15713,6 +15717,87 @@
               <a:latin typeface="+mn-ea"/>
               <a:ea typeface="+mn-ea"/>
             </a:endParaRPr>
+          </a:p>
+          <a:p>
+            <a:pPr marL="285750" indent="-285750">
+              <a:buFont typeface="Wingdings" panose="05000000000000000000" pitchFamily="2" charset="2"/>
+              <a:buChar char="ü"/>
+            </a:pPr>
+            <a:endParaRPr lang="en-US" altLang="ko-KR" sz="1800" dirty="0">
+              <a:latin typeface="+mn-ea"/>
+              <a:ea typeface="+mn-ea"/>
+            </a:endParaRPr>
+          </a:p>
+          <a:p>
+            <a:r>
+              <a:rPr lang="en-US" altLang="ko-KR" sz="1800" b="1" dirty="0">
+                <a:latin typeface="+mn-ea"/>
+                <a:ea typeface="+mn-ea"/>
+              </a:rPr>
+              <a:t>-&gt; </a:t>
+            </a:r>
+            <a:r>
+              <a:rPr lang="ko-KR" altLang="en-US" sz="1800" b="1" dirty="0">
+                <a:latin typeface="+mn-ea"/>
+                <a:ea typeface="+mn-ea"/>
+              </a:rPr>
+              <a:t>기울기가 </a:t>
+            </a:r>
+            <a:r>
+              <a:rPr lang="en-US" altLang="ko-KR" sz="1800" b="1" dirty="0">
+                <a:latin typeface="+mn-ea"/>
+                <a:ea typeface="+mn-ea"/>
+              </a:rPr>
+              <a:t>0</a:t>
+            </a:r>
+            <a:r>
+              <a:rPr lang="ko-KR" altLang="en-US" sz="1800" b="1" dirty="0">
+                <a:latin typeface="+mn-ea"/>
+                <a:ea typeface="+mn-ea"/>
+              </a:rPr>
+              <a:t>인 지점을 풀 수 없다</a:t>
+            </a:r>
+            <a:r>
+              <a:rPr lang="en-US" altLang="ko-KR" sz="1800" b="1" dirty="0">
+                <a:latin typeface="+mn-ea"/>
+                <a:ea typeface="+mn-ea"/>
+              </a:rPr>
+              <a:t>  -&gt; </a:t>
+            </a:r>
+            <a:r>
+              <a:rPr lang="ko-KR" altLang="en-US" sz="1800" b="1" dirty="0" err="1">
+                <a:solidFill>
+                  <a:srgbClr val="FF9933"/>
+                </a:solidFill>
+                <a:latin typeface="+mn-ea"/>
+                <a:ea typeface="+mn-ea"/>
+              </a:rPr>
+              <a:t>경사하강법</a:t>
+            </a:r>
+            <a:r>
+              <a:rPr lang="ko-KR" altLang="en-US" sz="1800" b="1" dirty="0" err="1">
+                <a:solidFill>
+                  <a:schemeClr val="tx1"/>
+                </a:solidFill>
+                <a:latin typeface="+mn-ea"/>
+                <a:ea typeface="+mn-ea"/>
+              </a:rPr>
+              <a:t>을</a:t>
+            </a:r>
+            <a:r>
+              <a:rPr lang="ko-KR" altLang="en-US" sz="1800" b="1" dirty="0">
+                <a:latin typeface="+mn-ea"/>
+                <a:ea typeface="+mn-ea"/>
+              </a:rPr>
+              <a:t> 이용하자</a:t>
+            </a:r>
+            <a:r>
+              <a:rPr lang="en-US" altLang="ko-KR" sz="1800" b="1" dirty="0">
+                <a:latin typeface="+mn-ea"/>
+                <a:ea typeface="+mn-ea"/>
+              </a:rPr>
+              <a:t>!</a:t>
+            </a:r>
           </a:p>
         </p:txBody>
       </p:sp>
@@ -15738,8 +15823,8 @@
         </p:blipFill>
         <p:spPr>
           <a:xfrm>
-            <a:off x="2926645" y="3700138"/>
-            <a:ext cx="4047908" cy="1481300"/>
+            <a:off x="2865276" y="3801753"/>
+            <a:ext cx="3885328" cy="1421805"/>
           </a:xfrm>
           <a:prstGeom prst="rect">
             <a:avLst/>

--- a/발표자료/CUAI_딥러닝__0523.pptx
+++ b/발표자료/CUAI_딥러닝__0523.pptx
@@ -5,7 +5,7 @@
     <p:sldMasterId id="2147483659" r:id="rId1"/>
   </p:sldMasterIdLst>
   <p:notesMasterIdLst>
-    <p:notesMasterId r:id="rId24"/>
+    <p:notesMasterId r:id="rId26"/>
   </p:notesMasterIdLst>
   <p:sldIdLst>
     <p:sldId id="256" r:id="rId2"/>
@@ -17,31 +17,33 @@
     <p:sldId id="320" r:id="rId8"/>
     <p:sldId id="321" r:id="rId9"/>
     <p:sldId id="300" r:id="rId10"/>
-    <p:sldId id="302" r:id="rId11"/>
-    <p:sldId id="303" r:id="rId12"/>
-    <p:sldId id="322" r:id="rId13"/>
-    <p:sldId id="323" r:id="rId14"/>
-    <p:sldId id="305" r:id="rId15"/>
-    <p:sldId id="306" r:id="rId16"/>
-    <p:sldId id="307" r:id="rId17"/>
-    <p:sldId id="310" r:id="rId18"/>
-    <p:sldId id="311" r:id="rId19"/>
-    <p:sldId id="313" r:id="rId20"/>
-    <p:sldId id="314" r:id="rId21"/>
-    <p:sldId id="316" r:id="rId22"/>
-    <p:sldId id="280" r:id="rId23"/>
+    <p:sldId id="324" r:id="rId11"/>
+    <p:sldId id="302" r:id="rId12"/>
+    <p:sldId id="303" r:id="rId13"/>
+    <p:sldId id="322" r:id="rId14"/>
+    <p:sldId id="323" r:id="rId15"/>
+    <p:sldId id="325" r:id="rId16"/>
+    <p:sldId id="305" r:id="rId17"/>
+    <p:sldId id="306" r:id="rId18"/>
+    <p:sldId id="307" r:id="rId19"/>
+    <p:sldId id="310" r:id="rId20"/>
+    <p:sldId id="311" r:id="rId21"/>
+    <p:sldId id="313" r:id="rId22"/>
+    <p:sldId id="314" r:id="rId23"/>
+    <p:sldId id="316" r:id="rId24"/>
+    <p:sldId id="280" r:id="rId25"/>
   </p:sldIdLst>
   <p:sldSz cx="9144000" cy="5143500" type="screen16x9"/>
   <p:notesSz cx="6858000" cy="9144000"/>
   <p:embeddedFontLst>
     <p:embeddedFont>
       <p:font typeface="NanumGothic ExtraBold" panose="020B0600000101010101" charset="0"/>
-      <p:bold r:id="rId25"/>
+      <p:bold r:id="rId27"/>
     </p:embeddedFont>
     <p:embeddedFont>
       <p:font typeface="맑은 고딕" panose="020B0503020000020004" pitchFamily="50" charset="-127"/>
-      <p:regular r:id="rId26"/>
-      <p:bold r:id="rId27"/>
+      <p:regular r:id="rId28"/>
+      <p:bold r:id="rId29"/>
     </p:embeddedFont>
   </p:embeddedFontLst>
   <p:defaultTextStyle>
@@ -374,18 +376,18 @@
           <inkml:channelProperty channel="Y" name="resolution" value="1000" units="1/cm"/>
         </inkml:channelProperties>
       </inkml:inkSource>
-      <inkml:timestamp xml:id="ts0" timeString="2023-05-22T14:37:25.917"/>
+      <inkml:timestamp xml:id="ts0" timeString="2023-05-22T17:50:09.711"/>
     </inkml:context>
     <inkml:brush xml:id="br0">
       <inkml:brushProperty name="width" value="0.3" units="cm"/>
       <inkml:brushProperty name="height" value="0.6" units="cm"/>
-      <inkml:brushProperty name="color" value="#D9AEFF"/>
+      <inkml:brushProperty name="color" value="#FFACD5"/>
       <inkml:brushProperty name="tip" value="rectangle"/>
       <inkml:brushProperty name="rasterOp" value="maskPen"/>
       <inkml:brushProperty name="ignorePressure" value="1"/>
     </inkml:brush>
   </inkml:definitions>
-  <inkml:trace contextRef="#ctx0" brushRef="#br0">1 305,'92'1,"106"-3,-188 1,0 0,0-1,-1 0,1 0,-1-1,0-1,13-6,5-4,26-20,-7 4,60-30,138-59,-234 115,-1 0,0 1,1 0,-1 0,1 1,15-1,-23 3,0 0,0 0,0 1,0-1,-1 0,1 1,0-1,0 1,-1-1,1 1,0 0,-1 0,1 0,-1 0,1 0,-1 0,2 2,-1-2,-1 2,0-1,0 0,0 0,0 0,0 0,0 1,-1-1,1 0,-1 1,0-1,1 0,-1 1,0-1,0 1,-1 3,-1 4,1-1,-1 1,-1-1,0 0,0 0,-8 15,-34 49,30-50,-59 83,-136 150,172-211,2 0,2 3,3 1,-43 87,24-42,-66 90,8-12,106-169,1-1,-1 1,1-1,0 1,0 0,0 0,0 4,1-6,0-1,0 1,0 0,0-1,0 1,0 0,0-1,0 1,0 0,0-1,1 1,-1 0,0-1,0 1,1-1,-1 1,0 0,1-1,-1 1,1-1,-1 1,1 0,2 0,0 0,0 0,0-1,-1 1,1-1,0 1,0-1,0 0,0 0,0 0,0 0,0-1,0 1,5-3,53-13,-1-2,101-47,-156 63,335-174,-91 41,56-46,-213 121,-43 33,2 3,0 1,96-27,-101 35,-26 8,-10 2,1 1,0 1,0 0,1 0,-1 1,0 1,1 0,21 0,-32 2,1-1,0 0,-1 1,1-1,-1 1,1-1,-1 1,0 0,1-1,-1 1,0 0,1 0,-1 0,0 0,0 0,0 0,0 1,0-1,0 0,0 0,1 2,-1 0,-1-1,1 1,0 0,-1-1,0 1,1 0,-1-1,0 1,0 0,-1-1,0 5,-1 2,0-1,-1 1,0-1,0 0,-1 0,0-1,-5 8,-10 9,-1-2,0-1,-2 0,-30 21,-29 29,52-39,2 0,2 2,0 0,3 2,1 0,1 2,3 0,1 1,-13 48,26-77,0 0,1 0,0 1,-1 17,3-24,0-1,0 1,1-1,-1 0,1 1,0-1,0 1,0-1,0 0,1 0,-1 1,1-1,0 0,0-1,0 1,0 0,5 4,1-1,-1-1,1 0,0 0,0-1,1 0,0-1,-1 1,1-2,0 1,0-1,10 1,19 1,51-1,-72-3,92 3,-67 1</inkml:trace>
+  <inkml:trace contextRef="#ctx0" brushRef="#br0">0 1,'4043'0,"-4017"0</inkml:trace>
 </inkml:ink>
 </file>
 
@@ -403,36 +405,7 @@
           <inkml:channelProperty channel="Y" name="resolution" value="1000" units="1/cm"/>
         </inkml:channelProperties>
       </inkml:inkSource>
-      <inkml:timestamp xml:id="ts0" timeString="2023-05-22T14:37:28.671"/>
-    </inkml:context>
-    <inkml:brush xml:id="br0">
-      <inkml:brushProperty name="width" value="0.3" units="cm"/>
-      <inkml:brushProperty name="height" value="0.6" units="cm"/>
-      <inkml:brushProperty name="color" value="#D9AEFF"/>
-      <inkml:brushProperty name="tip" value="rectangle"/>
-      <inkml:brushProperty name="rasterOp" value="maskPen"/>
-      <inkml:brushProperty name="ignorePressure" value="1"/>
-    </inkml:brush>
-  </inkml:definitions>
-  <inkml:trace contextRef="#ctx0" brushRef="#br0">1 149,'0'1,"0"-1,0 1,1 0,-1-1,0 1,0-1,1 1,-1-1,0 1,1-1,-1 1,0-1,1 0,-1 1,1-1,-1 1,1-1,-1 0,1 0,-1 1,1-1,-1 0,1 0,-1 1,1-1,1 0,19 4,-17-3,19 1,1-1,0-1,0-1,-1-1,1-1,33-9,138-51,-159 50,35-16,-44 17,54-16,-78 27,0 0,0 0,0 1,0-1,0 1,0 0,0 0,0 0,1 0,-1 0,0 1,0 0,0-1,0 1,0 0,0 0,0 1,0-1,-1 1,1-1,0 1,-1 0,1 0,-1 0,0 0,0 0,0 1,0-1,0 1,0 0,0-1,-1 1,0 0,1 0,0 4,2 7,0-1,-2 1,1 0,-2 0,0 0,0 0,-2 0,0 0,0 0,-1 0,-1 0,0-1,-1 1,-10 22,-3 3,-2-1,-2-1,-40 55,-85 86,38-52,78-88,-69 93,86-111,1 1,0 0,2 1,-13 37,22-56,0-1,0 1,0-1,1 1,-1-1,1 1,0-1,0 1,0-1,0 1,0-1,0 1,1-1,-1 1,1-1,0 1,0-1,0 1,0-1,0 0,2 3,0-3,-1 1,1-2,-1 1,1 0,0-1,-1 1,1-1,0 0,0 0,0 0,0 0,1 0,-1-1,0 1,0-1,0 0,5 0,13-1,0-1,-1 0,1-1,20-7,79-29,-92 29,450-175,-350 127,200-125,-259 136,-1-3,96-92,-19 22,-85 74,-42 32,1 1,1 1,0 0,1 2,0 0,1 1,0 2,26-7,-8 3,-1-2,61-29,-92 38,-1 1,1 0,0 0,-1 1,13-2,-18 3,1 1,-1 0,0 0,0 0,0 0,0 1,0-1,0 0,0 1,0 0,0-1,0 1,0 0,0 0,0 0,0 0,0 0,-1 1,1-1,0 0,-1 1,1 0,-1-1,0 1,3 3,-2-1,0 0,-1 1,1-1,-1 0,0 1,0 0,0-1,0 1,-1-1,0 1,0 0,0-1,-1 1,1 0,-1-1,-3 9,-2 7,-2-1,-14 29,15-34,-165 285,-22-13,180-267,-270 378,218-311,38-51,-45 72,2 13,70-118,0-1,0 1,1 0,-1 0,0-1,1 1,-1 0,1 0,0 0,-1 0,1 0,0 0,0 3,1-4,-1 0,1 0,-1 0,1 0,0 0,-1 0,1 0,0 0,0-1,0 1,-1 0,1 0,0-1,0 1,0 0,0-1,0 1,0-1,1 1,-1-1,0 0,0 0,0 1,2-1,6 1,-1 0,1 0,-1-1,1 0,0-1,15-2,57-18,-69 18,320-112,-8-24,169-107,-413 204,-60 32,1 0,0 1,0 1,1 1,0 1,1 1,35-4,-56 9,0 0,0 0,0 1,0-1,0 0,0 1,0-1,0 1,0-1,0 1,0 0,0 0,0 0,-1 0,1 0,0 1,-1-1,1 0,-1 1,1-1,-1 1,0-1,1 1,-1 0,0 0,0 0,0-1,-1 1,1 0,1 4,0 4,0 1,0 0,-1 0,-1 17,0-18,-3 190,2-155</inkml:trace>
-</inkml:ink>
-</file>
-
-<file path=ppt/ink/ink5.xml><?xml version="1.0" encoding="utf-8"?>
-<inkml:ink xmlns:inkml="http://www.w3.org/2003/InkML">
-  <inkml:definitions>
-    <inkml:context xml:id="ctx0">
-      <inkml:inkSource xml:id="inkSrc0">
-        <inkml:traceFormat>
-          <inkml:channel name="X" type="integer" min="-2.14748E9" max="2.14748E9" units="cm"/>
-          <inkml:channel name="Y" type="integer" min="-2.14748E9" max="2.14748E9" units="cm"/>
-        </inkml:traceFormat>
-        <inkml:channelProperties>
-          <inkml:channelProperty channel="X" name="resolution" value="1000" units="1/cm"/>
-          <inkml:channelProperty channel="Y" name="resolution" value="1000" units="1/cm"/>
-        </inkml:channelProperties>
-      </inkml:inkSource>
-      <inkml:timestamp xml:id="ts0" timeString="2023-05-22T14:38:20.935"/>
+      <inkml:timestamp xml:id="ts0" timeString="2023-05-22T17:50:22.414"/>
     </inkml:context>
     <inkml:brush xml:id="br0">
       <inkml:brushProperty name="width" value="0.3" units="cm"/>
@@ -443,36 +416,7 @@
       <inkml:brushProperty name="ignorePressure" value="1"/>
     </inkml:brush>
   </inkml:definitions>
-  <inkml:trace contextRef="#ctx0" brushRef="#br0">158 381,'-1'-2,"0"1,0-1,0 1,0-1,0 1,0-1,1 1,-1-1,1 1,-1-1,1 0,0 1,0-1,0 0,0 1,0-1,0 0,0 0,0 1,0-1,1 0,-1 1,1-1,0 1,-1-1,1 1,0-1,1-2,3-3,-1 1,1-1,0 1,0 0,7-6,7-4,1 0,0 2,1 0,1 1,0 1,26-10,149-45,-70 27,-84 24,2 2,-1 2,2 2,-1 1,82-3,-108 12,-1-1,0 1,22 3,-36-2,1 0,-1 0,1 0,-1 0,0 1,0-1,0 1,0 0,0 0,0 1,0-1,-1 1,1 0,3 4,-6-6,0 1,1 0,-1-1,0 1,0 0,0 0,0 0,-1 0,1 0,0 0,-1 0,1 0,-1 0,0 0,0 0,0 4,0-2,-1 0,0 0,0-1,-1 1,1 0,-1 0,1-1,-5 7,-14 17,0-1,-2-1,-29 26,36-36,-319 286,125-119,168-145,-303 301,311-299,1 2,-31 53,61-92,1 0,0 0,0 0,0 0,0 0,1 0,-1 0,1 0,-1 0,1 0,-1 0,1 0,0 3,1-4,-1 0,1 1,-1-1,1 0,0 0,0 0,-1 0,1 0,0 0,0 0,0 0,0 0,0 0,1 0,-1 0,0-1,0 1,0-1,1 1,-1-1,0 1,1-1,-1 0,3 1,22 4,1 0,0-2,0-1,0-2,0 0,28-5,166-31,-218 35,397-92,-332 73,-1-4,0-2,112-64,-157 77,55-32,119-93,-57 12,-10 9,-38 43,-46 40,78-78,-92 80,2 2,1 0,2 3,0 0,41-20,-45 29,0 1,1 2,43-13,166-36,-186 52,-29 5,0 2,1 0,30 0,-55 5,-1 0,1 0,-1 0,1 0,-1 1,1-1,-1 1,0-1,1 1,-1 0,0 0,1 0,-1 0,0 1,0-1,3 3,-4-3,0 1,0-1,0 1,0-1,0 1,-1 0,1-1,0 1,-1 0,1-1,-1 1,0 0,0 0,1 0,-1-1,0 1,-1 3,-1 4,0 0,0 0,-1 0,0-1,-1 1,0-1,-10 15,-318 424,284-389,-431 534,429-531,-80 131,129-190,0-1,0 1,0 0,0-1,1 1,-1 0,0 0,1 0,-1 0,1 2,6-3,11-10,379-273,-130 86,116-54,-104 71,-11 7,-239 156,1 2,0 1,33-10,95-21,-98 30,-2-3,82-35,-23-13,-82 43,1 2,53-22,-80 39,0 1,0-1,1 1,-1 1,16-2,-22 3,0 0,0 0,0 0,0 0,0 0,0 1,1-1,-1 1,0-1,0 1,0 0,0 0,-1 0,1 0,0 0,0 0,0 0,-1 1,1-1,-1 0,1 1,-1 0,1-1,-1 1,0 0,0 0,0 0,1 3,-1-1,0 0,0 0,-1 0,1 0,-1 0,0 1,-1-1,1 0,-1 0,0 0,1 0,-4 8,-4 7,-13 26,18-39,-174 289,-23-8,122-178,32-44,-34 46,-90 168,154-243,2 0,-18 73,30-99,1-7,0 0,0 0,1 0,0 0,-1 0,1 0,0 0,0 1,1-1,-1 0,1 0,-1 0,1 0,2 5,-2-6,1 0,-1 0,1 0,0-1,-1 1,1 0,0-1,0 1,0-1,0 0,0 0,0 0,0 0,0 0,1 0,-1 0,0-1,0 1,1-1,-1 0,4 1,10-1,0-1,0-1,0 0,0-1,0 0,-1-2,1 0,16-8,72-33,162-98,-214 113,375-237,-312 193,-27 22,117-53,100-21,-197 78,-78 34,0 1,0 2,1 0,1 2,45-8,-32 13,-16 2,1 0,-1-2,0-2,47-16,-29 3,82-37,-107 46,-1-2,-1 0,33-27,-37 25,-8 7,0 1,0 0,13-7,-21 14,1-1,0 1,-1-1,1 1,-1 0,1-1,0 1,-1 0,1 0,0-1,-1 1,1 0,0 0,-1 0,1 0,0 0,-1 0,1 0,0 0,-1 0,1 0,0 1,-1-1,1 0,0 0,-1 1,1-1,-1 0,1 1,0-1,-1 0,1 1,-1-1,1 1,-1-1,1 1,-1-1,0 1,1 0,-1-1,0 1,1-1,-1 1,0 0,0-1,1 1,-1 0,1 6,1-1,-1 0,-1 0,1 9,-1-9,4 128,-19 177,3-227,-4-1,-3 0,-52 136,-39 11,55-122,34-65</inkml:trace>
-</inkml:ink>
-</file>
-
-<file path=ppt/ink/ink6.xml><?xml version="1.0" encoding="utf-8"?>
-<inkml:ink xmlns:inkml="http://www.w3.org/2003/InkML">
-  <inkml:definitions>
-    <inkml:context xml:id="ctx0">
-      <inkml:inkSource xml:id="inkSrc0">
-        <inkml:traceFormat>
-          <inkml:channel name="X" type="integer" min="-2.14748E9" max="2.14748E9" units="cm"/>
-          <inkml:channel name="Y" type="integer" min="-2.14748E9" max="2.14748E9" units="cm"/>
-        </inkml:traceFormat>
-        <inkml:channelProperties>
-          <inkml:channelProperty channel="X" name="resolution" value="1000" units="1/cm"/>
-          <inkml:channelProperty channel="Y" name="resolution" value="1000" units="1/cm"/>
-        </inkml:channelProperties>
-      </inkml:inkSource>
-      <inkml:timestamp xml:id="ts0" timeString="2023-05-22T14:38:27.153"/>
-    </inkml:context>
-    <inkml:brush xml:id="br0">
-      <inkml:brushProperty name="width" value="0.3" units="cm"/>
-      <inkml:brushProperty name="height" value="0.6" units="cm"/>
-      <inkml:brushProperty name="color" value="#A9D8FF"/>
-      <inkml:brushProperty name="tip" value="rectangle"/>
-      <inkml:brushProperty name="rasterOp" value="maskPen"/>
-      <inkml:brushProperty name="ignorePressure" value="1"/>
-    </inkml:brush>
-  </inkml:definitions>
-  <inkml:trace contextRef="#ctx0" brushRef="#br0">1 301,'3'2,"1"1,0-1,0 0,0 0,0-1,0 1,0-1,1 0,-1 0,0 0,1-1,-1 1,9-2,0 2,43 4,106-6,-129-2,-1-1,0-2,-1-1,55-19,145-72,-156 65,-45 18,2 2,61-19,160-36,-246 65,39-10,-42 12,-1 1,0-1,1 1,-1 0,0 0,1 0,-1 0,1 1,-1-1,5 2,-7-1,0-1,0 0,0 1,-1-1,1 1,0-1,0 1,-1 0,1-1,0 1,-1 0,1 0,-1-1,1 1,-1 0,1 0,-1 0,1 0,-1-1,0 1,1 0,-1 0,0 0,0 0,0 0,0 0,0 0,0 0,0 0,0 1,-10 31,-4-1,-2-1,-27 42,-50 56,-5 10,-91 122,169-236,0 0,1 1,2 0,0 2,2 0,-16 42,-11 39,22-61,-20 74,34-101,-1 0,-1 0,-1 0,-14 24,-52 70,21-34,-46 66,84-123,16-20,6-6,30-17,-1-2,-1-1,38-32,-17 12,102-67,108-84,-196 129,-33 31,41-31,54-37,53-37,-155 119,0 2,2 1,-1 2,59-19,-23 10,67-32,41-15,-170 68,0 1,0 0,0 0,0 0,0 1,0 0,0-1,5 2,-8-1,1 0,-1 1,1-1,-1 1,1-1,-1 1,0 0,1-1,-1 1,0 0,0 0,0 0,0 0,1 0,-1 0,-1 1,1-1,0 0,0 0,0 1,-1-1,1 0,0 1,-1-1,1 3,1 4,0 1,-1-1,0 1,0 0,-1 0,0-1,-1 1,0 0,0 0,-1-1,0 1,0-1,-1 0,-7 14,-6 11,-2-1,-27 37,21-32,-23 36,-104 145,142-206,0 0,1 1,1 0,0 1,-6 16,-20 73,25-66,2 0,-3 52,7-53,1-31,0 1,1 0,0 0,1 0,-1-1,3 10,-3-13,1 0,0-1,0 1,-1 0,1-1,0 1,0-1,0 1,1-1,-1 0,0 1,1-1,-1 0,0 0,1 0,-1 0,1 0,0 0,-1 0,1 0,0-1,0 1,-1-1,3 1,21 2,0-1,0-1,0-1,28-3,3-1,24 2,182-15,-232 13</inkml:trace>
+  <inkml:trace contextRef="#ctx0" brushRef="#br0">0 0,'2965'0,"-2932"0</inkml:trace>
 </inkml:ink>
 </file>
 
@@ -1168,7 +1112,7 @@
     </p:spTree>
     <p:extLst>
       <p:ext uri="{BB962C8B-B14F-4D97-AF65-F5344CB8AC3E}">
-        <p14:creationId xmlns:p14="http://schemas.microsoft.com/office/powerpoint/2010/main" val="1699552689"/>
+        <p14:creationId xmlns:p14="http://schemas.microsoft.com/office/powerpoint/2010/main" val="4132593968"/>
       </p:ext>
     </p:extLst>
   </p:cSld>
@@ -1287,7 +1231,7 @@
     </p:spTree>
     <p:extLst>
       <p:ext uri="{BB962C8B-B14F-4D97-AF65-F5344CB8AC3E}">
-        <p14:creationId xmlns:p14="http://schemas.microsoft.com/office/powerpoint/2010/main" val="33890626"/>
+        <p14:creationId xmlns:p14="http://schemas.microsoft.com/office/powerpoint/2010/main" val="1699552689"/>
       </p:ext>
     </p:extLst>
   </p:cSld>
@@ -1406,7 +1350,7 @@
     </p:spTree>
     <p:extLst>
       <p:ext uri="{BB962C8B-B14F-4D97-AF65-F5344CB8AC3E}">
-        <p14:creationId xmlns:p14="http://schemas.microsoft.com/office/powerpoint/2010/main" val="2702527516"/>
+        <p14:creationId xmlns:p14="http://schemas.microsoft.com/office/powerpoint/2010/main" val="33890626"/>
       </p:ext>
     </p:extLst>
   </p:cSld>
@@ -1525,7 +1469,7 @@
     </p:spTree>
     <p:extLst>
       <p:ext uri="{BB962C8B-B14F-4D97-AF65-F5344CB8AC3E}">
-        <p14:creationId xmlns:p14="http://schemas.microsoft.com/office/powerpoint/2010/main" val="655893098"/>
+        <p14:creationId xmlns:p14="http://schemas.microsoft.com/office/powerpoint/2010/main" val="2702527516"/>
       </p:ext>
     </p:extLst>
   </p:cSld>
@@ -1644,7 +1588,7 @@
     </p:spTree>
     <p:extLst>
       <p:ext uri="{BB962C8B-B14F-4D97-AF65-F5344CB8AC3E}">
-        <p14:creationId xmlns:p14="http://schemas.microsoft.com/office/powerpoint/2010/main" val="2934489116"/>
+        <p14:creationId xmlns:p14="http://schemas.microsoft.com/office/powerpoint/2010/main" val="655893098"/>
       </p:ext>
     </p:extLst>
   </p:cSld>
@@ -1763,7 +1707,7 @@
     </p:spTree>
     <p:extLst>
       <p:ext uri="{BB962C8B-B14F-4D97-AF65-F5344CB8AC3E}">
-        <p14:creationId xmlns:p14="http://schemas.microsoft.com/office/powerpoint/2010/main" val="3419303116"/>
+        <p14:creationId xmlns:p14="http://schemas.microsoft.com/office/powerpoint/2010/main" val="212502813"/>
       </p:ext>
     </p:extLst>
   </p:cSld>
@@ -1882,7 +1826,7 @@
     </p:spTree>
     <p:extLst>
       <p:ext uri="{BB962C8B-B14F-4D97-AF65-F5344CB8AC3E}">
-        <p14:creationId xmlns:p14="http://schemas.microsoft.com/office/powerpoint/2010/main" val="946182898"/>
+        <p14:creationId xmlns:p14="http://schemas.microsoft.com/office/powerpoint/2010/main" val="2934489116"/>
       </p:ext>
     </p:extLst>
   </p:cSld>
@@ -2001,7 +1945,7 @@
     </p:spTree>
     <p:extLst>
       <p:ext uri="{BB962C8B-B14F-4D97-AF65-F5344CB8AC3E}">
-        <p14:creationId xmlns:p14="http://schemas.microsoft.com/office/powerpoint/2010/main" val="3386765894"/>
+        <p14:creationId xmlns:p14="http://schemas.microsoft.com/office/powerpoint/2010/main" val="3419303116"/>
       </p:ext>
     </p:extLst>
   </p:cSld>
@@ -2120,7 +2064,7 @@
     </p:spTree>
     <p:extLst>
       <p:ext uri="{BB962C8B-B14F-4D97-AF65-F5344CB8AC3E}">
-        <p14:creationId xmlns:p14="http://schemas.microsoft.com/office/powerpoint/2010/main" val="3580517932"/>
+        <p14:creationId xmlns:p14="http://schemas.microsoft.com/office/powerpoint/2010/main" val="946182898"/>
       </p:ext>
     </p:extLst>
   </p:cSld>
@@ -2239,7 +2183,7 @@
     </p:spTree>
     <p:extLst>
       <p:ext uri="{BB962C8B-B14F-4D97-AF65-F5344CB8AC3E}">
-        <p14:creationId xmlns:p14="http://schemas.microsoft.com/office/powerpoint/2010/main" val="1159763410"/>
+        <p14:creationId xmlns:p14="http://schemas.microsoft.com/office/powerpoint/2010/main" val="3386765894"/>
       </p:ext>
     </p:extLst>
   </p:cSld>
@@ -2472,7 +2416,7 @@
     </p:spTree>
     <p:extLst>
       <p:ext uri="{BB962C8B-B14F-4D97-AF65-F5344CB8AC3E}">
-        <p14:creationId xmlns:p14="http://schemas.microsoft.com/office/powerpoint/2010/main" val="3388749787"/>
+        <p14:creationId xmlns:p14="http://schemas.microsoft.com/office/powerpoint/2010/main" val="3580517932"/>
       </p:ext>
     </p:extLst>
   </p:cSld>
@@ -2591,6 +2535,244 @@
     </p:spTree>
     <p:extLst>
       <p:ext uri="{BB962C8B-B14F-4D97-AF65-F5344CB8AC3E}">
+        <p14:creationId xmlns:p14="http://schemas.microsoft.com/office/powerpoint/2010/main" val="1159763410"/>
+      </p:ext>
+    </p:extLst>
+  </p:cSld>
+  <p:clrMapOvr>
+    <a:masterClrMapping/>
+  </p:clrMapOvr>
+</p:notes>
+</file>
+
+<file path=ppt/notesSlides/notesSlide22.xml><?xml version="1.0" encoding="utf-8"?>
+<p:notes xmlns:a="http://schemas.openxmlformats.org/drawingml/2006/main" xmlns:r="http://schemas.openxmlformats.org/officeDocument/2006/relationships" xmlns:p="http://schemas.openxmlformats.org/presentationml/2006/main" showMasterSp="0" showMasterPhAnim="0">
+  <p:cSld>
+    <p:spTree>
+      <p:nvGrpSpPr>
+        <p:cNvPr id="1" name="Shape 68"/>
+        <p:cNvGrpSpPr/>
+        <p:nvPr/>
+      </p:nvGrpSpPr>
+      <p:grpSpPr>
+        <a:xfrm>
+          <a:off x="0" y="0"/>
+          <a:ext cx="0" cy="0"/>
+          <a:chOff x="0" y="0"/>
+          <a:chExt cx="0" cy="0"/>
+        </a:xfrm>
+      </p:grpSpPr>
+      <p:sp>
+        <p:nvSpPr>
+          <p:cNvPr id="69" name="Google Shape;69;g118d7eca593_0_21:notes"/>
+          <p:cNvSpPr>
+            <a:spLocks noGrp="1" noRot="1" noChangeAspect="1"/>
+          </p:cNvSpPr>
+          <p:nvPr>
+            <p:ph type="sldImg" idx="2"/>
+          </p:nvPr>
+        </p:nvSpPr>
+        <p:spPr>
+          <a:xfrm>
+            <a:off x="381000" y="685800"/>
+            <a:ext cx="6096000" cy="3429000"/>
+          </a:xfrm>
+          <a:custGeom>
+            <a:avLst/>
+            <a:gdLst/>
+            <a:ahLst/>
+            <a:cxnLst/>
+            <a:rect l="l" t="t" r="r" b="b"/>
+            <a:pathLst>
+              <a:path w="120000" h="120000" extrusionOk="0">
+                <a:moveTo>
+                  <a:pt x="0" y="0"/>
+                </a:moveTo>
+                <a:lnTo>
+                  <a:pt x="120000" y="0"/>
+                </a:lnTo>
+                <a:lnTo>
+                  <a:pt x="120000" y="120000"/>
+                </a:lnTo>
+                <a:lnTo>
+                  <a:pt x="0" y="120000"/>
+                </a:lnTo>
+                <a:close/>
+              </a:path>
+            </a:pathLst>
+          </a:custGeom>
+        </p:spPr>
+      </p:sp>
+      <p:sp>
+        <p:nvSpPr>
+          <p:cNvPr id="70" name="Google Shape;70;g118d7eca593_0_21:notes"/>
+          <p:cNvSpPr txBox="1">
+            <a:spLocks noGrp="1"/>
+          </p:cNvSpPr>
+          <p:nvPr>
+            <p:ph type="body" idx="1"/>
+          </p:nvPr>
+        </p:nvSpPr>
+        <p:spPr>
+          <a:xfrm>
+            <a:off x="685800" y="4343400"/>
+            <a:ext cx="5486400" cy="4114800"/>
+          </a:xfrm>
+          <a:prstGeom prst="rect">
+            <a:avLst/>
+          </a:prstGeom>
+        </p:spPr>
+        <p:txBody>
+          <a:bodyPr spcFirstLastPara="1" wrap="square" lIns="91425" tIns="91425" rIns="91425" bIns="91425" anchor="t" anchorCtr="0">
+            <a:noAutofit/>
+          </a:bodyPr>
+          <a:lstStyle/>
+          <a:p>
+            <a:pPr marL="0" marR="0" lvl="0" indent="0" algn="l" defTabSz="914400" rtl="0" eaLnBrk="1" fontAlgn="auto" latinLnBrk="0" hangingPunct="1">
+              <a:lnSpc>
+                <a:spcPct val="100000"/>
+              </a:lnSpc>
+              <a:spcBef>
+                <a:spcPts val="0"/>
+              </a:spcBef>
+              <a:spcAft>
+                <a:spcPts val="0"/>
+              </a:spcAft>
+              <a:buClr>
+                <a:srgbClr val="000000"/>
+              </a:buClr>
+              <a:buSzPts val="1100"/>
+              <a:buFont typeface="Arial"/>
+              <a:buNone/>
+              <a:tabLst/>
+              <a:defRPr/>
+            </a:pPr>
+            <a:endParaRPr dirty="0"/>
+          </a:p>
+        </p:txBody>
+      </p:sp>
+    </p:spTree>
+    <p:extLst>
+      <p:ext uri="{BB962C8B-B14F-4D97-AF65-F5344CB8AC3E}">
+        <p14:creationId xmlns:p14="http://schemas.microsoft.com/office/powerpoint/2010/main" val="3388749787"/>
+      </p:ext>
+    </p:extLst>
+  </p:cSld>
+  <p:clrMapOvr>
+    <a:masterClrMapping/>
+  </p:clrMapOvr>
+</p:notes>
+</file>
+
+<file path=ppt/notesSlides/notesSlide23.xml><?xml version="1.0" encoding="utf-8"?>
+<p:notes xmlns:a="http://schemas.openxmlformats.org/drawingml/2006/main" xmlns:r="http://schemas.openxmlformats.org/officeDocument/2006/relationships" xmlns:p="http://schemas.openxmlformats.org/presentationml/2006/main" showMasterSp="0" showMasterPhAnim="0">
+  <p:cSld>
+    <p:spTree>
+      <p:nvGrpSpPr>
+        <p:cNvPr id="1" name="Shape 68"/>
+        <p:cNvGrpSpPr/>
+        <p:nvPr/>
+      </p:nvGrpSpPr>
+      <p:grpSpPr>
+        <a:xfrm>
+          <a:off x="0" y="0"/>
+          <a:ext cx="0" cy="0"/>
+          <a:chOff x="0" y="0"/>
+          <a:chExt cx="0" cy="0"/>
+        </a:xfrm>
+      </p:grpSpPr>
+      <p:sp>
+        <p:nvSpPr>
+          <p:cNvPr id="69" name="Google Shape;69;g118d7eca593_0_21:notes"/>
+          <p:cNvSpPr>
+            <a:spLocks noGrp="1" noRot="1" noChangeAspect="1"/>
+          </p:cNvSpPr>
+          <p:nvPr>
+            <p:ph type="sldImg" idx="2"/>
+          </p:nvPr>
+        </p:nvSpPr>
+        <p:spPr>
+          <a:xfrm>
+            <a:off x="381000" y="685800"/>
+            <a:ext cx="6096000" cy="3429000"/>
+          </a:xfrm>
+          <a:custGeom>
+            <a:avLst/>
+            <a:gdLst/>
+            <a:ahLst/>
+            <a:cxnLst/>
+            <a:rect l="l" t="t" r="r" b="b"/>
+            <a:pathLst>
+              <a:path w="120000" h="120000" extrusionOk="0">
+                <a:moveTo>
+                  <a:pt x="0" y="0"/>
+                </a:moveTo>
+                <a:lnTo>
+                  <a:pt x="120000" y="0"/>
+                </a:lnTo>
+                <a:lnTo>
+                  <a:pt x="120000" y="120000"/>
+                </a:lnTo>
+                <a:lnTo>
+                  <a:pt x="0" y="120000"/>
+                </a:lnTo>
+                <a:close/>
+              </a:path>
+            </a:pathLst>
+          </a:custGeom>
+        </p:spPr>
+      </p:sp>
+      <p:sp>
+        <p:nvSpPr>
+          <p:cNvPr id="70" name="Google Shape;70;g118d7eca593_0_21:notes"/>
+          <p:cNvSpPr txBox="1">
+            <a:spLocks noGrp="1"/>
+          </p:cNvSpPr>
+          <p:nvPr>
+            <p:ph type="body" idx="1"/>
+          </p:nvPr>
+        </p:nvSpPr>
+        <p:spPr>
+          <a:xfrm>
+            <a:off x="685800" y="4343400"/>
+            <a:ext cx="5486400" cy="4114800"/>
+          </a:xfrm>
+          <a:prstGeom prst="rect">
+            <a:avLst/>
+          </a:prstGeom>
+        </p:spPr>
+        <p:txBody>
+          <a:bodyPr spcFirstLastPara="1" wrap="square" lIns="91425" tIns="91425" rIns="91425" bIns="91425" anchor="t" anchorCtr="0">
+            <a:noAutofit/>
+          </a:bodyPr>
+          <a:lstStyle/>
+          <a:p>
+            <a:pPr marL="0" marR="0" lvl="0" indent="0" algn="l" defTabSz="914400" rtl="0" eaLnBrk="1" fontAlgn="auto" latinLnBrk="0" hangingPunct="1">
+              <a:lnSpc>
+                <a:spcPct val="100000"/>
+              </a:lnSpc>
+              <a:spcBef>
+                <a:spcPts val="0"/>
+              </a:spcBef>
+              <a:spcAft>
+                <a:spcPts val="0"/>
+              </a:spcAft>
+              <a:buClr>
+                <a:srgbClr val="000000"/>
+              </a:buClr>
+              <a:buSzPts val="1100"/>
+              <a:buFont typeface="Arial"/>
+              <a:buNone/>
+              <a:tabLst/>
+              <a:defRPr/>
+            </a:pPr>
+            <a:endParaRPr dirty="0"/>
+          </a:p>
+        </p:txBody>
+      </p:sp>
+    </p:spTree>
+    <p:extLst>
+      <p:ext uri="{BB962C8B-B14F-4D97-AF65-F5344CB8AC3E}">
         <p14:creationId xmlns:p14="http://schemas.microsoft.com/office/powerpoint/2010/main" val="1114105327"/>
       </p:ext>
     </p:extLst>
@@ -2601,7 +2783,7 @@
 </p:notes>
 </file>
 
-<file path=ppt/notesSlides/notesSlide22.xml><?xml version="1.0" encoding="utf-8"?>
+<file path=ppt/notesSlides/notesSlide24.xml><?xml version="1.0" encoding="utf-8"?>
 <p:notes xmlns:a="http://schemas.openxmlformats.org/drawingml/2006/main" xmlns:r="http://schemas.openxmlformats.org/officeDocument/2006/relationships" xmlns:p="http://schemas.openxmlformats.org/presentationml/2006/main" showMasterSp="0" showMasterPhAnim="0">
   <p:cSld>
     <p:spTree>
@@ -5699,8 +5881,8 @@
         </p:nvSpPr>
         <p:spPr>
           <a:xfrm>
-            <a:off x="1233522" y="439271"/>
-            <a:ext cx="7818426" cy="3764514"/>
+            <a:off x="1076761" y="1067825"/>
+            <a:ext cx="8421853" cy="3816520"/>
           </a:xfrm>
           <a:prstGeom prst="rect">
             <a:avLst/>
@@ -5963,15 +6145,25 @@
           </a:lstStyle>
           <a:p>
             <a:pPr algn="l"/>
-            <a:r>
-              <a:rPr lang="en-US" altLang="ko-KR" sz="3000" b="1" dirty="0">
-                <a:solidFill>
-                  <a:schemeClr val="tx1"/>
+            <a:endParaRPr lang="en-US" altLang="ko-KR" sz="2000" b="1" dirty="0">
+              <a:solidFill>
+                <a:schemeClr val="tx1"/>
+              </a:solidFill>
+              <a:latin typeface="+mn-ea"/>
+              <a:ea typeface="+mn-ea"/>
+            </a:endParaRPr>
+          </a:p>
+          <a:p>
+            <a:pPr marL="228600" indent="0" algn="l"/>
+            <a:r>
+              <a:rPr lang="ko-KR" altLang="en-US" sz="3000" b="1" dirty="0">
+                <a:solidFill>
+                  <a:srgbClr val="C00000"/>
                 </a:solidFill>
                 <a:latin typeface="+mn-ea"/>
                 <a:ea typeface="+mn-ea"/>
               </a:rPr>
-              <a:t>2. </a:t>
+              <a:t>       </a:t>
             </a:r>
             <a:r>
               <a:rPr lang="ko-KR" altLang="en-US" sz="3000" b="1" dirty="0" err="1">
@@ -6012,127 +6204,7 @@
             </a:endParaRPr>
           </a:p>
           <a:p>
-            <a:pPr algn="l"/>
-            <a:endParaRPr lang="en-US" altLang="ko-KR" sz="3000" b="1" dirty="0">
-              <a:solidFill>
-                <a:schemeClr val="tx1"/>
-              </a:solidFill>
-              <a:latin typeface="+mn-ea"/>
-              <a:ea typeface="+mn-ea"/>
-            </a:endParaRPr>
-          </a:p>
-          <a:p>
-            <a:pPr algn="l"/>
-            <a:r>
-              <a:rPr lang="en-US" altLang="ko-KR" sz="2400" b="1" dirty="0">
-                <a:solidFill>
-                  <a:schemeClr val="tx1"/>
-                </a:solidFill>
-                <a:latin typeface="+mn-ea"/>
-                <a:ea typeface="+mn-ea"/>
-              </a:rPr>
-              <a:t>-&gt; </a:t>
-            </a:r>
-            <a:r>
-              <a:rPr lang="ko-KR" altLang="en-US" sz="2400" b="1" dirty="0">
-                <a:solidFill>
-                  <a:schemeClr val="tx1"/>
-                </a:solidFill>
-                <a:latin typeface="+mn-ea"/>
-                <a:ea typeface="+mn-ea"/>
-              </a:rPr>
-              <a:t>손실함수의 기울기를 계산하는 효과적인 방법</a:t>
-            </a:r>
-            <a:endParaRPr lang="en-US" altLang="ko-KR" sz="2400" b="1" dirty="0">
-              <a:solidFill>
-                <a:schemeClr val="tx1"/>
-              </a:solidFill>
-              <a:latin typeface="+mn-ea"/>
-              <a:ea typeface="+mn-ea"/>
-            </a:endParaRPr>
-          </a:p>
-          <a:p>
-            <a:pPr algn="l"/>
-            <a:endParaRPr lang="en-US" altLang="ko-KR" sz="2400" b="1" dirty="0">
-              <a:solidFill>
-                <a:schemeClr val="tx1"/>
-              </a:solidFill>
-              <a:latin typeface="+mn-ea"/>
-              <a:ea typeface="+mn-ea"/>
-            </a:endParaRPr>
-          </a:p>
-          <a:p>
-            <a:pPr algn="l"/>
-            <a:endParaRPr lang="en-US" altLang="ko-KR" sz="2400" b="1" dirty="0">
-              <a:solidFill>
-                <a:schemeClr val="tx1"/>
-              </a:solidFill>
-              <a:latin typeface="+mn-ea"/>
-              <a:ea typeface="+mn-ea"/>
-            </a:endParaRPr>
-          </a:p>
-          <a:p>
-            <a:pPr algn="l"/>
-            <a:r>
-              <a:rPr lang="ko-KR" altLang="en-US" sz="2400" b="1" dirty="0">
-                <a:solidFill>
-                  <a:schemeClr val="tx1"/>
-                </a:solidFill>
-                <a:latin typeface="+mn-ea"/>
-                <a:ea typeface="+mn-ea"/>
-              </a:rPr>
-              <a:t>복잡한 미분 계산을 </a:t>
-            </a:r>
-            <a:endParaRPr lang="en-US" altLang="ko-KR" sz="2400" b="1" dirty="0">
-              <a:solidFill>
-                <a:schemeClr val="tx1"/>
-              </a:solidFill>
-              <a:latin typeface="+mn-ea"/>
-              <a:ea typeface="+mn-ea"/>
-            </a:endParaRPr>
-          </a:p>
-          <a:p>
-            <a:pPr algn="l"/>
-            <a:endParaRPr lang="en-US" altLang="ko-KR" sz="2400" b="1" dirty="0">
-              <a:solidFill>
-                <a:schemeClr val="tx1"/>
-              </a:solidFill>
-              <a:latin typeface="+mn-ea"/>
-              <a:ea typeface="+mn-ea"/>
-            </a:endParaRPr>
-          </a:p>
-          <a:p>
-            <a:pPr algn="l"/>
-            <a:r>
-              <a:rPr lang="en-US" altLang="ko-KR" sz="4000" b="1" dirty="0">
-                <a:solidFill>
-                  <a:srgbClr val="C00000"/>
-                </a:solidFill>
-                <a:latin typeface="+mn-ea"/>
-                <a:ea typeface="+mn-ea"/>
-              </a:rPr>
-              <a:t>“chain rule” </a:t>
-            </a:r>
-            <a:r>
-              <a:rPr lang="ko-KR" altLang="en-US" sz="2400" b="1" dirty="0">
-                <a:solidFill>
-                  <a:schemeClr val="tx1"/>
-                </a:solidFill>
-                <a:latin typeface="+mn-ea"/>
-                <a:ea typeface="+mn-ea"/>
-              </a:rPr>
-              <a:t>을 이용해서 간소화</a:t>
-            </a:r>
-            <a:endParaRPr lang="en-US" altLang="ko-KR" sz="2400" b="1" dirty="0">
-              <a:solidFill>
-                <a:schemeClr val="tx1"/>
-              </a:solidFill>
-              <a:latin typeface="+mn-ea"/>
-              <a:ea typeface="+mn-ea"/>
-            </a:endParaRPr>
-          </a:p>
-          <a:p>
-            <a:pPr algn="l"/>
+            <a:pPr marL="228600" indent="0" algn="l"/>
             <a:endParaRPr lang="en-US" altLang="ko-KR" sz="2000" b="1" dirty="0">
               <a:solidFill>
                 <a:schemeClr val="tx1"/>
@@ -6142,7 +6214,7 @@
             </a:endParaRPr>
           </a:p>
           <a:p>
-            <a:pPr algn="l"/>
+            <a:pPr marL="228600" indent="0" algn="l"/>
             <a:endParaRPr lang="en-US" altLang="ko-KR" sz="2000" b="1" dirty="0">
               <a:solidFill>
                 <a:schemeClr val="tx1"/>
@@ -6152,7 +6224,7 @@
             </a:endParaRPr>
           </a:p>
           <a:p>
-            <a:pPr algn="l"/>
+            <a:pPr marL="228600" indent="0" algn="l"/>
             <a:endParaRPr lang="en-US" altLang="ko-KR" sz="2000" b="1" dirty="0">
               <a:solidFill>
                 <a:schemeClr val="tx1"/>
@@ -6161,12 +6233,52 @@
               <a:ea typeface="+mn-ea"/>
             </a:endParaRPr>
           </a:p>
+          <a:p>
+            <a:pPr marL="228600" indent="0" algn="l"/>
+            <a:r>
+              <a:rPr lang="ko-KR" altLang="en-US" sz="2000" b="1" dirty="0">
+                <a:solidFill>
+                  <a:schemeClr val="tx1"/>
+                </a:solidFill>
+                <a:latin typeface="+mn-ea"/>
+                <a:ea typeface="+mn-ea"/>
+              </a:rPr>
+              <a:t>각 가중치에 대한</a:t>
+            </a:r>
+            <a:r>
+              <a:rPr lang="en-US" altLang="ko-KR" sz="2000" b="1" dirty="0">
+                <a:solidFill>
+                  <a:schemeClr val="tx1"/>
+                </a:solidFill>
+                <a:latin typeface="+mn-ea"/>
+                <a:ea typeface="+mn-ea"/>
+              </a:rPr>
+              <a:t> </a:t>
+            </a:r>
+            <a:r>
+              <a:rPr lang="ko-KR" altLang="en-US" sz="2000" b="1" dirty="0">
+                <a:solidFill>
+                  <a:schemeClr val="tx1"/>
+                </a:solidFill>
+                <a:latin typeface="+mn-ea"/>
+                <a:ea typeface="+mn-ea"/>
+              </a:rPr>
+              <a:t>손실함수의 기울기를 효율적으로 계산할 수 있다</a:t>
+            </a:r>
+            <a:endParaRPr lang="en-US" altLang="ko-KR" sz="2000" b="1" dirty="0">
+              <a:solidFill>
+                <a:schemeClr val="tx1"/>
+              </a:solidFill>
+              <a:latin typeface="+mn-ea"/>
+              <a:ea typeface="+mn-ea"/>
+            </a:endParaRPr>
+          </a:p>
         </p:txBody>
       </p:sp>
     </p:spTree>
     <p:extLst>
       <p:ext uri="{BB962C8B-B14F-4D97-AF65-F5344CB8AC3E}">
-        <p14:creationId xmlns:p14="http://schemas.microsoft.com/office/powerpoint/2010/main" val="327588936"/>
+        <p14:creationId xmlns:p14="http://schemas.microsoft.com/office/powerpoint/2010/main" val="695990149"/>
       </p:ext>
     </p:extLst>
   </p:cSld>
@@ -6303,8 +6415,8 @@
         </p:nvSpPr>
         <p:spPr>
           <a:xfrm>
-            <a:off x="1317844" y="570645"/>
-            <a:ext cx="7818426" cy="2790494"/>
+            <a:off x="1233522" y="439271"/>
+            <a:ext cx="7818426" cy="3764514"/>
           </a:xfrm>
           <a:prstGeom prst="rect">
             <a:avLst/>
@@ -6566,6 +6678,610 @@
             </a:lvl9pPr>
           </a:lstStyle>
           <a:p>
+            <a:pPr algn="l"/>
+            <a:r>
+              <a:rPr lang="en-US" altLang="ko-KR" sz="3000" b="1" dirty="0">
+                <a:solidFill>
+                  <a:schemeClr val="tx1"/>
+                </a:solidFill>
+                <a:latin typeface="+mn-ea"/>
+                <a:ea typeface="+mn-ea"/>
+              </a:rPr>
+              <a:t>2. </a:t>
+            </a:r>
+            <a:r>
+              <a:rPr lang="ko-KR" altLang="en-US" sz="3000" b="1" dirty="0" err="1">
+                <a:solidFill>
+                  <a:srgbClr val="C00000"/>
+                </a:solidFill>
+                <a:latin typeface="+mn-ea"/>
+                <a:ea typeface="+mn-ea"/>
+              </a:rPr>
+              <a:t>오차역전파법</a:t>
+            </a:r>
+            <a:r>
+              <a:rPr lang="ko-KR" altLang="en-US" sz="3000" b="1" dirty="0" err="1">
+                <a:solidFill>
+                  <a:schemeClr val="tx1"/>
+                </a:solidFill>
+                <a:latin typeface="+mn-ea"/>
+                <a:ea typeface="+mn-ea"/>
+              </a:rPr>
+              <a:t>을</a:t>
+            </a:r>
+            <a:r>
+              <a:rPr lang="ko-KR" altLang="en-US" sz="3000" b="1" dirty="0">
+                <a:solidFill>
+                  <a:schemeClr val="tx1"/>
+                </a:solidFill>
+                <a:latin typeface="+mn-ea"/>
+                <a:ea typeface="+mn-ea"/>
+              </a:rPr>
+              <a:t> 통한 기울기 계산</a:t>
+            </a:r>
+            <a:endParaRPr lang="en-US" altLang="ko-KR" sz="3000" b="1" dirty="0">
+              <a:solidFill>
+                <a:schemeClr val="tx1"/>
+              </a:solidFill>
+              <a:latin typeface="+mn-ea"/>
+              <a:ea typeface="+mn-ea"/>
+            </a:endParaRPr>
+          </a:p>
+          <a:p>
+            <a:pPr algn="l"/>
+            <a:endParaRPr lang="en-US" altLang="ko-KR" sz="3000" b="1" dirty="0">
+              <a:solidFill>
+                <a:schemeClr val="tx1"/>
+              </a:solidFill>
+              <a:latin typeface="+mn-ea"/>
+              <a:ea typeface="+mn-ea"/>
+            </a:endParaRPr>
+          </a:p>
+          <a:p>
+            <a:pPr algn="l"/>
+            <a:r>
+              <a:rPr lang="en-US" altLang="ko-KR" sz="2400" b="1" dirty="0">
+                <a:solidFill>
+                  <a:schemeClr val="tx1"/>
+                </a:solidFill>
+                <a:latin typeface="+mn-ea"/>
+                <a:ea typeface="+mn-ea"/>
+              </a:rPr>
+              <a:t>-&gt; </a:t>
+            </a:r>
+            <a:r>
+              <a:rPr lang="ko-KR" altLang="en-US" sz="2400" b="1" dirty="0">
+                <a:solidFill>
+                  <a:schemeClr val="tx1"/>
+                </a:solidFill>
+                <a:latin typeface="+mn-ea"/>
+                <a:ea typeface="+mn-ea"/>
+              </a:rPr>
+              <a:t>손실함수의 기울기를 계산하는 효과적인 방법</a:t>
+            </a:r>
+            <a:endParaRPr lang="en-US" altLang="ko-KR" sz="2400" b="1" dirty="0">
+              <a:solidFill>
+                <a:schemeClr val="tx1"/>
+              </a:solidFill>
+              <a:latin typeface="+mn-ea"/>
+              <a:ea typeface="+mn-ea"/>
+            </a:endParaRPr>
+          </a:p>
+          <a:p>
+            <a:pPr algn="l"/>
+            <a:endParaRPr lang="en-US" altLang="ko-KR" sz="2400" b="1" dirty="0">
+              <a:solidFill>
+                <a:schemeClr val="tx1"/>
+              </a:solidFill>
+              <a:latin typeface="+mn-ea"/>
+              <a:ea typeface="+mn-ea"/>
+            </a:endParaRPr>
+          </a:p>
+          <a:p>
+            <a:pPr algn="l"/>
+            <a:endParaRPr lang="en-US" altLang="ko-KR" sz="2400" b="1" dirty="0">
+              <a:solidFill>
+                <a:schemeClr val="tx1"/>
+              </a:solidFill>
+              <a:latin typeface="+mn-ea"/>
+              <a:ea typeface="+mn-ea"/>
+            </a:endParaRPr>
+          </a:p>
+          <a:p>
+            <a:pPr algn="l"/>
+            <a:r>
+              <a:rPr lang="ko-KR" altLang="en-US" sz="2400" b="1" dirty="0">
+                <a:solidFill>
+                  <a:schemeClr val="tx1"/>
+                </a:solidFill>
+                <a:latin typeface="+mn-ea"/>
+                <a:ea typeface="+mn-ea"/>
+              </a:rPr>
+              <a:t>복잡한 미분 계산을 </a:t>
+            </a:r>
+            <a:endParaRPr lang="en-US" altLang="ko-KR" sz="2400" b="1" dirty="0">
+              <a:solidFill>
+                <a:schemeClr val="tx1"/>
+              </a:solidFill>
+              <a:latin typeface="+mn-ea"/>
+              <a:ea typeface="+mn-ea"/>
+            </a:endParaRPr>
+          </a:p>
+          <a:p>
+            <a:pPr algn="l"/>
+            <a:endParaRPr lang="en-US" altLang="ko-KR" sz="2400" b="1" dirty="0">
+              <a:solidFill>
+                <a:schemeClr val="tx1"/>
+              </a:solidFill>
+              <a:latin typeface="+mn-ea"/>
+              <a:ea typeface="+mn-ea"/>
+            </a:endParaRPr>
+          </a:p>
+          <a:p>
+            <a:pPr algn="l"/>
+            <a:r>
+              <a:rPr lang="en-US" altLang="ko-KR" sz="4000" b="1" dirty="0">
+                <a:solidFill>
+                  <a:srgbClr val="C00000"/>
+                </a:solidFill>
+                <a:latin typeface="+mn-ea"/>
+                <a:ea typeface="+mn-ea"/>
+              </a:rPr>
+              <a:t>“chain rule” </a:t>
+            </a:r>
+            <a:r>
+              <a:rPr lang="ko-KR" altLang="en-US" sz="2400" b="1" dirty="0">
+                <a:solidFill>
+                  <a:schemeClr val="tx1"/>
+                </a:solidFill>
+                <a:latin typeface="+mn-ea"/>
+                <a:ea typeface="+mn-ea"/>
+              </a:rPr>
+              <a:t>을 이용해서 간소화</a:t>
+            </a:r>
+            <a:endParaRPr lang="en-US" altLang="ko-KR" sz="2400" b="1" dirty="0">
+              <a:solidFill>
+                <a:schemeClr val="tx1"/>
+              </a:solidFill>
+              <a:latin typeface="+mn-ea"/>
+              <a:ea typeface="+mn-ea"/>
+            </a:endParaRPr>
+          </a:p>
+          <a:p>
+            <a:pPr algn="l"/>
+            <a:endParaRPr lang="en-US" altLang="ko-KR" sz="2000" b="1" dirty="0">
+              <a:solidFill>
+                <a:schemeClr val="tx1"/>
+              </a:solidFill>
+              <a:latin typeface="+mn-ea"/>
+              <a:ea typeface="+mn-ea"/>
+            </a:endParaRPr>
+          </a:p>
+          <a:p>
+            <a:pPr algn="l"/>
+            <a:endParaRPr lang="en-US" altLang="ko-KR" sz="2000" b="1" dirty="0">
+              <a:solidFill>
+                <a:schemeClr val="tx1"/>
+              </a:solidFill>
+              <a:latin typeface="+mn-ea"/>
+              <a:ea typeface="+mn-ea"/>
+            </a:endParaRPr>
+          </a:p>
+          <a:p>
+            <a:pPr algn="l"/>
+            <a:endParaRPr lang="en-US" altLang="ko-KR" sz="2000" b="1" dirty="0">
+              <a:solidFill>
+                <a:schemeClr val="tx1"/>
+              </a:solidFill>
+              <a:latin typeface="+mn-ea"/>
+              <a:ea typeface="+mn-ea"/>
+            </a:endParaRPr>
+          </a:p>
+        </p:txBody>
+      </p:sp>
+    </p:spTree>
+    <p:extLst>
+      <p:ext uri="{BB962C8B-B14F-4D97-AF65-F5344CB8AC3E}">
+        <p14:creationId xmlns:p14="http://schemas.microsoft.com/office/powerpoint/2010/main" val="327588936"/>
+      </p:ext>
+    </p:extLst>
+  </p:cSld>
+  <p:clrMapOvr>
+    <a:masterClrMapping/>
+  </p:clrMapOvr>
+</p:sld>
+</file>
+
+<file path=ppt/slides/slide12.xml><?xml version="1.0" encoding="utf-8"?>
+<p:sld xmlns:a="http://schemas.openxmlformats.org/drawingml/2006/main" xmlns:r="http://schemas.openxmlformats.org/officeDocument/2006/relationships" xmlns:p="http://schemas.openxmlformats.org/presentationml/2006/main">
+  <p:cSld>
+    <p:spTree>
+      <p:nvGrpSpPr>
+        <p:cNvPr id="1" name="Shape 71"/>
+        <p:cNvGrpSpPr/>
+        <p:nvPr/>
+      </p:nvGrpSpPr>
+      <p:grpSpPr>
+        <a:xfrm>
+          <a:off x="0" y="0"/>
+          <a:ext cx="0" cy="0"/>
+          <a:chOff x="0" y="0"/>
+          <a:chExt cx="0" cy="0"/>
+        </a:xfrm>
+      </p:grpSpPr>
+      <p:sp>
+        <p:nvSpPr>
+          <p:cNvPr id="72" name="Google Shape;72;p15"/>
+          <p:cNvSpPr/>
+          <p:nvPr/>
+        </p:nvSpPr>
+        <p:spPr>
+          <a:xfrm>
+            <a:off x="0" y="-37950"/>
+            <a:ext cx="1181100" cy="5219400"/>
+          </a:xfrm>
+          <a:prstGeom prst="rect">
+            <a:avLst/>
+          </a:prstGeom>
+          <a:solidFill>
+            <a:srgbClr val="19264B"/>
+          </a:solidFill>
+          <a:ln>
+            <a:noFill/>
+          </a:ln>
+        </p:spPr>
+        <p:txBody>
+          <a:bodyPr spcFirstLastPara="1" wrap="square" lIns="91425" tIns="91425" rIns="91425" bIns="91425" anchor="ctr" anchorCtr="0">
+            <a:noAutofit/>
+          </a:bodyPr>
+          <a:lstStyle/>
+          <a:p>
+            <a:pPr marL="0" lvl="0" indent="0" algn="l" rtl="0">
+              <a:spcBef>
+                <a:spcPts val="0"/>
+              </a:spcBef>
+              <a:spcAft>
+                <a:spcPts val="0"/>
+              </a:spcAft>
+              <a:buNone/>
+            </a:pPr>
+            <a:endParaRPr/>
+          </a:p>
+        </p:txBody>
+      </p:sp>
+      <p:cxnSp>
+        <p:nvCxnSpPr>
+          <p:cNvPr id="73" name="Google Shape;73;p15"/>
+          <p:cNvCxnSpPr/>
+          <p:nvPr/>
+        </p:nvCxnSpPr>
+        <p:spPr>
+          <a:xfrm>
+            <a:off x="172875" y="-37950"/>
+            <a:ext cx="0" cy="2187000"/>
+          </a:xfrm>
+          <a:prstGeom prst="straightConnector1">
+            <a:avLst/>
+          </a:prstGeom>
+          <a:noFill/>
+          <a:ln w="38100" cap="flat" cmpd="sng">
+            <a:solidFill>
+              <a:schemeClr val="lt1"/>
+            </a:solidFill>
+            <a:prstDash val="solid"/>
+            <a:round/>
+            <a:headEnd type="none" w="med" len="med"/>
+            <a:tailEnd type="none" w="med" len="med"/>
+          </a:ln>
+        </p:spPr>
+      </p:cxnSp>
+      <p:pic>
+        <p:nvPicPr>
+          <p:cNvPr id="74" name="Google Shape;74;p15"/>
+          <p:cNvPicPr preferRelativeResize="0"/>
+          <p:nvPr/>
+        </p:nvPicPr>
+        <p:blipFill>
+          <a:blip r:embed="rId3">
+            <a:alphaModFix/>
+          </a:blip>
+          <a:stretch>
+            <a:fillRect/>
+          </a:stretch>
+        </p:blipFill>
+        <p:spPr>
+          <a:xfrm rot="5400000">
+            <a:off x="-928700" y="3071650"/>
+            <a:ext cx="3038475" cy="1181100"/>
+          </a:xfrm>
+          <a:prstGeom prst="rect">
+            <a:avLst/>
+          </a:prstGeom>
+          <a:noFill/>
+          <a:ln>
+            <a:noFill/>
+          </a:ln>
+        </p:spPr>
+      </p:pic>
+      <p:sp>
+        <p:nvSpPr>
+          <p:cNvPr id="3" name="텍스트 개체 틀 1">
+            <a:extLst>
+              <a:ext uri="{FF2B5EF4-FFF2-40B4-BE49-F238E27FC236}">
+                <a16:creationId xmlns:a16="http://schemas.microsoft.com/office/drawing/2014/main" id="{AFD635E0-167B-19DD-969A-2B42D207922A}"/>
+              </a:ext>
+            </a:extLst>
+          </p:cNvPr>
+          <p:cNvSpPr txBox="1">
+            <a:spLocks/>
+          </p:cNvSpPr>
+          <p:nvPr/>
+        </p:nvSpPr>
+        <p:spPr>
+          <a:xfrm>
+            <a:off x="1353963" y="309923"/>
+            <a:ext cx="7818426" cy="2790494"/>
+          </a:xfrm>
+          <a:prstGeom prst="rect">
+            <a:avLst/>
+          </a:prstGeom>
+          <a:noFill/>
+          <a:ln>
+            <a:noFill/>
+          </a:ln>
+        </p:spPr>
+        <p:txBody>
+          <a:bodyPr spcFirstLastPara="1" wrap="square" lIns="91425" tIns="91425" rIns="91425" bIns="91425" anchor="t" anchorCtr="0">
+            <a:normAutofit fontScale="92500" lnSpcReduction="20000"/>
+          </a:bodyPr>
+          <a:lstStyle>
+            <a:defPPr marR="0" lvl="0" algn="l" rtl="0">
+              <a:lnSpc>
+                <a:spcPct val="100000"/>
+              </a:lnSpc>
+              <a:spcBef>
+                <a:spcPts val="0"/>
+              </a:spcBef>
+              <a:spcAft>
+                <a:spcPts val="0"/>
+              </a:spcAft>
+            </a:defPPr>
+            <a:lvl1pPr marL="457200" marR="0" lvl="0" indent="-342900" algn="ctr" rtl="0">
+              <a:lnSpc>
+                <a:spcPct val="100000"/>
+              </a:lnSpc>
+              <a:spcBef>
+                <a:spcPts val="0"/>
+              </a:spcBef>
+              <a:spcAft>
+                <a:spcPts val="0"/>
+              </a:spcAft>
+              <a:buClr>
+                <a:schemeClr val="dk2"/>
+              </a:buClr>
+              <a:buSzPts val="2800"/>
+              <a:buFont typeface="Arial"/>
+              <a:buNone/>
+              <a:defRPr sz="2800" b="0" i="0" u="none" strike="noStrike" cap="none">
+                <a:solidFill>
+                  <a:schemeClr val="dk2"/>
+                </a:solidFill>
+                <a:latin typeface="Arial"/>
+                <a:ea typeface="Arial"/>
+                <a:cs typeface="Arial"/>
+                <a:sym typeface="Arial"/>
+              </a:defRPr>
+            </a:lvl1pPr>
+            <a:lvl2pPr marL="914400" marR="0" lvl="1" indent="-317500" algn="ctr" rtl="0">
+              <a:lnSpc>
+                <a:spcPct val="100000"/>
+              </a:lnSpc>
+              <a:spcBef>
+                <a:spcPts val="0"/>
+              </a:spcBef>
+              <a:spcAft>
+                <a:spcPts val="0"/>
+              </a:spcAft>
+              <a:buClr>
+                <a:schemeClr val="dk2"/>
+              </a:buClr>
+              <a:buSzPts val="2800"/>
+              <a:buFont typeface="Arial"/>
+              <a:buNone/>
+              <a:defRPr sz="2800" b="0" i="0" u="none" strike="noStrike" cap="none">
+                <a:solidFill>
+                  <a:schemeClr val="dk2"/>
+                </a:solidFill>
+                <a:latin typeface="Arial"/>
+                <a:ea typeface="Arial"/>
+                <a:cs typeface="Arial"/>
+                <a:sym typeface="Arial"/>
+              </a:defRPr>
+            </a:lvl2pPr>
+            <a:lvl3pPr marL="1371600" marR="0" lvl="2" indent="-317500" algn="ctr" rtl="0">
+              <a:lnSpc>
+                <a:spcPct val="100000"/>
+              </a:lnSpc>
+              <a:spcBef>
+                <a:spcPts val="0"/>
+              </a:spcBef>
+              <a:spcAft>
+                <a:spcPts val="0"/>
+              </a:spcAft>
+              <a:buClr>
+                <a:schemeClr val="dk2"/>
+              </a:buClr>
+              <a:buSzPts val="2800"/>
+              <a:buFont typeface="Arial"/>
+              <a:buNone/>
+              <a:defRPr sz="2800" b="0" i="0" u="none" strike="noStrike" cap="none">
+                <a:solidFill>
+                  <a:schemeClr val="dk2"/>
+                </a:solidFill>
+                <a:latin typeface="Arial"/>
+                <a:ea typeface="Arial"/>
+                <a:cs typeface="Arial"/>
+                <a:sym typeface="Arial"/>
+              </a:defRPr>
+            </a:lvl3pPr>
+            <a:lvl4pPr marL="1828800" marR="0" lvl="3" indent="-317500" algn="ctr" rtl="0">
+              <a:lnSpc>
+                <a:spcPct val="100000"/>
+              </a:lnSpc>
+              <a:spcBef>
+                <a:spcPts val="0"/>
+              </a:spcBef>
+              <a:spcAft>
+                <a:spcPts val="0"/>
+              </a:spcAft>
+              <a:buClr>
+                <a:schemeClr val="dk2"/>
+              </a:buClr>
+              <a:buSzPts val="2800"/>
+              <a:buFont typeface="Arial"/>
+              <a:buNone/>
+              <a:defRPr sz="2800" b="0" i="0" u="none" strike="noStrike" cap="none">
+                <a:solidFill>
+                  <a:schemeClr val="dk2"/>
+                </a:solidFill>
+                <a:latin typeface="Arial"/>
+                <a:ea typeface="Arial"/>
+                <a:cs typeface="Arial"/>
+                <a:sym typeface="Arial"/>
+              </a:defRPr>
+            </a:lvl4pPr>
+            <a:lvl5pPr marL="2286000" marR="0" lvl="4" indent="-317500" algn="ctr" rtl="0">
+              <a:lnSpc>
+                <a:spcPct val="100000"/>
+              </a:lnSpc>
+              <a:spcBef>
+                <a:spcPts val="0"/>
+              </a:spcBef>
+              <a:spcAft>
+                <a:spcPts val="0"/>
+              </a:spcAft>
+              <a:buClr>
+                <a:schemeClr val="dk2"/>
+              </a:buClr>
+              <a:buSzPts val="2800"/>
+              <a:buFont typeface="Arial"/>
+              <a:buNone/>
+              <a:defRPr sz="2800" b="0" i="0" u="none" strike="noStrike" cap="none">
+                <a:solidFill>
+                  <a:schemeClr val="dk2"/>
+                </a:solidFill>
+                <a:latin typeface="Arial"/>
+                <a:ea typeface="Arial"/>
+                <a:cs typeface="Arial"/>
+                <a:sym typeface="Arial"/>
+              </a:defRPr>
+            </a:lvl5pPr>
+            <a:lvl6pPr marL="2743200" marR="0" lvl="5" indent="-317500" algn="ctr" rtl="0">
+              <a:lnSpc>
+                <a:spcPct val="100000"/>
+              </a:lnSpc>
+              <a:spcBef>
+                <a:spcPts val="0"/>
+              </a:spcBef>
+              <a:spcAft>
+                <a:spcPts val="0"/>
+              </a:spcAft>
+              <a:buClr>
+                <a:schemeClr val="dk2"/>
+              </a:buClr>
+              <a:buSzPts val="2800"/>
+              <a:buFont typeface="Arial"/>
+              <a:buNone/>
+              <a:defRPr sz="2800" b="0" i="0" u="none" strike="noStrike" cap="none">
+                <a:solidFill>
+                  <a:schemeClr val="dk2"/>
+                </a:solidFill>
+                <a:latin typeface="Arial"/>
+                <a:ea typeface="Arial"/>
+                <a:cs typeface="Arial"/>
+                <a:sym typeface="Arial"/>
+              </a:defRPr>
+            </a:lvl6pPr>
+            <a:lvl7pPr marL="3200400" marR="0" lvl="6" indent="-317500" algn="ctr" rtl="0">
+              <a:lnSpc>
+                <a:spcPct val="100000"/>
+              </a:lnSpc>
+              <a:spcBef>
+                <a:spcPts val="0"/>
+              </a:spcBef>
+              <a:spcAft>
+                <a:spcPts val="0"/>
+              </a:spcAft>
+              <a:buClr>
+                <a:schemeClr val="dk2"/>
+              </a:buClr>
+              <a:buSzPts val="2800"/>
+              <a:buFont typeface="Arial"/>
+              <a:buNone/>
+              <a:defRPr sz="2800" b="0" i="0" u="none" strike="noStrike" cap="none">
+                <a:solidFill>
+                  <a:schemeClr val="dk2"/>
+                </a:solidFill>
+                <a:latin typeface="Arial"/>
+                <a:ea typeface="Arial"/>
+                <a:cs typeface="Arial"/>
+                <a:sym typeface="Arial"/>
+              </a:defRPr>
+            </a:lvl7pPr>
+            <a:lvl8pPr marL="3657600" marR="0" lvl="7" indent="-317500" algn="ctr" rtl="0">
+              <a:lnSpc>
+                <a:spcPct val="100000"/>
+              </a:lnSpc>
+              <a:spcBef>
+                <a:spcPts val="0"/>
+              </a:spcBef>
+              <a:spcAft>
+                <a:spcPts val="0"/>
+              </a:spcAft>
+              <a:buClr>
+                <a:schemeClr val="dk2"/>
+              </a:buClr>
+              <a:buSzPts val="2800"/>
+              <a:buFont typeface="Arial"/>
+              <a:buNone/>
+              <a:defRPr sz="2800" b="0" i="0" u="none" strike="noStrike" cap="none">
+                <a:solidFill>
+                  <a:schemeClr val="dk2"/>
+                </a:solidFill>
+                <a:latin typeface="Arial"/>
+                <a:ea typeface="Arial"/>
+                <a:cs typeface="Arial"/>
+                <a:sym typeface="Arial"/>
+              </a:defRPr>
+            </a:lvl8pPr>
+            <a:lvl9pPr marL="4114800" marR="0" lvl="8" indent="-317500" algn="ctr" rtl="0">
+              <a:lnSpc>
+                <a:spcPct val="100000"/>
+              </a:lnSpc>
+              <a:spcBef>
+                <a:spcPts val="0"/>
+              </a:spcBef>
+              <a:spcAft>
+                <a:spcPts val="0"/>
+              </a:spcAft>
+              <a:buClr>
+                <a:schemeClr val="dk2"/>
+              </a:buClr>
+              <a:buSzPts val="2800"/>
+              <a:buFont typeface="Arial"/>
+              <a:buNone/>
+              <a:defRPr sz="2800" b="0" i="0" u="none" strike="noStrike" cap="none">
+                <a:solidFill>
+                  <a:schemeClr val="dk2"/>
+                </a:solidFill>
+                <a:latin typeface="Arial"/>
+                <a:ea typeface="Arial"/>
+                <a:cs typeface="Arial"/>
+                <a:sym typeface="Arial"/>
+              </a:defRPr>
+            </a:lvl9pPr>
+          </a:lstStyle>
+          <a:p>
             <a:r>
               <a:rPr lang="en-US" altLang="ko-KR" sz="3000" b="1" dirty="0">
                 <a:solidFill>
@@ -6617,6 +7333,16 @@
           <a:p>
             <a:pPr algn="l"/>
             <a:r>
+              <a:rPr lang="en-US" altLang="ko-KR" sz="2000" b="1" dirty="0">
+                <a:solidFill>
+                  <a:schemeClr val="tx1"/>
+                </a:solidFill>
+                <a:latin typeface="+mj-ea"/>
+                <a:ea typeface="+mj-ea"/>
+              </a:rPr>
+              <a:t>* </a:t>
+            </a:r>
+            <a:r>
               <a:rPr lang="ko-KR" altLang="en-US" sz="2000" b="1" dirty="0">
                 <a:solidFill>
                   <a:schemeClr val="tx1"/>
@@ -6633,6 +7359,79 @@
               <a:latin typeface="+mj-ea"/>
               <a:ea typeface="+mj-ea"/>
             </a:endParaRPr>
+          </a:p>
+          <a:p>
+            <a:pPr algn="l"/>
+            <a:endParaRPr lang="en-US" altLang="ko-KR" sz="2000" b="1" dirty="0">
+              <a:solidFill>
+                <a:schemeClr val="tx1"/>
+              </a:solidFill>
+              <a:latin typeface="+mj-ea"/>
+              <a:ea typeface="+mj-ea"/>
+            </a:endParaRPr>
+          </a:p>
+          <a:p>
+            <a:pPr algn="l"/>
+            <a:r>
+              <a:rPr lang="ko-KR" altLang="en-US" sz="2000" b="1" dirty="0">
+                <a:solidFill>
+                  <a:schemeClr val="tx1"/>
+                </a:solidFill>
+                <a:latin typeface="+mj-ea"/>
+                <a:ea typeface="+mj-ea"/>
+              </a:rPr>
+              <a:t>합성함수의 미분</a:t>
+            </a:r>
+            <a:endParaRPr lang="en-US" altLang="ko-KR" sz="2000" b="1" dirty="0">
+              <a:solidFill>
+                <a:schemeClr val="tx1"/>
+              </a:solidFill>
+              <a:latin typeface="+mj-ea"/>
+              <a:ea typeface="+mj-ea"/>
+            </a:endParaRPr>
+          </a:p>
+          <a:p>
+            <a:pPr algn="l"/>
+            <a:endParaRPr lang="en-US" altLang="ko-KR" sz="2000" b="1" dirty="0">
+              <a:solidFill>
+                <a:schemeClr val="tx1"/>
+              </a:solidFill>
+              <a:latin typeface="+mj-ea"/>
+              <a:ea typeface="+mj-ea"/>
+            </a:endParaRPr>
+          </a:p>
+          <a:p>
+            <a:pPr algn="l"/>
+            <a:r>
+              <a:rPr lang="en-US" altLang="ko-KR" sz="2000" b="1" dirty="0">
+                <a:solidFill>
+                  <a:schemeClr val="tx1"/>
+                </a:solidFill>
+                <a:latin typeface="+mj-ea"/>
+                <a:ea typeface="+mj-ea"/>
+              </a:rPr>
+              <a:t>-&gt; </a:t>
+            </a:r>
+            <a:r>
+              <a:rPr lang="ko-KR" altLang="en-US" sz="2000" b="1" dirty="0">
+                <a:solidFill>
+                  <a:schemeClr val="tx1"/>
+                </a:solidFill>
+                <a:latin typeface="+mj-ea"/>
+                <a:ea typeface="+mj-ea"/>
+              </a:rPr>
+              <a:t>합성함수를 구성하는 각 함수의 미분의 곱으로 나타내어진다</a:t>
+            </a:r>
+            <a:r>
+              <a:rPr lang="en-US" altLang="ko-KR" sz="2000" b="1" dirty="0">
+                <a:solidFill>
+                  <a:schemeClr val="tx1"/>
+                </a:solidFill>
+                <a:latin typeface="+mj-ea"/>
+                <a:ea typeface="+mj-ea"/>
+              </a:rPr>
+              <a:t>.</a:t>
+            </a:r>
           </a:p>
           <a:p>
             <a:pPr algn="l"/>
@@ -6838,6 +7637,88 @@
           </p:pic>
         </mc:Fallback>
       </mc:AlternateContent>
+      <p:cxnSp>
+        <p:nvCxnSpPr>
+          <p:cNvPr id="5" name="직선 연결선 4">
+            <a:extLst>
+              <a:ext uri="{FF2B5EF4-FFF2-40B4-BE49-F238E27FC236}">
+                <a16:creationId xmlns:a16="http://schemas.microsoft.com/office/drawing/2014/main" id="{E9DF2E9E-7437-9DFD-FDC7-E066B881F329}"/>
+              </a:ext>
+            </a:extLst>
+          </p:cNvPr>
+          <p:cNvCxnSpPr/>
+          <p:nvPr/>
+        </p:nvCxnSpPr>
+        <p:spPr>
+          <a:xfrm flipH="1">
+            <a:off x="7685892" y="3156908"/>
+            <a:ext cx="721896" cy="711882"/>
+          </a:xfrm>
+          <a:prstGeom prst="line">
+            <a:avLst/>
+          </a:prstGeom>
+          <a:ln w="25400">
+            <a:solidFill>
+              <a:srgbClr val="C00000"/>
+            </a:solidFill>
+          </a:ln>
+        </p:spPr>
+        <p:style>
+          <a:lnRef idx="1">
+            <a:schemeClr val="accent1"/>
+          </a:lnRef>
+          <a:fillRef idx="0">
+            <a:schemeClr val="accent1"/>
+          </a:fillRef>
+          <a:effectRef idx="0">
+            <a:schemeClr val="accent1"/>
+          </a:effectRef>
+          <a:fontRef idx="minor">
+            <a:schemeClr val="tx1"/>
+          </a:fontRef>
+        </p:style>
+      </p:cxnSp>
+      <p:cxnSp>
+        <p:nvCxnSpPr>
+          <p:cNvPr id="7" name="직선 연결선 6">
+            <a:extLst>
+              <a:ext uri="{FF2B5EF4-FFF2-40B4-BE49-F238E27FC236}">
+                <a16:creationId xmlns:a16="http://schemas.microsoft.com/office/drawing/2014/main" id="{EA3DAB49-8C5C-7797-B698-15467B24B18E}"/>
+              </a:ext>
+            </a:extLst>
+          </p:cNvPr>
+          <p:cNvCxnSpPr/>
+          <p:nvPr/>
+        </p:nvCxnSpPr>
+        <p:spPr>
+          <a:xfrm flipH="1">
+            <a:off x="6728860" y="3892521"/>
+            <a:ext cx="721896" cy="711882"/>
+          </a:xfrm>
+          <a:prstGeom prst="line">
+            <a:avLst/>
+          </a:prstGeom>
+          <a:ln w="25400">
+            <a:solidFill>
+              <a:srgbClr val="C00000"/>
+            </a:solidFill>
+          </a:ln>
+        </p:spPr>
+        <p:style>
+          <a:lnRef idx="1">
+            <a:schemeClr val="accent1"/>
+          </a:lnRef>
+          <a:fillRef idx="0">
+            <a:schemeClr val="accent1"/>
+          </a:fillRef>
+          <a:effectRef idx="0">
+            <a:schemeClr val="accent1"/>
+          </a:effectRef>
+          <a:fontRef idx="minor">
+            <a:schemeClr val="tx1"/>
+          </a:fontRef>
+        </p:style>
+      </p:cxnSp>
     </p:spTree>
     <p:extLst>
       <p:ext uri="{BB962C8B-B14F-4D97-AF65-F5344CB8AC3E}">
@@ -6851,7 +7732,7 @@
 </p:sld>
 </file>
 
-<file path=ppt/slides/slide12.xml><?xml version="1.0" encoding="utf-8"?>
+<file path=ppt/slides/slide13.xml><?xml version="1.0" encoding="utf-8"?>
 <p:sld xmlns:a="http://schemas.openxmlformats.org/drawingml/2006/main" xmlns:r="http://schemas.openxmlformats.org/officeDocument/2006/relationships" xmlns:p="http://schemas.openxmlformats.org/presentationml/2006/main">
   <p:cSld>
     <p:spTree>
@@ -7420,7 +8301,7 @@
 </p:sld>
 </file>
 
-<file path=ppt/slides/slide13.xml><?xml version="1.0" encoding="utf-8"?>
+<file path=ppt/slides/slide14.xml><?xml version="1.0" encoding="utf-8"?>
 <p:sld xmlns:a="http://schemas.openxmlformats.org/drawingml/2006/main" xmlns:r="http://schemas.openxmlformats.org/officeDocument/2006/relationships" xmlns:p="http://schemas.openxmlformats.org/presentationml/2006/main">
   <p:cSld>
     <p:spTree>
@@ -7926,210 +8807,64 @@
           </a:ln>
         </p:spPr>
       </p:pic>
-      <mc:AlternateContent xmlns:mc="http://schemas.openxmlformats.org/markup-compatibility/2006" xmlns:p14="http://schemas.microsoft.com/office/powerpoint/2010/main">
-        <mc:Choice Requires="p14">
-          <p:contentPart p14:bwMode="auto" r:id="rId6">
-            <p14:nvContentPartPr>
-              <p14:cNvPr id="14" name="잉크 13">
-                <a:extLst>
-                  <a:ext uri="{FF2B5EF4-FFF2-40B4-BE49-F238E27FC236}">
-                    <a16:creationId xmlns:a16="http://schemas.microsoft.com/office/drawing/2014/main" id="{9F9D82E3-8088-548B-63F6-99FC5F95222C}"/>
-                  </a:ext>
-                </a:extLst>
-              </p14:cNvPr>
-              <p14:cNvContentPartPr/>
-              <p14:nvPr/>
-            </p14:nvContentPartPr>
-            <p14:xfrm>
-              <a:off x="2482765" y="1477228"/>
-              <a:ext cx="705600" cy="544680"/>
-            </p14:xfrm>
-          </p:contentPart>
-        </mc:Choice>
-        <mc:Fallback xmlns="">
-          <p:pic>
-            <p:nvPicPr>
-              <p:cNvPr id="14" name="잉크 13">
-                <a:extLst>
-                  <a:ext uri="{FF2B5EF4-FFF2-40B4-BE49-F238E27FC236}">
-                    <a16:creationId xmlns:a16="http://schemas.microsoft.com/office/drawing/2014/main" id="{9F9D82E3-8088-548B-63F6-99FC5F95222C}"/>
-                  </a:ext>
-                </a:extLst>
-              </p:cNvPr>
-              <p:cNvPicPr/>
-              <p:nvPr/>
-            </p:nvPicPr>
-            <p:blipFill>
-              <a:blip r:embed="rId7"/>
-              <a:stretch>
-                <a:fillRect/>
-              </a:stretch>
-            </p:blipFill>
-            <p:spPr>
-              <a:xfrm>
-                <a:off x="2429125" y="1369228"/>
-                <a:ext cx="813240" cy="760320"/>
-              </a:xfrm>
-              <a:prstGeom prst="rect">
-                <a:avLst/>
-              </a:prstGeom>
-            </p:spPr>
-          </p:pic>
-        </mc:Fallback>
-      </mc:AlternateContent>
-      <mc:AlternateContent xmlns:mc="http://schemas.openxmlformats.org/markup-compatibility/2006" xmlns:p14="http://schemas.microsoft.com/office/powerpoint/2010/main">
-        <mc:Choice Requires="p14">
-          <p:contentPart p14:bwMode="auto" r:id="rId8">
-            <p14:nvContentPartPr>
-              <p14:cNvPr id="15" name="잉크 14">
-                <a:extLst>
-                  <a:ext uri="{FF2B5EF4-FFF2-40B4-BE49-F238E27FC236}">
-                    <a16:creationId xmlns:a16="http://schemas.microsoft.com/office/drawing/2014/main" id="{4235F7A0-A22A-0009-A1EA-88F087D4BA8E}"/>
-                  </a:ext>
-                </a:extLst>
-              </p14:cNvPr>
-              <p14:cNvContentPartPr/>
-              <p14:nvPr/>
-            </p14:nvContentPartPr>
-            <p14:xfrm>
-              <a:off x="3746725" y="2339788"/>
-              <a:ext cx="1141560" cy="614160"/>
-            </p14:xfrm>
-          </p:contentPart>
-        </mc:Choice>
-        <mc:Fallback xmlns="">
-          <p:pic>
-            <p:nvPicPr>
-              <p:cNvPr id="15" name="잉크 14">
-                <a:extLst>
-                  <a:ext uri="{FF2B5EF4-FFF2-40B4-BE49-F238E27FC236}">
-                    <a16:creationId xmlns:a16="http://schemas.microsoft.com/office/drawing/2014/main" id="{4235F7A0-A22A-0009-A1EA-88F087D4BA8E}"/>
-                  </a:ext>
-                </a:extLst>
-              </p:cNvPr>
-              <p:cNvPicPr/>
-              <p:nvPr/>
-            </p:nvPicPr>
-            <p:blipFill>
-              <a:blip r:embed="rId9"/>
-              <a:stretch>
-                <a:fillRect/>
-              </a:stretch>
-            </p:blipFill>
-            <p:spPr>
-              <a:xfrm>
-                <a:off x="3693085" y="2232148"/>
-                <a:ext cx="1249200" cy="829800"/>
-              </a:xfrm>
-              <a:prstGeom prst="rect">
-                <a:avLst/>
-              </a:prstGeom>
-            </p:spPr>
-          </p:pic>
-        </mc:Fallback>
-      </mc:AlternateContent>
-      <mc:AlternateContent xmlns:mc="http://schemas.openxmlformats.org/markup-compatibility/2006" xmlns:p14="http://schemas.microsoft.com/office/powerpoint/2010/main">
-        <mc:Choice Requires="p14">
-          <p:contentPart p14:bwMode="auto" r:id="rId10">
-            <p14:nvContentPartPr>
-              <p14:cNvPr id="20" name="잉크 19">
-                <a:extLst>
-                  <a:ext uri="{FF2B5EF4-FFF2-40B4-BE49-F238E27FC236}">
-                    <a16:creationId xmlns:a16="http://schemas.microsoft.com/office/drawing/2014/main" id="{0C4B830D-53E4-C678-3299-77CF93216E07}"/>
-                  </a:ext>
-                </a:extLst>
-              </p14:cNvPr>
-              <p14:cNvContentPartPr/>
-              <p14:nvPr/>
-            </p14:nvContentPartPr>
-            <p14:xfrm>
-              <a:off x="3573925" y="3251668"/>
-              <a:ext cx="2284200" cy="631440"/>
-            </p14:xfrm>
-          </p:contentPart>
-        </mc:Choice>
-        <mc:Fallback xmlns="">
-          <p:pic>
-            <p:nvPicPr>
-              <p:cNvPr id="20" name="잉크 19">
-                <a:extLst>
-                  <a:ext uri="{FF2B5EF4-FFF2-40B4-BE49-F238E27FC236}">
-                    <a16:creationId xmlns:a16="http://schemas.microsoft.com/office/drawing/2014/main" id="{0C4B830D-53E4-C678-3299-77CF93216E07}"/>
-                  </a:ext>
-                </a:extLst>
-              </p:cNvPr>
-              <p:cNvPicPr/>
-              <p:nvPr/>
-            </p:nvPicPr>
-            <p:blipFill>
-              <a:blip r:embed="rId11"/>
-              <a:stretch>
-                <a:fillRect/>
-              </a:stretch>
-            </p:blipFill>
-            <p:spPr>
-              <a:xfrm>
-                <a:off x="3519925" y="3143668"/>
-                <a:ext cx="2391840" cy="847080"/>
-              </a:xfrm>
-              <a:prstGeom prst="rect">
-                <a:avLst/>
-              </a:prstGeom>
-            </p:spPr>
-          </p:pic>
-        </mc:Fallback>
-      </mc:AlternateContent>
-      <mc:AlternateContent xmlns:mc="http://schemas.openxmlformats.org/markup-compatibility/2006" xmlns:p14="http://schemas.microsoft.com/office/powerpoint/2010/main">
-        <mc:Choice Requires="p14">
-          <p:contentPart p14:bwMode="auto" r:id="rId12">
-            <p14:nvContentPartPr>
-              <p14:cNvPr id="22" name="잉크 21">
-                <a:extLst>
-                  <a:ext uri="{FF2B5EF4-FFF2-40B4-BE49-F238E27FC236}">
-                    <a16:creationId xmlns:a16="http://schemas.microsoft.com/office/drawing/2014/main" id="{9567020D-21C0-04BB-34D9-D23930161640}"/>
-                  </a:ext>
-                </a:extLst>
-              </p14:cNvPr>
-              <p14:cNvContentPartPr/>
-              <p14:nvPr/>
-            </p14:nvContentPartPr>
-            <p14:xfrm>
-              <a:off x="2429485" y="2303068"/>
-              <a:ext cx="839160" cy="624240"/>
-            </p14:xfrm>
-          </p:contentPart>
-        </mc:Choice>
-        <mc:Fallback xmlns="">
-          <p:pic>
-            <p:nvPicPr>
-              <p:cNvPr id="22" name="잉크 21">
-                <a:extLst>
-                  <a:ext uri="{FF2B5EF4-FFF2-40B4-BE49-F238E27FC236}">
-                    <a16:creationId xmlns:a16="http://schemas.microsoft.com/office/drawing/2014/main" id="{9567020D-21C0-04BB-34D9-D23930161640}"/>
-                  </a:ext>
-                </a:extLst>
-              </p:cNvPr>
-              <p:cNvPicPr/>
-              <p:nvPr/>
-            </p:nvPicPr>
-            <p:blipFill>
-              <a:blip r:embed="rId13"/>
-              <a:stretch>
-                <a:fillRect/>
-              </a:stretch>
-            </p:blipFill>
-            <p:spPr>
-              <a:xfrm>
-                <a:off x="2375845" y="2195428"/>
-                <a:ext cx="946800" cy="839880"/>
-              </a:xfrm>
-              <a:prstGeom prst="rect">
-                <a:avLst/>
-              </a:prstGeom>
-            </p:spPr>
-          </p:pic>
-        </mc:Fallback>
-      </mc:AlternateContent>
+      <p:sp>
+        <p:nvSpPr>
+          <p:cNvPr id="2" name="TextBox 1">
+            <a:extLst>
+              <a:ext uri="{FF2B5EF4-FFF2-40B4-BE49-F238E27FC236}">
+                <a16:creationId xmlns:a16="http://schemas.microsoft.com/office/drawing/2014/main" id="{800B3130-1660-3BB2-09B5-BAB4A3D2AADF}"/>
+              </a:ext>
+            </a:extLst>
+          </p:cNvPr>
+          <p:cNvSpPr txBox="1"/>
+          <p:nvPr/>
+        </p:nvSpPr>
+        <p:spPr>
+          <a:xfrm>
+            <a:off x="1239656" y="3933761"/>
+            <a:ext cx="2012907" cy="523220"/>
+          </a:xfrm>
+          <a:prstGeom prst="rect">
+            <a:avLst/>
+          </a:prstGeom>
+          <a:noFill/>
+        </p:spPr>
+        <p:txBody>
+          <a:bodyPr wrap="square" rtlCol="0">
+            <a:spAutoFit/>
+          </a:bodyPr>
+          <a:lstStyle/>
+          <a:p>
+            <a:r>
+              <a:rPr lang="ko-KR" altLang="en-US" dirty="0">
+                <a:solidFill>
+                  <a:srgbClr val="C00000"/>
+                </a:solidFill>
+                <a:latin typeface="+mn-ea"/>
+                <a:ea typeface="+mn-ea"/>
+              </a:rPr>
+              <a:t>대다수의 계산들이 재사용된다</a:t>
+            </a:r>
+            <a:r>
+              <a:rPr lang="en-US" altLang="ko-KR" dirty="0">
+                <a:solidFill>
+                  <a:srgbClr val="C00000"/>
+                </a:solidFill>
+                <a:latin typeface="+mn-ea"/>
+                <a:ea typeface="+mn-ea"/>
+              </a:rPr>
+              <a:t>!</a:t>
+            </a:r>
+            <a:endParaRPr lang="ko-KR" altLang="en-US" dirty="0">
+              <a:solidFill>
+                <a:srgbClr val="C00000"/>
+              </a:solidFill>
+              <a:latin typeface="+mn-ea"/>
+              <a:ea typeface="+mn-ea"/>
+            </a:endParaRPr>
+          </a:p>
+        </p:txBody>
+      </p:sp>
     </p:spTree>
     <p:extLst>
       <p:ext uri="{BB962C8B-B14F-4D97-AF65-F5344CB8AC3E}">
@@ -8143,7 +8878,556 @@
 </p:sld>
 </file>
 
-<file path=ppt/slides/slide14.xml><?xml version="1.0" encoding="utf-8"?>
+<file path=ppt/slides/slide15.xml><?xml version="1.0" encoding="utf-8"?>
+<p:sld xmlns:a="http://schemas.openxmlformats.org/drawingml/2006/main" xmlns:r="http://schemas.openxmlformats.org/officeDocument/2006/relationships" xmlns:p="http://schemas.openxmlformats.org/presentationml/2006/main">
+  <p:cSld>
+    <p:spTree>
+      <p:nvGrpSpPr>
+        <p:cNvPr id="1" name="Shape 71"/>
+        <p:cNvGrpSpPr/>
+        <p:nvPr/>
+      </p:nvGrpSpPr>
+      <p:grpSpPr>
+        <a:xfrm>
+          <a:off x="0" y="0"/>
+          <a:ext cx="0" cy="0"/>
+          <a:chOff x="0" y="0"/>
+          <a:chExt cx="0" cy="0"/>
+        </a:xfrm>
+      </p:grpSpPr>
+      <p:sp>
+        <p:nvSpPr>
+          <p:cNvPr id="72" name="Google Shape;72;p15"/>
+          <p:cNvSpPr/>
+          <p:nvPr/>
+        </p:nvSpPr>
+        <p:spPr>
+          <a:xfrm>
+            <a:off x="0" y="-37950"/>
+            <a:ext cx="1181100" cy="5219400"/>
+          </a:xfrm>
+          <a:prstGeom prst="rect">
+            <a:avLst/>
+          </a:prstGeom>
+          <a:solidFill>
+            <a:srgbClr val="19264B"/>
+          </a:solidFill>
+          <a:ln>
+            <a:noFill/>
+          </a:ln>
+        </p:spPr>
+        <p:txBody>
+          <a:bodyPr spcFirstLastPara="1" wrap="square" lIns="91425" tIns="91425" rIns="91425" bIns="91425" anchor="ctr" anchorCtr="0">
+            <a:noAutofit/>
+          </a:bodyPr>
+          <a:lstStyle/>
+          <a:p>
+            <a:pPr marL="0" lvl="0" indent="0" algn="l" rtl="0">
+              <a:spcBef>
+                <a:spcPts val="0"/>
+              </a:spcBef>
+              <a:spcAft>
+                <a:spcPts val="0"/>
+              </a:spcAft>
+              <a:buNone/>
+            </a:pPr>
+            <a:endParaRPr/>
+          </a:p>
+        </p:txBody>
+      </p:sp>
+      <p:cxnSp>
+        <p:nvCxnSpPr>
+          <p:cNvPr id="73" name="Google Shape;73;p15"/>
+          <p:cNvCxnSpPr/>
+          <p:nvPr/>
+        </p:nvCxnSpPr>
+        <p:spPr>
+          <a:xfrm>
+            <a:off x="172875" y="-37950"/>
+            <a:ext cx="0" cy="2187000"/>
+          </a:xfrm>
+          <a:prstGeom prst="straightConnector1">
+            <a:avLst/>
+          </a:prstGeom>
+          <a:noFill/>
+          <a:ln w="38100" cap="flat" cmpd="sng">
+            <a:solidFill>
+              <a:schemeClr val="lt1"/>
+            </a:solidFill>
+            <a:prstDash val="solid"/>
+            <a:round/>
+            <a:headEnd type="none" w="med" len="med"/>
+            <a:tailEnd type="none" w="med" len="med"/>
+          </a:ln>
+        </p:spPr>
+      </p:cxnSp>
+      <p:pic>
+        <p:nvPicPr>
+          <p:cNvPr id="74" name="Google Shape;74;p15"/>
+          <p:cNvPicPr preferRelativeResize="0"/>
+          <p:nvPr/>
+        </p:nvPicPr>
+        <p:blipFill>
+          <a:blip r:embed="rId3">
+            <a:alphaModFix/>
+          </a:blip>
+          <a:stretch>
+            <a:fillRect/>
+          </a:stretch>
+        </p:blipFill>
+        <p:spPr>
+          <a:xfrm rot="5400000">
+            <a:off x="-928700" y="3071650"/>
+            <a:ext cx="3038475" cy="1181100"/>
+          </a:xfrm>
+          <a:prstGeom prst="rect">
+            <a:avLst/>
+          </a:prstGeom>
+          <a:noFill/>
+          <a:ln>
+            <a:noFill/>
+          </a:ln>
+        </p:spPr>
+      </p:pic>
+      <p:sp>
+        <p:nvSpPr>
+          <p:cNvPr id="3" name="텍스트 개체 틀 1">
+            <a:extLst>
+              <a:ext uri="{FF2B5EF4-FFF2-40B4-BE49-F238E27FC236}">
+                <a16:creationId xmlns:a16="http://schemas.microsoft.com/office/drawing/2014/main" id="{AFD635E0-167B-19DD-969A-2B42D207922A}"/>
+              </a:ext>
+            </a:extLst>
+          </p:cNvPr>
+          <p:cNvSpPr txBox="1">
+            <a:spLocks/>
+          </p:cNvSpPr>
+          <p:nvPr/>
+        </p:nvSpPr>
+        <p:spPr>
+          <a:xfrm>
+            <a:off x="1304417" y="260705"/>
+            <a:ext cx="7818426" cy="3764514"/>
+          </a:xfrm>
+          <a:prstGeom prst="rect">
+            <a:avLst/>
+          </a:prstGeom>
+          <a:noFill/>
+          <a:ln>
+            <a:noFill/>
+          </a:ln>
+        </p:spPr>
+        <p:txBody>
+          <a:bodyPr spcFirstLastPara="1" wrap="square" lIns="91425" tIns="91425" rIns="91425" bIns="91425" anchor="t" anchorCtr="0">
+            <a:normAutofit/>
+          </a:bodyPr>
+          <a:lstStyle>
+            <a:defPPr marR="0" lvl="0" algn="l" rtl="0">
+              <a:lnSpc>
+                <a:spcPct val="100000"/>
+              </a:lnSpc>
+              <a:spcBef>
+                <a:spcPts val="0"/>
+              </a:spcBef>
+              <a:spcAft>
+                <a:spcPts val="0"/>
+              </a:spcAft>
+            </a:defPPr>
+            <a:lvl1pPr marL="457200" marR="0" lvl="0" indent="-342900" algn="ctr" rtl="0">
+              <a:lnSpc>
+                <a:spcPct val="100000"/>
+              </a:lnSpc>
+              <a:spcBef>
+                <a:spcPts val="0"/>
+              </a:spcBef>
+              <a:spcAft>
+                <a:spcPts val="0"/>
+              </a:spcAft>
+              <a:buClr>
+                <a:schemeClr val="dk2"/>
+              </a:buClr>
+              <a:buSzPts val="2800"/>
+              <a:buFont typeface="Arial"/>
+              <a:buNone/>
+              <a:defRPr sz="2800" b="0" i="0" u="none" strike="noStrike" cap="none">
+                <a:solidFill>
+                  <a:schemeClr val="dk2"/>
+                </a:solidFill>
+                <a:latin typeface="Arial"/>
+                <a:ea typeface="Arial"/>
+                <a:cs typeface="Arial"/>
+                <a:sym typeface="Arial"/>
+              </a:defRPr>
+            </a:lvl1pPr>
+            <a:lvl2pPr marL="914400" marR="0" lvl="1" indent="-317500" algn="ctr" rtl="0">
+              <a:lnSpc>
+                <a:spcPct val="100000"/>
+              </a:lnSpc>
+              <a:spcBef>
+                <a:spcPts val="0"/>
+              </a:spcBef>
+              <a:spcAft>
+                <a:spcPts val="0"/>
+              </a:spcAft>
+              <a:buClr>
+                <a:schemeClr val="dk2"/>
+              </a:buClr>
+              <a:buSzPts val="2800"/>
+              <a:buFont typeface="Arial"/>
+              <a:buNone/>
+              <a:defRPr sz="2800" b="0" i="0" u="none" strike="noStrike" cap="none">
+                <a:solidFill>
+                  <a:schemeClr val="dk2"/>
+                </a:solidFill>
+                <a:latin typeface="Arial"/>
+                <a:ea typeface="Arial"/>
+                <a:cs typeface="Arial"/>
+                <a:sym typeface="Arial"/>
+              </a:defRPr>
+            </a:lvl2pPr>
+            <a:lvl3pPr marL="1371600" marR="0" lvl="2" indent="-317500" algn="ctr" rtl="0">
+              <a:lnSpc>
+                <a:spcPct val="100000"/>
+              </a:lnSpc>
+              <a:spcBef>
+                <a:spcPts val="0"/>
+              </a:spcBef>
+              <a:spcAft>
+                <a:spcPts val="0"/>
+              </a:spcAft>
+              <a:buClr>
+                <a:schemeClr val="dk2"/>
+              </a:buClr>
+              <a:buSzPts val="2800"/>
+              <a:buFont typeface="Arial"/>
+              <a:buNone/>
+              <a:defRPr sz="2800" b="0" i="0" u="none" strike="noStrike" cap="none">
+                <a:solidFill>
+                  <a:schemeClr val="dk2"/>
+                </a:solidFill>
+                <a:latin typeface="Arial"/>
+                <a:ea typeface="Arial"/>
+                <a:cs typeface="Arial"/>
+                <a:sym typeface="Arial"/>
+              </a:defRPr>
+            </a:lvl3pPr>
+            <a:lvl4pPr marL="1828800" marR="0" lvl="3" indent="-317500" algn="ctr" rtl="0">
+              <a:lnSpc>
+                <a:spcPct val="100000"/>
+              </a:lnSpc>
+              <a:spcBef>
+                <a:spcPts val="0"/>
+              </a:spcBef>
+              <a:spcAft>
+                <a:spcPts val="0"/>
+              </a:spcAft>
+              <a:buClr>
+                <a:schemeClr val="dk2"/>
+              </a:buClr>
+              <a:buSzPts val="2800"/>
+              <a:buFont typeface="Arial"/>
+              <a:buNone/>
+              <a:defRPr sz="2800" b="0" i="0" u="none" strike="noStrike" cap="none">
+                <a:solidFill>
+                  <a:schemeClr val="dk2"/>
+                </a:solidFill>
+                <a:latin typeface="Arial"/>
+                <a:ea typeface="Arial"/>
+                <a:cs typeface="Arial"/>
+                <a:sym typeface="Arial"/>
+              </a:defRPr>
+            </a:lvl4pPr>
+            <a:lvl5pPr marL="2286000" marR="0" lvl="4" indent="-317500" algn="ctr" rtl="0">
+              <a:lnSpc>
+                <a:spcPct val="100000"/>
+              </a:lnSpc>
+              <a:spcBef>
+                <a:spcPts val="0"/>
+              </a:spcBef>
+              <a:spcAft>
+                <a:spcPts val="0"/>
+              </a:spcAft>
+              <a:buClr>
+                <a:schemeClr val="dk2"/>
+              </a:buClr>
+              <a:buSzPts val="2800"/>
+              <a:buFont typeface="Arial"/>
+              <a:buNone/>
+              <a:defRPr sz="2800" b="0" i="0" u="none" strike="noStrike" cap="none">
+                <a:solidFill>
+                  <a:schemeClr val="dk2"/>
+                </a:solidFill>
+                <a:latin typeface="Arial"/>
+                <a:ea typeface="Arial"/>
+                <a:cs typeface="Arial"/>
+                <a:sym typeface="Arial"/>
+              </a:defRPr>
+            </a:lvl5pPr>
+            <a:lvl6pPr marL="2743200" marR="0" lvl="5" indent="-317500" algn="ctr" rtl="0">
+              <a:lnSpc>
+                <a:spcPct val="100000"/>
+              </a:lnSpc>
+              <a:spcBef>
+                <a:spcPts val="0"/>
+              </a:spcBef>
+              <a:spcAft>
+                <a:spcPts val="0"/>
+              </a:spcAft>
+              <a:buClr>
+                <a:schemeClr val="dk2"/>
+              </a:buClr>
+              <a:buSzPts val="2800"/>
+              <a:buFont typeface="Arial"/>
+              <a:buNone/>
+              <a:defRPr sz="2800" b="0" i="0" u="none" strike="noStrike" cap="none">
+                <a:solidFill>
+                  <a:schemeClr val="dk2"/>
+                </a:solidFill>
+                <a:latin typeface="Arial"/>
+                <a:ea typeface="Arial"/>
+                <a:cs typeface="Arial"/>
+                <a:sym typeface="Arial"/>
+              </a:defRPr>
+            </a:lvl6pPr>
+            <a:lvl7pPr marL="3200400" marR="0" lvl="6" indent="-317500" algn="ctr" rtl="0">
+              <a:lnSpc>
+                <a:spcPct val="100000"/>
+              </a:lnSpc>
+              <a:spcBef>
+                <a:spcPts val="0"/>
+              </a:spcBef>
+              <a:spcAft>
+                <a:spcPts val="0"/>
+              </a:spcAft>
+              <a:buClr>
+                <a:schemeClr val="dk2"/>
+              </a:buClr>
+              <a:buSzPts val="2800"/>
+              <a:buFont typeface="Arial"/>
+              <a:buNone/>
+              <a:defRPr sz="2800" b="0" i="0" u="none" strike="noStrike" cap="none">
+                <a:solidFill>
+                  <a:schemeClr val="dk2"/>
+                </a:solidFill>
+                <a:latin typeface="Arial"/>
+                <a:ea typeface="Arial"/>
+                <a:cs typeface="Arial"/>
+                <a:sym typeface="Arial"/>
+              </a:defRPr>
+            </a:lvl7pPr>
+            <a:lvl8pPr marL="3657600" marR="0" lvl="7" indent="-317500" algn="ctr" rtl="0">
+              <a:lnSpc>
+                <a:spcPct val="100000"/>
+              </a:lnSpc>
+              <a:spcBef>
+                <a:spcPts val="0"/>
+              </a:spcBef>
+              <a:spcAft>
+                <a:spcPts val="0"/>
+              </a:spcAft>
+              <a:buClr>
+                <a:schemeClr val="dk2"/>
+              </a:buClr>
+              <a:buSzPts val="2800"/>
+              <a:buFont typeface="Arial"/>
+              <a:buNone/>
+              <a:defRPr sz="2800" b="0" i="0" u="none" strike="noStrike" cap="none">
+                <a:solidFill>
+                  <a:schemeClr val="dk2"/>
+                </a:solidFill>
+                <a:latin typeface="Arial"/>
+                <a:ea typeface="Arial"/>
+                <a:cs typeface="Arial"/>
+                <a:sym typeface="Arial"/>
+              </a:defRPr>
+            </a:lvl8pPr>
+            <a:lvl9pPr marL="4114800" marR="0" lvl="8" indent="-317500" algn="ctr" rtl="0">
+              <a:lnSpc>
+                <a:spcPct val="100000"/>
+              </a:lnSpc>
+              <a:spcBef>
+                <a:spcPts val="0"/>
+              </a:spcBef>
+              <a:spcAft>
+                <a:spcPts val="0"/>
+              </a:spcAft>
+              <a:buClr>
+                <a:schemeClr val="dk2"/>
+              </a:buClr>
+              <a:buSzPts val="2800"/>
+              <a:buFont typeface="Arial"/>
+              <a:buNone/>
+              <a:defRPr sz="2800" b="0" i="0" u="none" strike="noStrike" cap="none">
+                <a:solidFill>
+                  <a:schemeClr val="dk2"/>
+                </a:solidFill>
+                <a:latin typeface="Arial"/>
+                <a:ea typeface="Arial"/>
+                <a:cs typeface="Arial"/>
+                <a:sym typeface="Arial"/>
+              </a:defRPr>
+            </a:lvl9pPr>
+          </a:lstStyle>
+          <a:p>
+            <a:pPr algn="l"/>
+            <a:r>
+              <a:rPr lang="ko-KR" altLang="en-US" sz="3000" b="1" dirty="0" err="1">
+                <a:solidFill>
+                  <a:schemeClr val="tx1"/>
+                </a:solidFill>
+                <a:latin typeface="+mn-ea"/>
+                <a:ea typeface="+mn-ea"/>
+              </a:rPr>
+              <a:t>오차역전파법</a:t>
+            </a:r>
+            <a:endParaRPr lang="en-US" altLang="ko-KR" sz="3000" b="1" dirty="0">
+              <a:solidFill>
+                <a:schemeClr val="tx1"/>
+              </a:solidFill>
+              <a:latin typeface="+mn-ea"/>
+              <a:ea typeface="+mn-ea"/>
+            </a:endParaRPr>
+          </a:p>
+          <a:p>
+            <a:pPr algn="l"/>
+            <a:endParaRPr lang="en-US" altLang="ko-KR" sz="2000" b="1" dirty="0">
+              <a:solidFill>
+                <a:schemeClr val="tx1"/>
+              </a:solidFill>
+              <a:latin typeface="+mn-ea"/>
+              <a:ea typeface="+mn-ea"/>
+            </a:endParaRPr>
+          </a:p>
+          <a:p>
+            <a:pPr algn="l"/>
+            <a:endParaRPr lang="en-US" altLang="ko-KR" sz="2000" b="1" dirty="0">
+              <a:solidFill>
+                <a:schemeClr val="tx1"/>
+              </a:solidFill>
+              <a:latin typeface="+mn-ea"/>
+              <a:ea typeface="+mn-ea"/>
+            </a:endParaRPr>
+          </a:p>
+          <a:p>
+            <a:pPr algn="l"/>
+            <a:endParaRPr lang="en-US" altLang="ko-KR" sz="2000" b="1" dirty="0">
+              <a:solidFill>
+                <a:schemeClr val="tx1"/>
+              </a:solidFill>
+              <a:latin typeface="+mn-ea"/>
+              <a:ea typeface="+mn-ea"/>
+            </a:endParaRPr>
+          </a:p>
+        </p:txBody>
+      </p:sp>
+      <p:pic>
+        <p:nvPicPr>
+          <p:cNvPr id="5" name="그림 4">
+            <a:extLst>
+              <a:ext uri="{FF2B5EF4-FFF2-40B4-BE49-F238E27FC236}">
+                <a16:creationId xmlns:a16="http://schemas.microsoft.com/office/drawing/2014/main" id="{31B2285A-2F06-E636-9101-BC894807A2DB}"/>
+              </a:ext>
+            </a:extLst>
+          </p:cNvPr>
+          <p:cNvPicPr>
+            <a:picLocks noChangeAspect="1"/>
+          </p:cNvPicPr>
+          <p:nvPr/>
+        </p:nvPicPr>
+        <p:blipFill>
+          <a:blip r:embed="rId4"/>
+          <a:stretch>
+            <a:fillRect/>
+          </a:stretch>
+        </p:blipFill>
+        <p:spPr>
+          <a:xfrm>
+            <a:off x="1353963" y="976637"/>
+            <a:ext cx="3178169" cy="2074899"/>
+          </a:xfrm>
+          <a:prstGeom prst="rect">
+            <a:avLst/>
+          </a:prstGeom>
+        </p:spPr>
+      </p:pic>
+      <p:pic>
+        <p:nvPicPr>
+          <p:cNvPr id="7" name="그림 6">
+            <a:extLst>
+              <a:ext uri="{FF2B5EF4-FFF2-40B4-BE49-F238E27FC236}">
+                <a16:creationId xmlns:a16="http://schemas.microsoft.com/office/drawing/2014/main" id="{70E93749-C712-F8D4-DBCD-8A31020118C7}"/>
+              </a:ext>
+            </a:extLst>
+          </p:cNvPr>
+          <p:cNvPicPr>
+            <a:picLocks noChangeAspect="1"/>
+          </p:cNvPicPr>
+          <p:nvPr/>
+        </p:nvPicPr>
+        <p:blipFill>
+          <a:blip r:embed="rId5"/>
+          <a:stretch>
+            <a:fillRect/>
+          </a:stretch>
+        </p:blipFill>
+        <p:spPr>
+          <a:xfrm>
+            <a:off x="4970213" y="1289922"/>
+            <a:ext cx="3714549" cy="633163"/>
+          </a:xfrm>
+          <a:prstGeom prst="rect">
+            <a:avLst/>
+          </a:prstGeom>
+          <a:ln w="66675">
+            <a:solidFill>
+              <a:srgbClr val="C00000"/>
+            </a:solidFill>
+          </a:ln>
+        </p:spPr>
+      </p:pic>
+      <p:pic>
+        <p:nvPicPr>
+          <p:cNvPr id="4" name="그림 3">
+            <a:extLst>
+              <a:ext uri="{FF2B5EF4-FFF2-40B4-BE49-F238E27FC236}">
+                <a16:creationId xmlns:a16="http://schemas.microsoft.com/office/drawing/2014/main" id="{9EAD9838-F86A-860E-04CA-2A7998DBB870}"/>
+              </a:ext>
+            </a:extLst>
+          </p:cNvPr>
+          <p:cNvPicPr>
+            <a:picLocks noChangeAspect="1"/>
+          </p:cNvPicPr>
+          <p:nvPr/>
+        </p:nvPicPr>
+        <p:blipFill>
+          <a:blip r:embed="rId6"/>
+          <a:stretch>
+            <a:fillRect/>
+          </a:stretch>
+        </p:blipFill>
+        <p:spPr>
+          <a:xfrm>
+            <a:off x="1411452" y="3085661"/>
+            <a:ext cx="7475349" cy="1968775"/>
+          </a:xfrm>
+          <a:prstGeom prst="rect">
+            <a:avLst/>
+          </a:prstGeom>
+        </p:spPr>
+      </p:pic>
+    </p:spTree>
+    <p:extLst>
+      <p:ext uri="{BB962C8B-B14F-4D97-AF65-F5344CB8AC3E}">
+        <p14:creationId xmlns:p14="http://schemas.microsoft.com/office/powerpoint/2010/main" val="3890528594"/>
+      </p:ext>
+    </p:extLst>
+  </p:cSld>
+  <p:clrMapOvr>
+    <a:masterClrMapping/>
+  </p:clrMapOvr>
+</p:sld>
+</file>
+
+<file path=ppt/slides/slide16.xml><?xml version="1.0" encoding="utf-8"?>
 <p:sld xmlns:a="http://schemas.openxmlformats.org/drawingml/2006/main" xmlns:r="http://schemas.openxmlformats.org/officeDocument/2006/relationships" xmlns:p="http://schemas.openxmlformats.org/presentationml/2006/main">
   <p:cSld>
     <p:spTree>
@@ -8715,7 +9999,7 @@
                 <a:latin typeface="+mj-ea"/>
                 <a:ea typeface="+mj-ea"/>
               </a:rPr>
-              <a:t>손실함수를</a:t>
+              <a:t>손실함수의</a:t>
             </a:r>
             <a:r>
               <a:rPr lang="en-US" altLang="ko-KR" sz="2000" b="1" dirty="0">
@@ -8728,14 +10012,24 @@
               <a:t> </a:t>
             </a:r>
             <a:r>
-              <a:rPr lang="ko-KR" altLang="en-US" sz="2000" b="1" dirty="0">
+              <a:rPr lang="ko-KR" altLang="en-US" sz="2000" b="1" dirty="0" err="1">
                 <a:solidFill>
                   <a:schemeClr val="tx1"/>
                 </a:solidFill>
                 <a:latin typeface="+mj-ea"/>
                 <a:ea typeface="+mj-ea"/>
               </a:rPr>
-              <a:t>미분한 값을 계산</a:t>
+              <a:t>미분값을</a:t>
+            </a:r>
+            <a:r>
+              <a:rPr lang="ko-KR" altLang="en-US" sz="2000" b="1" dirty="0">
+                <a:solidFill>
+                  <a:schemeClr val="tx1"/>
+                </a:solidFill>
+                <a:latin typeface="+mj-ea"/>
+                <a:ea typeface="+mj-ea"/>
+              </a:rPr>
+              <a:t> 계산</a:t>
             </a:r>
             <a:endParaRPr lang="en-US" altLang="ko-KR" sz="2000" b="1" dirty="0">
               <a:solidFill>
@@ -8857,7 +10151,7 @@
 </p:sld>
 </file>
 
-<file path=ppt/slides/slide15.xml><?xml version="1.0" encoding="utf-8"?>
+<file path=ppt/slides/slide17.xml><?xml version="1.0" encoding="utf-8"?>
 <p:sld xmlns:a="http://schemas.openxmlformats.org/drawingml/2006/main" xmlns:r="http://schemas.openxmlformats.org/officeDocument/2006/relationships" xmlns:p="http://schemas.openxmlformats.org/presentationml/2006/main">
   <p:cSld>
     <p:spTree>
@@ -9413,7 +10707,7 @@
 </p:sld>
 </file>
 
-<file path=ppt/slides/slide16.xml><?xml version="1.0" encoding="utf-8"?>
+<file path=ppt/slides/slide18.xml><?xml version="1.0" encoding="utf-8"?>
 <p:sld xmlns:a="http://schemas.openxmlformats.org/drawingml/2006/main" xmlns:r="http://schemas.openxmlformats.org/officeDocument/2006/relationships" xmlns:p="http://schemas.openxmlformats.org/presentationml/2006/main">
   <p:cSld>
     <p:spTree>
@@ -9947,7 +11241,7 @@
 </p:sld>
 </file>
 
-<file path=ppt/slides/slide17.xml><?xml version="1.0" encoding="utf-8"?>
+<file path=ppt/slides/slide19.xml><?xml version="1.0" encoding="utf-8"?>
 <p:sld xmlns:a="http://schemas.openxmlformats.org/drawingml/2006/main" xmlns:r="http://schemas.openxmlformats.org/officeDocument/2006/relationships" xmlns:p="http://schemas.openxmlformats.org/presentationml/2006/main">
   <p:cSld>
     <p:spTree>
@@ -10704,6 +11998,108 @@
           </a:p>
         </p:txBody>
       </p:sp>
+      <mc:AlternateContent xmlns:mc="http://schemas.openxmlformats.org/markup-compatibility/2006" xmlns:p14="http://schemas.microsoft.com/office/powerpoint/2010/main">
+        <mc:Choice Requires="p14">
+          <p:contentPart p14:bwMode="auto" r:id="rId5">
+            <p14:nvContentPartPr>
+              <p14:cNvPr id="6" name="잉크 5">
+                <a:extLst>
+                  <a:ext uri="{FF2B5EF4-FFF2-40B4-BE49-F238E27FC236}">
+                    <a16:creationId xmlns:a16="http://schemas.microsoft.com/office/drawing/2014/main" id="{E6637328-BDD1-C7ED-EC14-CFE2DBD7F5AD}"/>
+                  </a:ext>
+                </a:extLst>
+              </p14:cNvPr>
+              <p14:cNvContentPartPr/>
+              <p14:nvPr/>
+            </p14:nvContentPartPr>
+            <p14:xfrm>
+              <a:off x="2295068" y="2196759"/>
+              <a:ext cx="1465200" cy="360"/>
+            </p14:xfrm>
+          </p:contentPart>
+        </mc:Choice>
+        <mc:Fallback xmlns="">
+          <p:pic>
+            <p:nvPicPr>
+              <p:cNvPr id="6" name="잉크 5">
+                <a:extLst>
+                  <a:ext uri="{FF2B5EF4-FFF2-40B4-BE49-F238E27FC236}">
+                    <a16:creationId xmlns:a16="http://schemas.microsoft.com/office/drawing/2014/main" id="{E6637328-BDD1-C7ED-EC14-CFE2DBD7F5AD}"/>
+                  </a:ext>
+                </a:extLst>
+              </p:cNvPr>
+              <p:cNvPicPr/>
+              <p:nvPr/>
+            </p:nvPicPr>
+            <p:blipFill>
+              <a:blip r:embed="rId6"/>
+              <a:stretch>
+                <a:fillRect/>
+              </a:stretch>
+            </p:blipFill>
+            <p:spPr>
+              <a:xfrm>
+                <a:off x="2241068" y="2089119"/>
+                <a:ext cx="1572840" cy="216000"/>
+              </a:xfrm>
+              <a:prstGeom prst="rect">
+                <a:avLst/>
+              </a:prstGeom>
+            </p:spPr>
+          </p:pic>
+        </mc:Fallback>
+      </mc:AlternateContent>
+      <mc:AlternateContent xmlns:mc="http://schemas.openxmlformats.org/markup-compatibility/2006" xmlns:p14="http://schemas.microsoft.com/office/powerpoint/2010/main">
+        <mc:Choice Requires="p14">
+          <p:contentPart p14:bwMode="auto" r:id="rId7">
+            <p14:nvContentPartPr>
+              <p14:cNvPr id="9" name="잉크 8">
+                <a:extLst>
+                  <a:ext uri="{FF2B5EF4-FFF2-40B4-BE49-F238E27FC236}">
+                    <a16:creationId xmlns:a16="http://schemas.microsoft.com/office/drawing/2014/main" id="{06118120-1AAA-CD45-515E-BACF4A959928}"/>
+                  </a:ext>
+                </a:extLst>
+              </p14:cNvPr>
+              <p14:cNvContentPartPr/>
+              <p14:nvPr/>
+            </p14:nvContentPartPr>
+            <p14:xfrm>
+              <a:off x="2387228" y="3878319"/>
+              <a:ext cx="1079640" cy="360"/>
+            </p14:xfrm>
+          </p:contentPart>
+        </mc:Choice>
+        <mc:Fallback xmlns="">
+          <p:pic>
+            <p:nvPicPr>
+              <p:cNvPr id="9" name="잉크 8">
+                <a:extLst>
+                  <a:ext uri="{FF2B5EF4-FFF2-40B4-BE49-F238E27FC236}">
+                    <a16:creationId xmlns:a16="http://schemas.microsoft.com/office/drawing/2014/main" id="{06118120-1AAA-CD45-515E-BACF4A959928}"/>
+                  </a:ext>
+                </a:extLst>
+              </p:cNvPr>
+              <p:cNvPicPr/>
+              <p:nvPr/>
+            </p:nvPicPr>
+            <p:blipFill>
+              <a:blip r:embed="rId8"/>
+              <a:stretch>
+                <a:fillRect/>
+              </a:stretch>
+            </p:blipFill>
+            <p:spPr>
+              <a:xfrm>
+                <a:off x="2333228" y="3770319"/>
+                <a:ext cx="1187280" cy="216000"/>
+              </a:xfrm>
+              <a:prstGeom prst="rect">
+                <a:avLst/>
+              </a:prstGeom>
+            </p:spPr>
+          </p:pic>
+        </mc:Fallback>
+      </mc:AlternateContent>
     </p:spTree>
     <p:extLst>
       <p:ext uri="{BB962C8B-B14F-4D97-AF65-F5344CB8AC3E}">
@@ -10717,7 +12113,445 @@
 </p:sld>
 </file>
 
-<file path=ppt/slides/slide18.xml><?xml version="1.0" encoding="utf-8"?>
+<file path=ppt/slides/slide2.xml><?xml version="1.0" encoding="utf-8"?>
+<p:sld xmlns:a="http://schemas.openxmlformats.org/drawingml/2006/main" xmlns:r="http://schemas.openxmlformats.org/officeDocument/2006/relationships" xmlns:p="http://schemas.openxmlformats.org/presentationml/2006/main">
+  <p:cSld>
+    <p:spTree>
+      <p:nvGrpSpPr>
+        <p:cNvPr id="1" name="Shape 61"/>
+        <p:cNvGrpSpPr/>
+        <p:nvPr/>
+      </p:nvGrpSpPr>
+      <p:grpSpPr>
+        <a:xfrm>
+          <a:off x="0" y="0"/>
+          <a:ext cx="0" cy="0"/>
+          <a:chOff x="0" y="0"/>
+          <a:chExt cx="0" cy="0"/>
+        </a:xfrm>
+      </p:grpSpPr>
+      <p:sp>
+        <p:nvSpPr>
+          <p:cNvPr id="62" name="Google Shape;62;p14"/>
+          <p:cNvSpPr/>
+          <p:nvPr/>
+        </p:nvSpPr>
+        <p:spPr>
+          <a:xfrm>
+            <a:off x="0" y="-37950"/>
+            <a:ext cx="1181100" cy="5219400"/>
+          </a:xfrm>
+          <a:prstGeom prst="rect">
+            <a:avLst/>
+          </a:prstGeom>
+          <a:solidFill>
+            <a:srgbClr val="19264B"/>
+          </a:solidFill>
+          <a:ln>
+            <a:noFill/>
+          </a:ln>
+        </p:spPr>
+        <p:txBody>
+          <a:bodyPr spcFirstLastPara="1" wrap="square" lIns="91425" tIns="91425" rIns="91425" bIns="91425" anchor="ctr" anchorCtr="0">
+            <a:noAutofit/>
+          </a:bodyPr>
+          <a:lstStyle/>
+          <a:p>
+            <a:pPr marL="0" lvl="0" indent="0" algn="l" rtl="0">
+              <a:spcBef>
+                <a:spcPts val="0"/>
+              </a:spcBef>
+              <a:spcAft>
+                <a:spcPts val="0"/>
+              </a:spcAft>
+              <a:buNone/>
+            </a:pPr>
+            <a:endParaRPr/>
+          </a:p>
+        </p:txBody>
+      </p:sp>
+      <p:cxnSp>
+        <p:nvCxnSpPr>
+          <p:cNvPr id="63" name="Google Shape;63;p14"/>
+          <p:cNvCxnSpPr/>
+          <p:nvPr/>
+        </p:nvCxnSpPr>
+        <p:spPr>
+          <a:xfrm>
+            <a:off x="172875" y="-37950"/>
+            <a:ext cx="0" cy="2187000"/>
+          </a:xfrm>
+          <a:prstGeom prst="straightConnector1">
+            <a:avLst/>
+          </a:prstGeom>
+          <a:noFill/>
+          <a:ln w="38100" cap="flat" cmpd="sng">
+            <a:solidFill>
+              <a:schemeClr val="lt1"/>
+            </a:solidFill>
+            <a:prstDash val="solid"/>
+            <a:round/>
+            <a:headEnd type="none" w="med" len="med"/>
+            <a:tailEnd type="none" w="med" len="med"/>
+          </a:ln>
+        </p:spPr>
+      </p:cxnSp>
+      <p:pic>
+        <p:nvPicPr>
+          <p:cNvPr id="64" name="Google Shape;64;p14"/>
+          <p:cNvPicPr preferRelativeResize="0"/>
+          <p:nvPr/>
+        </p:nvPicPr>
+        <p:blipFill>
+          <a:blip r:embed="rId3">
+            <a:alphaModFix/>
+          </a:blip>
+          <a:stretch>
+            <a:fillRect/>
+          </a:stretch>
+        </p:blipFill>
+        <p:spPr>
+          <a:xfrm rot="5400000">
+            <a:off x="-928700" y="3071650"/>
+            <a:ext cx="3038475" cy="1181100"/>
+          </a:xfrm>
+          <a:prstGeom prst="rect">
+            <a:avLst/>
+          </a:prstGeom>
+          <a:noFill/>
+          <a:ln>
+            <a:noFill/>
+          </a:ln>
+        </p:spPr>
+      </p:pic>
+      <p:sp>
+        <p:nvSpPr>
+          <p:cNvPr id="66" name="Google Shape;66;p14"/>
+          <p:cNvSpPr txBox="1"/>
+          <p:nvPr/>
+        </p:nvSpPr>
+        <p:spPr>
+          <a:xfrm>
+            <a:off x="1408975" y="306875"/>
+            <a:ext cx="4979400" cy="538579"/>
+          </a:xfrm>
+          <a:prstGeom prst="rect">
+            <a:avLst/>
+          </a:prstGeom>
+          <a:noFill/>
+          <a:ln>
+            <a:noFill/>
+          </a:ln>
+        </p:spPr>
+        <p:txBody>
+          <a:bodyPr spcFirstLastPara="1" wrap="square" lIns="91425" tIns="91425" rIns="91425" bIns="91425" anchor="t" anchorCtr="0">
+            <a:spAutoFit/>
+          </a:bodyPr>
+          <a:lstStyle/>
+          <a:p>
+            <a:pPr marL="0" lvl="0" indent="0" algn="l" rtl="0">
+              <a:lnSpc>
+                <a:spcPct val="115000"/>
+              </a:lnSpc>
+              <a:spcBef>
+                <a:spcPts val="0"/>
+              </a:spcBef>
+              <a:spcAft>
+                <a:spcPts val="0"/>
+              </a:spcAft>
+              <a:buNone/>
+            </a:pPr>
+            <a:r>
+              <a:rPr lang="ko" sz="2000" b="1" dirty="0">
+                <a:solidFill>
+                  <a:srgbClr val="19264B"/>
+                </a:solidFill>
+                <a:latin typeface="+mn-ea"/>
+                <a:ea typeface="+mn-ea"/>
+                <a:cs typeface="NanumGothic ExtraBold"/>
+                <a:sym typeface="NanumGothic ExtraBold"/>
+              </a:rPr>
+              <a:t>스터디원 소개 및 만남 인증</a:t>
+            </a:r>
+            <a:endParaRPr sz="2000" b="1" dirty="0">
+              <a:solidFill>
+                <a:srgbClr val="19264B"/>
+              </a:solidFill>
+              <a:latin typeface="+mn-ea"/>
+              <a:ea typeface="+mn-ea"/>
+              <a:cs typeface="NanumGothic ExtraBold"/>
+              <a:sym typeface="NanumGothic ExtraBold"/>
+            </a:endParaRPr>
+          </a:p>
+        </p:txBody>
+      </p:sp>
+      <p:pic>
+        <p:nvPicPr>
+          <p:cNvPr id="4" name="그림 3">
+            <a:extLst>
+              <a:ext uri="{FF2B5EF4-FFF2-40B4-BE49-F238E27FC236}">
+                <a16:creationId xmlns:a16="http://schemas.microsoft.com/office/drawing/2014/main" id="{0AC64E74-8895-E247-DCBB-338DB9D3E5CE}"/>
+              </a:ext>
+            </a:extLst>
+          </p:cNvPr>
+          <p:cNvPicPr>
+            <a:picLocks noChangeAspect="1"/>
+          </p:cNvPicPr>
+          <p:nvPr/>
+        </p:nvPicPr>
+        <p:blipFill rotWithShape="1">
+          <a:blip r:embed="rId4"/>
+          <a:srcRect t="25456"/>
+          <a:stretch/>
+        </p:blipFill>
+        <p:spPr>
+          <a:xfrm>
+            <a:off x="3033490" y="1642908"/>
+            <a:ext cx="3908776" cy="2185315"/>
+          </a:xfrm>
+          <a:prstGeom prst="rect">
+            <a:avLst/>
+          </a:prstGeom>
+          <a:ln w="38100" cap="sq">
+            <a:solidFill>
+              <a:srgbClr val="000000"/>
+            </a:solidFill>
+            <a:prstDash val="solid"/>
+            <a:miter lim="800000"/>
+          </a:ln>
+          <a:effectLst>
+            <a:outerShdw blurRad="50800" dist="38100" dir="2700000" algn="tl" rotWithShape="0">
+              <a:srgbClr val="000000">
+                <a:alpha val="43000"/>
+              </a:srgbClr>
+            </a:outerShdw>
+          </a:effectLst>
+        </p:spPr>
+      </p:pic>
+      <p:sp>
+        <p:nvSpPr>
+          <p:cNvPr id="5" name="TextBox 4">
+            <a:extLst>
+              <a:ext uri="{FF2B5EF4-FFF2-40B4-BE49-F238E27FC236}">
+                <a16:creationId xmlns:a16="http://schemas.microsoft.com/office/drawing/2014/main" id="{C1000508-C8A2-4735-A6C1-06A70F4DA65C}"/>
+              </a:ext>
+            </a:extLst>
+          </p:cNvPr>
+          <p:cNvSpPr txBox="1"/>
+          <p:nvPr/>
+        </p:nvSpPr>
+        <p:spPr>
+          <a:xfrm>
+            <a:off x="3530104" y="1136232"/>
+            <a:ext cx="1289817" cy="307777"/>
+          </a:xfrm>
+          <a:prstGeom prst="rect">
+            <a:avLst/>
+          </a:prstGeom>
+          <a:noFill/>
+        </p:spPr>
+        <p:txBody>
+          <a:bodyPr wrap="square" rtlCol="0">
+            <a:spAutoFit/>
+          </a:bodyPr>
+          <a:lstStyle/>
+          <a:p>
+            <a:r>
+              <a:rPr lang="en-US" altLang="ko-KR" dirty="0">
+                <a:latin typeface="+mn-ea"/>
+                <a:ea typeface="+mn-ea"/>
+              </a:rPr>
+              <a:t>AI 23 </a:t>
+            </a:r>
+            <a:r>
+              <a:rPr lang="ko-KR" altLang="en-US" dirty="0">
+                <a:latin typeface="+mn-ea"/>
+                <a:ea typeface="+mn-ea"/>
+              </a:rPr>
+              <a:t>오규안</a:t>
+            </a:r>
+          </a:p>
+        </p:txBody>
+      </p:sp>
+      <p:sp>
+        <p:nvSpPr>
+          <p:cNvPr id="6" name="TextBox 5">
+            <a:extLst>
+              <a:ext uri="{FF2B5EF4-FFF2-40B4-BE49-F238E27FC236}">
+                <a16:creationId xmlns:a16="http://schemas.microsoft.com/office/drawing/2014/main" id="{CAC47F6B-031C-669B-B8B9-AC77E9A9CCB6}"/>
+              </a:ext>
+            </a:extLst>
+          </p:cNvPr>
+          <p:cNvSpPr txBox="1"/>
+          <p:nvPr/>
+        </p:nvSpPr>
+        <p:spPr>
+          <a:xfrm>
+            <a:off x="5240662" y="1125035"/>
+            <a:ext cx="1289817" cy="307777"/>
+          </a:xfrm>
+          <a:prstGeom prst="rect">
+            <a:avLst/>
+          </a:prstGeom>
+          <a:noFill/>
+        </p:spPr>
+        <p:txBody>
+          <a:bodyPr wrap="square" rtlCol="0">
+            <a:spAutoFit/>
+          </a:bodyPr>
+          <a:lstStyle/>
+          <a:p>
+            <a:r>
+              <a:rPr lang="en-US" altLang="ko-KR" dirty="0">
+                <a:latin typeface="+mn-ea"/>
+                <a:ea typeface="+mn-ea"/>
+              </a:rPr>
+              <a:t>AI 21 </a:t>
+            </a:r>
+            <a:r>
+              <a:rPr lang="ko-KR" altLang="en-US" dirty="0">
+                <a:latin typeface="+mn-ea"/>
+                <a:ea typeface="+mn-ea"/>
+              </a:rPr>
+              <a:t>김예원</a:t>
+            </a:r>
+          </a:p>
+        </p:txBody>
+      </p:sp>
+      <p:sp>
+        <p:nvSpPr>
+          <p:cNvPr id="7" name="TextBox 6">
+            <a:extLst>
+              <a:ext uri="{FF2B5EF4-FFF2-40B4-BE49-F238E27FC236}">
+                <a16:creationId xmlns:a16="http://schemas.microsoft.com/office/drawing/2014/main" id="{A84A1C7B-0F7A-CCE5-9026-67DA51B62C95}"/>
+              </a:ext>
+            </a:extLst>
+          </p:cNvPr>
+          <p:cNvSpPr txBox="1"/>
+          <p:nvPr/>
+        </p:nvSpPr>
+        <p:spPr>
+          <a:xfrm>
+            <a:off x="3480179" y="4038319"/>
+            <a:ext cx="1389665" cy="523220"/>
+          </a:xfrm>
+          <a:prstGeom prst="rect">
+            <a:avLst/>
+          </a:prstGeom>
+          <a:noFill/>
+        </p:spPr>
+        <p:txBody>
+          <a:bodyPr wrap="square" rtlCol="0">
+            <a:spAutoFit/>
+          </a:bodyPr>
+          <a:lstStyle/>
+          <a:p>
+            <a:r>
+              <a:rPr lang="ko-KR" altLang="en-US" dirty="0" err="1">
+                <a:latin typeface="+mn-ea"/>
+                <a:ea typeface="+mn-ea"/>
+              </a:rPr>
+              <a:t>응통</a:t>
+            </a:r>
+            <a:r>
+              <a:rPr lang="ko-KR" altLang="en-US" dirty="0">
+                <a:latin typeface="+mn-ea"/>
+                <a:ea typeface="+mn-ea"/>
+              </a:rPr>
+              <a:t> </a:t>
+            </a:r>
+            <a:r>
+              <a:rPr lang="en-US" altLang="ko-KR" dirty="0">
+                <a:latin typeface="+mn-ea"/>
+                <a:ea typeface="+mn-ea"/>
+              </a:rPr>
+              <a:t>19 </a:t>
+            </a:r>
+            <a:r>
+              <a:rPr lang="ko-KR" altLang="en-US" dirty="0">
+                <a:latin typeface="+mn-ea"/>
+                <a:ea typeface="+mn-ea"/>
+              </a:rPr>
+              <a:t>정서현 </a:t>
+            </a:r>
+          </a:p>
+        </p:txBody>
+      </p:sp>
+      <p:sp>
+        <p:nvSpPr>
+          <p:cNvPr id="8" name="TextBox 7">
+            <a:extLst>
+              <a:ext uri="{FF2B5EF4-FFF2-40B4-BE49-F238E27FC236}">
+                <a16:creationId xmlns:a16="http://schemas.microsoft.com/office/drawing/2014/main" id="{8E807285-F066-62C4-B48C-FA3E3D5F8354}"/>
+              </a:ext>
+            </a:extLst>
+          </p:cNvPr>
+          <p:cNvSpPr txBox="1"/>
+          <p:nvPr/>
+        </p:nvSpPr>
+        <p:spPr>
+          <a:xfrm>
+            <a:off x="5190737" y="4038319"/>
+            <a:ext cx="1389665" cy="523220"/>
+          </a:xfrm>
+          <a:prstGeom prst="rect">
+            <a:avLst/>
+          </a:prstGeom>
+          <a:noFill/>
+        </p:spPr>
+        <p:txBody>
+          <a:bodyPr wrap="square" rtlCol="0">
+            <a:spAutoFit/>
+          </a:bodyPr>
+          <a:lstStyle/>
+          <a:p>
+            <a:r>
+              <a:rPr lang="ko-KR" altLang="en-US" dirty="0" err="1">
+                <a:latin typeface="+mn-ea"/>
+                <a:ea typeface="+mn-ea"/>
+              </a:rPr>
+              <a:t>응통</a:t>
+            </a:r>
+            <a:r>
+              <a:rPr lang="ko-KR" altLang="en-US" dirty="0">
+                <a:latin typeface="+mn-ea"/>
+                <a:ea typeface="+mn-ea"/>
+              </a:rPr>
+              <a:t> </a:t>
+            </a:r>
+            <a:r>
+              <a:rPr lang="en-US" altLang="ko-KR" dirty="0">
+                <a:latin typeface="+mn-ea"/>
+                <a:ea typeface="+mn-ea"/>
+              </a:rPr>
+              <a:t>19 </a:t>
+            </a:r>
+            <a:r>
+              <a:rPr lang="ko-KR" altLang="en-US" dirty="0" err="1">
+                <a:latin typeface="+mn-ea"/>
+                <a:ea typeface="+mn-ea"/>
+              </a:rPr>
+              <a:t>정달민</a:t>
+            </a:r>
+            <a:r>
+              <a:rPr lang="ko-KR" altLang="en-US" dirty="0">
+                <a:latin typeface="+mn-ea"/>
+                <a:ea typeface="+mn-ea"/>
+              </a:rPr>
+              <a:t> </a:t>
+            </a:r>
+          </a:p>
+        </p:txBody>
+      </p:sp>
+    </p:spTree>
+  </p:cSld>
+  <p:clrMapOvr>
+    <a:masterClrMapping/>
+  </p:clrMapOvr>
+</p:sld>
+</file>
+
+<file path=ppt/slides/slide20.xml><?xml version="1.0" encoding="utf-8"?>
 <p:sld xmlns:a="http://schemas.openxmlformats.org/drawingml/2006/main" xmlns:r="http://schemas.openxmlformats.org/officeDocument/2006/relationships" xmlns:p="http://schemas.openxmlformats.org/presentationml/2006/main">
   <p:cSld>
     <p:spTree>
@@ -11241,7 +13075,7 @@
 </p:sld>
 </file>
 
-<file path=ppt/slides/slide19.xml><?xml version="1.0" encoding="utf-8"?>
+<file path=ppt/slides/slide21.xml><?xml version="1.0" encoding="utf-8"?>
 <p:sld xmlns:a="http://schemas.openxmlformats.org/drawingml/2006/main" xmlns:r="http://schemas.openxmlformats.org/officeDocument/2006/relationships" xmlns:p="http://schemas.openxmlformats.org/presentationml/2006/main">
   <p:cSld>
     <p:spTree>
@@ -11735,445 +13569,7 @@
 </p:sld>
 </file>
 
-<file path=ppt/slides/slide2.xml><?xml version="1.0" encoding="utf-8"?>
-<p:sld xmlns:a="http://schemas.openxmlformats.org/drawingml/2006/main" xmlns:r="http://schemas.openxmlformats.org/officeDocument/2006/relationships" xmlns:p="http://schemas.openxmlformats.org/presentationml/2006/main">
-  <p:cSld>
-    <p:spTree>
-      <p:nvGrpSpPr>
-        <p:cNvPr id="1" name="Shape 61"/>
-        <p:cNvGrpSpPr/>
-        <p:nvPr/>
-      </p:nvGrpSpPr>
-      <p:grpSpPr>
-        <a:xfrm>
-          <a:off x="0" y="0"/>
-          <a:ext cx="0" cy="0"/>
-          <a:chOff x="0" y="0"/>
-          <a:chExt cx="0" cy="0"/>
-        </a:xfrm>
-      </p:grpSpPr>
-      <p:sp>
-        <p:nvSpPr>
-          <p:cNvPr id="62" name="Google Shape;62;p14"/>
-          <p:cNvSpPr/>
-          <p:nvPr/>
-        </p:nvSpPr>
-        <p:spPr>
-          <a:xfrm>
-            <a:off x="0" y="-37950"/>
-            <a:ext cx="1181100" cy="5219400"/>
-          </a:xfrm>
-          <a:prstGeom prst="rect">
-            <a:avLst/>
-          </a:prstGeom>
-          <a:solidFill>
-            <a:srgbClr val="19264B"/>
-          </a:solidFill>
-          <a:ln>
-            <a:noFill/>
-          </a:ln>
-        </p:spPr>
-        <p:txBody>
-          <a:bodyPr spcFirstLastPara="1" wrap="square" lIns="91425" tIns="91425" rIns="91425" bIns="91425" anchor="ctr" anchorCtr="0">
-            <a:noAutofit/>
-          </a:bodyPr>
-          <a:lstStyle/>
-          <a:p>
-            <a:pPr marL="0" lvl="0" indent="0" algn="l" rtl="0">
-              <a:spcBef>
-                <a:spcPts val="0"/>
-              </a:spcBef>
-              <a:spcAft>
-                <a:spcPts val="0"/>
-              </a:spcAft>
-              <a:buNone/>
-            </a:pPr>
-            <a:endParaRPr/>
-          </a:p>
-        </p:txBody>
-      </p:sp>
-      <p:cxnSp>
-        <p:nvCxnSpPr>
-          <p:cNvPr id="63" name="Google Shape;63;p14"/>
-          <p:cNvCxnSpPr/>
-          <p:nvPr/>
-        </p:nvCxnSpPr>
-        <p:spPr>
-          <a:xfrm>
-            <a:off x="172875" y="-37950"/>
-            <a:ext cx="0" cy="2187000"/>
-          </a:xfrm>
-          <a:prstGeom prst="straightConnector1">
-            <a:avLst/>
-          </a:prstGeom>
-          <a:noFill/>
-          <a:ln w="38100" cap="flat" cmpd="sng">
-            <a:solidFill>
-              <a:schemeClr val="lt1"/>
-            </a:solidFill>
-            <a:prstDash val="solid"/>
-            <a:round/>
-            <a:headEnd type="none" w="med" len="med"/>
-            <a:tailEnd type="none" w="med" len="med"/>
-          </a:ln>
-        </p:spPr>
-      </p:cxnSp>
-      <p:pic>
-        <p:nvPicPr>
-          <p:cNvPr id="64" name="Google Shape;64;p14"/>
-          <p:cNvPicPr preferRelativeResize="0"/>
-          <p:nvPr/>
-        </p:nvPicPr>
-        <p:blipFill>
-          <a:blip r:embed="rId3">
-            <a:alphaModFix/>
-          </a:blip>
-          <a:stretch>
-            <a:fillRect/>
-          </a:stretch>
-        </p:blipFill>
-        <p:spPr>
-          <a:xfrm rot="5400000">
-            <a:off x="-928700" y="3071650"/>
-            <a:ext cx="3038475" cy="1181100"/>
-          </a:xfrm>
-          <a:prstGeom prst="rect">
-            <a:avLst/>
-          </a:prstGeom>
-          <a:noFill/>
-          <a:ln>
-            <a:noFill/>
-          </a:ln>
-        </p:spPr>
-      </p:pic>
-      <p:sp>
-        <p:nvSpPr>
-          <p:cNvPr id="66" name="Google Shape;66;p14"/>
-          <p:cNvSpPr txBox="1"/>
-          <p:nvPr/>
-        </p:nvSpPr>
-        <p:spPr>
-          <a:xfrm>
-            <a:off x="1408975" y="306875"/>
-            <a:ext cx="4979400" cy="538579"/>
-          </a:xfrm>
-          <a:prstGeom prst="rect">
-            <a:avLst/>
-          </a:prstGeom>
-          <a:noFill/>
-          <a:ln>
-            <a:noFill/>
-          </a:ln>
-        </p:spPr>
-        <p:txBody>
-          <a:bodyPr spcFirstLastPara="1" wrap="square" lIns="91425" tIns="91425" rIns="91425" bIns="91425" anchor="t" anchorCtr="0">
-            <a:spAutoFit/>
-          </a:bodyPr>
-          <a:lstStyle/>
-          <a:p>
-            <a:pPr marL="0" lvl="0" indent="0" algn="l" rtl="0">
-              <a:lnSpc>
-                <a:spcPct val="115000"/>
-              </a:lnSpc>
-              <a:spcBef>
-                <a:spcPts val="0"/>
-              </a:spcBef>
-              <a:spcAft>
-                <a:spcPts val="0"/>
-              </a:spcAft>
-              <a:buNone/>
-            </a:pPr>
-            <a:r>
-              <a:rPr lang="ko" sz="2000" b="1" dirty="0">
-                <a:solidFill>
-                  <a:srgbClr val="19264B"/>
-                </a:solidFill>
-                <a:latin typeface="+mn-ea"/>
-                <a:ea typeface="+mn-ea"/>
-                <a:cs typeface="NanumGothic ExtraBold"/>
-                <a:sym typeface="NanumGothic ExtraBold"/>
-              </a:rPr>
-              <a:t>스터디원 소개 및 만남 인증</a:t>
-            </a:r>
-            <a:endParaRPr sz="2000" b="1" dirty="0">
-              <a:solidFill>
-                <a:srgbClr val="19264B"/>
-              </a:solidFill>
-              <a:latin typeface="+mn-ea"/>
-              <a:ea typeface="+mn-ea"/>
-              <a:cs typeface="NanumGothic ExtraBold"/>
-              <a:sym typeface="NanumGothic ExtraBold"/>
-            </a:endParaRPr>
-          </a:p>
-        </p:txBody>
-      </p:sp>
-      <p:pic>
-        <p:nvPicPr>
-          <p:cNvPr id="4" name="그림 3">
-            <a:extLst>
-              <a:ext uri="{FF2B5EF4-FFF2-40B4-BE49-F238E27FC236}">
-                <a16:creationId xmlns:a16="http://schemas.microsoft.com/office/drawing/2014/main" id="{0AC64E74-8895-E247-DCBB-338DB9D3E5CE}"/>
-              </a:ext>
-            </a:extLst>
-          </p:cNvPr>
-          <p:cNvPicPr>
-            <a:picLocks noChangeAspect="1"/>
-          </p:cNvPicPr>
-          <p:nvPr/>
-        </p:nvPicPr>
-        <p:blipFill rotWithShape="1">
-          <a:blip r:embed="rId4"/>
-          <a:srcRect t="25456"/>
-          <a:stretch/>
-        </p:blipFill>
-        <p:spPr>
-          <a:xfrm>
-            <a:off x="3033490" y="1642908"/>
-            <a:ext cx="3908776" cy="2185315"/>
-          </a:xfrm>
-          <a:prstGeom prst="rect">
-            <a:avLst/>
-          </a:prstGeom>
-          <a:ln w="38100" cap="sq">
-            <a:solidFill>
-              <a:srgbClr val="000000"/>
-            </a:solidFill>
-            <a:prstDash val="solid"/>
-            <a:miter lim="800000"/>
-          </a:ln>
-          <a:effectLst>
-            <a:outerShdw blurRad="50800" dist="38100" dir="2700000" algn="tl" rotWithShape="0">
-              <a:srgbClr val="000000">
-                <a:alpha val="43000"/>
-              </a:srgbClr>
-            </a:outerShdw>
-          </a:effectLst>
-        </p:spPr>
-      </p:pic>
-      <p:sp>
-        <p:nvSpPr>
-          <p:cNvPr id="5" name="TextBox 4">
-            <a:extLst>
-              <a:ext uri="{FF2B5EF4-FFF2-40B4-BE49-F238E27FC236}">
-                <a16:creationId xmlns:a16="http://schemas.microsoft.com/office/drawing/2014/main" id="{C1000508-C8A2-4735-A6C1-06A70F4DA65C}"/>
-              </a:ext>
-            </a:extLst>
-          </p:cNvPr>
-          <p:cNvSpPr txBox="1"/>
-          <p:nvPr/>
-        </p:nvSpPr>
-        <p:spPr>
-          <a:xfrm>
-            <a:off x="3530104" y="1136232"/>
-            <a:ext cx="1289817" cy="307777"/>
-          </a:xfrm>
-          <a:prstGeom prst="rect">
-            <a:avLst/>
-          </a:prstGeom>
-          <a:noFill/>
-        </p:spPr>
-        <p:txBody>
-          <a:bodyPr wrap="square" rtlCol="0">
-            <a:spAutoFit/>
-          </a:bodyPr>
-          <a:lstStyle/>
-          <a:p>
-            <a:r>
-              <a:rPr lang="en-US" altLang="ko-KR" dirty="0">
-                <a:latin typeface="+mn-ea"/>
-                <a:ea typeface="+mn-ea"/>
-              </a:rPr>
-              <a:t>AI 23 </a:t>
-            </a:r>
-            <a:r>
-              <a:rPr lang="ko-KR" altLang="en-US" dirty="0">
-                <a:latin typeface="+mn-ea"/>
-                <a:ea typeface="+mn-ea"/>
-              </a:rPr>
-              <a:t>오규안</a:t>
-            </a:r>
-          </a:p>
-        </p:txBody>
-      </p:sp>
-      <p:sp>
-        <p:nvSpPr>
-          <p:cNvPr id="6" name="TextBox 5">
-            <a:extLst>
-              <a:ext uri="{FF2B5EF4-FFF2-40B4-BE49-F238E27FC236}">
-                <a16:creationId xmlns:a16="http://schemas.microsoft.com/office/drawing/2014/main" id="{CAC47F6B-031C-669B-B8B9-AC77E9A9CCB6}"/>
-              </a:ext>
-            </a:extLst>
-          </p:cNvPr>
-          <p:cNvSpPr txBox="1"/>
-          <p:nvPr/>
-        </p:nvSpPr>
-        <p:spPr>
-          <a:xfrm>
-            <a:off x="5240662" y="1125035"/>
-            <a:ext cx="1289817" cy="307777"/>
-          </a:xfrm>
-          <a:prstGeom prst="rect">
-            <a:avLst/>
-          </a:prstGeom>
-          <a:noFill/>
-        </p:spPr>
-        <p:txBody>
-          <a:bodyPr wrap="square" rtlCol="0">
-            <a:spAutoFit/>
-          </a:bodyPr>
-          <a:lstStyle/>
-          <a:p>
-            <a:r>
-              <a:rPr lang="en-US" altLang="ko-KR" dirty="0">
-                <a:latin typeface="+mn-ea"/>
-                <a:ea typeface="+mn-ea"/>
-              </a:rPr>
-              <a:t>AI 21 </a:t>
-            </a:r>
-            <a:r>
-              <a:rPr lang="ko-KR" altLang="en-US" dirty="0">
-                <a:latin typeface="+mn-ea"/>
-                <a:ea typeface="+mn-ea"/>
-              </a:rPr>
-              <a:t>김예원</a:t>
-            </a:r>
-          </a:p>
-        </p:txBody>
-      </p:sp>
-      <p:sp>
-        <p:nvSpPr>
-          <p:cNvPr id="7" name="TextBox 6">
-            <a:extLst>
-              <a:ext uri="{FF2B5EF4-FFF2-40B4-BE49-F238E27FC236}">
-                <a16:creationId xmlns:a16="http://schemas.microsoft.com/office/drawing/2014/main" id="{A84A1C7B-0F7A-CCE5-9026-67DA51B62C95}"/>
-              </a:ext>
-            </a:extLst>
-          </p:cNvPr>
-          <p:cNvSpPr txBox="1"/>
-          <p:nvPr/>
-        </p:nvSpPr>
-        <p:spPr>
-          <a:xfrm>
-            <a:off x="3480179" y="4038319"/>
-            <a:ext cx="1389665" cy="523220"/>
-          </a:xfrm>
-          <a:prstGeom prst="rect">
-            <a:avLst/>
-          </a:prstGeom>
-          <a:noFill/>
-        </p:spPr>
-        <p:txBody>
-          <a:bodyPr wrap="square" rtlCol="0">
-            <a:spAutoFit/>
-          </a:bodyPr>
-          <a:lstStyle/>
-          <a:p>
-            <a:r>
-              <a:rPr lang="ko-KR" altLang="en-US" dirty="0" err="1">
-                <a:latin typeface="+mn-ea"/>
-                <a:ea typeface="+mn-ea"/>
-              </a:rPr>
-              <a:t>응통</a:t>
-            </a:r>
-            <a:r>
-              <a:rPr lang="ko-KR" altLang="en-US" dirty="0">
-                <a:latin typeface="+mn-ea"/>
-                <a:ea typeface="+mn-ea"/>
-              </a:rPr>
-              <a:t> </a:t>
-            </a:r>
-            <a:r>
-              <a:rPr lang="en-US" altLang="ko-KR" dirty="0">
-                <a:latin typeface="+mn-ea"/>
-                <a:ea typeface="+mn-ea"/>
-              </a:rPr>
-              <a:t>19 </a:t>
-            </a:r>
-            <a:r>
-              <a:rPr lang="ko-KR" altLang="en-US" dirty="0">
-                <a:latin typeface="+mn-ea"/>
-                <a:ea typeface="+mn-ea"/>
-              </a:rPr>
-              <a:t>정서현 </a:t>
-            </a:r>
-          </a:p>
-        </p:txBody>
-      </p:sp>
-      <p:sp>
-        <p:nvSpPr>
-          <p:cNvPr id="8" name="TextBox 7">
-            <a:extLst>
-              <a:ext uri="{FF2B5EF4-FFF2-40B4-BE49-F238E27FC236}">
-                <a16:creationId xmlns:a16="http://schemas.microsoft.com/office/drawing/2014/main" id="{8E807285-F066-62C4-B48C-FA3E3D5F8354}"/>
-              </a:ext>
-            </a:extLst>
-          </p:cNvPr>
-          <p:cNvSpPr txBox="1"/>
-          <p:nvPr/>
-        </p:nvSpPr>
-        <p:spPr>
-          <a:xfrm>
-            <a:off x="5190737" y="4038319"/>
-            <a:ext cx="1389665" cy="523220"/>
-          </a:xfrm>
-          <a:prstGeom prst="rect">
-            <a:avLst/>
-          </a:prstGeom>
-          <a:noFill/>
-        </p:spPr>
-        <p:txBody>
-          <a:bodyPr wrap="square" rtlCol="0">
-            <a:spAutoFit/>
-          </a:bodyPr>
-          <a:lstStyle/>
-          <a:p>
-            <a:r>
-              <a:rPr lang="ko-KR" altLang="en-US" dirty="0" err="1">
-                <a:latin typeface="+mn-ea"/>
-                <a:ea typeface="+mn-ea"/>
-              </a:rPr>
-              <a:t>응통</a:t>
-            </a:r>
-            <a:r>
-              <a:rPr lang="ko-KR" altLang="en-US" dirty="0">
-                <a:latin typeface="+mn-ea"/>
-                <a:ea typeface="+mn-ea"/>
-              </a:rPr>
-              <a:t> </a:t>
-            </a:r>
-            <a:r>
-              <a:rPr lang="en-US" altLang="ko-KR" dirty="0">
-                <a:latin typeface="+mn-ea"/>
-                <a:ea typeface="+mn-ea"/>
-              </a:rPr>
-              <a:t>19 </a:t>
-            </a:r>
-            <a:r>
-              <a:rPr lang="ko-KR" altLang="en-US" dirty="0" err="1">
-                <a:latin typeface="+mn-ea"/>
-                <a:ea typeface="+mn-ea"/>
-              </a:rPr>
-              <a:t>정달민</a:t>
-            </a:r>
-            <a:r>
-              <a:rPr lang="ko-KR" altLang="en-US" dirty="0">
-                <a:latin typeface="+mn-ea"/>
-                <a:ea typeface="+mn-ea"/>
-              </a:rPr>
-              <a:t> </a:t>
-            </a:r>
-          </a:p>
-        </p:txBody>
-      </p:sp>
-    </p:spTree>
-  </p:cSld>
-  <p:clrMapOvr>
-    <a:masterClrMapping/>
-  </p:clrMapOvr>
-</p:sld>
-</file>
-
-<file path=ppt/slides/slide20.xml><?xml version="1.0" encoding="utf-8"?>
+<file path=ppt/slides/slide22.xml><?xml version="1.0" encoding="utf-8"?>
 <p:sld xmlns:a="http://schemas.openxmlformats.org/drawingml/2006/main" xmlns:r="http://schemas.openxmlformats.org/officeDocument/2006/relationships" xmlns:p="http://schemas.openxmlformats.org/presentationml/2006/main">
   <p:cSld>
     <p:spTree>
@@ -12849,7 +14245,7 @@
 </p:sld>
 </file>
 
-<file path=ppt/slides/slide21.xml><?xml version="1.0" encoding="utf-8"?>
+<file path=ppt/slides/slide23.xml><?xml version="1.0" encoding="utf-8"?>
 <p:sld xmlns:a="http://schemas.openxmlformats.org/drawingml/2006/main" xmlns:r="http://schemas.openxmlformats.org/officeDocument/2006/relationships" xmlns:p="http://schemas.openxmlformats.org/presentationml/2006/main">
   <p:cSld>
     <p:spTree>
@@ -13453,7 +14849,7 @@
 </p:sld>
 </file>
 
-<file path=ppt/slides/slide22.xml><?xml version="1.0" encoding="utf-8"?>
+<file path=ppt/slides/slide24.xml><?xml version="1.0" encoding="utf-8"?>
 <p:sld xmlns:a="http://schemas.openxmlformats.org/drawingml/2006/main" xmlns:r="http://schemas.openxmlformats.org/officeDocument/2006/relationships" xmlns:p="http://schemas.openxmlformats.org/presentationml/2006/main">
   <p:cSld>
     <p:spTree>
@@ -14430,7 +15826,27 @@
                 <a:latin typeface="+mj-ea"/>
                 <a:ea typeface="+mj-ea"/>
               </a:rPr>
-              <a:t>좋은 신경망 모델</a:t>
+              <a:t>신경망 모델</a:t>
+            </a:r>
+            <a:r>
+              <a:rPr lang="en-US" altLang="ko-KR" sz="2200" b="1" dirty="0">
+                <a:solidFill>
+                  <a:schemeClr val="tx1"/>
+                </a:solidFill>
+                <a:latin typeface="+mj-ea"/>
+                <a:ea typeface="+mj-ea"/>
+              </a:rPr>
+              <a:t> </a:t>
+            </a:r>
+            <a:r>
+              <a:rPr lang="ko-KR" altLang="en-US" sz="2200" b="1" dirty="0">
+                <a:solidFill>
+                  <a:schemeClr val="tx1"/>
+                </a:solidFill>
+                <a:latin typeface="+mj-ea"/>
+                <a:ea typeface="+mj-ea"/>
+              </a:rPr>
+              <a:t>최적화</a:t>
             </a:r>
             <a:r>
               <a:rPr lang="en-US" altLang="ko-KR" sz="2200" b="1" dirty="0">
@@ -15515,8 +16931,8 @@
         </p:nvSpPr>
         <p:spPr>
           <a:xfrm>
-            <a:off x="1568823" y="1279088"/>
-            <a:ext cx="7624271" cy="2585323"/>
+            <a:off x="1519729" y="1479869"/>
+            <a:ext cx="7624271" cy="3139321"/>
           </a:xfrm>
           <a:prstGeom prst="rect">
             <a:avLst/>
@@ -15647,6 +17063,16 @@
             </a:r>
             <a:r>
               <a:rPr lang="en-US" altLang="ko-KR" sz="1800" dirty="0">
+                <a:solidFill>
+                  <a:schemeClr val="tx1"/>
+                </a:solidFill>
+                <a:latin typeface="+mn-ea"/>
+                <a:ea typeface="+mn-ea"/>
+              </a:rPr>
+              <a:t>=</a:t>
+            </a:r>
+            <a:r>
+              <a:rPr lang="en-US" altLang="ko-KR" sz="1800" dirty="0">
                 <a:latin typeface="+mn-ea"/>
                 <a:ea typeface="+mn-ea"/>
               </a:rPr>
@@ -15657,8 +17083,14 @@
                 <a:latin typeface="+mn-ea"/>
                 <a:ea typeface="+mn-ea"/>
               </a:rPr>
-              <a:t>인 지점을 구하는 것이 불가능한 경우</a:t>
-            </a:r>
+              <a:t>인 지점을 푸는 것이 불가능한 경우</a:t>
+            </a:r>
+            <a:endParaRPr lang="en-US" altLang="ko-KR" sz="1800" dirty="0">
+              <a:latin typeface="+mn-ea"/>
+              <a:ea typeface="+mn-ea"/>
+            </a:endParaRPr>
+          </a:p>
+          <a:p>
             <a:endParaRPr lang="en-US" altLang="ko-KR" sz="1800" dirty="0">
               <a:latin typeface="+mn-ea"/>
               <a:ea typeface="+mn-ea"/>
@@ -15680,11 +17112,18 @@
               <a:buChar char="ü"/>
             </a:pPr>
             <a:r>
+              <a:rPr lang="en-US" altLang="ko-KR" sz="1800" dirty="0">
+                <a:latin typeface="+mn-ea"/>
+                <a:ea typeface="+mn-ea"/>
+              </a:rPr>
+              <a:t>=0</a:t>
+            </a:r>
+            <a:r>
               <a:rPr lang="ko-KR" altLang="en-US" sz="1800" dirty="0">
                 <a:latin typeface="+mn-ea"/>
                 <a:ea typeface="+mn-ea"/>
               </a:rPr>
-              <a:t>계산을 하기에 </a:t>
+              <a:t>인 지점을 구할 수 있지만 함수가 복잡해 </a:t>
             </a:r>
             <a:r>
               <a:rPr lang="ko-KR" altLang="en-US" sz="1800" b="1" dirty="0" err="1">
@@ -15729,6 +17168,16 @@
             </a:endParaRPr>
           </a:p>
           <a:p>
+            <a:pPr marL="285750" indent="-285750">
+              <a:buFont typeface="Wingdings" panose="05000000000000000000" pitchFamily="2" charset="2"/>
+              <a:buChar char="ü"/>
+            </a:pPr>
+            <a:endParaRPr lang="en-US" altLang="ko-KR" sz="1800" dirty="0">
+              <a:latin typeface="+mn-ea"/>
+              <a:ea typeface="+mn-ea"/>
+            </a:endParaRPr>
+          </a:p>
+          <a:p>
             <a:r>
               <a:rPr lang="en-US" altLang="ko-KR" sz="1800" b="1" dirty="0">
                 <a:latin typeface="+mn-ea"/>
@@ -15741,7 +17190,21 @@
                 <a:latin typeface="+mn-ea"/>
                 <a:ea typeface="+mn-ea"/>
               </a:rPr>
-              <a:t>기울기가 </a:t>
+              <a:t>기울기</a:t>
+            </a:r>
+            <a:r>
+              <a:rPr lang="en-US" altLang="ko-KR" sz="1800" b="1" dirty="0">
+                <a:latin typeface="+mn-ea"/>
+                <a:ea typeface="+mn-ea"/>
+              </a:rPr>
+              <a:t>=</a:t>
+            </a:r>
+            <a:r>
+              <a:rPr lang="ko-KR" altLang="en-US" sz="1800" b="1" dirty="0">
+                <a:latin typeface="+mn-ea"/>
+                <a:ea typeface="+mn-ea"/>
+              </a:rPr>
+              <a:t> </a:t>
             </a:r>
             <a:r>
               <a:rPr lang="en-US" altLang="ko-KR" sz="1800" b="1" dirty="0">
@@ -15803,10 +17266,10 @@
       </p:sp>
       <p:pic>
         <p:nvPicPr>
-          <p:cNvPr id="6" name="그림 5">
+          <p:cNvPr id="5" name="그림 4">
             <a:extLst>
               <a:ext uri="{FF2B5EF4-FFF2-40B4-BE49-F238E27FC236}">
-                <a16:creationId xmlns:a16="http://schemas.microsoft.com/office/drawing/2014/main" id="{86037433-4792-E8C8-89FC-3FC1768EAC8D}"/>
+                <a16:creationId xmlns:a16="http://schemas.microsoft.com/office/drawing/2014/main" id="{6C03E8DB-34D9-BAA7-DCA7-72D155F994B8}"/>
               </a:ext>
             </a:extLst>
           </p:cNvPr>
@@ -15823,12 +17286,17 @@
         </p:blipFill>
         <p:spPr>
           <a:xfrm>
-            <a:off x="2865276" y="3801753"/>
-            <a:ext cx="3885328" cy="1421805"/>
+            <a:off x="6261029" y="1209386"/>
+            <a:ext cx="2726484" cy="1055413"/>
           </a:xfrm>
           <a:prstGeom prst="rect">
             <a:avLst/>
           </a:prstGeom>
+          <a:ln w="9525">
+            <a:solidFill>
+              <a:schemeClr val="tx1"/>
+            </a:solidFill>
+          </a:ln>
         </p:spPr>
       </p:pic>
     </p:spTree>
@@ -17189,8 +18657,8 @@
         </p:nvSpPr>
         <p:spPr>
           <a:xfrm>
-            <a:off x="1181088" y="319760"/>
-            <a:ext cx="7818426" cy="3816520"/>
+            <a:off x="1134002" y="-43758"/>
+            <a:ext cx="7907679" cy="3816520"/>
           </a:xfrm>
           <a:prstGeom prst="rect">
             <a:avLst/>
@@ -17541,17 +19009,27 @@
                 <a:latin typeface="+mn-ea"/>
                 <a:ea typeface="+mn-ea"/>
               </a:rPr>
-              <a:t>각 가중치에 대해 </a:t>
-            </a:r>
-            <a:r>
-              <a:rPr lang="ko-KR" altLang="en-US" sz="2000" b="1" dirty="0" err="1">
+              <a:t>각 가중치에 대한 수치미분은</a:t>
+            </a:r>
+            <a:r>
+              <a:rPr lang="en-US" altLang="ko-KR" sz="2000" b="1" dirty="0">
                 <a:solidFill>
                   <a:schemeClr val="tx1"/>
                 </a:solidFill>
                 <a:latin typeface="+mn-ea"/>
                 <a:ea typeface="+mn-ea"/>
               </a:rPr>
-              <a:t>수치미분을</a:t>
+              <a:t> </a:t>
+            </a:r>
+            <a:r>
+              <a:rPr lang="ko-KR" altLang="en-US" sz="2000" b="1" dirty="0">
+                <a:solidFill>
+                  <a:schemeClr val="tx1"/>
+                </a:solidFill>
+                <a:latin typeface="+mn-ea"/>
+                <a:ea typeface="+mn-ea"/>
+              </a:rPr>
+              <a:t>복잡한 경우가 대부분</a:t>
             </a:r>
             <a:endParaRPr lang="en-US" altLang="ko-KR" sz="2000" b="1" dirty="0">
               <a:solidFill>
@@ -17574,58 +19052,35 @@
           <a:p>
             <a:pPr marL="228600" indent="0" algn="l"/>
             <a:r>
-              <a:rPr lang="ko-KR" altLang="en-US" sz="2000" b="1" dirty="0">
+              <a:rPr lang="en-US" altLang="ko-KR" sz="2000" b="1" dirty="0">
                 <a:solidFill>
                   <a:schemeClr val="tx1"/>
                 </a:solidFill>
                 <a:latin typeface="+mn-ea"/>
                 <a:ea typeface="+mn-ea"/>
               </a:rPr>
-              <a:t>반복적으로 </a:t>
-            </a:r>
-            <a:r>
-              <a:rPr lang="ko-KR" altLang="en-US" sz="2000" b="1" dirty="0" err="1">
+              <a:t>-&gt; </a:t>
+            </a:r>
+            <a:r>
+              <a:rPr lang="ko-KR" altLang="en-US" sz="2000" b="1" dirty="0">
                 <a:solidFill>
                   <a:schemeClr val="tx1"/>
                 </a:solidFill>
                 <a:latin typeface="+mn-ea"/>
                 <a:ea typeface="+mn-ea"/>
               </a:rPr>
-              <a:t>계산해야하기</a:t>
-            </a:r>
-            <a:r>
-              <a:rPr lang="ko-KR" altLang="en-US" sz="2000" b="1" dirty="0">
+              <a:t>기울기를 구하는 </a:t>
+            </a:r>
+            <a:r>
+              <a:rPr lang="ko-KR" altLang="en-US" sz="2000" b="1" dirty="0" err="1">
                 <a:solidFill>
                   <a:schemeClr val="tx1"/>
                 </a:solidFill>
                 <a:latin typeface="+mn-ea"/>
                 <a:ea typeface="+mn-ea"/>
               </a:rPr>
-              <a:t> 때문에 학습시간이 </a:t>
-            </a:r>
-            <a:r>
-              <a:rPr lang="ko-KR" altLang="en-US" sz="2000" b="1" dirty="0" err="1">
-                <a:solidFill>
-                  <a:schemeClr val="tx1"/>
-                </a:solidFill>
-                <a:latin typeface="+mn-ea"/>
-                <a:ea typeface="+mn-ea"/>
-              </a:rPr>
-              <a:t>오래걸림</a:t>
-            </a:r>
-            <a:r>
-              <a:rPr lang="en-US" altLang="ko-KR" sz="2000" b="1" dirty="0">
-                <a:solidFill>
-                  <a:schemeClr val="tx1"/>
-                </a:solidFill>
-                <a:latin typeface="+mn-ea"/>
-                <a:ea typeface="+mn-ea"/>
-              </a:rPr>
-              <a:t>.</a:t>
-            </a:r>
-          </a:p>
-          <a:p>
-            <a:pPr marL="228600" indent="0" algn="l"/>
+              <a:t>연산량이</a:t>
+            </a:r>
             <a:endParaRPr lang="en-US" altLang="ko-KR" sz="2000" b="1" dirty="0">
               <a:solidFill>
                 <a:schemeClr val="tx1"/>
@@ -17634,14 +19089,67 @@
               <a:ea typeface="+mn-ea"/>
             </a:endParaRPr>
           </a:p>
+          <a:p>
+            <a:pPr marL="228600" indent="0" algn="l"/>
+            <a:r>
+              <a:rPr lang="en-US" altLang="ko-KR" sz="2000" b="1" dirty="0">
+                <a:solidFill>
+                  <a:schemeClr val="tx1"/>
+                </a:solidFill>
+                <a:latin typeface="+mn-ea"/>
+                <a:ea typeface="+mn-ea"/>
+              </a:rPr>
+              <a:t>    </a:t>
+            </a:r>
+            <a:r>
+              <a:rPr lang="ko-KR" altLang="en-US" sz="2000" b="1" dirty="0">
+                <a:solidFill>
+                  <a:schemeClr val="tx1"/>
+                </a:solidFill>
+                <a:latin typeface="+mn-ea"/>
+                <a:ea typeface="+mn-ea"/>
+              </a:rPr>
+              <a:t>다른 </a:t>
+            </a:r>
+            <a:r>
+              <a:rPr lang="ko-KR" altLang="en-US" sz="2000" b="1" dirty="0" err="1">
+                <a:solidFill>
+                  <a:schemeClr val="tx1"/>
+                </a:solidFill>
+                <a:latin typeface="+mn-ea"/>
+                <a:ea typeface="+mn-ea"/>
+              </a:rPr>
+              <a:t>연산량보다</a:t>
+            </a:r>
+            <a:r>
+              <a:rPr lang="ko-KR" altLang="en-US" sz="2000" b="1" dirty="0">
+                <a:solidFill>
+                  <a:schemeClr val="tx1"/>
+                </a:solidFill>
+                <a:latin typeface="+mn-ea"/>
+                <a:ea typeface="+mn-ea"/>
+              </a:rPr>
+              <a:t> 훨씬 많고 복잡할 수 있다</a:t>
+            </a:r>
+            <a:r>
+              <a:rPr lang="en-US" altLang="ko-KR" sz="2000" b="1" dirty="0">
+                <a:solidFill>
+                  <a:schemeClr val="tx1"/>
+                </a:solidFill>
+                <a:latin typeface="+mn-ea"/>
+                <a:ea typeface="+mn-ea"/>
+              </a:rPr>
+              <a:t>.</a:t>
+            </a:r>
+          </a:p>
         </p:txBody>
       </p:sp>
       <p:pic>
         <p:nvPicPr>
-          <p:cNvPr id="4" name="그림 3">
+          <p:cNvPr id="7" name="그림 6">
             <a:extLst>
               <a:ext uri="{FF2B5EF4-FFF2-40B4-BE49-F238E27FC236}">
-                <a16:creationId xmlns:a16="http://schemas.microsoft.com/office/drawing/2014/main" id="{2972ECDB-60FD-F751-7893-99FCE81640CE}"/>
+                <a16:creationId xmlns:a16="http://schemas.microsoft.com/office/drawing/2014/main" id="{0B40E98D-0E7F-8DC4-056B-9F756936A006}"/>
               </a:ext>
             </a:extLst>
           </p:cNvPr>
@@ -17658,14 +19166,254 @@
         </p:blipFill>
         <p:spPr>
           <a:xfrm>
-            <a:off x="2362176" y="3090227"/>
-            <a:ext cx="4935128" cy="1508667"/>
+            <a:off x="2511780" y="2973470"/>
+            <a:ext cx="4120440" cy="474746"/>
           </a:xfrm>
           <a:prstGeom prst="rect">
             <a:avLst/>
           </a:prstGeom>
         </p:spPr>
       </p:pic>
+      <p:pic>
+        <p:nvPicPr>
+          <p:cNvPr id="9" name="그림 8">
+            <a:extLst>
+              <a:ext uri="{FF2B5EF4-FFF2-40B4-BE49-F238E27FC236}">
+                <a16:creationId xmlns:a16="http://schemas.microsoft.com/office/drawing/2014/main" id="{887DF57A-ECF5-8E62-AA9B-8E6F9601D314}"/>
+              </a:ext>
+            </a:extLst>
+          </p:cNvPr>
+          <p:cNvPicPr>
+            <a:picLocks noChangeAspect="1"/>
+          </p:cNvPicPr>
+          <p:nvPr/>
+        </p:nvPicPr>
+        <p:blipFill>
+          <a:blip r:embed="rId5"/>
+          <a:stretch>
+            <a:fillRect/>
+          </a:stretch>
+        </p:blipFill>
+        <p:spPr>
+          <a:xfrm>
+            <a:off x="2486318" y="3768224"/>
+            <a:ext cx="5177584" cy="1161540"/>
+          </a:xfrm>
+          <a:prstGeom prst="rect">
+            <a:avLst/>
+          </a:prstGeom>
+        </p:spPr>
+      </p:pic>
+      <p:sp>
+        <p:nvSpPr>
+          <p:cNvPr id="10" name="직사각형 9">
+            <a:extLst>
+              <a:ext uri="{FF2B5EF4-FFF2-40B4-BE49-F238E27FC236}">
+                <a16:creationId xmlns:a16="http://schemas.microsoft.com/office/drawing/2014/main" id="{AF38BDBC-C893-9AD1-FC13-ADBFCBEE6DF5}"/>
+              </a:ext>
+            </a:extLst>
+          </p:cNvPr>
+          <p:cNvSpPr/>
+          <p:nvPr/>
+        </p:nvSpPr>
+        <p:spPr>
+          <a:xfrm>
+            <a:off x="2411807" y="3768224"/>
+            <a:ext cx="478679" cy="601258"/>
+          </a:xfrm>
+          <a:prstGeom prst="rect">
+            <a:avLst/>
+          </a:prstGeom>
+          <a:noFill/>
+          <a:ln w="31750">
+            <a:solidFill>
+              <a:srgbClr val="C00000"/>
+            </a:solidFill>
+          </a:ln>
+        </p:spPr>
+        <p:style>
+          <a:lnRef idx="2">
+            <a:schemeClr val="accent1">
+              <a:shade val="50000"/>
+            </a:schemeClr>
+          </a:lnRef>
+          <a:fillRef idx="1">
+            <a:schemeClr val="accent1"/>
+          </a:fillRef>
+          <a:effectRef idx="0">
+            <a:schemeClr val="accent1"/>
+          </a:effectRef>
+          <a:fontRef idx="minor">
+            <a:schemeClr val="lt1"/>
+          </a:fontRef>
+        </p:style>
+        <p:txBody>
+          <a:bodyPr rtlCol="0" anchor="ctr"/>
+          <a:lstStyle/>
+          <a:p>
+            <a:pPr algn="ctr"/>
+            <a:endParaRPr lang="ko-KR" altLang="en-US"/>
+          </a:p>
+        </p:txBody>
+      </p:sp>
+      <p:sp>
+        <p:nvSpPr>
+          <p:cNvPr id="11" name="TextBox 10">
+            <a:extLst>
+              <a:ext uri="{FF2B5EF4-FFF2-40B4-BE49-F238E27FC236}">
+                <a16:creationId xmlns:a16="http://schemas.microsoft.com/office/drawing/2014/main" id="{91C4392E-F948-89B3-5AC7-3379CF41E4FB}"/>
+              </a:ext>
+            </a:extLst>
+          </p:cNvPr>
+          <p:cNvSpPr txBox="1"/>
+          <p:nvPr/>
+        </p:nvSpPr>
+        <p:spPr>
+          <a:xfrm>
+            <a:off x="1442174" y="3060478"/>
+            <a:ext cx="1399216" cy="292388"/>
+          </a:xfrm>
+          <a:prstGeom prst="rect">
+            <a:avLst/>
+          </a:prstGeom>
+          <a:noFill/>
+        </p:spPr>
+        <p:txBody>
+          <a:bodyPr wrap="square" rtlCol="0">
+            <a:spAutoFit/>
+          </a:bodyPr>
+          <a:lstStyle/>
+          <a:p>
+            <a:r>
+              <a:rPr lang="ko-KR" altLang="en-US" sz="1300" dirty="0">
+                <a:solidFill>
+                  <a:srgbClr val="C00000"/>
+                </a:solidFill>
+                <a:latin typeface="+mn-ea"/>
+                <a:ea typeface="+mn-ea"/>
+              </a:rPr>
+              <a:t>손실함수 </a:t>
+            </a:r>
+            <a:r>
+              <a:rPr lang="en-US" altLang="ko-KR" sz="1300" dirty="0">
+                <a:solidFill>
+                  <a:srgbClr val="C00000"/>
+                </a:solidFill>
+                <a:latin typeface="+mn-ea"/>
+                <a:ea typeface="+mn-ea"/>
+              </a:rPr>
+              <a:t>f(x)</a:t>
+            </a:r>
+            <a:endParaRPr lang="ko-KR" altLang="en-US" sz="1300" dirty="0">
+              <a:solidFill>
+                <a:srgbClr val="C00000"/>
+              </a:solidFill>
+              <a:latin typeface="+mn-ea"/>
+              <a:ea typeface="+mn-ea"/>
+            </a:endParaRPr>
+          </a:p>
+        </p:txBody>
+      </p:sp>
+      <p:sp>
+        <p:nvSpPr>
+          <p:cNvPr id="12" name="TextBox 11">
+            <a:extLst>
+              <a:ext uri="{FF2B5EF4-FFF2-40B4-BE49-F238E27FC236}">
+                <a16:creationId xmlns:a16="http://schemas.microsoft.com/office/drawing/2014/main" id="{2F16E2F9-729C-AA11-4FCD-682DB3F730F8}"/>
+              </a:ext>
+            </a:extLst>
+          </p:cNvPr>
+          <p:cNvSpPr txBox="1"/>
+          <p:nvPr/>
+        </p:nvSpPr>
+        <p:spPr>
+          <a:xfrm>
+            <a:off x="1112564" y="3766954"/>
+            <a:ext cx="1399216" cy="692497"/>
+          </a:xfrm>
+          <a:prstGeom prst="rect">
+            <a:avLst/>
+          </a:prstGeom>
+          <a:noFill/>
+        </p:spPr>
+        <p:txBody>
+          <a:bodyPr wrap="square" rtlCol="0">
+            <a:spAutoFit/>
+          </a:bodyPr>
+          <a:lstStyle/>
+          <a:p>
+            <a:r>
+              <a:rPr lang="ko-KR" altLang="en-US" sz="1300" dirty="0">
+                <a:solidFill>
+                  <a:srgbClr val="C00000"/>
+                </a:solidFill>
+                <a:latin typeface="+mn-ea"/>
+                <a:ea typeface="+mn-ea"/>
+              </a:rPr>
+              <a:t>손실함수 </a:t>
+            </a:r>
+            <a:r>
+              <a:rPr lang="en-US" altLang="ko-KR" sz="1300" dirty="0">
+                <a:solidFill>
+                  <a:srgbClr val="C00000"/>
+                </a:solidFill>
+                <a:latin typeface="+mn-ea"/>
+                <a:ea typeface="+mn-ea"/>
+              </a:rPr>
+              <a:t>f(x)</a:t>
+            </a:r>
+            <a:r>
+              <a:rPr lang="ko-KR" altLang="en-US" sz="1300" dirty="0">
+                <a:solidFill>
+                  <a:srgbClr val="C00000"/>
+                </a:solidFill>
+                <a:latin typeface="+mn-ea"/>
+                <a:ea typeface="+mn-ea"/>
+              </a:rPr>
+              <a:t>를</a:t>
+            </a:r>
+            <a:endParaRPr lang="en-US" altLang="ko-KR" sz="1300" dirty="0">
+              <a:solidFill>
+                <a:srgbClr val="C00000"/>
+              </a:solidFill>
+              <a:latin typeface="+mn-ea"/>
+              <a:ea typeface="+mn-ea"/>
+            </a:endParaRPr>
+          </a:p>
+          <a:p>
+            <a:r>
+              <a:rPr lang="ko-KR" altLang="en-US" sz="1300" dirty="0">
+                <a:solidFill>
+                  <a:srgbClr val="C00000"/>
+                </a:solidFill>
+                <a:latin typeface="+mn-ea"/>
+                <a:ea typeface="+mn-ea"/>
+              </a:rPr>
+              <a:t>가중치 </a:t>
+            </a:r>
+            <a:r>
+              <a:rPr lang="en-US" altLang="ko-KR" sz="1300" dirty="0">
+                <a:solidFill>
+                  <a:srgbClr val="C00000"/>
+                </a:solidFill>
+                <a:latin typeface="+mn-ea"/>
+                <a:ea typeface="+mn-ea"/>
+              </a:rPr>
+              <a:t>x</a:t>
+            </a:r>
+            <a:r>
+              <a:rPr lang="ko-KR" altLang="en-US" sz="1300" dirty="0">
+                <a:solidFill>
+                  <a:srgbClr val="C00000"/>
+                </a:solidFill>
+                <a:latin typeface="+mn-ea"/>
+                <a:ea typeface="+mn-ea"/>
+              </a:rPr>
+              <a:t>에 대해 미분</a:t>
+            </a:r>
+          </a:p>
+        </p:txBody>
+      </p:sp>
     </p:spTree>
     <p:extLst>
       <p:ext uri="{BB962C8B-B14F-4D97-AF65-F5344CB8AC3E}">

--- a/발표자료/CUAI_딥러닝__0523.pptx
+++ b/발표자료/CUAI_딥러닝__0523.pptx
@@ -5,7 +5,7 @@
     <p:sldMasterId id="2147483659" r:id="rId1"/>
   </p:sldMasterIdLst>
   <p:notesMasterIdLst>
-    <p:notesMasterId r:id="rId26"/>
+    <p:notesMasterId r:id="rId19"/>
   </p:notesMasterIdLst>
   <p:sldIdLst>
     <p:sldId id="256" r:id="rId2"/>
@@ -24,26 +24,19 @@
     <p:sldId id="323" r:id="rId15"/>
     <p:sldId id="325" r:id="rId16"/>
     <p:sldId id="305" r:id="rId17"/>
-    <p:sldId id="306" r:id="rId18"/>
-    <p:sldId id="307" r:id="rId19"/>
-    <p:sldId id="310" r:id="rId20"/>
-    <p:sldId id="311" r:id="rId21"/>
-    <p:sldId id="313" r:id="rId22"/>
-    <p:sldId id="314" r:id="rId23"/>
-    <p:sldId id="316" r:id="rId24"/>
-    <p:sldId id="280" r:id="rId25"/>
+    <p:sldId id="280" r:id="rId18"/>
   </p:sldIdLst>
   <p:sldSz cx="9144000" cy="5143500" type="screen16x9"/>
   <p:notesSz cx="6858000" cy="9144000"/>
   <p:embeddedFontLst>
     <p:embeddedFont>
       <p:font typeface="NanumGothic ExtraBold" panose="020B0600000101010101" charset="0"/>
-      <p:bold r:id="rId27"/>
+      <p:bold r:id="rId20"/>
     </p:embeddedFont>
     <p:embeddedFont>
       <p:font typeface="맑은 고딕" panose="020B0503020000020004" pitchFamily="50" charset="-127"/>
-      <p:regular r:id="rId28"/>
-      <p:bold r:id="rId29"/>
+      <p:regular r:id="rId21"/>
+      <p:bold r:id="rId22"/>
     </p:embeddedFont>
   </p:embeddedFontLst>
   <p:defaultTextStyle>
@@ -359,64 +352,6 @@
     </inkml:brush>
   </inkml:definitions>
   <inkml:trace contextRef="#ctx0" brushRef="#br0">0 0,'0'0</inkml:trace>
-</inkml:ink>
-</file>
-
-<file path=ppt/ink/ink3.xml><?xml version="1.0" encoding="utf-8"?>
-<inkml:ink xmlns:inkml="http://www.w3.org/2003/InkML">
-  <inkml:definitions>
-    <inkml:context xml:id="ctx0">
-      <inkml:inkSource xml:id="inkSrc0">
-        <inkml:traceFormat>
-          <inkml:channel name="X" type="integer" min="-2.14748E9" max="2.14748E9" units="cm"/>
-          <inkml:channel name="Y" type="integer" min="-2.14748E9" max="2.14748E9" units="cm"/>
-        </inkml:traceFormat>
-        <inkml:channelProperties>
-          <inkml:channelProperty channel="X" name="resolution" value="1000" units="1/cm"/>
-          <inkml:channelProperty channel="Y" name="resolution" value="1000" units="1/cm"/>
-        </inkml:channelProperties>
-      </inkml:inkSource>
-      <inkml:timestamp xml:id="ts0" timeString="2023-05-22T17:50:09.711"/>
-    </inkml:context>
-    <inkml:brush xml:id="br0">
-      <inkml:brushProperty name="width" value="0.3" units="cm"/>
-      <inkml:brushProperty name="height" value="0.6" units="cm"/>
-      <inkml:brushProperty name="color" value="#FFACD5"/>
-      <inkml:brushProperty name="tip" value="rectangle"/>
-      <inkml:brushProperty name="rasterOp" value="maskPen"/>
-      <inkml:brushProperty name="ignorePressure" value="1"/>
-    </inkml:brush>
-  </inkml:definitions>
-  <inkml:trace contextRef="#ctx0" brushRef="#br0">0 1,'4043'0,"-4017"0</inkml:trace>
-</inkml:ink>
-</file>
-
-<file path=ppt/ink/ink4.xml><?xml version="1.0" encoding="utf-8"?>
-<inkml:ink xmlns:inkml="http://www.w3.org/2003/InkML">
-  <inkml:definitions>
-    <inkml:context xml:id="ctx0">
-      <inkml:inkSource xml:id="inkSrc0">
-        <inkml:traceFormat>
-          <inkml:channel name="X" type="integer" min="-2.14748E9" max="2.14748E9" units="cm"/>
-          <inkml:channel name="Y" type="integer" min="-2.14748E9" max="2.14748E9" units="cm"/>
-        </inkml:traceFormat>
-        <inkml:channelProperties>
-          <inkml:channelProperty channel="X" name="resolution" value="1000" units="1/cm"/>
-          <inkml:channelProperty channel="Y" name="resolution" value="1000" units="1/cm"/>
-        </inkml:channelProperties>
-      </inkml:inkSource>
-      <inkml:timestamp xml:id="ts0" timeString="2023-05-22T17:50:22.414"/>
-    </inkml:context>
-    <inkml:brush xml:id="br0">
-      <inkml:brushProperty name="width" value="0.3" units="cm"/>
-      <inkml:brushProperty name="height" value="0.6" units="cm"/>
-      <inkml:brushProperty name="color" value="#A9D8FF"/>
-      <inkml:brushProperty name="tip" value="rectangle"/>
-      <inkml:brushProperty name="rasterOp" value="maskPen"/>
-      <inkml:brushProperty name="ignorePressure" value="1"/>
-    </inkml:brush>
-  </inkml:definitions>
-  <inkml:trace contextRef="#ctx0" brushRef="#br0">0 0,'2965'0,"-2932"0</inkml:trace>
 </inkml:ink>
 </file>
 
@@ -1841,7 +1776,7 @@
   <p:cSld>
     <p:spTree>
       <p:nvGrpSpPr>
-        <p:cNvPr id="1" name="Shape 68"/>
+        <p:cNvPr id="1" name="Shape 76"/>
         <p:cNvGrpSpPr/>
         <p:nvPr/>
       </p:nvGrpSpPr>
@@ -1855,7 +1790,7 @@
       </p:grpSpPr>
       <p:sp>
         <p:nvSpPr>
-          <p:cNvPr id="69" name="Google Shape;69;g118d7eca593_0_21:notes"/>
+          <p:cNvPr id="77" name="Google Shape;77;g118d7eca593_0_30:notes"/>
           <p:cNvSpPr>
             <a:spLocks noGrp="1" noRot="1" noChangeAspect="1"/>
           </p:cNvSpPr>
@@ -1896,7 +1831,7 @@
       </p:sp>
       <p:sp>
         <p:nvSpPr>
-          <p:cNvPr id="70" name="Google Shape;70;g118d7eca593_0_21:notes"/>
+          <p:cNvPr id="78" name="Google Shape;78;g118d7eca593_0_30:notes"/>
           <p:cNvSpPr txBox="1">
             <a:spLocks noGrp="1"/>
           </p:cNvSpPr>
@@ -1919,24 +1854,14 @@
           </a:bodyPr>
           <a:lstStyle/>
           <a:p>
-            <a:pPr marL="0" marR="0" lvl="0" indent="0" algn="l" defTabSz="914400" rtl="0" eaLnBrk="1" fontAlgn="auto" latinLnBrk="0" hangingPunct="1">
-              <a:lnSpc>
-                <a:spcPct val="100000"/>
-              </a:lnSpc>
-              <a:spcBef>
-                <a:spcPts val="0"/>
-              </a:spcBef>
-              <a:spcAft>
-                <a:spcPts val="0"/>
-              </a:spcAft>
-              <a:buClr>
-                <a:srgbClr val="000000"/>
-              </a:buClr>
-              <a:buSzPts val="1100"/>
-              <a:buFont typeface="Arial"/>
-              <a:buNone/>
-              <a:tabLst/>
-              <a:defRPr/>
+            <a:pPr marL="0" lvl="0" indent="0" algn="l" rtl="0">
+              <a:spcBef>
+                <a:spcPts val="0"/>
+              </a:spcBef>
+              <a:spcAft>
+                <a:spcPts val="0"/>
+              </a:spcAft>
+              <a:buNone/>
             </a:pPr>
             <a:endParaRPr dirty="0"/>
           </a:p>
@@ -1945,245 +1870,7 @@
     </p:spTree>
     <p:extLst>
       <p:ext uri="{BB962C8B-B14F-4D97-AF65-F5344CB8AC3E}">
-        <p14:creationId xmlns:p14="http://schemas.microsoft.com/office/powerpoint/2010/main" val="3419303116"/>
-      </p:ext>
-    </p:extLst>
-  </p:cSld>
-  <p:clrMapOvr>
-    <a:masterClrMapping/>
-  </p:clrMapOvr>
-</p:notes>
-</file>
-
-<file path=ppt/notesSlides/notesSlide18.xml><?xml version="1.0" encoding="utf-8"?>
-<p:notes xmlns:a="http://schemas.openxmlformats.org/drawingml/2006/main" xmlns:r="http://schemas.openxmlformats.org/officeDocument/2006/relationships" xmlns:p="http://schemas.openxmlformats.org/presentationml/2006/main" showMasterSp="0" showMasterPhAnim="0">
-  <p:cSld>
-    <p:spTree>
-      <p:nvGrpSpPr>
-        <p:cNvPr id="1" name="Shape 68"/>
-        <p:cNvGrpSpPr/>
-        <p:nvPr/>
-      </p:nvGrpSpPr>
-      <p:grpSpPr>
-        <a:xfrm>
-          <a:off x="0" y="0"/>
-          <a:ext cx="0" cy="0"/>
-          <a:chOff x="0" y="0"/>
-          <a:chExt cx="0" cy="0"/>
-        </a:xfrm>
-      </p:grpSpPr>
-      <p:sp>
-        <p:nvSpPr>
-          <p:cNvPr id="69" name="Google Shape;69;g118d7eca593_0_21:notes"/>
-          <p:cNvSpPr>
-            <a:spLocks noGrp="1" noRot="1" noChangeAspect="1"/>
-          </p:cNvSpPr>
-          <p:nvPr>
-            <p:ph type="sldImg" idx="2"/>
-          </p:nvPr>
-        </p:nvSpPr>
-        <p:spPr>
-          <a:xfrm>
-            <a:off x="381000" y="685800"/>
-            <a:ext cx="6096000" cy="3429000"/>
-          </a:xfrm>
-          <a:custGeom>
-            <a:avLst/>
-            <a:gdLst/>
-            <a:ahLst/>
-            <a:cxnLst/>
-            <a:rect l="l" t="t" r="r" b="b"/>
-            <a:pathLst>
-              <a:path w="120000" h="120000" extrusionOk="0">
-                <a:moveTo>
-                  <a:pt x="0" y="0"/>
-                </a:moveTo>
-                <a:lnTo>
-                  <a:pt x="120000" y="0"/>
-                </a:lnTo>
-                <a:lnTo>
-                  <a:pt x="120000" y="120000"/>
-                </a:lnTo>
-                <a:lnTo>
-                  <a:pt x="0" y="120000"/>
-                </a:lnTo>
-                <a:close/>
-              </a:path>
-            </a:pathLst>
-          </a:custGeom>
-        </p:spPr>
-      </p:sp>
-      <p:sp>
-        <p:nvSpPr>
-          <p:cNvPr id="70" name="Google Shape;70;g118d7eca593_0_21:notes"/>
-          <p:cNvSpPr txBox="1">
-            <a:spLocks noGrp="1"/>
-          </p:cNvSpPr>
-          <p:nvPr>
-            <p:ph type="body" idx="1"/>
-          </p:nvPr>
-        </p:nvSpPr>
-        <p:spPr>
-          <a:xfrm>
-            <a:off x="685800" y="4343400"/>
-            <a:ext cx="5486400" cy="4114800"/>
-          </a:xfrm>
-          <a:prstGeom prst="rect">
-            <a:avLst/>
-          </a:prstGeom>
-        </p:spPr>
-        <p:txBody>
-          <a:bodyPr spcFirstLastPara="1" wrap="square" lIns="91425" tIns="91425" rIns="91425" bIns="91425" anchor="t" anchorCtr="0">
-            <a:noAutofit/>
-          </a:bodyPr>
-          <a:lstStyle/>
-          <a:p>
-            <a:pPr marL="0" marR="0" lvl="0" indent="0" algn="l" defTabSz="914400" rtl="0" eaLnBrk="1" fontAlgn="auto" latinLnBrk="0" hangingPunct="1">
-              <a:lnSpc>
-                <a:spcPct val="100000"/>
-              </a:lnSpc>
-              <a:spcBef>
-                <a:spcPts val="0"/>
-              </a:spcBef>
-              <a:spcAft>
-                <a:spcPts val="0"/>
-              </a:spcAft>
-              <a:buClr>
-                <a:srgbClr val="000000"/>
-              </a:buClr>
-              <a:buSzPts val="1100"/>
-              <a:buFont typeface="Arial"/>
-              <a:buNone/>
-              <a:tabLst/>
-              <a:defRPr/>
-            </a:pPr>
-            <a:endParaRPr dirty="0"/>
-          </a:p>
-        </p:txBody>
-      </p:sp>
-    </p:spTree>
-    <p:extLst>
-      <p:ext uri="{BB962C8B-B14F-4D97-AF65-F5344CB8AC3E}">
-        <p14:creationId xmlns:p14="http://schemas.microsoft.com/office/powerpoint/2010/main" val="946182898"/>
-      </p:ext>
-    </p:extLst>
-  </p:cSld>
-  <p:clrMapOvr>
-    <a:masterClrMapping/>
-  </p:clrMapOvr>
-</p:notes>
-</file>
-
-<file path=ppt/notesSlides/notesSlide19.xml><?xml version="1.0" encoding="utf-8"?>
-<p:notes xmlns:a="http://schemas.openxmlformats.org/drawingml/2006/main" xmlns:r="http://schemas.openxmlformats.org/officeDocument/2006/relationships" xmlns:p="http://schemas.openxmlformats.org/presentationml/2006/main" showMasterSp="0" showMasterPhAnim="0">
-  <p:cSld>
-    <p:spTree>
-      <p:nvGrpSpPr>
-        <p:cNvPr id="1" name="Shape 68"/>
-        <p:cNvGrpSpPr/>
-        <p:nvPr/>
-      </p:nvGrpSpPr>
-      <p:grpSpPr>
-        <a:xfrm>
-          <a:off x="0" y="0"/>
-          <a:ext cx="0" cy="0"/>
-          <a:chOff x="0" y="0"/>
-          <a:chExt cx="0" cy="0"/>
-        </a:xfrm>
-      </p:grpSpPr>
-      <p:sp>
-        <p:nvSpPr>
-          <p:cNvPr id="69" name="Google Shape;69;g118d7eca593_0_21:notes"/>
-          <p:cNvSpPr>
-            <a:spLocks noGrp="1" noRot="1" noChangeAspect="1"/>
-          </p:cNvSpPr>
-          <p:nvPr>
-            <p:ph type="sldImg" idx="2"/>
-          </p:nvPr>
-        </p:nvSpPr>
-        <p:spPr>
-          <a:xfrm>
-            <a:off x="381000" y="685800"/>
-            <a:ext cx="6096000" cy="3429000"/>
-          </a:xfrm>
-          <a:custGeom>
-            <a:avLst/>
-            <a:gdLst/>
-            <a:ahLst/>
-            <a:cxnLst/>
-            <a:rect l="l" t="t" r="r" b="b"/>
-            <a:pathLst>
-              <a:path w="120000" h="120000" extrusionOk="0">
-                <a:moveTo>
-                  <a:pt x="0" y="0"/>
-                </a:moveTo>
-                <a:lnTo>
-                  <a:pt x="120000" y="0"/>
-                </a:lnTo>
-                <a:lnTo>
-                  <a:pt x="120000" y="120000"/>
-                </a:lnTo>
-                <a:lnTo>
-                  <a:pt x="0" y="120000"/>
-                </a:lnTo>
-                <a:close/>
-              </a:path>
-            </a:pathLst>
-          </a:custGeom>
-        </p:spPr>
-      </p:sp>
-      <p:sp>
-        <p:nvSpPr>
-          <p:cNvPr id="70" name="Google Shape;70;g118d7eca593_0_21:notes"/>
-          <p:cNvSpPr txBox="1">
-            <a:spLocks noGrp="1"/>
-          </p:cNvSpPr>
-          <p:nvPr>
-            <p:ph type="body" idx="1"/>
-          </p:nvPr>
-        </p:nvSpPr>
-        <p:spPr>
-          <a:xfrm>
-            <a:off x="685800" y="4343400"/>
-            <a:ext cx="5486400" cy="4114800"/>
-          </a:xfrm>
-          <a:prstGeom prst="rect">
-            <a:avLst/>
-          </a:prstGeom>
-        </p:spPr>
-        <p:txBody>
-          <a:bodyPr spcFirstLastPara="1" wrap="square" lIns="91425" tIns="91425" rIns="91425" bIns="91425" anchor="t" anchorCtr="0">
-            <a:noAutofit/>
-          </a:bodyPr>
-          <a:lstStyle/>
-          <a:p>
-            <a:pPr marL="0" marR="0" lvl="0" indent="0" algn="l" defTabSz="914400" rtl="0" eaLnBrk="1" fontAlgn="auto" latinLnBrk="0" hangingPunct="1">
-              <a:lnSpc>
-                <a:spcPct val="100000"/>
-              </a:lnSpc>
-              <a:spcBef>
-                <a:spcPts val="0"/>
-              </a:spcBef>
-              <a:spcAft>
-                <a:spcPts val="0"/>
-              </a:spcAft>
-              <a:buClr>
-                <a:srgbClr val="000000"/>
-              </a:buClr>
-              <a:buSzPts val="1100"/>
-              <a:buFont typeface="Arial"/>
-              <a:buNone/>
-              <a:tabLst/>
-              <a:defRPr/>
-            </a:pPr>
-            <a:endParaRPr dirty="0"/>
-          </a:p>
-        </p:txBody>
-      </p:sp>
-    </p:spTree>
-    <p:extLst>
-      <p:ext uri="{BB962C8B-B14F-4D97-AF65-F5344CB8AC3E}">
-        <p14:creationId xmlns:p14="http://schemas.microsoft.com/office/powerpoint/2010/main" val="3386765894"/>
+        <p14:creationId xmlns:p14="http://schemas.microsoft.com/office/powerpoint/2010/main" val="1837593299"/>
       </p:ext>
     </p:extLst>
   </p:cSld>
@@ -2300,591 +1987,6 @@
         </p:txBody>
       </p:sp>
     </p:spTree>
-  </p:cSld>
-  <p:clrMapOvr>
-    <a:masterClrMapping/>
-  </p:clrMapOvr>
-</p:notes>
-</file>
-
-<file path=ppt/notesSlides/notesSlide20.xml><?xml version="1.0" encoding="utf-8"?>
-<p:notes xmlns:a="http://schemas.openxmlformats.org/drawingml/2006/main" xmlns:r="http://schemas.openxmlformats.org/officeDocument/2006/relationships" xmlns:p="http://schemas.openxmlformats.org/presentationml/2006/main" showMasterSp="0" showMasterPhAnim="0">
-  <p:cSld>
-    <p:spTree>
-      <p:nvGrpSpPr>
-        <p:cNvPr id="1" name="Shape 68"/>
-        <p:cNvGrpSpPr/>
-        <p:nvPr/>
-      </p:nvGrpSpPr>
-      <p:grpSpPr>
-        <a:xfrm>
-          <a:off x="0" y="0"/>
-          <a:ext cx="0" cy="0"/>
-          <a:chOff x="0" y="0"/>
-          <a:chExt cx="0" cy="0"/>
-        </a:xfrm>
-      </p:grpSpPr>
-      <p:sp>
-        <p:nvSpPr>
-          <p:cNvPr id="69" name="Google Shape;69;g118d7eca593_0_21:notes"/>
-          <p:cNvSpPr>
-            <a:spLocks noGrp="1" noRot="1" noChangeAspect="1"/>
-          </p:cNvSpPr>
-          <p:nvPr>
-            <p:ph type="sldImg" idx="2"/>
-          </p:nvPr>
-        </p:nvSpPr>
-        <p:spPr>
-          <a:xfrm>
-            <a:off x="381000" y="685800"/>
-            <a:ext cx="6096000" cy="3429000"/>
-          </a:xfrm>
-          <a:custGeom>
-            <a:avLst/>
-            <a:gdLst/>
-            <a:ahLst/>
-            <a:cxnLst/>
-            <a:rect l="l" t="t" r="r" b="b"/>
-            <a:pathLst>
-              <a:path w="120000" h="120000" extrusionOk="0">
-                <a:moveTo>
-                  <a:pt x="0" y="0"/>
-                </a:moveTo>
-                <a:lnTo>
-                  <a:pt x="120000" y="0"/>
-                </a:lnTo>
-                <a:lnTo>
-                  <a:pt x="120000" y="120000"/>
-                </a:lnTo>
-                <a:lnTo>
-                  <a:pt x="0" y="120000"/>
-                </a:lnTo>
-                <a:close/>
-              </a:path>
-            </a:pathLst>
-          </a:custGeom>
-        </p:spPr>
-      </p:sp>
-      <p:sp>
-        <p:nvSpPr>
-          <p:cNvPr id="70" name="Google Shape;70;g118d7eca593_0_21:notes"/>
-          <p:cNvSpPr txBox="1">
-            <a:spLocks noGrp="1"/>
-          </p:cNvSpPr>
-          <p:nvPr>
-            <p:ph type="body" idx="1"/>
-          </p:nvPr>
-        </p:nvSpPr>
-        <p:spPr>
-          <a:xfrm>
-            <a:off x="685800" y="4343400"/>
-            <a:ext cx="5486400" cy="4114800"/>
-          </a:xfrm>
-          <a:prstGeom prst="rect">
-            <a:avLst/>
-          </a:prstGeom>
-        </p:spPr>
-        <p:txBody>
-          <a:bodyPr spcFirstLastPara="1" wrap="square" lIns="91425" tIns="91425" rIns="91425" bIns="91425" anchor="t" anchorCtr="0">
-            <a:noAutofit/>
-          </a:bodyPr>
-          <a:lstStyle/>
-          <a:p>
-            <a:pPr marL="0" marR="0" lvl="0" indent="0" algn="l" defTabSz="914400" rtl="0" eaLnBrk="1" fontAlgn="auto" latinLnBrk="0" hangingPunct="1">
-              <a:lnSpc>
-                <a:spcPct val="100000"/>
-              </a:lnSpc>
-              <a:spcBef>
-                <a:spcPts val="0"/>
-              </a:spcBef>
-              <a:spcAft>
-                <a:spcPts val="0"/>
-              </a:spcAft>
-              <a:buClr>
-                <a:srgbClr val="000000"/>
-              </a:buClr>
-              <a:buSzPts val="1100"/>
-              <a:buFont typeface="Arial"/>
-              <a:buNone/>
-              <a:tabLst/>
-              <a:defRPr/>
-            </a:pPr>
-            <a:endParaRPr dirty="0"/>
-          </a:p>
-        </p:txBody>
-      </p:sp>
-    </p:spTree>
-    <p:extLst>
-      <p:ext uri="{BB962C8B-B14F-4D97-AF65-F5344CB8AC3E}">
-        <p14:creationId xmlns:p14="http://schemas.microsoft.com/office/powerpoint/2010/main" val="3580517932"/>
-      </p:ext>
-    </p:extLst>
-  </p:cSld>
-  <p:clrMapOvr>
-    <a:masterClrMapping/>
-  </p:clrMapOvr>
-</p:notes>
-</file>
-
-<file path=ppt/notesSlides/notesSlide21.xml><?xml version="1.0" encoding="utf-8"?>
-<p:notes xmlns:a="http://schemas.openxmlformats.org/drawingml/2006/main" xmlns:r="http://schemas.openxmlformats.org/officeDocument/2006/relationships" xmlns:p="http://schemas.openxmlformats.org/presentationml/2006/main" showMasterSp="0" showMasterPhAnim="0">
-  <p:cSld>
-    <p:spTree>
-      <p:nvGrpSpPr>
-        <p:cNvPr id="1" name="Shape 68"/>
-        <p:cNvGrpSpPr/>
-        <p:nvPr/>
-      </p:nvGrpSpPr>
-      <p:grpSpPr>
-        <a:xfrm>
-          <a:off x="0" y="0"/>
-          <a:ext cx="0" cy="0"/>
-          <a:chOff x="0" y="0"/>
-          <a:chExt cx="0" cy="0"/>
-        </a:xfrm>
-      </p:grpSpPr>
-      <p:sp>
-        <p:nvSpPr>
-          <p:cNvPr id="69" name="Google Shape;69;g118d7eca593_0_21:notes"/>
-          <p:cNvSpPr>
-            <a:spLocks noGrp="1" noRot="1" noChangeAspect="1"/>
-          </p:cNvSpPr>
-          <p:nvPr>
-            <p:ph type="sldImg" idx="2"/>
-          </p:nvPr>
-        </p:nvSpPr>
-        <p:spPr>
-          <a:xfrm>
-            <a:off x="381000" y="685800"/>
-            <a:ext cx="6096000" cy="3429000"/>
-          </a:xfrm>
-          <a:custGeom>
-            <a:avLst/>
-            <a:gdLst/>
-            <a:ahLst/>
-            <a:cxnLst/>
-            <a:rect l="l" t="t" r="r" b="b"/>
-            <a:pathLst>
-              <a:path w="120000" h="120000" extrusionOk="0">
-                <a:moveTo>
-                  <a:pt x="0" y="0"/>
-                </a:moveTo>
-                <a:lnTo>
-                  <a:pt x="120000" y="0"/>
-                </a:lnTo>
-                <a:lnTo>
-                  <a:pt x="120000" y="120000"/>
-                </a:lnTo>
-                <a:lnTo>
-                  <a:pt x="0" y="120000"/>
-                </a:lnTo>
-                <a:close/>
-              </a:path>
-            </a:pathLst>
-          </a:custGeom>
-        </p:spPr>
-      </p:sp>
-      <p:sp>
-        <p:nvSpPr>
-          <p:cNvPr id="70" name="Google Shape;70;g118d7eca593_0_21:notes"/>
-          <p:cNvSpPr txBox="1">
-            <a:spLocks noGrp="1"/>
-          </p:cNvSpPr>
-          <p:nvPr>
-            <p:ph type="body" idx="1"/>
-          </p:nvPr>
-        </p:nvSpPr>
-        <p:spPr>
-          <a:xfrm>
-            <a:off x="685800" y="4343400"/>
-            <a:ext cx="5486400" cy="4114800"/>
-          </a:xfrm>
-          <a:prstGeom prst="rect">
-            <a:avLst/>
-          </a:prstGeom>
-        </p:spPr>
-        <p:txBody>
-          <a:bodyPr spcFirstLastPara="1" wrap="square" lIns="91425" tIns="91425" rIns="91425" bIns="91425" anchor="t" anchorCtr="0">
-            <a:noAutofit/>
-          </a:bodyPr>
-          <a:lstStyle/>
-          <a:p>
-            <a:pPr marL="0" marR="0" lvl="0" indent="0" algn="l" defTabSz="914400" rtl="0" eaLnBrk="1" fontAlgn="auto" latinLnBrk="0" hangingPunct="1">
-              <a:lnSpc>
-                <a:spcPct val="100000"/>
-              </a:lnSpc>
-              <a:spcBef>
-                <a:spcPts val="0"/>
-              </a:spcBef>
-              <a:spcAft>
-                <a:spcPts val="0"/>
-              </a:spcAft>
-              <a:buClr>
-                <a:srgbClr val="000000"/>
-              </a:buClr>
-              <a:buSzPts val="1100"/>
-              <a:buFont typeface="Arial"/>
-              <a:buNone/>
-              <a:tabLst/>
-              <a:defRPr/>
-            </a:pPr>
-            <a:endParaRPr dirty="0"/>
-          </a:p>
-        </p:txBody>
-      </p:sp>
-    </p:spTree>
-    <p:extLst>
-      <p:ext uri="{BB962C8B-B14F-4D97-AF65-F5344CB8AC3E}">
-        <p14:creationId xmlns:p14="http://schemas.microsoft.com/office/powerpoint/2010/main" val="1159763410"/>
-      </p:ext>
-    </p:extLst>
-  </p:cSld>
-  <p:clrMapOvr>
-    <a:masterClrMapping/>
-  </p:clrMapOvr>
-</p:notes>
-</file>
-
-<file path=ppt/notesSlides/notesSlide22.xml><?xml version="1.0" encoding="utf-8"?>
-<p:notes xmlns:a="http://schemas.openxmlformats.org/drawingml/2006/main" xmlns:r="http://schemas.openxmlformats.org/officeDocument/2006/relationships" xmlns:p="http://schemas.openxmlformats.org/presentationml/2006/main" showMasterSp="0" showMasterPhAnim="0">
-  <p:cSld>
-    <p:spTree>
-      <p:nvGrpSpPr>
-        <p:cNvPr id="1" name="Shape 68"/>
-        <p:cNvGrpSpPr/>
-        <p:nvPr/>
-      </p:nvGrpSpPr>
-      <p:grpSpPr>
-        <a:xfrm>
-          <a:off x="0" y="0"/>
-          <a:ext cx="0" cy="0"/>
-          <a:chOff x="0" y="0"/>
-          <a:chExt cx="0" cy="0"/>
-        </a:xfrm>
-      </p:grpSpPr>
-      <p:sp>
-        <p:nvSpPr>
-          <p:cNvPr id="69" name="Google Shape;69;g118d7eca593_0_21:notes"/>
-          <p:cNvSpPr>
-            <a:spLocks noGrp="1" noRot="1" noChangeAspect="1"/>
-          </p:cNvSpPr>
-          <p:nvPr>
-            <p:ph type="sldImg" idx="2"/>
-          </p:nvPr>
-        </p:nvSpPr>
-        <p:spPr>
-          <a:xfrm>
-            <a:off x="381000" y="685800"/>
-            <a:ext cx="6096000" cy="3429000"/>
-          </a:xfrm>
-          <a:custGeom>
-            <a:avLst/>
-            <a:gdLst/>
-            <a:ahLst/>
-            <a:cxnLst/>
-            <a:rect l="l" t="t" r="r" b="b"/>
-            <a:pathLst>
-              <a:path w="120000" h="120000" extrusionOk="0">
-                <a:moveTo>
-                  <a:pt x="0" y="0"/>
-                </a:moveTo>
-                <a:lnTo>
-                  <a:pt x="120000" y="0"/>
-                </a:lnTo>
-                <a:lnTo>
-                  <a:pt x="120000" y="120000"/>
-                </a:lnTo>
-                <a:lnTo>
-                  <a:pt x="0" y="120000"/>
-                </a:lnTo>
-                <a:close/>
-              </a:path>
-            </a:pathLst>
-          </a:custGeom>
-        </p:spPr>
-      </p:sp>
-      <p:sp>
-        <p:nvSpPr>
-          <p:cNvPr id="70" name="Google Shape;70;g118d7eca593_0_21:notes"/>
-          <p:cNvSpPr txBox="1">
-            <a:spLocks noGrp="1"/>
-          </p:cNvSpPr>
-          <p:nvPr>
-            <p:ph type="body" idx="1"/>
-          </p:nvPr>
-        </p:nvSpPr>
-        <p:spPr>
-          <a:xfrm>
-            <a:off x="685800" y="4343400"/>
-            <a:ext cx="5486400" cy="4114800"/>
-          </a:xfrm>
-          <a:prstGeom prst="rect">
-            <a:avLst/>
-          </a:prstGeom>
-        </p:spPr>
-        <p:txBody>
-          <a:bodyPr spcFirstLastPara="1" wrap="square" lIns="91425" tIns="91425" rIns="91425" bIns="91425" anchor="t" anchorCtr="0">
-            <a:noAutofit/>
-          </a:bodyPr>
-          <a:lstStyle/>
-          <a:p>
-            <a:pPr marL="0" marR="0" lvl="0" indent="0" algn="l" defTabSz="914400" rtl="0" eaLnBrk="1" fontAlgn="auto" latinLnBrk="0" hangingPunct="1">
-              <a:lnSpc>
-                <a:spcPct val="100000"/>
-              </a:lnSpc>
-              <a:spcBef>
-                <a:spcPts val="0"/>
-              </a:spcBef>
-              <a:spcAft>
-                <a:spcPts val="0"/>
-              </a:spcAft>
-              <a:buClr>
-                <a:srgbClr val="000000"/>
-              </a:buClr>
-              <a:buSzPts val="1100"/>
-              <a:buFont typeface="Arial"/>
-              <a:buNone/>
-              <a:tabLst/>
-              <a:defRPr/>
-            </a:pPr>
-            <a:endParaRPr dirty="0"/>
-          </a:p>
-        </p:txBody>
-      </p:sp>
-    </p:spTree>
-    <p:extLst>
-      <p:ext uri="{BB962C8B-B14F-4D97-AF65-F5344CB8AC3E}">
-        <p14:creationId xmlns:p14="http://schemas.microsoft.com/office/powerpoint/2010/main" val="3388749787"/>
-      </p:ext>
-    </p:extLst>
-  </p:cSld>
-  <p:clrMapOvr>
-    <a:masterClrMapping/>
-  </p:clrMapOvr>
-</p:notes>
-</file>
-
-<file path=ppt/notesSlides/notesSlide23.xml><?xml version="1.0" encoding="utf-8"?>
-<p:notes xmlns:a="http://schemas.openxmlformats.org/drawingml/2006/main" xmlns:r="http://schemas.openxmlformats.org/officeDocument/2006/relationships" xmlns:p="http://schemas.openxmlformats.org/presentationml/2006/main" showMasterSp="0" showMasterPhAnim="0">
-  <p:cSld>
-    <p:spTree>
-      <p:nvGrpSpPr>
-        <p:cNvPr id="1" name="Shape 68"/>
-        <p:cNvGrpSpPr/>
-        <p:nvPr/>
-      </p:nvGrpSpPr>
-      <p:grpSpPr>
-        <a:xfrm>
-          <a:off x="0" y="0"/>
-          <a:ext cx="0" cy="0"/>
-          <a:chOff x="0" y="0"/>
-          <a:chExt cx="0" cy="0"/>
-        </a:xfrm>
-      </p:grpSpPr>
-      <p:sp>
-        <p:nvSpPr>
-          <p:cNvPr id="69" name="Google Shape;69;g118d7eca593_0_21:notes"/>
-          <p:cNvSpPr>
-            <a:spLocks noGrp="1" noRot="1" noChangeAspect="1"/>
-          </p:cNvSpPr>
-          <p:nvPr>
-            <p:ph type="sldImg" idx="2"/>
-          </p:nvPr>
-        </p:nvSpPr>
-        <p:spPr>
-          <a:xfrm>
-            <a:off x="381000" y="685800"/>
-            <a:ext cx="6096000" cy="3429000"/>
-          </a:xfrm>
-          <a:custGeom>
-            <a:avLst/>
-            <a:gdLst/>
-            <a:ahLst/>
-            <a:cxnLst/>
-            <a:rect l="l" t="t" r="r" b="b"/>
-            <a:pathLst>
-              <a:path w="120000" h="120000" extrusionOk="0">
-                <a:moveTo>
-                  <a:pt x="0" y="0"/>
-                </a:moveTo>
-                <a:lnTo>
-                  <a:pt x="120000" y="0"/>
-                </a:lnTo>
-                <a:lnTo>
-                  <a:pt x="120000" y="120000"/>
-                </a:lnTo>
-                <a:lnTo>
-                  <a:pt x="0" y="120000"/>
-                </a:lnTo>
-                <a:close/>
-              </a:path>
-            </a:pathLst>
-          </a:custGeom>
-        </p:spPr>
-      </p:sp>
-      <p:sp>
-        <p:nvSpPr>
-          <p:cNvPr id="70" name="Google Shape;70;g118d7eca593_0_21:notes"/>
-          <p:cNvSpPr txBox="1">
-            <a:spLocks noGrp="1"/>
-          </p:cNvSpPr>
-          <p:nvPr>
-            <p:ph type="body" idx="1"/>
-          </p:nvPr>
-        </p:nvSpPr>
-        <p:spPr>
-          <a:xfrm>
-            <a:off x="685800" y="4343400"/>
-            <a:ext cx="5486400" cy="4114800"/>
-          </a:xfrm>
-          <a:prstGeom prst="rect">
-            <a:avLst/>
-          </a:prstGeom>
-        </p:spPr>
-        <p:txBody>
-          <a:bodyPr spcFirstLastPara="1" wrap="square" lIns="91425" tIns="91425" rIns="91425" bIns="91425" anchor="t" anchorCtr="0">
-            <a:noAutofit/>
-          </a:bodyPr>
-          <a:lstStyle/>
-          <a:p>
-            <a:pPr marL="0" marR="0" lvl="0" indent="0" algn="l" defTabSz="914400" rtl="0" eaLnBrk="1" fontAlgn="auto" latinLnBrk="0" hangingPunct="1">
-              <a:lnSpc>
-                <a:spcPct val="100000"/>
-              </a:lnSpc>
-              <a:spcBef>
-                <a:spcPts val="0"/>
-              </a:spcBef>
-              <a:spcAft>
-                <a:spcPts val="0"/>
-              </a:spcAft>
-              <a:buClr>
-                <a:srgbClr val="000000"/>
-              </a:buClr>
-              <a:buSzPts val="1100"/>
-              <a:buFont typeface="Arial"/>
-              <a:buNone/>
-              <a:tabLst/>
-              <a:defRPr/>
-            </a:pPr>
-            <a:endParaRPr dirty="0"/>
-          </a:p>
-        </p:txBody>
-      </p:sp>
-    </p:spTree>
-    <p:extLst>
-      <p:ext uri="{BB962C8B-B14F-4D97-AF65-F5344CB8AC3E}">
-        <p14:creationId xmlns:p14="http://schemas.microsoft.com/office/powerpoint/2010/main" val="1114105327"/>
-      </p:ext>
-    </p:extLst>
-  </p:cSld>
-  <p:clrMapOvr>
-    <a:masterClrMapping/>
-  </p:clrMapOvr>
-</p:notes>
-</file>
-
-<file path=ppt/notesSlides/notesSlide24.xml><?xml version="1.0" encoding="utf-8"?>
-<p:notes xmlns:a="http://schemas.openxmlformats.org/drawingml/2006/main" xmlns:r="http://schemas.openxmlformats.org/officeDocument/2006/relationships" xmlns:p="http://schemas.openxmlformats.org/presentationml/2006/main" showMasterSp="0" showMasterPhAnim="0">
-  <p:cSld>
-    <p:spTree>
-      <p:nvGrpSpPr>
-        <p:cNvPr id="1" name="Shape 76"/>
-        <p:cNvGrpSpPr/>
-        <p:nvPr/>
-      </p:nvGrpSpPr>
-      <p:grpSpPr>
-        <a:xfrm>
-          <a:off x="0" y="0"/>
-          <a:ext cx="0" cy="0"/>
-          <a:chOff x="0" y="0"/>
-          <a:chExt cx="0" cy="0"/>
-        </a:xfrm>
-      </p:grpSpPr>
-      <p:sp>
-        <p:nvSpPr>
-          <p:cNvPr id="77" name="Google Shape;77;g118d7eca593_0_30:notes"/>
-          <p:cNvSpPr>
-            <a:spLocks noGrp="1" noRot="1" noChangeAspect="1"/>
-          </p:cNvSpPr>
-          <p:nvPr>
-            <p:ph type="sldImg" idx="2"/>
-          </p:nvPr>
-        </p:nvSpPr>
-        <p:spPr>
-          <a:xfrm>
-            <a:off x="381000" y="685800"/>
-            <a:ext cx="6096000" cy="3429000"/>
-          </a:xfrm>
-          <a:custGeom>
-            <a:avLst/>
-            <a:gdLst/>
-            <a:ahLst/>
-            <a:cxnLst/>
-            <a:rect l="l" t="t" r="r" b="b"/>
-            <a:pathLst>
-              <a:path w="120000" h="120000" extrusionOk="0">
-                <a:moveTo>
-                  <a:pt x="0" y="0"/>
-                </a:moveTo>
-                <a:lnTo>
-                  <a:pt x="120000" y="0"/>
-                </a:lnTo>
-                <a:lnTo>
-                  <a:pt x="120000" y="120000"/>
-                </a:lnTo>
-                <a:lnTo>
-                  <a:pt x="0" y="120000"/>
-                </a:lnTo>
-                <a:close/>
-              </a:path>
-            </a:pathLst>
-          </a:custGeom>
-        </p:spPr>
-      </p:sp>
-      <p:sp>
-        <p:nvSpPr>
-          <p:cNvPr id="78" name="Google Shape;78;g118d7eca593_0_30:notes"/>
-          <p:cNvSpPr txBox="1">
-            <a:spLocks noGrp="1"/>
-          </p:cNvSpPr>
-          <p:nvPr>
-            <p:ph type="body" idx="1"/>
-          </p:nvPr>
-        </p:nvSpPr>
-        <p:spPr>
-          <a:xfrm>
-            <a:off x="685800" y="4343400"/>
-            <a:ext cx="5486400" cy="4114800"/>
-          </a:xfrm>
-          <a:prstGeom prst="rect">
-            <a:avLst/>
-          </a:prstGeom>
-        </p:spPr>
-        <p:txBody>
-          <a:bodyPr spcFirstLastPara="1" wrap="square" lIns="91425" tIns="91425" rIns="91425" bIns="91425" anchor="t" anchorCtr="0">
-            <a:noAutofit/>
-          </a:bodyPr>
-          <a:lstStyle/>
-          <a:p>
-            <a:pPr marL="0" lvl="0" indent="0" algn="l" rtl="0">
-              <a:spcBef>
-                <a:spcPts val="0"/>
-              </a:spcBef>
-              <a:spcAft>
-                <a:spcPts val="0"/>
-              </a:spcAft>
-              <a:buNone/>
-            </a:pPr>
-            <a:endParaRPr dirty="0"/>
-          </a:p>
-        </p:txBody>
-      </p:sp>
-    </p:spTree>
-    <p:extLst>
-      <p:ext uri="{BB962C8B-B14F-4D97-AF65-F5344CB8AC3E}">
-        <p14:creationId xmlns:p14="http://schemas.microsoft.com/office/powerpoint/2010/main" val="1837593299"/>
-      </p:ext>
-    </p:extLst>
   </p:cSld>
   <p:clrMapOvr>
     <a:masterClrMapping/>
@@ -8794,8 +7896,8 @@
         </p:blipFill>
         <p:spPr>
           <a:xfrm>
-            <a:off x="4703310" y="346613"/>
-            <a:ext cx="3714549" cy="633163"/>
+            <a:off x="4020992" y="252215"/>
+            <a:ext cx="2078392" cy="354272"/>
           </a:xfrm>
           <a:prstGeom prst="rect">
             <a:avLst/>
@@ -8865,6 +7967,36 @@
           </a:p>
         </p:txBody>
       </p:sp>
+      <p:pic>
+        <p:nvPicPr>
+          <p:cNvPr id="4" name="그림 3">
+            <a:extLst>
+              <a:ext uri="{FF2B5EF4-FFF2-40B4-BE49-F238E27FC236}">
+                <a16:creationId xmlns:a16="http://schemas.microsoft.com/office/drawing/2014/main" id="{69C4CAF6-E664-772B-896E-FB8C3455369B}"/>
+              </a:ext>
+            </a:extLst>
+          </p:cNvPr>
+          <p:cNvPicPr>
+            <a:picLocks noChangeAspect="1"/>
+          </p:cNvPicPr>
+          <p:nvPr/>
+        </p:nvPicPr>
+        <p:blipFill>
+          <a:blip r:embed="rId6"/>
+          <a:stretch>
+            <a:fillRect/>
+          </a:stretch>
+        </p:blipFill>
+        <p:spPr>
+          <a:xfrm>
+            <a:off x="5020742" y="777936"/>
+            <a:ext cx="4067560" cy="962673"/>
+          </a:xfrm>
+          <a:prstGeom prst="rect">
+            <a:avLst/>
+          </a:prstGeom>
+        </p:spPr>
+      </p:pic>
     </p:spTree>
     <p:extLst>
       <p:ext uri="{BB962C8B-B14F-4D97-AF65-F5344CB8AC3E}">
@@ -10156,7 +9288,7 @@
   <p:cSld>
     <p:spTree>
       <p:nvGrpSpPr>
-        <p:cNvPr id="1" name="Shape 71"/>
+        <p:cNvPr id="1" name="Shape 79"/>
         <p:cNvGrpSpPr/>
         <p:nvPr/>
       </p:nvGrpSpPr>
@@ -10170,7 +9302,53 @@
       </p:grpSpPr>
       <p:sp>
         <p:nvSpPr>
-          <p:cNvPr id="72" name="Google Shape;72;p15"/>
+          <p:cNvPr id="6" name="Google Shape;80;p16">
+            <a:extLst>
+              <a:ext uri="{FF2B5EF4-FFF2-40B4-BE49-F238E27FC236}">
+                <a16:creationId xmlns:a16="http://schemas.microsoft.com/office/drawing/2014/main" id="{DA140FF7-92FA-48E5-808C-28613864207C}"/>
+              </a:ext>
+            </a:extLst>
+          </p:cNvPr>
+          <p:cNvSpPr/>
+          <p:nvPr/>
+        </p:nvSpPr>
+        <p:spPr>
+          <a:xfrm>
+            <a:off x="1181088" y="-37950"/>
+            <a:ext cx="7962912" cy="5219400"/>
+          </a:xfrm>
+          <a:prstGeom prst="rect">
+            <a:avLst/>
+          </a:prstGeom>
+          <a:solidFill>
+            <a:srgbClr val="19264B"/>
+          </a:solidFill>
+          <a:ln>
+            <a:noFill/>
+          </a:ln>
+        </p:spPr>
+        <p:txBody>
+          <a:bodyPr spcFirstLastPara="1" wrap="square" lIns="91425" tIns="91425" rIns="91425" bIns="91425" anchor="ctr" anchorCtr="0">
+            <a:noAutofit/>
+          </a:bodyPr>
+          <a:lstStyle/>
+          <a:p>
+            <a:pPr marL="0" lvl="0" indent="0" algn="l" rtl="0">
+              <a:spcBef>
+                <a:spcPts val="0"/>
+              </a:spcBef>
+              <a:spcAft>
+                <a:spcPts val="0"/>
+              </a:spcAft>
+              <a:buNone/>
+            </a:pPr>
+            <a:endParaRPr/>
+          </a:p>
+        </p:txBody>
+      </p:sp>
+      <p:sp>
+        <p:nvSpPr>
+          <p:cNvPr id="80" name="Google Shape;80;p16"/>
           <p:cNvSpPr/>
           <p:nvPr/>
         </p:nvSpPr>
@@ -10210,7 +9388,7 @@
       </p:sp>
       <p:cxnSp>
         <p:nvCxnSpPr>
-          <p:cNvPr id="73" name="Google Shape;73;p15"/>
+          <p:cNvPr id="81" name="Google Shape;81;p16"/>
           <p:cNvCxnSpPr/>
           <p:nvPr/>
         </p:nvCxnSpPr>
@@ -10236,7 +9414,7 @@
       </p:cxnSp>
       <p:pic>
         <p:nvPicPr>
-          <p:cNvPr id="74" name="Google Shape;74;p15"/>
+          <p:cNvPr id="82" name="Google Shape;82;p16"/>
           <p:cNvPicPr preferRelativeResize="0"/>
           <p:nvPr/>
         </p:nvPicPr>
@@ -10264,22 +9442,14 @@
       </p:pic>
       <p:sp>
         <p:nvSpPr>
-          <p:cNvPr id="3" name="텍스트 개체 틀 1">
-            <a:extLst>
-              <a:ext uri="{FF2B5EF4-FFF2-40B4-BE49-F238E27FC236}">
-                <a16:creationId xmlns:a16="http://schemas.microsoft.com/office/drawing/2014/main" id="{AFD635E0-167B-19DD-969A-2B42D207922A}"/>
-              </a:ext>
-            </a:extLst>
-          </p:cNvPr>
-          <p:cNvSpPr txBox="1">
-            <a:spLocks/>
-          </p:cNvSpPr>
+          <p:cNvPr id="83" name="Google Shape;83;p16"/>
+          <p:cNvSpPr txBox="1"/>
           <p:nvPr/>
         </p:nvSpPr>
         <p:spPr>
           <a:xfrm>
-            <a:off x="1093847" y="963167"/>
-            <a:ext cx="7818426" cy="3402943"/>
+            <a:off x="3968657" y="2302460"/>
+            <a:ext cx="4979400" cy="538579"/>
           </a:xfrm>
           <a:prstGeom prst="rect">
             <a:avLst/>
@@ -10291,405 +9461,54 @@
         </p:spPr>
         <p:txBody>
           <a:bodyPr spcFirstLastPara="1" wrap="square" lIns="91425" tIns="91425" rIns="91425" bIns="91425" anchor="t" anchorCtr="0">
-            <a:normAutofit/>
+            <a:spAutoFit/>
           </a:bodyPr>
-          <a:lstStyle>
-            <a:defPPr marR="0" lvl="0" algn="l" rtl="0">
-              <a:lnSpc>
-                <a:spcPct val="100000"/>
-              </a:lnSpc>
-              <a:spcBef>
-                <a:spcPts val="0"/>
-              </a:spcBef>
-              <a:spcAft>
-                <a:spcPts val="0"/>
-              </a:spcAft>
-            </a:defPPr>
-            <a:lvl1pPr marL="457200" marR="0" lvl="0" indent="-342900" algn="ctr" rtl="0">
-              <a:lnSpc>
-                <a:spcPct val="100000"/>
-              </a:lnSpc>
-              <a:spcBef>
-                <a:spcPts val="0"/>
-              </a:spcBef>
-              <a:spcAft>
-                <a:spcPts val="0"/>
-              </a:spcAft>
-              <a:buClr>
-                <a:schemeClr val="dk2"/>
-              </a:buClr>
-              <a:buSzPts val="2800"/>
-              <a:buFont typeface="Arial"/>
-              <a:buNone/>
-              <a:defRPr sz="2800" b="0" i="0" u="none" strike="noStrike" cap="none">
-                <a:solidFill>
-                  <a:schemeClr val="dk2"/>
-                </a:solidFill>
-                <a:latin typeface="Arial"/>
-                <a:ea typeface="Arial"/>
-                <a:cs typeface="Arial"/>
-                <a:sym typeface="Arial"/>
-              </a:defRPr>
-            </a:lvl1pPr>
-            <a:lvl2pPr marL="914400" marR="0" lvl="1" indent="-317500" algn="ctr" rtl="0">
-              <a:lnSpc>
-                <a:spcPct val="100000"/>
-              </a:lnSpc>
-              <a:spcBef>
-                <a:spcPts val="0"/>
-              </a:spcBef>
-              <a:spcAft>
-                <a:spcPts val="0"/>
-              </a:spcAft>
-              <a:buClr>
-                <a:schemeClr val="dk2"/>
-              </a:buClr>
-              <a:buSzPts val="2800"/>
-              <a:buFont typeface="Arial"/>
-              <a:buNone/>
-              <a:defRPr sz="2800" b="0" i="0" u="none" strike="noStrike" cap="none">
-                <a:solidFill>
-                  <a:schemeClr val="dk2"/>
-                </a:solidFill>
-                <a:latin typeface="Arial"/>
-                <a:ea typeface="Arial"/>
-                <a:cs typeface="Arial"/>
-                <a:sym typeface="Arial"/>
-              </a:defRPr>
-            </a:lvl2pPr>
-            <a:lvl3pPr marL="1371600" marR="0" lvl="2" indent="-317500" algn="ctr" rtl="0">
-              <a:lnSpc>
-                <a:spcPct val="100000"/>
-              </a:lnSpc>
-              <a:spcBef>
-                <a:spcPts val="0"/>
-              </a:spcBef>
-              <a:spcAft>
-                <a:spcPts val="0"/>
-              </a:spcAft>
-              <a:buClr>
-                <a:schemeClr val="dk2"/>
-              </a:buClr>
-              <a:buSzPts val="2800"/>
-              <a:buFont typeface="Arial"/>
-              <a:buNone/>
-              <a:defRPr sz="2800" b="0" i="0" u="none" strike="noStrike" cap="none">
-                <a:solidFill>
-                  <a:schemeClr val="dk2"/>
-                </a:solidFill>
-                <a:latin typeface="Arial"/>
-                <a:ea typeface="Arial"/>
-                <a:cs typeface="Arial"/>
-                <a:sym typeface="Arial"/>
-              </a:defRPr>
-            </a:lvl3pPr>
-            <a:lvl4pPr marL="1828800" marR="0" lvl="3" indent="-317500" algn="ctr" rtl="0">
-              <a:lnSpc>
-                <a:spcPct val="100000"/>
-              </a:lnSpc>
-              <a:spcBef>
-                <a:spcPts val="0"/>
-              </a:spcBef>
-              <a:spcAft>
-                <a:spcPts val="0"/>
-              </a:spcAft>
-              <a:buClr>
-                <a:schemeClr val="dk2"/>
-              </a:buClr>
-              <a:buSzPts val="2800"/>
-              <a:buFont typeface="Arial"/>
-              <a:buNone/>
-              <a:defRPr sz="2800" b="0" i="0" u="none" strike="noStrike" cap="none">
-                <a:solidFill>
-                  <a:schemeClr val="dk2"/>
-                </a:solidFill>
-                <a:latin typeface="Arial"/>
-                <a:ea typeface="Arial"/>
-                <a:cs typeface="Arial"/>
-                <a:sym typeface="Arial"/>
-              </a:defRPr>
-            </a:lvl4pPr>
-            <a:lvl5pPr marL="2286000" marR="0" lvl="4" indent="-317500" algn="ctr" rtl="0">
-              <a:lnSpc>
-                <a:spcPct val="100000"/>
-              </a:lnSpc>
-              <a:spcBef>
-                <a:spcPts val="0"/>
-              </a:spcBef>
-              <a:spcAft>
-                <a:spcPts val="0"/>
-              </a:spcAft>
-              <a:buClr>
-                <a:schemeClr val="dk2"/>
-              </a:buClr>
-              <a:buSzPts val="2800"/>
-              <a:buFont typeface="Arial"/>
-              <a:buNone/>
-              <a:defRPr sz="2800" b="0" i="0" u="none" strike="noStrike" cap="none">
-                <a:solidFill>
-                  <a:schemeClr val="dk2"/>
-                </a:solidFill>
-                <a:latin typeface="Arial"/>
-                <a:ea typeface="Arial"/>
-                <a:cs typeface="Arial"/>
-                <a:sym typeface="Arial"/>
-              </a:defRPr>
-            </a:lvl5pPr>
-            <a:lvl6pPr marL="2743200" marR="0" lvl="5" indent="-317500" algn="ctr" rtl="0">
-              <a:lnSpc>
-                <a:spcPct val="100000"/>
-              </a:lnSpc>
-              <a:spcBef>
-                <a:spcPts val="0"/>
-              </a:spcBef>
-              <a:spcAft>
-                <a:spcPts val="0"/>
-              </a:spcAft>
-              <a:buClr>
-                <a:schemeClr val="dk2"/>
-              </a:buClr>
-              <a:buSzPts val="2800"/>
-              <a:buFont typeface="Arial"/>
-              <a:buNone/>
-              <a:defRPr sz="2800" b="0" i="0" u="none" strike="noStrike" cap="none">
-                <a:solidFill>
-                  <a:schemeClr val="dk2"/>
-                </a:solidFill>
-                <a:latin typeface="Arial"/>
-                <a:ea typeface="Arial"/>
-                <a:cs typeface="Arial"/>
-                <a:sym typeface="Arial"/>
-              </a:defRPr>
-            </a:lvl6pPr>
-            <a:lvl7pPr marL="3200400" marR="0" lvl="6" indent="-317500" algn="ctr" rtl="0">
-              <a:lnSpc>
-                <a:spcPct val="100000"/>
-              </a:lnSpc>
-              <a:spcBef>
-                <a:spcPts val="0"/>
-              </a:spcBef>
-              <a:spcAft>
-                <a:spcPts val="0"/>
-              </a:spcAft>
-              <a:buClr>
-                <a:schemeClr val="dk2"/>
-              </a:buClr>
-              <a:buSzPts val="2800"/>
-              <a:buFont typeface="Arial"/>
-              <a:buNone/>
-              <a:defRPr sz="2800" b="0" i="0" u="none" strike="noStrike" cap="none">
-                <a:solidFill>
-                  <a:schemeClr val="dk2"/>
-                </a:solidFill>
-                <a:latin typeface="Arial"/>
-                <a:ea typeface="Arial"/>
-                <a:cs typeface="Arial"/>
-                <a:sym typeface="Arial"/>
-              </a:defRPr>
-            </a:lvl7pPr>
-            <a:lvl8pPr marL="3657600" marR="0" lvl="7" indent="-317500" algn="ctr" rtl="0">
-              <a:lnSpc>
-                <a:spcPct val="100000"/>
-              </a:lnSpc>
-              <a:spcBef>
-                <a:spcPts val="0"/>
-              </a:spcBef>
-              <a:spcAft>
-                <a:spcPts val="0"/>
-              </a:spcAft>
-              <a:buClr>
-                <a:schemeClr val="dk2"/>
-              </a:buClr>
-              <a:buSzPts val="2800"/>
-              <a:buFont typeface="Arial"/>
-              <a:buNone/>
-              <a:defRPr sz="2800" b="0" i="0" u="none" strike="noStrike" cap="none">
-                <a:solidFill>
-                  <a:schemeClr val="dk2"/>
-                </a:solidFill>
-                <a:latin typeface="Arial"/>
-                <a:ea typeface="Arial"/>
-                <a:cs typeface="Arial"/>
-                <a:sym typeface="Arial"/>
-              </a:defRPr>
-            </a:lvl8pPr>
-            <a:lvl9pPr marL="4114800" marR="0" lvl="8" indent="-317500" algn="ctr" rtl="0">
-              <a:lnSpc>
-                <a:spcPct val="100000"/>
-              </a:lnSpc>
-              <a:spcBef>
-                <a:spcPts val="0"/>
-              </a:spcBef>
-              <a:spcAft>
-                <a:spcPts val="0"/>
-              </a:spcAft>
-              <a:buClr>
-                <a:schemeClr val="dk2"/>
-              </a:buClr>
-              <a:buSzPts val="2800"/>
-              <a:buFont typeface="Arial"/>
-              <a:buNone/>
-              <a:defRPr sz="2800" b="0" i="0" u="none" strike="noStrike" cap="none">
-                <a:solidFill>
-                  <a:schemeClr val="dk2"/>
-                </a:solidFill>
-                <a:latin typeface="Arial"/>
-                <a:ea typeface="Arial"/>
-                <a:cs typeface="Arial"/>
-                <a:sym typeface="Arial"/>
-              </a:defRPr>
-            </a:lvl9pPr>
-          </a:lstStyle>
-          <a:p>
-            <a:pPr marL="114300" indent="0"/>
-            <a:r>
-              <a:rPr lang="ko-KR" altLang="en-US" sz="3000" b="1" dirty="0">
-                <a:solidFill>
-                  <a:schemeClr val="tx1"/>
-                </a:solidFill>
-                <a:latin typeface="+mj-ea"/>
-                <a:ea typeface="+mj-ea"/>
-              </a:rPr>
-              <a:t>활성화함수 계층 구현</a:t>
-            </a:r>
-            <a:endParaRPr lang="en-US" altLang="ko-KR" sz="3000" b="1" dirty="0">
+          <a:lstStyle/>
+          <a:p>
+            <a:pPr marL="0" lvl="0" indent="0" algn="l" rtl="0">
+              <a:lnSpc>
+                <a:spcPct val="115000"/>
+              </a:lnSpc>
+              <a:spcBef>
+                <a:spcPts val="0"/>
+              </a:spcBef>
+              <a:spcAft>
+                <a:spcPts val="0"/>
+              </a:spcAft>
+              <a:buNone/>
+            </a:pPr>
+            <a:r>
+              <a:rPr lang="ko-KR" altLang="en-US" sz="2000" b="1" dirty="0">
+                <a:solidFill>
+                  <a:schemeClr val="bg1"/>
+                </a:solidFill>
+                <a:latin typeface="NanumGothic ExtraBold"/>
+                <a:ea typeface="NanumGothic ExtraBold"/>
+                <a:cs typeface="NanumGothic ExtraBold"/>
+                <a:sym typeface="NanumGothic ExtraBold"/>
+              </a:rPr>
+              <a:t>감사합니다</a:t>
+            </a:r>
+            <a:r>
+              <a:rPr lang="en-US" altLang="ko-KR" sz="2000" b="1" dirty="0">
+                <a:solidFill>
+                  <a:schemeClr val="bg1"/>
+                </a:solidFill>
+                <a:latin typeface="NanumGothic ExtraBold"/>
+                <a:ea typeface="NanumGothic ExtraBold"/>
+                <a:cs typeface="NanumGothic ExtraBold"/>
+                <a:sym typeface="NanumGothic ExtraBold"/>
+              </a:rPr>
+              <a:t>.</a:t>
+            </a:r>
+            <a:endParaRPr sz="2000" b="1" dirty="0">
               <a:solidFill>
-                <a:schemeClr val="tx1"/>
+                <a:schemeClr val="bg1"/>
               </a:solidFill>
-              <a:latin typeface="+mj-ea"/>
-              <a:ea typeface="+mj-ea"/>
-            </a:endParaRPr>
-          </a:p>
-          <a:p>
-            <a:pPr marL="114300" indent="0"/>
-            <a:endParaRPr lang="en-US" altLang="ko-KR" sz="3000" b="1" dirty="0">
-              <a:solidFill>
-                <a:schemeClr val="tx1"/>
-              </a:solidFill>
-              <a:latin typeface="+mj-ea"/>
-              <a:ea typeface="+mj-ea"/>
-            </a:endParaRPr>
-          </a:p>
-          <a:p>
-            <a:pPr marL="114300" indent="0"/>
-            <a:endParaRPr lang="en-US" altLang="ko-KR" sz="3000" b="1" dirty="0">
-              <a:solidFill>
-                <a:schemeClr val="tx1"/>
-              </a:solidFill>
-              <a:latin typeface="+mj-ea"/>
-              <a:ea typeface="+mj-ea"/>
-            </a:endParaRPr>
-          </a:p>
-          <a:p>
-            <a:pPr marL="114300" indent="0"/>
-            <a:r>
-              <a:rPr lang="en-US" altLang="ko-KR" sz="3000" b="1" dirty="0">
-                <a:solidFill>
-                  <a:schemeClr val="tx1"/>
-                </a:solidFill>
-                <a:latin typeface="+mj-ea"/>
-                <a:ea typeface="+mj-ea"/>
-              </a:rPr>
-              <a:t>1. </a:t>
-            </a:r>
-            <a:r>
-              <a:rPr lang="en-US" altLang="ko-KR" sz="3000" b="1" dirty="0" err="1">
-                <a:solidFill>
-                  <a:schemeClr val="tx1"/>
-                </a:solidFill>
-                <a:latin typeface="+mj-ea"/>
-                <a:ea typeface="+mj-ea"/>
-              </a:rPr>
-              <a:t>ReLU</a:t>
-            </a:r>
-            <a:r>
-              <a:rPr lang="en-US" altLang="ko-KR" sz="3000" b="1" dirty="0">
-                <a:solidFill>
-                  <a:schemeClr val="tx1"/>
-                </a:solidFill>
-                <a:latin typeface="+mj-ea"/>
-                <a:ea typeface="+mj-ea"/>
-              </a:rPr>
-              <a:t> </a:t>
-            </a:r>
-            <a:r>
-              <a:rPr lang="ko-KR" altLang="en-US" sz="3000" b="1" dirty="0">
-                <a:solidFill>
-                  <a:schemeClr val="tx1"/>
-                </a:solidFill>
-                <a:latin typeface="+mj-ea"/>
-                <a:ea typeface="+mj-ea"/>
-              </a:rPr>
-              <a:t>계층</a:t>
-            </a:r>
-            <a:endParaRPr lang="en-US" altLang="ko-KR" sz="3000" b="1" dirty="0">
-              <a:solidFill>
-                <a:schemeClr val="tx1"/>
-              </a:solidFill>
-              <a:latin typeface="+mj-ea"/>
-              <a:ea typeface="+mj-ea"/>
-            </a:endParaRPr>
-          </a:p>
-          <a:p>
-            <a:pPr marL="571500" indent="-457200">
-              <a:buAutoNum type="arabicPeriod"/>
-            </a:pPr>
-            <a:endParaRPr lang="en-US" altLang="ko-KR" sz="3000" b="1" dirty="0">
-              <a:solidFill>
-                <a:schemeClr val="tx1"/>
-              </a:solidFill>
-              <a:latin typeface="+mj-ea"/>
-              <a:ea typeface="+mj-ea"/>
-            </a:endParaRPr>
-          </a:p>
-          <a:p>
-            <a:pPr marL="114300" indent="0"/>
-            <a:r>
-              <a:rPr lang="en-US" altLang="ko-KR" sz="3000" b="1" dirty="0">
-                <a:solidFill>
-                  <a:schemeClr val="tx1"/>
-                </a:solidFill>
-                <a:latin typeface="+mj-ea"/>
-                <a:ea typeface="+mj-ea"/>
-              </a:rPr>
-              <a:t>2. Sigmoid </a:t>
-            </a:r>
-            <a:r>
-              <a:rPr lang="ko-KR" altLang="en-US" sz="3000" b="1" dirty="0">
-                <a:solidFill>
-                  <a:schemeClr val="tx1"/>
-                </a:solidFill>
-                <a:latin typeface="+mj-ea"/>
-                <a:ea typeface="+mj-ea"/>
-              </a:rPr>
-              <a:t>계층</a:t>
-            </a:r>
-            <a:endParaRPr lang="en-US" altLang="ko-KR" sz="3000" b="1" dirty="0">
-              <a:solidFill>
-                <a:schemeClr val="tx1"/>
-              </a:solidFill>
-              <a:latin typeface="+mj-ea"/>
-              <a:ea typeface="+mj-ea"/>
-            </a:endParaRPr>
-          </a:p>
-          <a:p>
-            <a:pPr marL="114300" indent="0"/>
-            <a:endParaRPr lang="en-US" altLang="ko-KR" sz="2000" b="1" dirty="0">
-              <a:solidFill>
-                <a:schemeClr val="tx1"/>
-              </a:solidFill>
-              <a:latin typeface="+mj-ea"/>
-              <a:ea typeface="+mj-ea"/>
-            </a:endParaRPr>
-          </a:p>
-          <a:p>
-            <a:pPr algn="l"/>
-            <a:endParaRPr lang="en-US" altLang="ko-KR" sz="2000" b="1" dirty="0">
-              <a:solidFill>
-                <a:schemeClr val="tx1"/>
-              </a:solidFill>
-              <a:latin typeface="+mj-ea"/>
-              <a:ea typeface="+mj-ea"/>
+              <a:latin typeface="NanumGothic ExtraBold"/>
+              <a:ea typeface="NanumGothic ExtraBold"/>
+              <a:cs typeface="NanumGothic ExtraBold"/>
+              <a:sym typeface="NanumGothic ExtraBold"/>
             </a:endParaRPr>
           </a:p>
         </p:txBody>
@@ -10697,1413 +9516,7 @@
     </p:spTree>
     <p:extLst>
       <p:ext uri="{BB962C8B-B14F-4D97-AF65-F5344CB8AC3E}">
-        <p14:creationId xmlns:p14="http://schemas.microsoft.com/office/powerpoint/2010/main" val="4169679381"/>
-      </p:ext>
-    </p:extLst>
-  </p:cSld>
-  <p:clrMapOvr>
-    <a:masterClrMapping/>
-  </p:clrMapOvr>
-</p:sld>
-</file>
-
-<file path=ppt/slides/slide18.xml><?xml version="1.0" encoding="utf-8"?>
-<p:sld xmlns:a="http://schemas.openxmlformats.org/drawingml/2006/main" xmlns:r="http://schemas.openxmlformats.org/officeDocument/2006/relationships" xmlns:p="http://schemas.openxmlformats.org/presentationml/2006/main">
-  <p:cSld>
-    <p:spTree>
-      <p:nvGrpSpPr>
-        <p:cNvPr id="1" name="Shape 71"/>
-        <p:cNvGrpSpPr/>
-        <p:nvPr/>
-      </p:nvGrpSpPr>
-      <p:grpSpPr>
-        <a:xfrm>
-          <a:off x="0" y="0"/>
-          <a:ext cx="0" cy="0"/>
-          <a:chOff x="0" y="0"/>
-          <a:chExt cx="0" cy="0"/>
-        </a:xfrm>
-      </p:grpSpPr>
-      <p:sp>
-        <p:nvSpPr>
-          <p:cNvPr id="72" name="Google Shape;72;p15"/>
-          <p:cNvSpPr/>
-          <p:nvPr/>
-        </p:nvSpPr>
-        <p:spPr>
-          <a:xfrm>
-            <a:off x="0" y="-37950"/>
-            <a:ext cx="1181100" cy="5219400"/>
-          </a:xfrm>
-          <a:prstGeom prst="rect">
-            <a:avLst/>
-          </a:prstGeom>
-          <a:solidFill>
-            <a:srgbClr val="19264B"/>
-          </a:solidFill>
-          <a:ln>
-            <a:noFill/>
-          </a:ln>
-        </p:spPr>
-        <p:txBody>
-          <a:bodyPr spcFirstLastPara="1" wrap="square" lIns="91425" tIns="91425" rIns="91425" bIns="91425" anchor="ctr" anchorCtr="0">
-            <a:noAutofit/>
-          </a:bodyPr>
-          <a:lstStyle/>
-          <a:p>
-            <a:pPr marL="0" lvl="0" indent="0" algn="l" rtl="0">
-              <a:spcBef>
-                <a:spcPts val="0"/>
-              </a:spcBef>
-              <a:spcAft>
-                <a:spcPts val="0"/>
-              </a:spcAft>
-              <a:buNone/>
-            </a:pPr>
-            <a:endParaRPr/>
-          </a:p>
-        </p:txBody>
-      </p:sp>
-      <p:cxnSp>
-        <p:nvCxnSpPr>
-          <p:cNvPr id="73" name="Google Shape;73;p15"/>
-          <p:cNvCxnSpPr/>
-          <p:nvPr/>
-        </p:nvCxnSpPr>
-        <p:spPr>
-          <a:xfrm>
-            <a:off x="172875" y="-37950"/>
-            <a:ext cx="0" cy="2187000"/>
-          </a:xfrm>
-          <a:prstGeom prst="straightConnector1">
-            <a:avLst/>
-          </a:prstGeom>
-          <a:noFill/>
-          <a:ln w="38100" cap="flat" cmpd="sng">
-            <a:solidFill>
-              <a:schemeClr val="lt1"/>
-            </a:solidFill>
-            <a:prstDash val="solid"/>
-            <a:round/>
-            <a:headEnd type="none" w="med" len="med"/>
-            <a:tailEnd type="none" w="med" len="med"/>
-          </a:ln>
-        </p:spPr>
-      </p:cxnSp>
-      <p:pic>
-        <p:nvPicPr>
-          <p:cNvPr id="74" name="Google Shape;74;p15"/>
-          <p:cNvPicPr preferRelativeResize="0"/>
-          <p:nvPr/>
-        </p:nvPicPr>
-        <p:blipFill>
-          <a:blip r:embed="rId3">
-            <a:alphaModFix/>
-          </a:blip>
-          <a:stretch>
-            <a:fillRect/>
-          </a:stretch>
-        </p:blipFill>
-        <p:spPr>
-          <a:xfrm rot="5400000">
-            <a:off x="-928700" y="3071650"/>
-            <a:ext cx="3038475" cy="1181100"/>
-          </a:xfrm>
-          <a:prstGeom prst="rect">
-            <a:avLst/>
-          </a:prstGeom>
-          <a:noFill/>
-          <a:ln>
-            <a:noFill/>
-          </a:ln>
-        </p:spPr>
-      </p:pic>
-      <p:sp>
-        <p:nvSpPr>
-          <p:cNvPr id="3" name="텍스트 개체 틀 1">
-            <a:extLst>
-              <a:ext uri="{FF2B5EF4-FFF2-40B4-BE49-F238E27FC236}">
-                <a16:creationId xmlns:a16="http://schemas.microsoft.com/office/drawing/2014/main" id="{AFD635E0-167B-19DD-969A-2B42D207922A}"/>
-              </a:ext>
-            </a:extLst>
-          </p:cNvPr>
-          <p:cNvSpPr txBox="1">
-            <a:spLocks/>
-          </p:cNvSpPr>
-          <p:nvPr/>
-        </p:nvSpPr>
-        <p:spPr>
-          <a:xfrm>
-            <a:off x="1152699" y="336834"/>
-            <a:ext cx="7818426" cy="3402943"/>
-          </a:xfrm>
-          <a:prstGeom prst="rect">
-            <a:avLst/>
-          </a:prstGeom>
-          <a:noFill/>
-          <a:ln>
-            <a:noFill/>
-          </a:ln>
-        </p:spPr>
-        <p:txBody>
-          <a:bodyPr spcFirstLastPara="1" wrap="square" lIns="91425" tIns="91425" rIns="91425" bIns="91425" anchor="t" anchorCtr="0">
-            <a:normAutofit/>
-          </a:bodyPr>
-          <a:lstStyle>
-            <a:defPPr marR="0" lvl="0" algn="l" rtl="0">
-              <a:lnSpc>
-                <a:spcPct val="100000"/>
-              </a:lnSpc>
-              <a:spcBef>
-                <a:spcPts val="0"/>
-              </a:spcBef>
-              <a:spcAft>
-                <a:spcPts val="0"/>
-              </a:spcAft>
-            </a:defPPr>
-            <a:lvl1pPr marL="457200" marR="0" lvl="0" indent="-342900" algn="ctr" rtl="0">
-              <a:lnSpc>
-                <a:spcPct val="100000"/>
-              </a:lnSpc>
-              <a:spcBef>
-                <a:spcPts val="0"/>
-              </a:spcBef>
-              <a:spcAft>
-                <a:spcPts val="0"/>
-              </a:spcAft>
-              <a:buClr>
-                <a:schemeClr val="dk2"/>
-              </a:buClr>
-              <a:buSzPts val="2800"/>
-              <a:buFont typeface="Arial"/>
-              <a:buNone/>
-              <a:defRPr sz="2800" b="0" i="0" u="none" strike="noStrike" cap="none">
-                <a:solidFill>
-                  <a:schemeClr val="dk2"/>
-                </a:solidFill>
-                <a:latin typeface="Arial"/>
-                <a:ea typeface="Arial"/>
-                <a:cs typeface="Arial"/>
-                <a:sym typeface="Arial"/>
-              </a:defRPr>
-            </a:lvl1pPr>
-            <a:lvl2pPr marL="914400" marR="0" lvl="1" indent="-317500" algn="ctr" rtl="0">
-              <a:lnSpc>
-                <a:spcPct val="100000"/>
-              </a:lnSpc>
-              <a:spcBef>
-                <a:spcPts val="0"/>
-              </a:spcBef>
-              <a:spcAft>
-                <a:spcPts val="0"/>
-              </a:spcAft>
-              <a:buClr>
-                <a:schemeClr val="dk2"/>
-              </a:buClr>
-              <a:buSzPts val="2800"/>
-              <a:buFont typeface="Arial"/>
-              <a:buNone/>
-              <a:defRPr sz="2800" b="0" i="0" u="none" strike="noStrike" cap="none">
-                <a:solidFill>
-                  <a:schemeClr val="dk2"/>
-                </a:solidFill>
-                <a:latin typeface="Arial"/>
-                <a:ea typeface="Arial"/>
-                <a:cs typeface="Arial"/>
-                <a:sym typeface="Arial"/>
-              </a:defRPr>
-            </a:lvl2pPr>
-            <a:lvl3pPr marL="1371600" marR="0" lvl="2" indent="-317500" algn="ctr" rtl="0">
-              <a:lnSpc>
-                <a:spcPct val="100000"/>
-              </a:lnSpc>
-              <a:spcBef>
-                <a:spcPts val="0"/>
-              </a:spcBef>
-              <a:spcAft>
-                <a:spcPts val="0"/>
-              </a:spcAft>
-              <a:buClr>
-                <a:schemeClr val="dk2"/>
-              </a:buClr>
-              <a:buSzPts val="2800"/>
-              <a:buFont typeface="Arial"/>
-              <a:buNone/>
-              <a:defRPr sz="2800" b="0" i="0" u="none" strike="noStrike" cap="none">
-                <a:solidFill>
-                  <a:schemeClr val="dk2"/>
-                </a:solidFill>
-                <a:latin typeface="Arial"/>
-                <a:ea typeface="Arial"/>
-                <a:cs typeface="Arial"/>
-                <a:sym typeface="Arial"/>
-              </a:defRPr>
-            </a:lvl3pPr>
-            <a:lvl4pPr marL="1828800" marR="0" lvl="3" indent="-317500" algn="ctr" rtl="0">
-              <a:lnSpc>
-                <a:spcPct val="100000"/>
-              </a:lnSpc>
-              <a:spcBef>
-                <a:spcPts val="0"/>
-              </a:spcBef>
-              <a:spcAft>
-                <a:spcPts val="0"/>
-              </a:spcAft>
-              <a:buClr>
-                <a:schemeClr val="dk2"/>
-              </a:buClr>
-              <a:buSzPts val="2800"/>
-              <a:buFont typeface="Arial"/>
-              <a:buNone/>
-              <a:defRPr sz="2800" b="0" i="0" u="none" strike="noStrike" cap="none">
-                <a:solidFill>
-                  <a:schemeClr val="dk2"/>
-                </a:solidFill>
-                <a:latin typeface="Arial"/>
-                <a:ea typeface="Arial"/>
-                <a:cs typeface="Arial"/>
-                <a:sym typeface="Arial"/>
-              </a:defRPr>
-            </a:lvl4pPr>
-            <a:lvl5pPr marL="2286000" marR="0" lvl="4" indent="-317500" algn="ctr" rtl="0">
-              <a:lnSpc>
-                <a:spcPct val="100000"/>
-              </a:lnSpc>
-              <a:spcBef>
-                <a:spcPts val="0"/>
-              </a:spcBef>
-              <a:spcAft>
-                <a:spcPts val="0"/>
-              </a:spcAft>
-              <a:buClr>
-                <a:schemeClr val="dk2"/>
-              </a:buClr>
-              <a:buSzPts val="2800"/>
-              <a:buFont typeface="Arial"/>
-              <a:buNone/>
-              <a:defRPr sz="2800" b="0" i="0" u="none" strike="noStrike" cap="none">
-                <a:solidFill>
-                  <a:schemeClr val="dk2"/>
-                </a:solidFill>
-                <a:latin typeface="Arial"/>
-                <a:ea typeface="Arial"/>
-                <a:cs typeface="Arial"/>
-                <a:sym typeface="Arial"/>
-              </a:defRPr>
-            </a:lvl5pPr>
-            <a:lvl6pPr marL="2743200" marR="0" lvl="5" indent="-317500" algn="ctr" rtl="0">
-              <a:lnSpc>
-                <a:spcPct val="100000"/>
-              </a:lnSpc>
-              <a:spcBef>
-                <a:spcPts val="0"/>
-              </a:spcBef>
-              <a:spcAft>
-                <a:spcPts val="0"/>
-              </a:spcAft>
-              <a:buClr>
-                <a:schemeClr val="dk2"/>
-              </a:buClr>
-              <a:buSzPts val="2800"/>
-              <a:buFont typeface="Arial"/>
-              <a:buNone/>
-              <a:defRPr sz="2800" b="0" i="0" u="none" strike="noStrike" cap="none">
-                <a:solidFill>
-                  <a:schemeClr val="dk2"/>
-                </a:solidFill>
-                <a:latin typeface="Arial"/>
-                <a:ea typeface="Arial"/>
-                <a:cs typeface="Arial"/>
-                <a:sym typeface="Arial"/>
-              </a:defRPr>
-            </a:lvl6pPr>
-            <a:lvl7pPr marL="3200400" marR="0" lvl="6" indent="-317500" algn="ctr" rtl="0">
-              <a:lnSpc>
-                <a:spcPct val="100000"/>
-              </a:lnSpc>
-              <a:spcBef>
-                <a:spcPts val="0"/>
-              </a:spcBef>
-              <a:spcAft>
-                <a:spcPts val="0"/>
-              </a:spcAft>
-              <a:buClr>
-                <a:schemeClr val="dk2"/>
-              </a:buClr>
-              <a:buSzPts val="2800"/>
-              <a:buFont typeface="Arial"/>
-              <a:buNone/>
-              <a:defRPr sz="2800" b="0" i="0" u="none" strike="noStrike" cap="none">
-                <a:solidFill>
-                  <a:schemeClr val="dk2"/>
-                </a:solidFill>
-                <a:latin typeface="Arial"/>
-                <a:ea typeface="Arial"/>
-                <a:cs typeface="Arial"/>
-                <a:sym typeface="Arial"/>
-              </a:defRPr>
-            </a:lvl7pPr>
-            <a:lvl8pPr marL="3657600" marR="0" lvl="7" indent="-317500" algn="ctr" rtl="0">
-              <a:lnSpc>
-                <a:spcPct val="100000"/>
-              </a:lnSpc>
-              <a:spcBef>
-                <a:spcPts val="0"/>
-              </a:spcBef>
-              <a:spcAft>
-                <a:spcPts val="0"/>
-              </a:spcAft>
-              <a:buClr>
-                <a:schemeClr val="dk2"/>
-              </a:buClr>
-              <a:buSzPts val="2800"/>
-              <a:buFont typeface="Arial"/>
-              <a:buNone/>
-              <a:defRPr sz="2800" b="0" i="0" u="none" strike="noStrike" cap="none">
-                <a:solidFill>
-                  <a:schemeClr val="dk2"/>
-                </a:solidFill>
-                <a:latin typeface="Arial"/>
-                <a:ea typeface="Arial"/>
-                <a:cs typeface="Arial"/>
-                <a:sym typeface="Arial"/>
-              </a:defRPr>
-            </a:lvl8pPr>
-            <a:lvl9pPr marL="4114800" marR="0" lvl="8" indent="-317500" algn="ctr" rtl="0">
-              <a:lnSpc>
-                <a:spcPct val="100000"/>
-              </a:lnSpc>
-              <a:spcBef>
-                <a:spcPts val="0"/>
-              </a:spcBef>
-              <a:spcAft>
-                <a:spcPts val="0"/>
-              </a:spcAft>
-              <a:buClr>
-                <a:schemeClr val="dk2"/>
-              </a:buClr>
-              <a:buSzPts val="2800"/>
-              <a:buFont typeface="Arial"/>
-              <a:buNone/>
-              <a:defRPr sz="2800" b="0" i="0" u="none" strike="noStrike" cap="none">
-                <a:solidFill>
-                  <a:schemeClr val="dk2"/>
-                </a:solidFill>
-                <a:latin typeface="Arial"/>
-                <a:ea typeface="Arial"/>
-                <a:cs typeface="Arial"/>
-                <a:sym typeface="Arial"/>
-              </a:defRPr>
-            </a:lvl9pPr>
-          </a:lstStyle>
-          <a:p>
-            <a:pPr marL="114300" indent="0"/>
-            <a:r>
-              <a:rPr lang="en-US" altLang="ko-KR" sz="3000" b="1" dirty="0" err="1">
-                <a:solidFill>
-                  <a:schemeClr val="tx1"/>
-                </a:solidFill>
-                <a:latin typeface="+mj-ea"/>
-                <a:ea typeface="+mj-ea"/>
-              </a:rPr>
-              <a:t>ReLU</a:t>
-            </a:r>
-            <a:r>
-              <a:rPr lang="en-US" altLang="ko-KR" sz="3000" b="1" dirty="0">
-                <a:solidFill>
-                  <a:schemeClr val="tx1"/>
-                </a:solidFill>
-                <a:latin typeface="+mj-ea"/>
-                <a:ea typeface="+mj-ea"/>
-              </a:rPr>
-              <a:t> </a:t>
-            </a:r>
-            <a:r>
-              <a:rPr lang="ko-KR" altLang="en-US" sz="3000" b="1" dirty="0">
-                <a:solidFill>
-                  <a:schemeClr val="tx1"/>
-                </a:solidFill>
-                <a:latin typeface="+mj-ea"/>
-                <a:ea typeface="+mj-ea"/>
-              </a:rPr>
-              <a:t>계층</a:t>
-            </a:r>
-            <a:endParaRPr lang="en-US" altLang="ko-KR" sz="3000" b="1" dirty="0">
-              <a:solidFill>
-                <a:schemeClr val="tx1"/>
-              </a:solidFill>
-              <a:latin typeface="+mj-ea"/>
-              <a:ea typeface="+mj-ea"/>
-            </a:endParaRPr>
-          </a:p>
-          <a:p>
-            <a:pPr marL="114300" indent="0"/>
-            <a:endParaRPr lang="en-US" altLang="ko-KR" sz="2000" b="1" dirty="0">
-              <a:solidFill>
-                <a:schemeClr val="tx1"/>
-              </a:solidFill>
-              <a:latin typeface="+mj-ea"/>
-              <a:ea typeface="+mj-ea"/>
-            </a:endParaRPr>
-          </a:p>
-          <a:p>
-            <a:pPr marL="114300" indent="0"/>
-            <a:endParaRPr lang="en-US" altLang="ko-KR" sz="2000" b="1" dirty="0">
-              <a:solidFill>
-                <a:schemeClr val="tx1"/>
-              </a:solidFill>
-              <a:latin typeface="+mj-ea"/>
-              <a:ea typeface="+mj-ea"/>
-            </a:endParaRPr>
-          </a:p>
-          <a:p>
-            <a:pPr algn="l"/>
-            <a:endParaRPr lang="en-US" altLang="ko-KR" sz="2000" b="1" dirty="0">
-              <a:solidFill>
-                <a:schemeClr val="tx1"/>
-              </a:solidFill>
-              <a:latin typeface="+mj-ea"/>
-              <a:ea typeface="+mj-ea"/>
-            </a:endParaRPr>
-          </a:p>
-        </p:txBody>
-      </p:sp>
-      <p:pic>
-        <p:nvPicPr>
-          <p:cNvPr id="4" name="그림 3">
-            <a:extLst>
-              <a:ext uri="{FF2B5EF4-FFF2-40B4-BE49-F238E27FC236}">
-                <a16:creationId xmlns:a16="http://schemas.microsoft.com/office/drawing/2014/main" id="{7B525852-1A23-AB3E-C3AC-D484A7A7CCD4}"/>
-              </a:ext>
-            </a:extLst>
-          </p:cNvPr>
-          <p:cNvPicPr>
-            <a:picLocks noChangeAspect="1"/>
-          </p:cNvPicPr>
-          <p:nvPr/>
-        </p:nvPicPr>
-        <p:blipFill>
-          <a:blip r:embed="rId4"/>
-          <a:stretch>
-            <a:fillRect/>
-          </a:stretch>
-        </p:blipFill>
-        <p:spPr>
-          <a:xfrm>
-            <a:off x="3845571" y="1138915"/>
-            <a:ext cx="2346168" cy="1294116"/>
-          </a:xfrm>
-          <a:prstGeom prst="rect">
-            <a:avLst/>
-          </a:prstGeom>
-        </p:spPr>
-      </p:pic>
-      <p:pic>
-        <p:nvPicPr>
-          <p:cNvPr id="6" name="그림 5">
-            <a:extLst>
-              <a:ext uri="{FF2B5EF4-FFF2-40B4-BE49-F238E27FC236}">
-                <a16:creationId xmlns:a16="http://schemas.microsoft.com/office/drawing/2014/main" id="{9D18E86A-BF13-3580-D12B-C7AEDB2BC4F5}"/>
-              </a:ext>
-            </a:extLst>
-          </p:cNvPr>
-          <p:cNvPicPr>
-            <a:picLocks noChangeAspect="1"/>
-          </p:cNvPicPr>
-          <p:nvPr/>
-        </p:nvPicPr>
-        <p:blipFill>
-          <a:blip r:embed="rId5"/>
-          <a:stretch>
-            <a:fillRect/>
-          </a:stretch>
-        </p:blipFill>
-        <p:spPr>
-          <a:xfrm>
-            <a:off x="1643850" y="2484181"/>
-            <a:ext cx="6749610" cy="2365396"/>
-          </a:xfrm>
-          <a:prstGeom prst="rect">
-            <a:avLst/>
-          </a:prstGeom>
-        </p:spPr>
-      </p:pic>
-    </p:spTree>
-    <p:extLst>
-      <p:ext uri="{BB962C8B-B14F-4D97-AF65-F5344CB8AC3E}">
-        <p14:creationId xmlns:p14="http://schemas.microsoft.com/office/powerpoint/2010/main" val="2408530230"/>
-      </p:ext>
-    </p:extLst>
-  </p:cSld>
-  <p:clrMapOvr>
-    <a:masterClrMapping/>
-  </p:clrMapOvr>
-</p:sld>
-</file>
-
-<file path=ppt/slides/slide19.xml><?xml version="1.0" encoding="utf-8"?>
-<p:sld xmlns:a="http://schemas.openxmlformats.org/drawingml/2006/main" xmlns:r="http://schemas.openxmlformats.org/officeDocument/2006/relationships" xmlns:p="http://schemas.openxmlformats.org/presentationml/2006/main">
-  <p:cSld>
-    <p:spTree>
-      <p:nvGrpSpPr>
-        <p:cNvPr id="1" name="Shape 71"/>
-        <p:cNvGrpSpPr/>
-        <p:nvPr/>
-      </p:nvGrpSpPr>
-      <p:grpSpPr>
-        <a:xfrm>
-          <a:off x="0" y="0"/>
-          <a:ext cx="0" cy="0"/>
-          <a:chOff x="0" y="0"/>
-          <a:chExt cx="0" cy="0"/>
-        </a:xfrm>
-      </p:grpSpPr>
-      <p:sp>
-        <p:nvSpPr>
-          <p:cNvPr id="72" name="Google Shape;72;p15"/>
-          <p:cNvSpPr/>
-          <p:nvPr/>
-        </p:nvSpPr>
-        <p:spPr>
-          <a:xfrm>
-            <a:off x="0" y="-37950"/>
-            <a:ext cx="1181100" cy="5219400"/>
-          </a:xfrm>
-          <a:prstGeom prst="rect">
-            <a:avLst/>
-          </a:prstGeom>
-          <a:solidFill>
-            <a:srgbClr val="19264B"/>
-          </a:solidFill>
-          <a:ln>
-            <a:noFill/>
-          </a:ln>
-        </p:spPr>
-        <p:txBody>
-          <a:bodyPr spcFirstLastPara="1" wrap="square" lIns="91425" tIns="91425" rIns="91425" bIns="91425" anchor="ctr" anchorCtr="0">
-            <a:noAutofit/>
-          </a:bodyPr>
-          <a:lstStyle/>
-          <a:p>
-            <a:pPr marL="0" lvl="0" indent="0" algn="l" rtl="0">
-              <a:spcBef>
-                <a:spcPts val="0"/>
-              </a:spcBef>
-              <a:spcAft>
-                <a:spcPts val="0"/>
-              </a:spcAft>
-              <a:buNone/>
-            </a:pPr>
-            <a:endParaRPr/>
-          </a:p>
-        </p:txBody>
-      </p:sp>
-      <p:cxnSp>
-        <p:nvCxnSpPr>
-          <p:cNvPr id="73" name="Google Shape;73;p15"/>
-          <p:cNvCxnSpPr/>
-          <p:nvPr/>
-        </p:nvCxnSpPr>
-        <p:spPr>
-          <a:xfrm>
-            <a:off x="172875" y="-37950"/>
-            <a:ext cx="0" cy="2187000"/>
-          </a:xfrm>
-          <a:prstGeom prst="straightConnector1">
-            <a:avLst/>
-          </a:prstGeom>
-          <a:noFill/>
-          <a:ln w="38100" cap="flat" cmpd="sng">
-            <a:solidFill>
-              <a:schemeClr val="lt1"/>
-            </a:solidFill>
-            <a:prstDash val="solid"/>
-            <a:round/>
-            <a:headEnd type="none" w="med" len="med"/>
-            <a:tailEnd type="none" w="med" len="med"/>
-          </a:ln>
-        </p:spPr>
-      </p:cxnSp>
-      <p:pic>
-        <p:nvPicPr>
-          <p:cNvPr id="74" name="Google Shape;74;p15"/>
-          <p:cNvPicPr preferRelativeResize="0"/>
-          <p:nvPr/>
-        </p:nvPicPr>
-        <p:blipFill>
-          <a:blip r:embed="rId3">
-            <a:alphaModFix/>
-          </a:blip>
-          <a:stretch>
-            <a:fillRect/>
-          </a:stretch>
-        </p:blipFill>
-        <p:spPr>
-          <a:xfrm rot="5400000">
-            <a:off x="-928700" y="3071650"/>
-            <a:ext cx="3038475" cy="1181100"/>
-          </a:xfrm>
-          <a:prstGeom prst="rect">
-            <a:avLst/>
-          </a:prstGeom>
-          <a:noFill/>
-          <a:ln>
-            <a:noFill/>
-          </a:ln>
-        </p:spPr>
-      </p:pic>
-      <p:sp>
-        <p:nvSpPr>
-          <p:cNvPr id="3" name="텍스트 개체 틀 1">
-            <a:extLst>
-              <a:ext uri="{FF2B5EF4-FFF2-40B4-BE49-F238E27FC236}">
-                <a16:creationId xmlns:a16="http://schemas.microsoft.com/office/drawing/2014/main" id="{AFD635E0-167B-19DD-969A-2B42D207922A}"/>
-              </a:ext>
-            </a:extLst>
-          </p:cNvPr>
-          <p:cNvSpPr txBox="1">
-            <a:spLocks/>
-          </p:cNvSpPr>
-          <p:nvPr/>
-        </p:nvSpPr>
-        <p:spPr>
-          <a:xfrm>
-            <a:off x="1152699" y="336834"/>
-            <a:ext cx="7818426" cy="3402943"/>
-          </a:xfrm>
-          <a:prstGeom prst="rect">
-            <a:avLst/>
-          </a:prstGeom>
-          <a:noFill/>
-          <a:ln>
-            <a:noFill/>
-          </a:ln>
-        </p:spPr>
-        <p:txBody>
-          <a:bodyPr spcFirstLastPara="1" wrap="square" lIns="91425" tIns="91425" rIns="91425" bIns="91425" anchor="t" anchorCtr="0">
-            <a:normAutofit/>
-          </a:bodyPr>
-          <a:lstStyle>
-            <a:defPPr marR="0" lvl="0" algn="l" rtl="0">
-              <a:lnSpc>
-                <a:spcPct val="100000"/>
-              </a:lnSpc>
-              <a:spcBef>
-                <a:spcPts val="0"/>
-              </a:spcBef>
-              <a:spcAft>
-                <a:spcPts val="0"/>
-              </a:spcAft>
-            </a:defPPr>
-            <a:lvl1pPr marL="457200" marR="0" lvl="0" indent="-342900" algn="ctr" rtl="0">
-              <a:lnSpc>
-                <a:spcPct val="100000"/>
-              </a:lnSpc>
-              <a:spcBef>
-                <a:spcPts val="0"/>
-              </a:spcBef>
-              <a:spcAft>
-                <a:spcPts val="0"/>
-              </a:spcAft>
-              <a:buClr>
-                <a:schemeClr val="dk2"/>
-              </a:buClr>
-              <a:buSzPts val="2800"/>
-              <a:buFont typeface="Arial"/>
-              <a:buNone/>
-              <a:defRPr sz="2800" b="0" i="0" u="none" strike="noStrike" cap="none">
-                <a:solidFill>
-                  <a:schemeClr val="dk2"/>
-                </a:solidFill>
-                <a:latin typeface="Arial"/>
-                <a:ea typeface="Arial"/>
-                <a:cs typeface="Arial"/>
-                <a:sym typeface="Arial"/>
-              </a:defRPr>
-            </a:lvl1pPr>
-            <a:lvl2pPr marL="914400" marR="0" lvl="1" indent="-317500" algn="ctr" rtl="0">
-              <a:lnSpc>
-                <a:spcPct val="100000"/>
-              </a:lnSpc>
-              <a:spcBef>
-                <a:spcPts val="0"/>
-              </a:spcBef>
-              <a:spcAft>
-                <a:spcPts val="0"/>
-              </a:spcAft>
-              <a:buClr>
-                <a:schemeClr val="dk2"/>
-              </a:buClr>
-              <a:buSzPts val="2800"/>
-              <a:buFont typeface="Arial"/>
-              <a:buNone/>
-              <a:defRPr sz="2800" b="0" i="0" u="none" strike="noStrike" cap="none">
-                <a:solidFill>
-                  <a:schemeClr val="dk2"/>
-                </a:solidFill>
-                <a:latin typeface="Arial"/>
-                <a:ea typeface="Arial"/>
-                <a:cs typeface="Arial"/>
-                <a:sym typeface="Arial"/>
-              </a:defRPr>
-            </a:lvl2pPr>
-            <a:lvl3pPr marL="1371600" marR="0" lvl="2" indent="-317500" algn="ctr" rtl="0">
-              <a:lnSpc>
-                <a:spcPct val="100000"/>
-              </a:lnSpc>
-              <a:spcBef>
-                <a:spcPts val="0"/>
-              </a:spcBef>
-              <a:spcAft>
-                <a:spcPts val="0"/>
-              </a:spcAft>
-              <a:buClr>
-                <a:schemeClr val="dk2"/>
-              </a:buClr>
-              <a:buSzPts val="2800"/>
-              <a:buFont typeface="Arial"/>
-              <a:buNone/>
-              <a:defRPr sz="2800" b="0" i="0" u="none" strike="noStrike" cap="none">
-                <a:solidFill>
-                  <a:schemeClr val="dk2"/>
-                </a:solidFill>
-                <a:latin typeface="Arial"/>
-                <a:ea typeface="Arial"/>
-                <a:cs typeface="Arial"/>
-                <a:sym typeface="Arial"/>
-              </a:defRPr>
-            </a:lvl3pPr>
-            <a:lvl4pPr marL="1828800" marR="0" lvl="3" indent="-317500" algn="ctr" rtl="0">
-              <a:lnSpc>
-                <a:spcPct val="100000"/>
-              </a:lnSpc>
-              <a:spcBef>
-                <a:spcPts val="0"/>
-              </a:spcBef>
-              <a:spcAft>
-                <a:spcPts val="0"/>
-              </a:spcAft>
-              <a:buClr>
-                <a:schemeClr val="dk2"/>
-              </a:buClr>
-              <a:buSzPts val="2800"/>
-              <a:buFont typeface="Arial"/>
-              <a:buNone/>
-              <a:defRPr sz="2800" b="0" i="0" u="none" strike="noStrike" cap="none">
-                <a:solidFill>
-                  <a:schemeClr val="dk2"/>
-                </a:solidFill>
-                <a:latin typeface="Arial"/>
-                <a:ea typeface="Arial"/>
-                <a:cs typeface="Arial"/>
-                <a:sym typeface="Arial"/>
-              </a:defRPr>
-            </a:lvl4pPr>
-            <a:lvl5pPr marL="2286000" marR="0" lvl="4" indent="-317500" algn="ctr" rtl="0">
-              <a:lnSpc>
-                <a:spcPct val="100000"/>
-              </a:lnSpc>
-              <a:spcBef>
-                <a:spcPts val="0"/>
-              </a:spcBef>
-              <a:spcAft>
-                <a:spcPts val="0"/>
-              </a:spcAft>
-              <a:buClr>
-                <a:schemeClr val="dk2"/>
-              </a:buClr>
-              <a:buSzPts val="2800"/>
-              <a:buFont typeface="Arial"/>
-              <a:buNone/>
-              <a:defRPr sz="2800" b="0" i="0" u="none" strike="noStrike" cap="none">
-                <a:solidFill>
-                  <a:schemeClr val="dk2"/>
-                </a:solidFill>
-                <a:latin typeface="Arial"/>
-                <a:ea typeface="Arial"/>
-                <a:cs typeface="Arial"/>
-                <a:sym typeface="Arial"/>
-              </a:defRPr>
-            </a:lvl5pPr>
-            <a:lvl6pPr marL="2743200" marR="0" lvl="5" indent="-317500" algn="ctr" rtl="0">
-              <a:lnSpc>
-                <a:spcPct val="100000"/>
-              </a:lnSpc>
-              <a:spcBef>
-                <a:spcPts val="0"/>
-              </a:spcBef>
-              <a:spcAft>
-                <a:spcPts val="0"/>
-              </a:spcAft>
-              <a:buClr>
-                <a:schemeClr val="dk2"/>
-              </a:buClr>
-              <a:buSzPts val="2800"/>
-              <a:buFont typeface="Arial"/>
-              <a:buNone/>
-              <a:defRPr sz="2800" b="0" i="0" u="none" strike="noStrike" cap="none">
-                <a:solidFill>
-                  <a:schemeClr val="dk2"/>
-                </a:solidFill>
-                <a:latin typeface="Arial"/>
-                <a:ea typeface="Arial"/>
-                <a:cs typeface="Arial"/>
-                <a:sym typeface="Arial"/>
-              </a:defRPr>
-            </a:lvl6pPr>
-            <a:lvl7pPr marL="3200400" marR="0" lvl="6" indent="-317500" algn="ctr" rtl="0">
-              <a:lnSpc>
-                <a:spcPct val="100000"/>
-              </a:lnSpc>
-              <a:spcBef>
-                <a:spcPts val="0"/>
-              </a:spcBef>
-              <a:spcAft>
-                <a:spcPts val="0"/>
-              </a:spcAft>
-              <a:buClr>
-                <a:schemeClr val="dk2"/>
-              </a:buClr>
-              <a:buSzPts val="2800"/>
-              <a:buFont typeface="Arial"/>
-              <a:buNone/>
-              <a:defRPr sz="2800" b="0" i="0" u="none" strike="noStrike" cap="none">
-                <a:solidFill>
-                  <a:schemeClr val="dk2"/>
-                </a:solidFill>
-                <a:latin typeface="Arial"/>
-                <a:ea typeface="Arial"/>
-                <a:cs typeface="Arial"/>
-                <a:sym typeface="Arial"/>
-              </a:defRPr>
-            </a:lvl7pPr>
-            <a:lvl8pPr marL="3657600" marR="0" lvl="7" indent="-317500" algn="ctr" rtl="0">
-              <a:lnSpc>
-                <a:spcPct val="100000"/>
-              </a:lnSpc>
-              <a:spcBef>
-                <a:spcPts val="0"/>
-              </a:spcBef>
-              <a:spcAft>
-                <a:spcPts val="0"/>
-              </a:spcAft>
-              <a:buClr>
-                <a:schemeClr val="dk2"/>
-              </a:buClr>
-              <a:buSzPts val="2800"/>
-              <a:buFont typeface="Arial"/>
-              <a:buNone/>
-              <a:defRPr sz="2800" b="0" i="0" u="none" strike="noStrike" cap="none">
-                <a:solidFill>
-                  <a:schemeClr val="dk2"/>
-                </a:solidFill>
-                <a:latin typeface="Arial"/>
-                <a:ea typeface="Arial"/>
-                <a:cs typeface="Arial"/>
-                <a:sym typeface="Arial"/>
-              </a:defRPr>
-            </a:lvl8pPr>
-            <a:lvl9pPr marL="4114800" marR="0" lvl="8" indent="-317500" algn="ctr" rtl="0">
-              <a:lnSpc>
-                <a:spcPct val="100000"/>
-              </a:lnSpc>
-              <a:spcBef>
-                <a:spcPts val="0"/>
-              </a:spcBef>
-              <a:spcAft>
-                <a:spcPts val="0"/>
-              </a:spcAft>
-              <a:buClr>
-                <a:schemeClr val="dk2"/>
-              </a:buClr>
-              <a:buSzPts val="2800"/>
-              <a:buFont typeface="Arial"/>
-              <a:buNone/>
-              <a:defRPr sz="2800" b="0" i="0" u="none" strike="noStrike" cap="none">
-                <a:solidFill>
-                  <a:schemeClr val="dk2"/>
-                </a:solidFill>
-                <a:latin typeface="Arial"/>
-                <a:ea typeface="Arial"/>
-                <a:cs typeface="Arial"/>
-                <a:sym typeface="Arial"/>
-              </a:defRPr>
-            </a:lvl9pPr>
-          </a:lstStyle>
-          <a:p>
-            <a:pPr marL="114300" indent="0"/>
-            <a:r>
-              <a:rPr lang="en-US" altLang="ko-KR" sz="3000" b="1" dirty="0" err="1">
-                <a:solidFill>
-                  <a:schemeClr val="tx1"/>
-                </a:solidFill>
-                <a:latin typeface="+mj-ea"/>
-                <a:ea typeface="+mj-ea"/>
-              </a:rPr>
-              <a:t>ReLU</a:t>
-            </a:r>
-            <a:r>
-              <a:rPr lang="en-US" altLang="ko-KR" sz="3000" b="1" dirty="0">
-                <a:solidFill>
-                  <a:schemeClr val="tx1"/>
-                </a:solidFill>
-                <a:latin typeface="+mj-ea"/>
-                <a:ea typeface="+mj-ea"/>
-              </a:rPr>
-              <a:t> </a:t>
-            </a:r>
-            <a:r>
-              <a:rPr lang="ko-KR" altLang="en-US" sz="3000" b="1" dirty="0">
-                <a:solidFill>
-                  <a:schemeClr val="tx1"/>
-                </a:solidFill>
-                <a:latin typeface="+mj-ea"/>
-                <a:ea typeface="+mj-ea"/>
-              </a:rPr>
-              <a:t>계층 구현</a:t>
-            </a:r>
-            <a:endParaRPr lang="en-US" altLang="ko-KR" sz="3000" b="1" dirty="0">
-              <a:solidFill>
-                <a:schemeClr val="tx1"/>
-              </a:solidFill>
-              <a:latin typeface="+mj-ea"/>
-              <a:ea typeface="+mj-ea"/>
-            </a:endParaRPr>
-          </a:p>
-          <a:p>
-            <a:pPr marL="114300" indent="0"/>
-            <a:endParaRPr lang="en-US" altLang="ko-KR" sz="2000" b="1" dirty="0">
-              <a:solidFill>
-                <a:schemeClr val="tx1"/>
-              </a:solidFill>
-              <a:latin typeface="+mj-ea"/>
-              <a:ea typeface="+mj-ea"/>
-            </a:endParaRPr>
-          </a:p>
-          <a:p>
-            <a:pPr marL="114300" indent="0"/>
-            <a:endParaRPr lang="en-US" altLang="ko-KR" sz="2000" b="1" dirty="0">
-              <a:solidFill>
-                <a:schemeClr val="tx1"/>
-              </a:solidFill>
-              <a:latin typeface="+mj-ea"/>
-              <a:ea typeface="+mj-ea"/>
-            </a:endParaRPr>
-          </a:p>
-          <a:p>
-            <a:pPr algn="l"/>
-            <a:endParaRPr lang="en-US" altLang="ko-KR" sz="2000" b="1" dirty="0">
-              <a:solidFill>
-                <a:schemeClr val="tx1"/>
-              </a:solidFill>
-              <a:latin typeface="+mj-ea"/>
-              <a:ea typeface="+mj-ea"/>
-            </a:endParaRPr>
-          </a:p>
-        </p:txBody>
-      </p:sp>
-      <p:pic>
-        <p:nvPicPr>
-          <p:cNvPr id="5" name="그림 4">
-            <a:extLst>
-              <a:ext uri="{FF2B5EF4-FFF2-40B4-BE49-F238E27FC236}">
-                <a16:creationId xmlns:a16="http://schemas.microsoft.com/office/drawing/2014/main" id="{BDEECBE4-3867-7DA4-BE30-08B2C91B7385}"/>
-              </a:ext>
-            </a:extLst>
-          </p:cNvPr>
-          <p:cNvPicPr>
-            <a:picLocks noChangeAspect="1"/>
-          </p:cNvPicPr>
-          <p:nvPr/>
-        </p:nvPicPr>
-        <p:blipFill>
-          <a:blip r:embed="rId4"/>
-          <a:stretch>
-            <a:fillRect/>
-          </a:stretch>
-        </p:blipFill>
-        <p:spPr>
-          <a:xfrm>
-            <a:off x="1509006" y="1052727"/>
-            <a:ext cx="3074199" cy="3940034"/>
-          </a:xfrm>
-          <a:prstGeom prst="rect">
-            <a:avLst/>
-          </a:prstGeom>
-        </p:spPr>
-      </p:pic>
-      <p:sp>
-        <p:nvSpPr>
-          <p:cNvPr id="8" name="TextBox 7">
-            <a:extLst>
-              <a:ext uri="{FF2B5EF4-FFF2-40B4-BE49-F238E27FC236}">
-                <a16:creationId xmlns:a16="http://schemas.microsoft.com/office/drawing/2014/main" id="{2FB54F9C-FB6C-6587-A0A3-B9E558DAA188}"/>
-              </a:ext>
-            </a:extLst>
-          </p:cNvPr>
-          <p:cNvSpPr txBox="1"/>
-          <p:nvPr/>
-        </p:nvSpPr>
-        <p:spPr>
-          <a:xfrm>
-            <a:off x="5061912" y="1951407"/>
-            <a:ext cx="3790683" cy="1938992"/>
-          </a:xfrm>
-          <a:prstGeom prst="rect">
-            <a:avLst/>
-          </a:prstGeom>
-          <a:noFill/>
-        </p:spPr>
-        <p:txBody>
-          <a:bodyPr wrap="square">
-            <a:spAutoFit/>
-          </a:bodyPr>
-          <a:lstStyle/>
-          <a:p>
-            <a:r>
-              <a:rPr lang="ko-KR" altLang="en-US" sz="2000" b="0" i="0" dirty="0" err="1">
-                <a:solidFill>
-                  <a:srgbClr val="EE2323"/>
-                </a:solidFill>
-                <a:effectLst/>
-                <a:latin typeface="+mn-ea"/>
-                <a:ea typeface="+mn-ea"/>
-              </a:rPr>
-              <a:t>입력값이</a:t>
-            </a:r>
-            <a:r>
-              <a:rPr lang="ko-KR" altLang="en-US" sz="2000" b="0" i="0" dirty="0">
-                <a:solidFill>
-                  <a:srgbClr val="EE2323"/>
-                </a:solidFill>
-                <a:effectLst/>
-                <a:latin typeface="+mn-ea"/>
-                <a:ea typeface="+mn-ea"/>
-              </a:rPr>
-              <a:t> </a:t>
-            </a:r>
-            <a:r>
-              <a:rPr lang="en-US" altLang="ko-KR" sz="2000" b="0" i="0" dirty="0">
-                <a:solidFill>
-                  <a:srgbClr val="EE2323"/>
-                </a:solidFill>
-                <a:effectLst/>
-                <a:latin typeface="+mn-ea"/>
-                <a:ea typeface="+mn-ea"/>
-              </a:rPr>
-              <a:t>x &lt;= 0</a:t>
-            </a:r>
-            <a:r>
-              <a:rPr lang="ko-KR" altLang="en-US" sz="2000" b="0" i="0" dirty="0">
-                <a:solidFill>
-                  <a:srgbClr val="EE2323"/>
-                </a:solidFill>
-                <a:effectLst/>
-                <a:latin typeface="+mn-ea"/>
-                <a:ea typeface="+mn-ea"/>
-              </a:rPr>
-              <a:t>인 인덱스를</a:t>
-            </a:r>
-            <a:endParaRPr lang="en-US" altLang="ko-KR" sz="2000" b="0" i="0" dirty="0">
-              <a:solidFill>
-                <a:srgbClr val="EE2323"/>
-              </a:solidFill>
-              <a:effectLst/>
-              <a:latin typeface="+mn-ea"/>
-              <a:ea typeface="+mn-ea"/>
-            </a:endParaRPr>
-          </a:p>
-          <a:p>
-            <a:endParaRPr lang="en-US" altLang="ko-KR" sz="2000" dirty="0">
-              <a:solidFill>
-                <a:srgbClr val="EE2323"/>
-              </a:solidFill>
-              <a:latin typeface="+mn-ea"/>
-              <a:ea typeface="+mn-ea"/>
-            </a:endParaRPr>
-          </a:p>
-          <a:p>
-            <a:r>
-              <a:rPr lang="en-US" altLang="ko-KR" sz="2000" b="0" i="0" dirty="0">
-                <a:solidFill>
-                  <a:srgbClr val="EE2323"/>
-                </a:solidFill>
-                <a:effectLst/>
-                <a:latin typeface="+mn-ea"/>
-                <a:ea typeface="+mn-ea"/>
-              </a:rPr>
-              <a:t>* </a:t>
-            </a:r>
-            <a:r>
-              <a:rPr lang="ko-KR" altLang="en-US" sz="2000" b="0" i="0" dirty="0" err="1">
-                <a:solidFill>
-                  <a:srgbClr val="EE2323"/>
-                </a:solidFill>
-                <a:effectLst/>
-                <a:latin typeface="+mn-ea"/>
-                <a:ea typeface="+mn-ea"/>
-              </a:rPr>
-              <a:t>순전파</a:t>
-            </a:r>
-            <a:r>
-              <a:rPr lang="ko-KR" altLang="en-US" sz="2000" b="0" i="0" dirty="0">
-                <a:solidFill>
-                  <a:srgbClr val="EE2323"/>
-                </a:solidFill>
-                <a:effectLst/>
-                <a:latin typeface="+mn-ea"/>
-                <a:ea typeface="+mn-ea"/>
-              </a:rPr>
-              <a:t> 때 </a:t>
-            </a:r>
-            <a:r>
-              <a:rPr lang="en-US" altLang="ko-KR" sz="2000" b="0" i="0" dirty="0">
-                <a:solidFill>
-                  <a:srgbClr val="EE2323"/>
-                </a:solidFill>
-                <a:effectLst/>
-                <a:latin typeface="+mn-ea"/>
-                <a:ea typeface="+mn-ea"/>
-              </a:rPr>
-              <a:t>0</a:t>
-            </a:r>
-            <a:r>
-              <a:rPr lang="ko-KR" altLang="en-US" sz="2000" b="0" i="0" dirty="0">
-                <a:solidFill>
-                  <a:srgbClr val="EE2323"/>
-                </a:solidFill>
-                <a:effectLst/>
-                <a:latin typeface="+mn-ea"/>
-                <a:ea typeface="+mn-ea"/>
-              </a:rPr>
-              <a:t>으로 만들고</a:t>
-            </a:r>
-            <a:r>
-              <a:rPr lang="en-US" altLang="ko-KR" sz="2000" b="0" i="0" dirty="0">
-                <a:solidFill>
-                  <a:srgbClr val="EE2323"/>
-                </a:solidFill>
-                <a:effectLst/>
-                <a:latin typeface="+mn-ea"/>
-                <a:ea typeface="+mn-ea"/>
-              </a:rPr>
-              <a:t>, </a:t>
-            </a:r>
-          </a:p>
-          <a:p>
-            <a:r>
-              <a:rPr lang="en-US" altLang="ko-KR" sz="2000" b="0" i="0" dirty="0">
-                <a:solidFill>
-                  <a:srgbClr val="EE2323"/>
-                </a:solidFill>
-                <a:effectLst/>
-                <a:latin typeface="+mn-ea"/>
-                <a:ea typeface="+mn-ea"/>
-              </a:rPr>
-              <a:t>* </a:t>
-            </a:r>
-            <a:r>
-              <a:rPr lang="ko-KR" altLang="en-US" sz="2000" b="0" i="0" dirty="0" err="1">
-                <a:solidFill>
-                  <a:srgbClr val="EE2323"/>
-                </a:solidFill>
-                <a:effectLst/>
-                <a:latin typeface="+mn-ea"/>
-                <a:ea typeface="+mn-ea"/>
-              </a:rPr>
-              <a:t>역전파</a:t>
-            </a:r>
-            <a:r>
-              <a:rPr lang="ko-KR" altLang="en-US" sz="2000" b="0" i="0" dirty="0">
-                <a:solidFill>
-                  <a:srgbClr val="EE2323"/>
-                </a:solidFill>
-                <a:effectLst/>
-                <a:latin typeface="+mn-ea"/>
-                <a:ea typeface="+mn-ea"/>
-              </a:rPr>
-              <a:t> 때도 </a:t>
-            </a:r>
-            <a:r>
-              <a:rPr lang="en-US" altLang="ko-KR" sz="2000" b="0" i="0" dirty="0">
-                <a:solidFill>
-                  <a:srgbClr val="EE2323"/>
-                </a:solidFill>
-                <a:effectLst/>
-                <a:latin typeface="+mn-ea"/>
-                <a:ea typeface="+mn-ea"/>
-              </a:rPr>
-              <a:t>0</a:t>
-            </a:r>
-            <a:r>
-              <a:rPr lang="ko-KR" altLang="en-US" sz="2000" b="0" i="0" dirty="0">
-                <a:solidFill>
-                  <a:srgbClr val="EE2323"/>
-                </a:solidFill>
-                <a:effectLst/>
-                <a:latin typeface="+mn-ea"/>
-                <a:ea typeface="+mn-ea"/>
-              </a:rPr>
-              <a:t>으로 만들어</a:t>
-            </a:r>
-            <a:endParaRPr lang="en-US" altLang="ko-KR" sz="2000" b="0" i="0" dirty="0">
-              <a:solidFill>
-                <a:srgbClr val="EE2323"/>
-              </a:solidFill>
-              <a:effectLst/>
-              <a:latin typeface="+mn-ea"/>
-              <a:ea typeface="+mn-ea"/>
-            </a:endParaRPr>
-          </a:p>
-          <a:p>
-            <a:pPr marL="285750" indent="-285750">
-              <a:buFont typeface="Arial" panose="020B0604020202020204" pitchFamily="34" charset="0"/>
-              <a:buChar char="•"/>
-            </a:pPr>
-            <a:endParaRPr lang="en-US" altLang="ko-KR" sz="2000" dirty="0">
-              <a:solidFill>
-                <a:srgbClr val="EE2323"/>
-              </a:solidFill>
-              <a:latin typeface="+mn-ea"/>
-              <a:ea typeface="+mn-ea"/>
-            </a:endParaRPr>
-          </a:p>
-          <a:p>
-            <a:r>
-              <a:rPr lang="ko-KR" altLang="en-US" sz="2000" b="0" i="0" dirty="0">
-                <a:solidFill>
-                  <a:srgbClr val="EE2323"/>
-                </a:solidFill>
-                <a:effectLst/>
-                <a:latin typeface="+mn-ea"/>
-                <a:ea typeface="+mn-ea"/>
-              </a:rPr>
-              <a:t>활성화되지 않도록 만든다</a:t>
-            </a:r>
-            <a:r>
-              <a:rPr lang="en-US" altLang="ko-KR" sz="2000" b="0" i="0" dirty="0">
-                <a:solidFill>
-                  <a:srgbClr val="EE2323"/>
-                </a:solidFill>
-                <a:effectLst/>
-                <a:latin typeface="+mn-ea"/>
-                <a:ea typeface="+mn-ea"/>
-              </a:rPr>
-              <a:t>.</a:t>
-            </a:r>
-            <a:endParaRPr lang="ko-KR" altLang="en-US" sz="2000" dirty="0">
-              <a:latin typeface="+mn-ea"/>
-              <a:ea typeface="+mn-ea"/>
-            </a:endParaRPr>
-          </a:p>
-        </p:txBody>
-      </p:sp>
-      <mc:AlternateContent xmlns:mc="http://schemas.openxmlformats.org/markup-compatibility/2006" xmlns:p14="http://schemas.microsoft.com/office/powerpoint/2010/main">
-        <mc:Choice Requires="p14">
-          <p:contentPart p14:bwMode="auto" r:id="rId5">
-            <p14:nvContentPartPr>
-              <p14:cNvPr id="6" name="잉크 5">
-                <a:extLst>
-                  <a:ext uri="{FF2B5EF4-FFF2-40B4-BE49-F238E27FC236}">
-                    <a16:creationId xmlns:a16="http://schemas.microsoft.com/office/drawing/2014/main" id="{E6637328-BDD1-C7ED-EC14-CFE2DBD7F5AD}"/>
-                  </a:ext>
-                </a:extLst>
-              </p14:cNvPr>
-              <p14:cNvContentPartPr/>
-              <p14:nvPr/>
-            </p14:nvContentPartPr>
-            <p14:xfrm>
-              <a:off x="2295068" y="2196759"/>
-              <a:ext cx="1465200" cy="360"/>
-            </p14:xfrm>
-          </p:contentPart>
-        </mc:Choice>
-        <mc:Fallback xmlns="">
-          <p:pic>
-            <p:nvPicPr>
-              <p:cNvPr id="6" name="잉크 5">
-                <a:extLst>
-                  <a:ext uri="{FF2B5EF4-FFF2-40B4-BE49-F238E27FC236}">
-                    <a16:creationId xmlns:a16="http://schemas.microsoft.com/office/drawing/2014/main" id="{E6637328-BDD1-C7ED-EC14-CFE2DBD7F5AD}"/>
-                  </a:ext>
-                </a:extLst>
-              </p:cNvPr>
-              <p:cNvPicPr/>
-              <p:nvPr/>
-            </p:nvPicPr>
-            <p:blipFill>
-              <a:blip r:embed="rId6"/>
-              <a:stretch>
-                <a:fillRect/>
-              </a:stretch>
-            </p:blipFill>
-            <p:spPr>
-              <a:xfrm>
-                <a:off x="2241068" y="2089119"/>
-                <a:ext cx="1572840" cy="216000"/>
-              </a:xfrm>
-              <a:prstGeom prst="rect">
-                <a:avLst/>
-              </a:prstGeom>
-            </p:spPr>
-          </p:pic>
-        </mc:Fallback>
-      </mc:AlternateContent>
-      <mc:AlternateContent xmlns:mc="http://schemas.openxmlformats.org/markup-compatibility/2006" xmlns:p14="http://schemas.microsoft.com/office/powerpoint/2010/main">
-        <mc:Choice Requires="p14">
-          <p:contentPart p14:bwMode="auto" r:id="rId7">
-            <p14:nvContentPartPr>
-              <p14:cNvPr id="9" name="잉크 8">
-                <a:extLst>
-                  <a:ext uri="{FF2B5EF4-FFF2-40B4-BE49-F238E27FC236}">
-                    <a16:creationId xmlns:a16="http://schemas.microsoft.com/office/drawing/2014/main" id="{06118120-1AAA-CD45-515E-BACF4A959928}"/>
-                  </a:ext>
-                </a:extLst>
-              </p14:cNvPr>
-              <p14:cNvContentPartPr/>
-              <p14:nvPr/>
-            </p14:nvContentPartPr>
-            <p14:xfrm>
-              <a:off x="2387228" y="3878319"/>
-              <a:ext cx="1079640" cy="360"/>
-            </p14:xfrm>
-          </p:contentPart>
-        </mc:Choice>
-        <mc:Fallback xmlns="">
-          <p:pic>
-            <p:nvPicPr>
-              <p:cNvPr id="9" name="잉크 8">
-                <a:extLst>
-                  <a:ext uri="{FF2B5EF4-FFF2-40B4-BE49-F238E27FC236}">
-                    <a16:creationId xmlns:a16="http://schemas.microsoft.com/office/drawing/2014/main" id="{06118120-1AAA-CD45-515E-BACF4A959928}"/>
-                  </a:ext>
-                </a:extLst>
-              </p:cNvPr>
-              <p:cNvPicPr/>
-              <p:nvPr/>
-            </p:nvPicPr>
-            <p:blipFill>
-              <a:blip r:embed="rId8"/>
-              <a:stretch>
-                <a:fillRect/>
-              </a:stretch>
-            </p:blipFill>
-            <p:spPr>
-              <a:xfrm>
-                <a:off x="2333228" y="3770319"/>
-                <a:ext cx="1187280" cy="216000"/>
-              </a:xfrm>
-              <a:prstGeom prst="rect">
-                <a:avLst/>
-              </a:prstGeom>
-            </p:spPr>
-          </p:pic>
-        </mc:Fallback>
-      </mc:AlternateContent>
-    </p:spTree>
-    <p:extLst>
-      <p:ext uri="{BB962C8B-B14F-4D97-AF65-F5344CB8AC3E}">
-        <p14:creationId xmlns:p14="http://schemas.microsoft.com/office/powerpoint/2010/main" val="2381776786"/>
+        <p14:creationId xmlns:p14="http://schemas.microsoft.com/office/powerpoint/2010/main" val="1140491837"/>
       </p:ext>
     </p:extLst>
   </p:cSld>
@@ -12551,2547 +9964,6 @@
 </p:sld>
 </file>
 
-<file path=ppt/slides/slide20.xml><?xml version="1.0" encoding="utf-8"?>
-<p:sld xmlns:a="http://schemas.openxmlformats.org/drawingml/2006/main" xmlns:r="http://schemas.openxmlformats.org/officeDocument/2006/relationships" xmlns:p="http://schemas.openxmlformats.org/presentationml/2006/main">
-  <p:cSld>
-    <p:spTree>
-      <p:nvGrpSpPr>
-        <p:cNvPr id="1" name="Shape 71"/>
-        <p:cNvGrpSpPr/>
-        <p:nvPr/>
-      </p:nvGrpSpPr>
-      <p:grpSpPr>
-        <a:xfrm>
-          <a:off x="0" y="0"/>
-          <a:ext cx="0" cy="0"/>
-          <a:chOff x="0" y="0"/>
-          <a:chExt cx="0" cy="0"/>
-        </a:xfrm>
-      </p:grpSpPr>
-      <p:sp>
-        <p:nvSpPr>
-          <p:cNvPr id="72" name="Google Shape;72;p15"/>
-          <p:cNvSpPr/>
-          <p:nvPr/>
-        </p:nvSpPr>
-        <p:spPr>
-          <a:xfrm>
-            <a:off x="0" y="-37950"/>
-            <a:ext cx="1181100" cy="5219400"/>
-          </a:xfrm>
-          <a:prstGeom prst="rect">
-            <a:avLst/>
-          </a:prstGeom>
-          <a:solidFill>
-            <a:srgbClr val="19264B"/>
-          </a:solidFill>
-          <a:ln>
-            <a:noFill/>
-          </a:ln>
-        </p:spPr>
-        <p:txBody>
-          <a:bodyPr spcFirstLastPara="1" wrap="square" lIns="91425" tIns="91425" rIns="91425" bIns="91425" anchor="ctr" anchorCtr="0">
-            <a:noAutofit/>
-          </a:bodyPr>
-          <a:lstStyle/>
-          <a:p>
-            <a:pPr marL="0" lvl="0" indent="0" algn="l" rtl="0">
-              <a:spcBef>
-                <a:spcPts val="0"/>
-              </a:spcBef>
-              <a:spcAft>
-                <a:spcPts val="0"/>
-              </a:spcAft>
-              <a:buNone/>
-            </a:pPr>
-            <a:endParaRPr/>
-          </a:p>
-        </p:txBody>
-      </p:sp>
-      <p:cxnSp>
-        <p:nvCxnSpPr>
-          <p:cNvPr id="73" name="Google Shape;73;p15"/>
-          <p:cNvCxnSpPr/>
-          <p:nvPr/>
-        </p:nvCxnSpPr>
-        <p:spPr>
-          <a:xfrm>
-            <a:off x="172875" y="-37950"/>
-            <a:ext cx="0" cy="2187000"/>
-          </a:xfrm>
-          <a:prstGeom prst="straightConnector1">
-            <a:avLst/>
-          </a:prstGeom>
-          <a:noFill/>
-          <a:ln w="38100" cap="flat" cmpd="sng">
-            <a:solidFill>
-              <a:schemeClr val="lt1"/>
-            </a:solidFill>
-            <a:prstDash val="solid"/>
-            <a:round/>
-            <a:headEnd type="none" w="med" len="med"/>
-            <a:tailEnd type="none" w="med" len="med"/>
-          </a:ln>
-        </p:spPr>
-      </p:cxnSp>
-      <p:pic>
-        <p:nvPicPr>
-          <p:cNvPr id="74" name="Google Shape;74;p15"/>
-          <p:cNvPicPr preferRelativeResize="0"/>
-          <p:nvPr/>
-        </p:nvPicPr>
-        <p:blipFill>
-          <a:blip r:embed="rId3">
-            <a:alphaModFix/>
-          </a:blip>
-          <a:stretch>
-            <a:fillRect/>
-          </a:stretch>
-        </p:blipFill>
-        <p:spPr>
-          <a:xfrm rot="5400000">
-            <a:off x="-928700" y="3071650"/>
-            <a:ext cx="3038475" cy="1181100"/>
-          </a:xfrm>
-          <a:prstGeom prst="rect">
-            <a:avLst/>
-          </a:prstGeom>
-          <a:noFill/>
-          <a:ln>
-            <a:noFill/>
-          </a:ln>
-        </p:spPr>
-      </p:pic>
-      <p:sp>
-        <p:nvSpPr>
-          <p:cNvPr id="3" name="텍스트 개체 틀 1">
-            <a:extLst>
-              <a:ext uri="{FF2B5EF4-FFF2-40B4-BE49-F238E27FC236}">
-                <a16:creationId xmlns:a16="http://schemas.microsoft.com/office/drawing/2014/main" id="{AFD635E0-167B-19DD-969A-2B42D207922A}"/>
-              </a:ext>
-            </a:extLst>
-          </p:cNvPr>
-          <p:cNvSpPr txBox="1">
-            <a:spLocks/>
-          </p:cNvSpPr>
-          <p:nvPr/>
-        </p:nvSpPr>
-        <p:spPr>
-          <a:xfrm>
-            <a:off x="1152699" y="336834"/>
-            <a:ext cx="7818426" cy="3402943"/>
-          </a:xfrm>
-          <a:prstGeom prst="rect">
-            <a:avLst/>
-          </a:prstGeom>
-          <a:noFill/>
-          <a:ln>
-            <a:noFill/>
-          </a:ln>
-        </p:spPr>
-        <p:txBody>
-          <a:bodyPr spcFirstLastPara="1" wrap="square" lIns="91425" tIns="91425" rIns="91425" bIns="91425" anchor="t" anchorCtr="0">
-            <a:normAutofit/>
-          </a:bodyPr>
-          <a:lstStyle>
-            <a:defPPr marR="0" lvl="0" algn="l" rtl="0">
-              <a:lnSpc>
-                <a:spcPct val="100000"/>
-              </a:lnSpc>
-              <a:spcBef>
-                <a:spcPts val="0"/>
-              </a:spcBef>
-              <a:spcAft>
-                <a:spcPts val="0"/>
-              </a:spcAft>
-            </a:defPPr>
-            <a:lvl1pPr marL="457200" marR="0" lvl="0" indent="-342900" algn="ctr" rtl="0">
-              <a:lnSpc>
-                <a:spcPct val="100000"/>
-              </a:lnSpc>
-              <a:spcBef>
-                <a:spcPts val="0"/>
-              </a:spcBef>
-              <a:spcAft>
-                <a:spcPts val="0"/>
-              </a:spcAft>
-              <a:buClr>
-                <a:schemeClr val="dk2"/>
-              </a:buClr>
-              <a:buSzPts val="2800"/>
-              <a:buFont typeface="Arial"/>
-              <a:buNone/>
-              <a:defRPr sz="2800" b="0" i="0" u="none" strike="noStrike" cap="none">
-                <a:solidFill>
-                  <a:schemeClr val="dk2"/>
-                </a:solidFill>
-                <a:latin typeface="Arial"/>
-                <a:ea typeface="Arial"/>
-                <a:cs typeface="Arial"/>
-                <a:sym typeface="Arial"/>
-              </a:defRPr>
-            </a:lvl1pPr>
-            <a:lvl2pPr marL="914400" marR="0" lvl="1" indent="-317500" algn="ctr" rtl="0">
-              <a:lnSpc>
-                <a:spcPct val="100000"/>
-              </a:lnSpc>
-              <a:spcBef>
-                <a:spcPts val="0"/>
-              </a:spcBef>
-              <a:spcAft>
-                <a:spcPts val="0"/>
-              </a:spcAft>
-              <a:buClr>
-                <a:schemeClr val="dk2"/>
-              </a:buClr>
-              <a:buSzPts val="2800"/>
-              <a:buFont typeface="Arial"/>
-              <a:buNone/>
-              <a:defRPr sz="2800" b="0" i="0" u="none" strike="noStrike" cap="none">
-                <a:solidFill>
-                  <a:schemeClr val="dk2"/>
-                </a:solidFill>
-                <a:latin typeface="Arial"/>
-                <a:ea typeface="Arial"/>
-                <a:cs typeface="Arial"/>
-                <a:sym typeface="Arial"/>
-              </a:defRPr>
-            </a:lvl2pPr>
-            <a:lvl3pPr marL="1371600" marR="0" lvl="2" indent="-317500" algn="ctr" rtl="0">
-              <a:lnSpc>
-                <a:spcPct val="100000"/>
-              </a:lnSpc>
-              <a:spcBef>
-                <a:spcPts val="0"/>
-              </a:spcBef>
-              <a:spcAft>
-                <a:spcPts val="0"/>
-              </a:spcAft>
-              <a:buClr>
-                <a:schemeClr val="dk2"/>
-              </a:buClr>
-              <a:buSzPts val="2800"/>
-              <a:buFont typeface="Arial"/>
-              <a:buNone/>
-              <a:defRPr sz="2800" b="0" i="0" u="none" strike="noStrike" cap="none">
-                <a:solidFill>
-                  <a:schemeClr val="dk2"/>
-                </a:solidFill>
-                <a:latin typeface="Arial"/>
-                <a:ea typeface="Arial"/>
-                <a:cs typeface="Arial"/>
-                <a:sym typeface="Arial"/>
-              </a:defRPr>
-            </a:lvl3pPr>
-            <a:lvl4pPr marL="1828800" marR="0" lvl="3" indent="-317500" algn="ctr" rtl="0">
-              <a:lnSpc>
-                <a:spcPct val="100000"/>
-              </a:lnSpc>
-              <a:spcBef>
-                <a:spcPts val="0"/>
-              </a:spcBef>
-              <a:spcAft>
-                <a:spcPts val="0"/>
-              </a:spcAft>
-              <a:buClr>
-                <a:schemeClr val="dk2"/>
-              </a:buClr>
-              <a:buSzPts val="2800"/>
-              <a:buFont typeface="Arial"/>
-              <a:buNone/>
-              <a:defRPr sz="2800" b="0" i="0" u="none" strike="noStrike" cap="none">
-                <a:solidFill>
-                  <a:schemeClr val="dk2"/>
-                </a:solidFill>
-                <a:latin typeface="Arial"/>
-                <a:ea typeface="Arial"/>
-                <a:cs typeface="Arial"/>
-                <a:sym typeface="Arial"/>
-              </a:defRPr>
-            </a:lvl4pPr>
-            <a:lvl5pPr marL="2286000" marR="0" lvl="4" indent="-317500" algn="ctr" rtl="0">
-              <a:lnSpc>
-                <a:spcPct val="100000"/>
-              </a:lnSpc>
-              <a:spcBef>
-                <a:spcPts val="0"/>
-              </a:spcBef>
-              <a:spcAft>
-                <a:spcPts val="0"/>
-              </a:spcAft>
-              <a:buClr>
-                <a:schemeClr val="dk2"/>
-              </a:buClr>
-              <a:buSzPts val="2800"/>
-              <a:buFont typeface="Arial"/>
-              <a:buNone/>
-              <a:defRPr sz="2800" b="0" i="0" u="none" strike="noStrike" cap="none">
-                <a:solidFill>
-                  <a:schemeClr val="dk2"/>
-                </a:solidFill>
-                <a:latin typeface="Arial"/>
-                <a:ea typeface="Arial"/>
-                <a:cs typeface="Arial"/>
-                <a:sym typeface="Arial"/>
-              </a:defRPr>
-            </a:lvl5pPr>
-            <a:lvl6pPr marL="2743200" marR="0" lvl="5" indent="-317500" algn="ctr" rtl="0">
-              <a:lnSpc>
-                <a:spcPct val="100000"/>
-              </a:lnSpc>
-              <a:spcBef>
-                <a:spcPts val="0"/>
-              </a:spcBef>
-              <a:spcAft>
-                <a:spcPts val="0"/>
-              </a:spcAft>
-              <a:buClr>
-                <a:schemeClr val="dk2"/>
-              </a:buClr>
-              <a:buSzPts val="2800"/>
-              <a:buFont typeface="Arial"/>
-              <a:buNone/>
-              <a:defRPr sz="2800" b="0" i="0" u="none" strike="noStrike" cap="none">
-                <a:solidFill>
-                  <a:schemeClr val="dk2"/>
-                </a:solidFill>
-                <a:latin typeface="Arial"/>
-                <a:ea typeface="Arial"/>
-                <a:cs typeface="Arial"/>
-                <a:sym typeface="Arial"/>
-              </a:defRPr>
-            </a:lvl6pPr>
-            <a:lvl7pPr marL="3200400" marR="0" lvl="6" indent="-317500" algn="ctr" rtl="0">
-              <a:lnSpc>
-                <a:spcPct val="100000"/>
-              </a:lnSpc>
-              <a:spcBef>
-                <a:spcPts val="0"/>
-              </a:spcBef>
-              <a:spcAft>
-                <a:spcPts val="0"/>
-              </a:spcAft>
-              <a:buClr>
-                <a:schemeClr val="dk2"/>
-              </a:buClr>
-              <a:buSzPts val="2800"/>
-              <a:buFont typeface="Arial"/>
-              <a:buNone/>
-              <a:defRPr sz="2800" b="0" i="0" u="none" strike="noStrike" cap="none">
-                <a:solidFill>
-                  <a:schemeClr val="dk2"/>
-                </a:solidFill>
-                <a:latin typeface="Arial"/>
-                <a:ea typeface="Arial"/>
-                <a:cs typeface="Arial"/>
-                <a:sym typeface="Arial"/>
-              </a:defRPr>
-            </a:lvl7pPr>
-            <a:lvl8pPr marL="3657600" marR="0" lvl="7" indent="-317500" algn="ctr" rtl="0">
-              <a:lnSpc>
-                <a:spcPct val="100000"/>
-              </a:lnSpc>
-              <a:spcBef>
-                <a:spcPts val="0"/>
-              </a:spcBef>
-              <a:spcAft>
-                <a:spcPts val="0"/>
-              </a:spcAft>
-              <a:buClr>
-                <a:schemeClr val="dk2"/>
-              </a:buClr>
-              <a:buSzPts val="2800"/>
-              <a:buFont typeface="Arial"/>
-              <a:buNone/>
-              <a:defRPr sz="2800" b="0" i="0" u="none" strike="noStrike" cap="none">
-                <a:solidFill>
-                  <a:schemeClr val="dk2"/>
-                </a:solidFill>
-                <a:latin typeface="Arial"/>
-                <a:ea typeface="Arial"/>
-                <a:cs typeface="Arial"/>
-                <a:sym typeface="Arial"/>
-              </a:defRPr>
-            </a:lvl8pPr>
-            <a:lvl9pPr marL="4114800" marR="0" lvl="8" indent="-317500" algn="ctr" rtl="0">
-              <a:lnSpc>
-                <a:spcPct val="100000"/>
-              </a:lnSpc>
-              <a:spcBef>
-                <a:spcPts val="0"/>
-              </a:spcBef>
-              <a:spcAft>
-                <a:spcPts val="0"/>
-              </a:spcAft>
-              <a:buClr>
-                <a:schemeClr val="dk2"/>
-              </a:buClr>
-              <a:buSzPts val="2800"/>
-              <a:buFont typeface="Arial"/>
-              <a:buNone/>
-              <a:defRPr sz="2800" b="0" i="0" u="none" strike="noStrike" cap="none">
-                <a:solidFill>
-                  <a:schemeClr val="dk2"/>
-                </a:solidFill>
-                <a:latin typeface="Arial"/>
-                <a:ea typeface="Arial"/>
-                <a:cs typeface="Arial"/>
-                <a:sym typeface="Arial"/>
-              </a:defRPr>
-            </a:lvl9pPr>
-          </a:lstStyle>
-          <a:p>
-            <a:pPr marL="114300" indent="0"/>
-            <a:r>
-              <a:rPr lang="en-US" altLang="ko-KR" sz="3000" b="1" dirty="0">
-                <a:solidFill>
-                  <a:schemeClr val="tx1"/>
-                </a:solidFill>
-                <a:latin typeface="+mj-ea"/>
-                <a:ea typeface="+mj-ea"/>
-              </a:rPr>
-              <a:t>Sigmoid </a:t>
-            </a:r>
-            <a:r>
-              <a:rPr lang="ko-KR" altLang="en-US" sz="3000" b="1" dirty="0">
-                <a:solidFill>
-                  <a:schemeClr val="tx1"/>
-                </a:solidFill>
-                <a:latin typeface="+mj-ea"/>
-                <a:ea typeface="+mj-ea"/>
-              </a:rPr>
-              <a:t>계층</a:t>
-            </a:r>
-            <a:endParaRPr lang="en-US" altLang="ko-KR" sz="3000" b="1" dirty="0">
-              <a:solidFill>
-                <a:schemeClr val="tx1"/>
-              </a:solidFill>
-              <a:latin typeface="+mj-ea"/>
-              <a:ea typeface="+mj-ea"/>
-            </a:endParaRPr>
-          </a:p>
-          <a:p>
-            <a:pPr marL="114300" indent="0"/>
-            <a:endParaRPr lang="en-US" altLang="ko-KR" sz="2000" b="1" dirty="0">
-              <a:solidFill>
-                <a:schemeClr val="tx1"/>
-              </a:solidFill>
-              <a:latin typeface="+mj-ea"/>
-              <a:ea typeface="+mj-ea"/>
-            </a:endParaRPr>
-          </a:p>
-          <a:p>
-            <a:pPr marL="114300" indent="0"/>
-            <a:endParaRPr lang="en-US" altLang="ko-KR" sz="2000" b="1" dirty="0">
-              <a:solidFill>
-                <a:schemeClr val="tx1"/>
-              </a:solidFill>
-              <a:latin typeface="+mj-ea"/>
-              <a:ea typeface="+mj-ea"/>
-            </a:endParaRPr>
-          </a:p>
-          <a:p>
-            <a:pPr algn="l"/>
-            <a:endParaRPr lang="en-US" altLang="ko-KR" sz="2000" b="1" dirty="0">
-              <a:solidFill>
-                <a:schemeClr val="tx1"/>
-              </a:solidFill>
-              <a:latin typeface="+mj-ea"/>
-              <a:ea typeface="+mj-ea"/>
-            </a:endParaRPr>
-          </a:p>
-        </p:txBody>
-      </p:sp>
-      <p:pic>
-        <p:nvPicPr>
-          <p:cNvPr id="5" name="그림 4">
-            <a:extLst>
-              <a:ext uri="{FF2B5EF4-FFF2-40B4-BE49-F238E27FC236}">
-                <a16:creationId xmlns:a16="http://schemas.microsoft.com/office/drawing/2014/main" id="{277594DF-5F43-B883-2825-34AC10822EF8}"/>
-              </a:ext>
-            </a:extLst>
-          </p:cNvPr>
-          <p:cNvPicPr>
-            <a:picLocks noChangeAspect="1"/>
-          </p:cNvPicPr>
-          <p:nvPr/>
-        </p:nvPicPr>
-        <p:blipFill>
-          <a:blip r:embed="rId4"/>
-          <a:stretch>
-            <a:fillRect/>
-          </a:stretch>
-        </p:blipFill>
-        <p:spPr>
-          <a:xfrm>
-            <a:off x="1859012" y="1412383"/>
-            <a:ext cx="2560588" cy="1251843"/>
-          </a:xfrm>
-          <a:prstGeom prst="rect">
-            <a:avLst/>
-          </a:prstGeom>
-        </p:spPr>
-      </p:pic>
-      <p:pic>
-        <p:nvPicPr>
-          <p:cNvPr id="8" name="그림 7">
-            <a:extLst>
-              <a:ext uri="{FF2B5EF4-FFF2-40B4-BE49-F238E27FC236}">
-                <a16:creationId xmlns:a16="http://schemas.microsoft.com/office/drawing/2014/main" id="{0266F53F-B27A-C7F4-3268-7D907BEC871D}"/>
-              </a:ext>
-            </a:extLst>
-          </p:cNvPr>
-          <p:cNvPicPr>
-            <a:picLocks noChangeAspect="1"/>
-          </p:cNvPicPr>
-          <p:nvPr/>
-        </p:nvPicPr>
-        <p:blipFill>
-          <a:blip r:embed="rId5"/>
-          <a:stretch>
-            <a:fillRect/>
-          </a:stretch>
-        </p:blipFill>
-        <p:spPr>
-          <a:xfrm>
-            <a:off x="1447203" y="2879010"/>
-            <a:ext cx="7543827" cy="1566380"/>
-          </a:xfrm>
-          <a:prstGeom prst="rect">
-            <a:avLst/>
-          </a:prstGeom>
-        </p:spPr>
-      </p:pic>
-    </p:spTree>
-    <p:extLst>
-      <p:ext uri="{BB962C8B-B14F-4D97-AF65-F5344CB8AC3E}">
-        <p14:creationId xmlns:p14="http://schemas.microsoft.com/office/powerpoint/2010/main" val="3675206103"/>
-      </p:ext>
-    </p:extLst>
-  </p:cSld>
-  <p:clrMapOvr>
-    <a:masterClrMapping/>
-  </p:clrMapOvr>
-</p:sld>
-</file>
-
-<file path=ppt/slides/slide21.xml><?xml version="1.0" encoding="utf-8"?>
-<p:sld xmlns:a="http://schemas.openxmlformats.org/drawingml/2006/main" xmlns:r="http://schemas.openxmlformats.org/officeDocument/2006/relationships" xmlns:p="http://schemas.openxmlformats.org/presentationml/2006/main">
-  <p:cSld>
-    <p:spTree>
-      <p:nvGrpSpPr>
-        <p:cNvPr id="1" name="Shape 71"/>
-        <p:cNvGrpSpPr/>
-        <p:nvPr/>
-      </p:nvGrpSpPr>
-      <p:grpSpPr>
-        <a:xfrm>
-          <a:off x="0" y="0"/>
-          <a:ext cx="0" cy="0"/>
-          <a:chOff x="0" y="0"/>
-          <a:chExt cx="0" cy="0"/>
-        </a:xfrm>
-      </p:grpSpPr>
-      <p:sp>
-        <p:nvSpPr>
-          <p:cNvPr id="72" name="Google Shape;72;p15"/>
-          <p:cNvSpPr/>
-          <p:nvPr/>
-        </p:nvSpPr>
-        <p:spPr>
-          <a:xfrm>
-            <a:off x="0" y="-37950"/>
-            <a:ext cx="1181100" cy="5219400"/>
-          </a:xfrm>
-          <a:prstGeom prst="rect">
-            <a:avLst/>
-          </a:prstGeom>
-          <a:solidFill>
-            <a:srgbClr val="19264B"/>
-          </a:solidFill>
-          <a:ln>
-            <a:noFill/>
-          </a:ln>
-        </p:spPr>
-        <p:txBody>
-          <a:bodyPr spcFirstLastPara="1" wrap="square" lIns="91425" tIns="91425" rIns="91425" bIns="91425" anchor="ctr" anchorCtr="0">
-            <a:noAutofit/>
-          </a:bodyPr>
-          <a:lstStyle/>
-          <a:p>
-            <a:pPr marL="0" lvl="0" indent="0" algn="l" rtl="0">
-              <a:spcBef>
-                <a:spcPts val="0"/>
-              </a:spcBef>
-              <a:spcAft>
-                <a:spcPts val="0"/>
-              </a:spcAft>
-              <a:buNone/>
-            </a:pPr>
-            <a:endParaRPr/>
-          </a:p>
-        </p:txBody>
-      </p:sp>
-      <p:cxnSp>
-        <p:nvCxnSpPr>
-          <p:cNvPr id="73" name="Google Shape;73;p15"/>
-          <p:cNvCxnSpPr/>
-          <p:nvPr/>
-        </p:nvCxnSpPr>
-        <p:spPr>
-          <a:xfrm>
-            <a:off x="172875" y="-37950"/>
-            <a:ext cx="0" cy="2187000"/>
-          </a:xfrm>
-          <a:prstGeom prst="straightConnector1">
-            <a:avLst/>
-          </a:prstGeom>
-          <a:noFill/>
-          <a:ln w="38100" cap="flat" cmpd="sng">
-            <a:solidFill>
-              <a:schemeClr val="lt1"/>
-            </a:solidFill>
-            <a:prstDash val="solid"/>
-            <a:round/>
-            <a:headEnd type="none" w="med" len="med"/>
-            <a:tailEnd type="none" w="med" len="med"/>
-          </a:ln>
-        </p:spPr>
-      </p:cxnSp>
-      <p:pic>
-        <p:nvPicPr>
-          <p:cNvPr id="74" name="Google Shape;74;p15"/>
-          <p:cNvPicPr preferRelativeResize="0"/>
-          <p:nvPr/>
-        </p:nvPicPr>
-        <p:blipFill>
-          <a:blip r:embed="rId3">
-            <a:alphaModFix/>
-          </a:blip>
-          <a:stretch>
-            <a:fillRect/>
-          </a:stretch>
-        </p:blipFill>
-        <p:spPr>
-          <a:xfrm rot="5400000">
-            <a:off x="-928700" y="3071650"/>
-            <a:ext cx="3038475" cy="1181100"/>
-          </a:xfrm>
-          <a:prstGeom prst="rect">
-            <a:avLst/>
-          </a:prstGeom>
-          <a:noFill/>
-          <a:ln>
-            <a:noFill/>
-          </a:ln>
-        </p:spPr>
-      </p:pic>
-      <p:sp>
-        <p:nvSpPr>
-          <p:cNvPr id="3" name="텍스트 개체 틀 1">
-            <a:extLst>
-              <a:ext uri="{FF2B5EF4-FFF2-40B4-BE49-F238E27FC236}">
-                <a16:creationId xmlns:a16="http://schemas.microsoft.com/office/drawing/2014/main" id="{AFD635E0-167B-19DD-969A-2B42D207922A}"/>
-              </a:ext>
-            </a:extLst>
-          </p:cNvPr>
-          <p:cNvSpPr txBox="1">
-            <a:spLocks/>
-          </p:cNvSpPr>
-          <p:nvPr/>
-        </p:nvSpPr>
-        <p:spPr>
-          <a:xfrm>
-            <a:off x="1152699" y="336834"/>
-            <a:ext cx="7818426" cy="3402943"/>
-          </a:xfrm>
-          <a:prstGeom prst="rect">
-            <a:avLst/>
-          </a:prstGeom>
-          <a:noFill/>
-          <a:ln>
-            <a:noFill/>
-          </a:ln>
-        </p:spPr>
-        <p:txBody>
-          <a:bodyPr spcFirstLastPara="1" wrap="square" lIns="91425" tIns="91425" rIns="91425" bIns="91425" anchor="t" anchorCtr="0">
-            <a:normAutofit/>
-          </a:bodyPr>
-          <a:lstStyle>
-            <a:defPPr marR="0" lvl="0" algn="l" rtl="0">
-              <a:lnSpc>
-                <a:spcPct val="100000"/>
-              </a:lnSpc>
-              <a:spcBef>
-                <a:spcPts val="0"/>
-              </a:spcBef>
-              <a:spcAft>
-                <a:spcPts val="0"/>
-              </a:spcAft>
-            </a:defPPr>
-            <a:lvl1pPr marL="457200" marR="0" lvl="0" indent="-342900" algn="ctr" rtl="0">
-              <a:lnSpc>
-                <a:spcPct val="100000"/>
-              </a:lnSpc>
-              <a:spcBef>
-                <a:spcPts val="0"/>
-              </a:spcBef>
-              <a:spcAft>
-                <a:spcPts val="0"/>
-              </a:spcAft>
-              <a:buClr>
-                <a:schemeClr val="dk2"/>
-              </a:buClr>
-              <a:buSzPts val="2800"/>
-              <a:buFont typeface="Arial"/>
-              <a:buNone/>
-              <a:defRPr sz="2800" b="0" i="0" u="none" strike="noStrike" cap="none">
-                <a:solidFill>
-                  <a:schemeClr val="dk2"/>
-                </a:solidFill>
-                <a:latin typeface="Arial"/>
-                <a:ea typeface="Arial"/>
-                <a:cs typeface="Arial"/>
-                <a:sym typeface="Arial"/>
-              </a:defRPr>
-            </a:lvl1pPr>
-            <a:lvl2pPr marL="914400" marR="0" lvl="1" indent="-317500" algn="ctr" rtl="0">
-              <a:lnSpc>
-                <a:spcPct val="100000"/>
-              </a:lnSpc>
-              <a:spcBef>
-                <a:spcPts val="0"/>
-              </a:spcBef>
-              <a:spcAft>
-                <a:spcPts val="0"/>
-              </a:spcAft>
-              <a:buClr>
-                <a:schemeClr val="dk2"/>
-              </a:buClr>
-              <a:buSzPts val="2800"/>
-              <a:buFont typeface="Arial"/>
-              <a:buNone/>
-              <a:defRPr sz="2800" b="0" i="0" u="none" strike="noStrike" cap="none">
-                <a:solidFill>
-                  <a:schemeClr val="dk2"/>
-                </a:solidFill>
-                <a:latin typeface="Arial"/>
-                <a:ea typeface="Arial"/>
-                <a:cs typeface="Arial"/>
-                <a:sym typeface="Arial"/>
-              </a:defRPr>
-            </a:lvl2pPr>
-            <a:lvl3pPr marL="1371600" marR="0" lvl="2" indent="-317500" algn="ctr" rtl="0">
-              <a:lnSpc>
-                <a:spcPct val="100000"/>
-              </a:lnSpc>
-              <a:spcBef>
-                <a:spcPts val="0"/>
-              </a:spcBef>
-              <a:spcAft>
-                <a:spcPts val="0"/>
-              </a:spcAft>
-              <a:buClr>
-                <a:schemeClr val="dk2"/>
-              </a:buClr>
-              <a:buSzPts val="2800"/>
-              <a:buFont typeface="Arial"/>
-              <a:buNone/>
-              <a:defRPr sz="2800" b="0" i="0" u="none" strike="noStrike" cap="none">
-                <a:solidFill>
-                  <a:schemeClr val="dk2"/>
-                </a:solidFill>
-                <a:latin typeface="Arial"/>
-                <a:ea typeface="Arial"/>
-                <a:cs typeface="Arial"/>
-                <a:sym typeface="Arial"/>
-              </a:defRPr>
-            </a:lvl3pPr>
-            <a:lvl4pPr marL="1828800" marR="0" lvl="3" indent="-317500" algn="ctr" rtl="0">
-              <a:lnSpc>
-                <a:spcPct val="100000"/>
-              </a:lnSpc>
-              <a:spcBef>
-                <a:spcPts val="0"/>
-              </a:spcBef>
-              <a:spcAft>
-                <a:spcPts val="0"/>
-              </a:spcAft>
-              <a:buClr>
-                <a:schemeClr val="dk2"/>
-              </a:buClr>
-              <a:buSzPts val="2800"/>
-              <a:buFont typeface="Arial"/>
-              <a:buNone/>
-              <a:defRPr sz="2800" b="0" i="0" u="none" strike="noStrike" cap="none">
-                <a:solidFill>
-                  <a:schemeClr val="dk2"/>
-                </a:solidFill>
-                <a:latin typeface="Arial"/>
-                <a:ea typeface="Arial"/>
-                <a:cs typeface="Arial"/>
-                <a:sym typeface="Arial"/>
-              </a:defRPr>
-            </a:lvl4pPr>
-            <a:lvl5pPr marL="2286000" marR="0" lvl="4" indent="-317500" algn="ctr" rtl="0">
-              <a:lnSpc>
-                <a:spcPct val="100000"/>
-              </a:lnSpc>
-              <a:spcBef>
-                <a:spcPts val="0"/>
-              </a:spcBef>
-              <a:spcAft>
-                <a:spcPts val="0"/>
-              </a:spcAft>
-              <a:buClr>
-                <a:schemeClr val="dk2"/>
-              </a:buClr>
-              <a:buSzPts val="2800"/>
-              <a:buFont typeface="Arial"/>
-              <a:buNone/>
-              <a:defRPr sz="2800" b="0" i="0" u="none" strike="noStrike" cap="none">
-                <a:solidFill>
-                  <a:schemeClr val="dk2"/>
-                </a:solidFill>
-                <a:latin typeface="Arial"/>
-                <a:ea typeface="Arial"/>
-                <a:cs typeface="Arial"/>
-                <a:sym typeface="Arial"/>
-              </a:defRPr>
-            </a:lvl5pPr>
-            <a:lvl6pPr marL="2743200" marR="0" lvl="5" indent="-317500" algn="ctr" rtl="0">
-              <a:lnSpc>
-                <a:spcPct val="100000"/>
-              </a:lnSpc>
-              <a:spcBef>
-                <a:spcPts val="0"/>
-              </a:spcBef>
-              <a:spcAft>
-                <a:spcPts val="0"/>
-              </a:spcAft>
-              <a:buClr>
-                <a:schemeClr val="dk2"/>
-              </a:buClr>
-              <a:buSzPts val="2800"/>
-              <a:buFont typeface="Arial"/>
-              <a:buNone/>
-              <a:defRPr sz="2800" b="0" i="0" u="none" strike="noStrike" cap="none">
-                <a:solidFill>
-                  <a:schemeClr val="dk2"/>
-                </a:solidFill>
-                <a:latin typeface="Arial"/>
-                <a:ea typeface="Arial"/>
-                <a:cs typeface="Arial"/>
-                <a:sym typeface="Arial"/>
-              </a:defRPr>
-            </a:lvl6pPr>
-            <a:lvl7pPr marL="3200400" marR="0" lvl="6" indent="-317500" algn="ctr" rtl="0">
-              <a:lnSpc>
-                <a:spcPct val="100000"/>
-              </a:lnSpc>
-              <a:spcBef>
-                <a:spcPts val="0"/>
-              </a:spcBef>
-              <a:spcAft>
-                <a:spcPts val="0"/>
-              </a:spcAft>
-              <a:buClr>
-                <a:schemeClr val="dk2"/>
-              </a:buClr>
-              <a:buSzPts val="2800"/>
-              <a:buFont typeface="Arial"/>
-              <a:buNone/>
-              <a:defRPr sz="2800" b="0" i="0" u="none" strike="noStrike" cap="none">
-                <a:solidFill>
-                  <a:schemeClr val="dk2"/>
-                </a:solidFill>
-                <a:latin typeface="Arial"/>
-                <a:ea typeface="Arial"/>
-                <a:cs typeface="Arial"/>
-                <a:sym typeface="Arial"/>
-              </a:defRPr>
-            </a:lvl7pPr>
-            <a:lvl8pPr marL="3657600" marR="0" lvl="7" indent="-317500" algn="ctr" rtl="0">
-              <a:lnSpc>
-                <a:spcPct val="100000"/>
-              </a:lnSpc>
-              <a:spcBef>
-                <a:spcPts val="0"/>
-              </a:spcBef>
-              <a:spcAft>
-                <a:spcPts val="0"/>
-              </a:spcAft>
-              <a:buClr>
-                <a:schemeClr val="dk2"/>
-              </a:buClr>
-              <a:buSzPts val="2800"/>
-              <a:buFont typeface="Arial"/>
-              <a:buNone/>
-              <a:defRPr sz="2800" b="0" i="0" u="none" strike="noStrike" cap="none">
-                <a:solidFill>
-                  <a:schemeClr val="dk2"/>
-                </a:solidFill>
-                <a:latin typeface="Arial"/>
-                <a:ea typeface="Arial"/>
-                <a:cs typeface="Arial"/>
-                <a:sym typeface="Arial"/>
-              </a:defRPr>
-            </a:lvl8pPr>
-            <a:lvl9pPr marL="4114800" marR="0" lvl="8" indent="-317500" algn="ctr" rtl="0">
-              <a:lnSpc>
-                <a:spcPct val="100000"/>
-              </a:lnSpc>
-              <a:spcBef>
-                <a:spcPts val="0"/>
-              </a:spcBef>
-              <a:spcAft>
-                <a:spcPts val="0"/>
-              </a:spcAft>
-              <a:buClr>
-                <a:schemeClr val="dk2"/>
-              </a:buClr>
-              <a:buSzPts val="2800"/>
-              <a:buFont typeface="Arial"/>
-              <a:buNone/>
-              <a:defRPr sz="2800" b="0" i="0" u="none" strike="noStrike" cap="none">
-                <a:solidFill>
-                  <a:schemeClr val="dk2"/>
-                </a:solidFill>
-                <a:latin typeface="Arial"/>
-                <a:ea typeface="Arial"/>
-                <a:cs typeface="Arial"/>
-                <a:sym typeface="Arial"/>
-              </a:defRPr>
-            </a:lvl9pPr>
-          </a:lstStyle>
-          <a:p>
-            <a:pPr marL="114300" indent="0"/>
-            <a:r>
-              <a:rPr lang="en-US" altLang="ko-KR" sz="3000" b="1" dirty="0">
-                <a:solidFill>
-                  <a:schemeClr val="tx1"/>
-                </a:solidFill>
-                <a:latin typeface="+mj-ea"/>
-                <a:ea typeface="+mj-ea"/>
-              </a:rPr>
-              <a:t>Sigmoid </a:t>
-            </a:r>
-            <a:r>
-              <a:rPr lang="ko-KR" altLang="en-US" sz="3000" b="1" dirty="0">
-                <a:solidFill>
-                  <a:schemeClr val="tx1"/>
-                </a:solidFill>
-                <a:latin typeface="+mj-ea"/>
-                <a:ea typeface="+mj-ea"/>
-              </a:rPr>
-              <a:t>계층</a:t>
-            </a:r>
-            <a:endParaRPr lang="en-US" altLang="ko-KR" sz="3000" b="1" dirty="0">
-              <a:solidFill>
-                <a:schemeClr val="tx1"/>
-              </a:solidFill>
-              <a:latin typeface="+mj-ea"/>
-              <a:ea typeface="+mj-ea"/>
-            </a:endParaRPr>
-          </a:p>
-          <a:p>
-            <a:pPr marL="114300" indent="0"/>
-            <a:endParaRPr lang="en-US" altLang="ko-KR" sz="2000" b="1" dirty="0">
-              <a:solidFill>
-                <a:schemeClr val="tx1"/>
-              </a:solidFill>
-              <a:latin typeface="+mj-ea"/>
-              <a:ea typeface="+mj-ea"/>
-            </a:endParaRPr>
-          </a:p>
-          <a:p>
-            <a:pPr marL="114300" indent="0"/>
-            <a:endParaRPr lang="en-US" altLang="ko-KR" sz="2000" b="1" dirty="0">
-              <a:solidFill>
-                <a:schemeClr val="tx1"/>
-              </a:solidFill>
-              <a:latin typeface="+mj-ea"/>
-              <a:ea typeface="+mj-ea"/>
-            </a:endParaRPr>
-          </a:p>
-          <a:p>
-            <a:pPr algn="l"/>
-            <a:endParaRPr lang="en-US" altLang="ko-KR" sz="2000" b="1" dirty="0">
-              <a:solidFill>
-                <a:schemeClr val="tx1"/>
-              </a:solidFill>
-              <a:latin typeface="+mj-ea"/>
-              <a:ea typeface="+mj-ea"/>
-            </a:endParaRPr>
-          </a:p>
-        </p:txBody>
-      </p:sp>
-      <p:pic>
-        <p:nvPicPr>
-          <p:cNvPr id="4" name="그림 3">
-            <a:extLst>
-              <a:ext uri="{FF2B5EF4-FFF2-40B4-BE49-F238E27FC236}">
-                <a16:creationId xmlns:a16="http://schemas.microsoft.com/office/drawing/2014/main" id="{5901395B-A0BE-FCD6-38BE-D0BBE434E0D5}"/>
-              </a:ext>
-            </a:extLst>
-          </p:cNvPr>
-          <p:cNvPicPr>
-            <a:picLocks noChangeAspect="1"/>
-          </p:cNvPicPr>
-          <p:nvPr/>
-        </p:nvPicPr>
-        <p:blipFill>
-          <a:blip r:embed="rId4"/>
-          <a:stretch>
-            <a:fillRect/>
-          </a:stretch>
-        </p:blipFill>
-        <p:spPr>
-          <a:xfrm>
-            <a:off x="1325575" y="1635104"/>
-            <a:ext cx="7942437" cy="2269268"/>
-          </a:xfrm>
-          <a:prstGeom prst="rect">
-            <a:avLst/>
-          </a:prstGeom>
-        </p:spPr>
-      </p:pic>
-    </p:spTree>
-    <p:extLst>
-      <p:ext uri="{BB962C8B-B14F-4D97-AF65-F5344CB8AC3E}">
-        <p14:creationId xmlns:p14="http://schemas.microsoft.com/office/powerpoint/2010/main" val="414313160"/>
-      </p:ext>
-    </p:extLst>
-  </p:cSld>
-  <p:clrMapOvr>
-    <a:masterClrMapping/>
-  </p:clrMapOvr>
-</p:sld>
-</file>
-
-<file path=ppt/slides/slide22.xml><?xml version="1.0" encoding="utf-8"?>
-<p:sld xmlns:a="http://schemas.openxmlformats.org/drawingml/2006/main" xmlns:r="http://schemas.openxmlformats.org/officeDocument/2006/relationships" xmlns:p="http://schemas.openxmlformats.org/presentationml/2006/main">
-  <p:cSld>
-    <p:spTree>
-      <p:nvGrpSpPr>
-        <p:cNvPr id="1" name="Shape 71"/>
-        <p:cNvGrpSpPr/>
-        <p:nvPr/>
-      </p:nvGrpSpPr>
-      <p:grpSpPr>
-        <a:xfrm>
-          <a:off x="0" y="0"/>
-          <a:ext cx="0" cy="0"/>
-          <a:chOff x="0" y="0"/>
-          <a:chExt cx="0" cy="0"/>
-        </a:xfrm>
-      </p:grpSpPr>
-      <p:sp>
-        <p:nvSpPr>
-          <p:cNvPr id="72" name="Google Shape;72;p15"/>
-          <p:cNvSpPr/>
-          <p:nvPr/>
-        </p:nvSpPr>
-        <p:spPr>
-          <a:xfrm>
-            <a:off x="0" y="-37950"/>
-            <a:ext cx="1181100" cy="5219400"/>
-          </a:xfrm>
-          <a:prstGeom prst="rect">
-            <a:avLst/>
-          </a:prstGeom>
-          <a:solidFill>
-            <a:srgbClr val="19264B"/>
-          </a:solidFill>
-          <a:ln>
-            <a:noFill/>
-          </a:ln>
-        </p:spPr>
-        <p:txBody>
-          <a:bodyPr spcFirstLastPara="1" wrap="square" lIns="91425" tIns="91425" rIns="91425" bIns="91425" anchor="ctr" anchorCtr="0">
-            <a:noAutofit/>
-          </a:bodyPr>
-          <a:lstStyle/>
-          <a:p>
-            <a:pPr marL="0" lvl="0" indent="0" algn="l" rtl="0">
-              <a:spcBef>
-                <a:spcPts val="0"/>
-              </a:spcBef>
-              <a:spcAft>
-                <a:spcPts val="0"/>
-              </a:spcAft>
-              <a:buNone/>
-            </a:pPr>
-            <a:endParaRPr/>
-          </a:p>
-        </p:txBody>
-      </p:sp>
-      <p:cxnSp>
-        <p:nvCxnSpPr>
-          <p:cNvPr id="73" name="Google Shape;73;p15"/>
-          <p:cNvCxnSpPr/>
-          <p:nvPr/>
-        </p:nvCxnSpPr>
-        <p:spPr>
-          <a:xfrm>
-            <a:off x="172875" y="-37950"/>
-            <a:ext cx="0" cy="2187000"/>
-          </a:xfrm>
-          <a:prstGeom prst="straightConnector1">
-            <a:avLst/>
-          </a:prstGeom>
-          <a:noFill/>
-          <a:ln w="38100" cap="flat" cmpd="sng">
-            <a:solidFill>
-              <a:schemeClr val="lt1"/>
-            </a:solidFill>
-            <a:prstDash val="solid"/>
-            <a:round/>
-            <a:headEnd type="none" w="med" len="med"/>
-            <a:tailEnd type="none" w="med" len="med"/>
-          </a:ln>
-        </p:spPr>
-      </p:cxnSp>
-      <p:pic>
-        <p:nvPicPr>
-          <p:cNvPr id="74" name="Google Shape;74;p15"/>
-          <p:cNvPicPr preferRelativeResize="0"/>
-          <p:nvPr/>
-        </p:nvPicPr>
-        <p:blipFill>
-          <a:blip r:embed="rId3">
-            <a:alphaModFix/>
-          </a:blip>
-          <a:stretch>
-            <a:fillRect/>
-          </a:stretch>
-        </p:blipFill>
-        <p:spPr>
-          <a:xfrm rot="5400000">
-            <a:off x="-928700" y="3071650"/>
-            <a:ext cx="3038475" cy="1181100"/>
-          </a:xfrm>
-          <a:prstGeom prst="rect">
-            <a:avLst/>
-          </a:prstGeom>
-          <a:noFill/>
-          <a:ln>
-            <a:noFill/>
-          </a:ln>
-        </p:spPr>
-      </p:pic>
-      <p:sp>
-        <p:nvSpPr>
-          <p:cNvPr id="3" name="텍스트 개체 틀 1">
-            <a:extLst>
-              <a:ext uri="{FF2B5EF4-FFF2-40B4-BE49-F238E27FC236}">
-                <a16:creationId xmlns:a16="http://schemas.microsoft.com/office/drawing/2014/main" id="{AFD635E0-167B-19DD-969A-2B42D207922A}"/>
-              </a:ext>
-            </a:extLst>
-          </p:cNvPr>
-          <p:cNvSpPr txBox="1">
-            <a:spLocks/>
-          </p:cNvSpPr>
-          <p:nvPr/>
-        </p:nvSpPr>
-        <p:spPr>
-          <a:xfrm>
-            <a:off x="1152699" y="336834"/>
-            <a:ext cx="7818426" cy="3402943"/>
-          </a:xfrm>
-          <a:prstGeom prst="rect">
-            <a:avLst/>
-          </a:prstGeom>
-          <a:noFill/>
-          <a:ln>
-            <a:noFill/>
-          </a:ln>
-        </p:spPr>
-        <p:txBody>
-          <a:bodyPr spcFirstLastPara="1" wrap="square" lIns="91425" tIns="91425" rIns="91425" bIns="91425" anchor="t" anchorCtr="0">
-            <a:normAutofit/>
-          </a:bodyPr>
-          <a:lstStyle>
-            <a:defPPr marR="0" lvl="0" algn="l" rtl="0">
-              <a:lnSpc>
-                <a:spcPct val="100000"/>
-              </a:lnSpc>
-              <a:spcBef>
-                <a:spcPts val="0"/>
-              </a:spcBef>
-              <a:spcAft>
-                <a:spcPts val="0"/>
-              </a:spcAft>
-            </a:defPPr>
-            <a:lvl1pPr marL="457200" marR="0" lvl="0" indent="-342900" algn="ctr" rtl="0">
-              <a:lnSpc>
-                <a:spcPct val="100000"/>
-              </a:lnSpc>
-              <a:spcBef>
-                <a:spcPts val="0"/>
-              </a:spcBef>
-              <a:spcAft>
-                <a:spcPts val="0"/>
-              </a:spcAft>
-              <a:buClr>
-                <a:schemeClr val="dk2"/>
-              </a:buClr>
-              <a:buSzPts val="2800"/>
-              <a:buFont typeface="Arial"/>
-              <a:buNone/>
-              <a:defRPr sz="2800" b="0" i="0" u="none" strike="noStrike" cap="none">
-                <a:solidFill>
-                  <a:schemeClr val="dk2"/>
-                </a:solidFill>
-                <a:latin typeface="Arial"/>
-                <a:ea typeface="Arial"/>
-                <a:cs typeface="Arial"/>
-                <a:sym typeface="Arial"/>
-              </a:defRPr>
-            </a:lvl1pPr>
-            <a:lvl2pPr marL="914400" marR="0" lvl="1" indent="-317500" algn="ctr" rtl="0">
-              <a:lnSpc>
-                <a:spcPct val="100000"/>
-              </a:lnSpc>
-              <a:spcBef>
-                <a:spcPts val="0"/>
-              </a:spcBef>
-              <a:spcAft>
-                <a:spcPts val="0"/>
-              </a:spcAft>
-              <a:buClr>
-                <a:schemeClr val="dk2"/>
-              </a:buClr>
-              <a:buSzPts val="2800"/>
-              <a:buFont typeface="Arial"/>
-              <a:buNone/>
-              <a:defRPr sz="2800" b="0" i="0" u="none" strike="noStrike" cap="none">
-                <a:solidFill>
-                  <a:schemeClr val="dk2"/>
-                </a:solidFill>
-                <a:latin typeface="Arial"/>
-                <a:ea typeface="Arial"/>
-                <a:cs typeface="Arial"/>
-                <a:sym typeface="Arial"/>
-              </a:defRPr>
-            </a:lvl2pPr>
-            <a:lvl3pPr marL="1371600" marR="0" lvl="2" indent="-317500" algn="ctr" rtl="0">
-              <a:lnSpc>
-                <a:spcPct val="100000"/>
-              </a:lnSpc>
-              <a:spcBef>
-                <a:spcPts val="0"/>
-              </a:spcBef>
-              <a:spcAft>
-                <a:spcPts val="0"/>
-              </a:spcAft>
-              <a:buClr>
-                <a:schemeClr val="dk2"/>
-              </a:buClr>
-              <a:buSzPts val="2800"/>
-              <a:buFont typeface="Arial"/>
-              <a:buNone/>
-              <a:defRPr sz="2800" b="0" i="0" u="none" strike="noStrike" cap="none">
-                <a:solidFill>
-                  <a:schemeClr val="dk2"/>
-                </a:solidFill>
-                <a:latin typeface="Arial"/>
-                <a:ea typeface="Arial"/>
-                <a:cs typeface="Arial"/>
-                <a:sym typeface="Arial"/>
-              </a:defRPr>
-            </a:lvl3pPr>
-            <a:lvl4pPr marL="1828800" marR="0" lvl="3" indent="-317500" algn="ctr" rtl="0">
-              <a:lnSpc>
-                <a:spcPct val="100000"/>
-              </a:lnSpc>
-              <a:spcBef>
-                <a:spcPts val="0"/>
-              </a:spcBef>
-              <a:spcAft>
-                <a:spcPts val="0"/>
-              </a:spcAft>
-              <a:buClr>
-                <a:schemeClr val="dk2"/>
-              </a:buClr>
-              <a:buSzPts val="2800"/>
-              <a:buFont typeface="Arial"/>
-              <a:buNone/>
-              <a:defRPr sz="2800" b="0" i="0" u="none" strike="noStrike" cap="none">
-                <a:solidFill>
-                  <a:schemeClr val="dk2"/>
-                </a:solidFill>
-                <a:latin typeface="Arial"/>
-                <a:ea typeface="Arial"/>
-                <a:cs typeface="Arial"/>
-                <a:sym typeface="Arial"/>
-              </a:defRPr>
-            </a:lvl4pPr>
-            <a:lvl5pPr marL="2286000" marR="0" lvl="4" indent="-317500" algn="ctr" rtl="0">
-              <a:lnSpc>
-                <a:spcPct val="100000"/>
-              </a:lnSpc>
-              <a:spcBef>
-                <a:spcPts val="0"/>
-              </a:spcBef>
-              <a:spcAft>
-                <a:spcPts val="0"/>
-              </a:spcAft>
-              <a:buClr>
-                <a:schemeClr val="dk2"/>
-              </a:buClr>
-              <a:buSzPts val="2800"/>
-              <a:buFont typeface="Arial"/>
-              <a:buNone/>
-              <a:defRPr sz="2800" b="0" i="0" u="none" strike="noStrike" cap="none">
-                <a:solidFill>
-                  <a:schemeClr val="dk2"/>
-                </a:solidFill>
-                <a:latin typeface="Arial"/>
-                <a:ea typeface="Arial"/>
-                <a:cs typeface="Arial"/>
-                <a:sym typeface="Arial"/>
-              </a:defRPr>
-            </a:lvl5pPr>
-            <a:lvl6pPr marL="2743200" marR="0" lvl="5" indent="-317500" algn="ctr" rtl="0">
-              <a:lnSpc>
-                <a:spcPct val="100000"/>
-              </a:lnSpc>
-              <a:spcBef>
-                <a:spcPts val="0"/>
-              </a:spcBef>
-              <a:spcAft>
-                <a:spcPts val="0"/>
-              </a:spcAft>
-              <a:buClr>
-                <a:schemeClr val="dk2"/>
-              </a:buClr>
-              <a:buSzPts val="2800"/>
-              <a:buFont typeface="Arial"/>
-              <a:buNone/>
-              <a:defRPr sz="2800" b="0" i="0" u="none" strike="noStrike" cap="none">
-                <a:solidFill>
-                  <a:schemeClr val="dk2"/>
-                </a:solidFill>
-                <a:latin typeface="Arial"/>
-                <a:ea typeface="Arial"/>
-                <a:cs typeface="Arial"/>
-                <a:sym typeface="Arial"/>
-              </a:defRPr>
-            </a:lvl6pPr>
-            <a:lvl7pPr marL="3200400" marR="0" lvl="6" indent="-317500" algn="ctr" rtl="0">
-              <a:lnSpc>
-                <a:spcPct val="100000"/>
-              </a:lnSpc>
-              <a:spcBef>
-                <a:spcPts val="0"/>
-              </a:spcBef>
-              <a:spcAft>
-                <a:spcPts val="0"/>
-              </a:spcAft>
-              <a:buClr>
-                <a:schemeClr val="dk2"/>
-              </a:buClr>
-              <a:buSzPts val="2800"/>
-              <a:buFont typeface="Arial"/>
-              <a:buNone/>
-              <a:defRPr sz="2800" b="0" i="0" u="none" strike="noStrike" cap="none">
-                <a:solidFill>
-                  <a:schemeClr val="dk2"/>
-                </a:solidFill>
-                <a:latin typeface="Arial"/>
-                <a:ea typeface="Arial"/>
-                <a:cs typeface="Arial"/>
-                <a:sym typeface="Arial"/>
-              </a:defRPr>
-            </a:lvl7pPr>
-            <a:lvl8pPr marL="3657600" marR="0" lvl="7" indent="-317500" algn="ctr" rtl="0">
-              <a:lnSpc>
-                <a:spcPct val="100000"/>
-              </a:lnSpc>
-              <a:spcBef>
-                <a:spcPts val="0"/>
-              </a:spcBef>
-              <a:spcAft>
-                <a:spcPts val="0"/>
-              </a:spcAft>
-              <a:buClr>
-                <a:schemeClr val="dk2"/>
-              </a:buClr>
-              <a:buSzPts val="2800"/>
-              <a:buFont typeface="Arial"/>
-              <a:buNone/>
-              <a:defRPr sz="2800" b="0" i="0" u="none" strike="noStrike" cap="none">
-                <a:solidFill>
-                  <a:schemeClr val="dk2"/>
-                </a:solidFill>
-                <a:latin typeface="Arial"/>
-                <a:ea typeface="Arial"/>
-                <a:cs typeface="Arial"/>
-                <a:sym typeface="Arial"/>
-              </a:defRPr>
-            </a:lvl8pPr>
-            <a:lvl9pPr marL="4114800" marR="0" lvl="8" indent="-317500" algn="ctr" rtl="0">
-              <a:lnSpc>
-                <a:spcPct val="100000"/>
-              </a:lnSpc>
-              <a:spcBef>
-                <a:spcPts val="0"/>
-              </a:spcBef>
-              <a:spcAft>
-                <a:spcPts val="0"/>
-              </a:spcAft>
-              <a:buClr>
-                <a:schemeClr val="dk2"/>
-              </a:buClr>
-              <a:buSzPts val="2800"/>
-              <a:buFont typeface="Arial"/>
-              <a:buNone/>
-              <a:defRPr sz="2800" b="0" i="0" u="none" strike="noStrike" cap="none">
-                <a:solidFill>
-                  <a:schemeClr val="dk2"/>
-                </a:solidFill>
-                <a:latin typeface="Arial"/>
-                <a:ea typeface="Arial"/>
-                <a:cs typeface="Arial"/>
-                <a:sym typeface="Arial"/>
-              </a:defRPr>
-            </a:lvl9pPr>
-          </a:lstStyle>
-          <a:p>
-            <a:pPr marL="114300" indent="0"/>
-            <a:r>
-              <a:rPr lang="en-US" altLang="ko-KR" sz="3000" b="1" dirty="0">
-                <a:solidFill>
-                  <a:schemeClr val="tx1"/>
-                </a:solidFill>
-                <a:latin typeface="+mj-ea"/>
-                <a:ea typeface="+mj-ea"/>
-              </a:rPr>
-              <a:t>Sigmoid </a:t>
-            </a:r>
-            <a:r>
-              <a:rPr lang="ko-KR" altLang="en-US" sz="3000" b="1" dirty="0">
-                <a:solidFill>
-                  <a:schemeClr val="tx1"/>
-                </a:solidFill>
-                <a:latin typeface="+mj-ea"/>
-                <a:ea typeface="+mj-ea"/>
-              </a:rPr>
-              <a:t>계층</a:t>
-            </a:r>
-            <a:endParaRPr lang="en-US" altLang="ko-KR" sz="3000" b="1" dirty="0">
-              <a:solidFill>
-                <a:schemeClr val="tx1"/>
-              </a:solidFill>
-              <a:latin typeface="+mj-ea"/>
-              <a:ea typeface="+mj-ea"/>
-            </a:endParaRPr>
-          </a:p>
-          <a:p>
-            <a:pPr marL="114300" indent="0"/>
-            <a:endParaRPr lang="en-US" altLang="ko-KR" sz="2000" b="1" dirty="0">
-              <a:solidFill>
-                <a:schemeClr val="tx1"/>
-              </a:solidFill>
-              <a:latin typeface="+mj-ea"/>
-              <a:ea typeface="+mj-ea"/>
-            </a:endParaRPr>
-          </a:p>
-          <a:p>
-            <a:pPr marL="114300" indent="0"/>
-            <a:endParaRPr lang="en-US" altLang="ko-KR" sz="2000" b="1" dirty="0">
-              <a:solidFill>
-                <a:schemeClr val="tx1"/>
-              </a:solidFill>
-              <a:latin typeface="+mj-ea"/>
-              <a:ea typeface="+mj-ea"/>
-            </a:endParaRPr>
-          </a:p>
-          <a:p>
-            <a:pPr algn="l"/>
-            <a:endParaRPr lang="en-US" altLang="ko-KR" sz="2000" b="1" dirty="0">
-              <a:solidFill>
-                <a:schemeClr val="tx1"/>
-              </a:solidFill>
-              <a:latin typeface="+mj-ea"/>
-              <a:ea typeface="+mj-ea"/>
-            </a:endParaRPr>
-          </a:p>
-        </p:txBody>
-      </p:sp>
-      <p:pic>
-        <p:nvPicPr>
-          <p:cNvPr id="5" name="그림 4">
-            <a:extLst>
-              <a:ext uri="{FF2B5EF4-FFF2-40B4-BE49-F238E27FC236}">
-                <a16:creationId xmlns:a16="http://schemas.microsoft.com/office/drawing/2014/main" id="{A71FF333-69CA-3D80-4878-2F107B0DF113}"/>
-              </a:ext>
-            </a:extLst>
-          </p:cNvPr>
-          <p:cNvPicPr>
-            <a:picLocks noChangeAspect="1"/>
-          </p:cNvPicPr>
-          <p:nvPr/>
-        </p:nvPicPr>
-        <p:blipFill>
-          <a:blip r:embed="rId4"/>
-          <a:stretch>
-            <a:fillRect/>
-          </a:stretch>
-        </p:blipFill>
-        <p:spPr>
-          <a:xfrm>
-            <a:off x="1239350" y="1055550"/>
-            <a:ext cx="6018453" cy="2983240"/>
-          </a:xfrm>
-          <a:prstGeom prst="rect">
-            <a:avLst/>
-          </a:prstGeom>
-        </p:spPr>
-      </p:pic>
-      <p:pic>
-        <p:nvPicPr>
-          <p:cNvPr id="7" name="그림 6">
-            <a:extLst>
-              <a:ext uri="{FF2B5EF4-FFF2-40B4-BE49-F238E27FC236}">
-                <a16:creationId xmlns:a16="http://schemas.microsoft.com/office/drawing/2014/main" id="{206C831E-6B63-3091-1718-81F970B96B0B}"/>
-              </a:ext>
-            </a:extLst>
-          </p:cNvPr>
-          <p:cNvPicPr>
-            <a:picLocks noChangeAspect="1"/>
-          </p:cNvPicPr>
-          <p:nvPr/>
-        </p:nvPicPr>
-        <p:blipFill>
-          <a:blip r:embed="rId5"/>
-          <a:stretch>
-            <a:fillRect/>
-          </a:stretch>
-        </p:blipFill>
-        <p:spPr>
-          <a:xfrm>
-            <a:off x="5355139" y="3099965"/>
-            <a:ext cx="3313731" cy="1919793"/>
-          </a:xfrm>
-          <a:prstGeom prst="rect">
-            <a:avLst/>
-          </a:prstGeom>
-        </p:spPr>
-      </p:pic>
-      <p:sp>
-        <p:nvSpPr>
-          <p:cNvPr id="4" name="직사각형 3">
-            <a:extLst>
-              <a:ext uri="{FF2B5EF4-FFF2-40B4-BE49-F238E27FC236}">
-                <a16:creationId xmlns:a16="http://schemas.microsoft.com/office/drawing/2014/main" id="{058BAF42-4BF1-84B8-CC47-6CA93C5E9631}"/>
-              </a:ext>
-            </a:extLst>
-          </p:cNvPr>
-          <p:cNvSpPr/>
-          <p:nvPr/>
-        </p:nvSpPr>
-        <p:spPr>
-          <a:xfrm>
-            <a:off x="3110752" y="3146349"/>
-            <a:ext cx="1524001" cy="941601"/>
-          </a:xfrm>
-          <a:prstGeom prst="rect">
-            <a:avLst/>
-          </a:prstGeom>
-          <a:noFill/>
-          <a:ln w="85725">
-            <a:solidFill>
-              <a:srgbClr val="C00000"/>
-            </a:solidFill>
-          </a:ln>
-        </p:spPr>
-        <p:style>
-          <a:lnRef idx="2">
-            <a:schemeClr val="accent1">
-              <a:shade val="50000"/>
-            </a:schemeClr>
-          </a:lnRef>
-          <a:fillRef idx="1">
-            <a:schemeClr val="accent1"/>
-          </a:fillRef>
-          <a:effectRef idx="0">
-            <a:schemeClr val="accent1"/>
-          </a:effectRef>
-          <a:fontRef idx="minor">
-            <a:schemeClr val="lt1"/>
-          </a:fontRef>
-        </p:style>
-        <p:txBody>
-          <a:bodyPr rtlCol="0" anchor="ctr"/>
-          <a:lstStyle/>
-          <a:p>
-            <a:pPr algn="ctr"/>
-            <a:endParaRPr lang="ko-KR" altLang="en-US"/>
-          </a:p>
-        </p:txBody>
-      </p:sp>
-      <p:sp>
-        <p:nvSpPr>
-          <p:cNvPr id="6" name="TextBox 5">
-            <a:extLst>
-              <a:ext uri="{FF2B5EF4-FFF2-40B4-BE49-F238E27FC236}">
-                <a16:creationId xmlns:a16="http://schemas.microsoft.com/office/drawing/2014/main" id="{1A0F7F29-9E17-7E1E-0F22-9DD91882B9C0}"/>
-              </a:ext>
-            </a:extLst>
-          </p:cNvPr>
-          <p:cNvSpPr txBox="1"/>
-          <p:nvPr/>
-        </p:nvSpPr>
-        <p:spPr>
-          <a:xfrm>
-            <a:off x="1367587" y="4087950"/>
-            <a:ext cx="3114768" cy="877163"/>
-          </a:xfrm>
-          <a:prstGeom prst="rect">
-            <a:avLst/>
-          </a:prstGeom>
-          <a:noFill/>
-        </p:spPr>
-        <p:txBody>
-          <a:bodyPr wrap="square">
-            <a:spAutoFit/>
-          </a:bodyPr>
-          <a:lstStyle/>
-          <a:p>
-            <a:r>
-              <a:rPr lang="ko-KR" altLang="en-US" sz="1700" b="0" i="0" dirty="0">
-                <a:solidFill>
-                  <a:srgbClr val="EE2323"/>
-                </a:solidFill>
-                <a:effectLst/>
-                <a:latin typeface="+mn-ea"/>
-                <a:ea typeface="+mn-ea"/>
-              </a:rPr>
-              <a:t>역전파는</a:t>
-            </a:r>
-            <a:endParaRPr lang="en-US" altLang="ko-KR" sz="1700" b="0" i="0" dirty="0">
-              <a:solidFill>
-                <a:srgbClr val="EE2323"/>
-              </a:solidFill>
-              <a:effectLst/>
-              <a:latin typeface="+mn-ea"/>
-              <a:ea typeface="+mn-ea"/>
-            </a:endParaRPr>
-          </a:p>
-          <a:p>
-            <a:r>
-              <a:rPr lang="ko-KR" altLang="en-US" sz="1700" b="0" i="0" dirty="0">
-                <a:solidFill>
-                  <a:srgbClr val="EE2323"/>
-                </a:solidFill>
-                <a:effectLst/>
-                <a:latin typeface="+mn-ea"/>
-                <a:ea typeface="+mn-ea"/>
-              </a:rPr>
-              <a:t>순전파의 출력</a:t>
-            </a:r>
-            <a:r>
-              <a:rPr lang="en-US" altLang="ko-KR" sz="1700" b="0" i="0" dirty="0">
-                <a:solidFill>
-                  <a:srgbClr val="EE2323"/>
-                </a:solidFill>
-                <a:effectLst/>
-                <a:latin typeface="+mn-ea"/>
-                <a:ea typeface="+mn-ea"/>
-              </a:rPr>
-              <a:t>(y)</a:t>
-            </a:r>
-            <a:r>
-              <a:rPr lang="ko-KR" altLang="en-US" sz="1700" b="0" i="0" dirty="0">
-                <a:solidFill>
-                  <a:srgbClr val="EE2323"/>
-                </a:solidFill>
-                <a:effectLst/>
-                <a:latin typeface="+mn-ea"/>
-                <a:ea typeface="+mn-ea"/>
-              </a:rPr>
-              <a:t>만으로 계산할 수 있다</a:t>
-            </a:r>
-            <a:r>
-              <a:rPr lang="en-US" altLang="ko-KR" sz="1700" b="0" i="0" dirty="0">
-                <a:solidFill>
-                  <a:srgbClr val="EE2323"/>
-                </a:solidFill>
-                <a:effectLst/>
-                <a:latin typeface="+mn-ea"/>
-                <a:ea typeface="+mn-ea"/>
-              </a:rPr>
-              <a:t>.</a:t>
-            </a:r>
-            <a:endParaRPr lang="ko-KR" altLang="en-US" sz="1700" dirty="0">
-              <a:latin typeface="+mn-ea"/>
-              <a:ea typeface="+mn-ea"/>
-            </a:endParaRPr>
-          </a:p>
-        </p:txBody>
-      </p:sp>
-    </p:spTree>
-    <p:extLst>
-      <p:ext uri="{BB962C8B-B14F-4D97-AF65-F5344CB8AC3E}">
-        <p14:creationId xmlns:p14="http://schemas.microsoft.com/office/powerpoint/2010/main" val="491202731"/>
-      </p:ext>
-    </p:extLst>
-  </p:cSld>
-  <p:clrMapOvr>
-    <a:masterClrMapping/>
-  </p:clrMapOvr>
-</p:sld>
-</file>
-
-<file path=ppt/slides/slide23.xml><?xml version="1.0" encoding="utf-8"?>
-<p:sld xmlns:a="http://schemas.openxmlformats.org/drawingml/2006/main" xmlns:r="http://schemas.openxmlformats.org/officeDocument/2006/relationships" xmlns:p="http://schemas.openxmlformats.org/presentationml/2006/main">
-  <p:cSld>
-    <p:spTree>
-      <p:nvGrpSpPr>
-        <p:cNvPr id="1" name="Shape 71"/>
-        <p:cNvGrpSpPr/>
-        <p:nvPr/>
-      </p:nvGrpSpPr>
-      <p:grpSpPr>
-        <a:xfrm>
-          <a:off x="0" y="0"/>
-          <a:ext cx="0" cy="0"/>
-          <a:chOff x="0" y="0"/>
-          <a:chExt cx="0" cy="0"/>
-        </a:xfrm>
-      </p:grpSpPr>
-      <p:sp>
-        <p:nvSpPr>
-          <p:cNvPr id="72" name="Google Shape;72;p15"/>
-          <p:cNvSpPr/>
-          <p:nvPr/>
-        </p:nvSpPr>
-        <p:spPr>
-          <a:xfrm>
-            <a:off x="0" y="-37950"/>
-            <a:ext cx="1181100" cy="5219400"/>
-          </a:xfrm>
-          <a:prstGeom prst="rect">
-            <a:avLst/>
-          </a:prstGeom>
-          <a:solidFill>
-            <a:srgbClr val="19264B"/>
-          </a:solidFill>
-          <a:ln>
-            <a:noFill/>
-          </a:ln>
-        </p:spPr>
-        <p:txBody>
-          <a:bodyPr spcFirstLastPara="1" wrap="square" lIns="91425" tIns="91425" rIns="91425" bIns="91425" anchor="ctr" anchorCtr="0">
-            <a:noAutofit/>
-          </a:bodyPr>
-          <a:lstStyle/>
-          <a:p>
-            <a:pPr marL="0" lvl="0" indent="0" algn="l" rtl="0">
-              <a:spcBef>
-                <a:spcPts val="0"/>
-              </a:spcBef>
-              <a:spcAft>
-                <a:spcPts val="0"/>
-              </a:spcAft>
-              <a:buNone/>
-            </a:pPr>
-            <a:endParaRPr/>
-          </a:p>
-        </p:txBody>
-      </p:sp>
-      <p:cxnSp>
-        <p:nvCxnSpPr>
-          <p:cNvPr id="73" name="Google Shape;73;p15"/>
-          <p:cNvCxnSpPr/>
-          <p:nvPr/>
-        </p:nvCxnSpPr>
-        <p:spPr>
-          <a:xfrm>
-            <a:off x="172875" y="-37950"/>
-            <a:ext cx="0" cy="2187000"/>
-          </a:xfrm>
-          <a:prstGeom prst="straightConnector1">
-            <a:avLst/>
-          </a:prstGeom>
-          <a:noFill/>
-          <a:ln w="38100" cap="flat" cmpd="sng">
-            <a:solidFill>
-              <a:schemeClr val="lt1"/>
-            </a:solidFill>
-            <a:prstDash val="solid"/>
-            <a:round/>
-            <a:headEnd type="none" w="med" len="med"/>
-            <a:tailEnd type="none" w="med" len="med"/>
-          </a:ln>
-        </p:spPr>
-      </p:cxnSp>
-      <p:pic>
-        <p:nvPicPr>
-          <p:cNvPr id="74" name="Google Shape;74;p15"/>
-          <p:cNvPicPr preferRelativeResize="0"/>
-          <p:nvPr/>
-        </p:nvPicPr>
-        <p:blipFill>
-          <a:blip r:embed="rId3">
-            <a:alphaModFix/>
-          </a:blip>
-          <a:stretch>
-            <a:fillRect/>
-          </a:stretch>
-        </p:blipFill>
-        <p:spPr>
-          <a:xfrm rot="5400000">
-            <a:off x="-928700" y="3071650"/>
-            <a:ext cx="3038475" cy="1181100"/>
-          </a:xfrm>
-          <a:prstGeom prst="rect">
-            <a:avLst/>
-          </a:prstGeom>
-          <a:noFill/>
-          <a:ln>
-            <a:noFill/>
-          </a:ln>
-        </p:spPr>
-      </p:pic>
-      <p:sp>
-        <p:nvSpPr>
-          <p:cNvPr id="3" name="텍스트 개체 틀 1">
-            <a:extLst>
-              <a:ext uri="{FF2B5EF4-FFF2-40B4-BE49-F238E27FC236}">
-                <a16:creationId xmlns:a16="http://schemas.microsoft.com/office/drawing/2014/main" id="{AFD635E0-167B-19DD-969A-2B42D207922A}"/>
-              </a:ext>
-            </a:extLst>
-          </p:cNvPr>
-          <p:cNvSpPr txBox="1">
-            <a:spLocks/>
-          </p:cNvSpPr>
-          <p:nvPr/>
-        </p:nvSpPr>
-        <p:spPr>
-          <a:xfrm>
-            <a:off x="1152699" y="336834"/>
-            <a:ext cx="7818426" cy="3402943"/>
-          </a:xfrm>
-          <a:prstGeom prst="rect">
-            <a:avLst/>
-          </a:prstGeom>
-          <a:noFill/>
-          <a:ln>
-            <a:noFill/>
-          </a:ln>
-        </p:spPr>
-        <p:txBody>
-          <a:bodyPr spcFirstLastPara="1" wrap="square" lIns="91425" tIns="91425" rIns="91425" bIns="91425" anchor="t" anchorCtr="0">
-            <a:normAutofit/>
-          </a:bodyPr>
-          <a:lstStyle>
-            <a:defPPr marR="0" lvl="0" algn="l" rtl="0">
-              <a:lnSpc>
-                <a:spcPct val="100000"/>
-              </a:lnSpc>
-              <a:spcBef>
-                <a:spcPts val="0"/>
-              </a:spcBef>
-              <a:spcAft>
-                <a:spcPts val="0"/>
-              </a:spcAft>
-            </a:defPPr>
-            <a:lvl1pPr marL="457200" marR="0" lvl="0" indent="-342900" algn="ctr" rtl="0">
-              <a:lnSpc>
-                <a:spcPct val="100000"/>
-              </a:lnSpc>
-              <a:spcBef>
-                <a:spcPts val="0"/>
-              </a:spcBef>
-              <a:spcAft>
-                <a:spcPts val="0"/>
-              </a:spcAft>
-              <a:buClr>
-                <a:schemeClr val="dk2"/>
-              </a:buClr>
-              <a:buSzPts val="2800"/>
-              <a:buFont typeface="Arial"/>
-              <a:buNone/>
-              <a:defRPr sz="2800" b="0" i="0" u="none" strike="noStrike" cap="none">
-                <a:solidFill>
-                  <a:schemeClr val="dk2"/>
-                </a:solidFill>
-                <a:latin typeface="Arial"/>
-                <a:ea typeface="Arial"/>
-                <a:cs typeface="Arial"/>
-                <a:sym typeface="Arial"/>
-              </a:defRPr>
-            </a:lvl1pPr>
-            <a:lvl2pPr marL="914400" marR="0" lvl="1" indent="-317500" algn="ctr" rtl="0">
-              <a:lnSpc>
-                <a:spcPct val="100000"/>
-              </a:lnSpc>
-              <a:spcBef>
-                <a:spcPts val="0"/>
-              </a:spcBef>
-              <a:spcAft>
-                <a:spcPts val="0"/>
-              </a:spcAft>
-              <a:buClr>
-                <a:schemeClr val="dk2"/>
-              </a:buClr>
-              <a:buSzPts val="2800"/>
-              <a:buFont typeface="Arial"/>
-              <a:buNone/>
-              <a:defRPr sz="2800" b="0" i="0" u="none" strike="noStrike" cap="none">
-                <a:solidFill>
-                  <a:schemeClr val="dk2"/>
-                </a:solidFill>
-                <a:latin typeface="Arial"/>
-                <a:ea typeface="Arial"/>
-                <a:cs typeface="Arial"/>
-                <a:sym typeface="Arial"/>
-              </a:defRPr>
-            </a:lvl2pPr>
-            <a:lvl3pPr marL="1371600" marR="0" lvl="2" indent="-317500" algn="ctr" rtl="0">
-              <a:lnSpc>
-                <a:spcPct val="100000"/>
-              </a:lnSpc>
-              <a:spcBef>
-                <a:spcPts val="0"/>
-              </a:spcBef>
-              <a:spcAft>
-                <a:spcPts val="0"/>
-              </a:spcAft>
-              <a:buClr>
-                <a:schemeClr val="dk2"/>
-              </a:buClr>
-              <a:buSzPts val="2800"/>
-              <a:buFont typeface="Arial"/>
-              <a:buNone/>
-              <a:defRPr sz="2800" b="0" i="0" u="none" strike="noStrike" cap="none">
-                <a:solidFill>
-                  <a:schemeClr val="dk2"/>
-                </a:solidFill>
-                <a:latin typeface="Arial"/>
-                <a:ea typeface="Arial"/>
-                <a:cs typeface="Arial"/>
-                <a:sym typeface="Arial"/>
-              </a:defRPr>
-            </a:lvl3pPr>
-            <a:lvl4pPr marL="1828800" marR="0" lvl="3" indent="-317500" algn="ctr" rtl="0">
-              <a:lnSpc>
-                <a:spcPct val="100000"/>
-              </a:lnSpc>
-              <a:spcBef>
-                <a:spcPts val="0"/>
-              </a:spcBef>
-              <a:spcAft>
-                <a:spcPts val="0"/>
-              </a:spcAft>
-              <a:buClr>
-                <a:schemeClr val="dk2"/>
-              </a:buClr>
-              <a:buSzPts val="2800"/>
-              <a:buFont typeface="Arial"/>
-              <a:buNone/>
-              <a:defRPr sz="2800" b="0" i="0" u="none" strike="noStrike" cap="none">
-                <a:solidFill>
-                  <a:schemeClr val="dk2"/>
-                </a:solidFill>
-                <a:latin typeface="Arial"/>
-                <a:ea typeface="Arial"/>
-                <a:cs typeface="Arial"/>
-                <a:sym typeface="Arial"/>
-              </a:defRPr>
-            </a:lvl4pPr>
-            <a:lvl5pPr marL="2286000" marR="0" lvl="4" indent="-317500" algn="ctr" rtl="0">
-              <a:lnSpc>
-                <a:spcPct val="100000"/>
-              </a:lnSpc>
-              <a:spcBef>
-                <a:spcPts val="0"/>
-              </a:spcBef>
-              <a:spcAft>
-                <a:spcPts val="0"/>
-              </a:spcAft>
-              <a:buClr>
-                <a:schemeClr val="dk2"/>
-              </a:buClr>
-              <a:buSzPts val="2800"/>
-              <a:buFont typeface="Arial"/>
-              <a:buNone/>
-              <a:defRPr sz="2800" b="0" i="0" u="none" strike="noStrike" cap="none">
-                <a:solidFill>
-                  <a:schemeClr val="dk2"/>
-                </a:solidFill>
-                <a:latin typeface="Arial"/>
-                <a:ea typeface="Arial"/>
-                <a:cs typeface="Arial"/>
-                <a:sym typeface="Arial"/>
-              </a:defRPr>
-            </a:lvl5pPr>
-            <a:lvl6pPr marL="2743200" marR="0" lvl="5" indent="-317500" algn="ctr" rtl="0">
-              <a:lnSpc>
-                <a:spcPct val="100000"/>
-              </a:lnSpc>
-              <a:spcBef>
-                <a:spcPts val="0"/>
-              </a:spcBef>
-              <a:spcAft>
-                <a:spcPts val="0"/>
-              </a:spcAft>
-              <a:buClr>
-                <a:schemeClr val="dk2"/>
-              </a:buClr>
-              <a:buSzPts val="2800"/>
-              <a:buFont typeface="Arial"/>
-              <a:buNone/>
-              <a:defRPr sz="2800" b="0" i="0" u="none" strike="noStrike" cap="none">
-                <a:solidFill>
-                  <a:schemeClr val="dk2"/>
-                </a:solidFill>
-                <a:latin typeface="Arial"/>
-                <a:ea typeface="Arial"/>
-                <a:cs typeface="Arial"/>
-                <a:sym typeface="Arial"/>
-              </a:defRPr>
-            </a:lvl6pPr>
-            <a:lvl7pPr marL="3200400" marR="0" lvl="6" indent="-317500" algn="ctr" rtl="0">
-              <a:lnSpc>
-                <a:spcPct val="100000"/>
-              </a:lnSpc>
-              <a:spcBef>
-                <a:spcPts val="0"/>
-              </a:spcBef>
-              <a:spcAft>
-                <a:spcPts val="0"/>
-              </a:spcAft>
-              <a:buClr>
-                <a:schemeClr val="dk2"/>
-              </a:buClr>
-              <a:buSzPts val="2800"/>
-              <a:buFont typeface="Arial"/>
-              <a:buNone/>
-              <a:defRPr sz="2800" b="0" i="0" u="none" strike="noStrike" cap="none">
-                <a:solidFill>
-                  <a:schemeClr val="dk2"/>
-                </a:solidFill>
-                <a:latin typeface="Arial"/>
-                <a:ea typeface="Arial"/>
-                <a:cs typeface="Arial"/>
-                <a:sym typeface="Arial"/>
-              </a:defRPr>
-            </a:lvl7pPr>
-            <a:lvl8pPr marL="3657600" marR="0" lvl="7" indent="-317500" algn="ctr" rtl="0">
-              <a:lnSpc>
-                <a:spcPct val="100000"/>
-              </a:lnSpc>
-              <a:spcBef>
-                <a:spcPts val="0"/>
-              </a:spcBef>
-              <a:spcAft>
-                <a:spcPts val="0"/>
-              </a:spcAft>
-              <a:buClr>
-                <a:schemeClr val="dk2"/>
-              </a:buClr>
-              <a:buSzPts val="2800"/>
-              <a:buFont typeface="Arial"/>
-              <a:buNone/>
-              <a:defRPr sz="2800" b="0" i="0" u="none" strike="noStrike" cap="none">
-                <a:solidFill>
-                  <a:schemeClr val="dk2"/>
-                </a:solidFill>
-                <a:latin typeface="Arial"/>
-                <a:ea typeface="Arial"/>
-                <a:cs typeface="Arial"/>
-                <a:sym typeface="Arial"/>
-              </a:defRPr>
-            </a:lvl8pPr>
-            <a:lvl9pPr marL="4114800" marR="0" lvl="8" indent="-317500" algn="ctr" rtl="0">
-              <a:lnSpc>
-                <a:spcPct val="100000"/>
-              </a:lnSpc>
-              <a:spcBef>
-                <a:spcPts val="0"/>
-              </a:spcBef>
-              <a:spcAft>
-                <a:spcPts val="0"/>
-              </a:spcAft>
-              <a:buClr>
-                <a:schemeClr val="dk2"/>
-              </a:buClr>
-              <a:buSzPts val="2800"/>
-              <a:buFont typeface="Arial"/>
-              <a:buNone/>
-              <a:defRPr sz="2800" b="0" i="0" u="none" strike="noStrike" cap="none">
-                <a:solidFill>
-                  <a:schemeClr val="dk2"/>
-                </a:solidFill>
-                <a:latin typeface="Arial"/>
-                <a:ea typeface="Arial"/>
-                <a:cs typeface="Arial"/>
-                <a:sym typeface="Arial"/>
-              </a:defRPr>
-            </a:lvl9pPr>
-          </a:lstStyle>
-          <a:p>
-            <a:pPr marL="114300" indent="0"/>
-            <a:r>
-              <a:rPr lang="en-US" altLang="ko-KR" sz="3000" b="1" dirty="0">
-                <a:solidFill>
-                  <a:schemeClr val="tx1"/>
-                </a:solidFill>
-                <a:latin typeface="+mj-ea"/>
-                <a:ea typeface="+mj-ea"/>
-              </a:rPr>
-              <a:t>Sigmoid </a:t>
-            </a:r>
-            <a:r>
-              <a:rPr lang="ko-KR" altLang="en-US" sz="3000" b="1" dirty="0">
-                <a:solidFill>
-                  <a:schemeClr val="tx1"/>
-                </a:solidFill>
-                <a:latin typeface="+mj-ea"/>
-                <a:ea typeface="+mj-ea"/>
-              </a:rPr>
-              <a:t>계층 구현</a:t>
-            </a:r>
-            <a:endParaRPr lang="en-US" altLang="ko-KR" sz="3000" b="1" dirty="0">
-              <a:solidFill>
-                <a:schemeClr val="tx1"/>
-              </a:solidFill>
-              <a:latin typeface="+mj-ea"/>
-              <a:ea typeface="+mj-ea"/>
-            </a:endParaRPr>
-          </a:p>
-          <a:p>
-            <a:pPr marL="114300" indent="0"/>
-            <a:endParaRPr lang="en-US" altLang="ko-KR" sz="2000" b="1" dirty="0">
-              <a:solidFill>
-                <a:schemeClr val="tx1"/>
-              </a:solidFill>
-              <a:latin typeface="+mj-ea"/>
-              <a:ea typeface="+mj-ea"/>
-            </a:endParaRPr>
-          </a:p>
-          <a:p>
-            <a:pPr marL="114300" indent="0"/>
-            <a:endParaRPr lang="en-US" altLang="ko-KR" sz="2000" b="1" dirty="0">
-              <a:solidFill>
-                <a:schemeClr val="tx1"/>
-              </a:solidFill>
-              <a:latin typeface="+mj-ea"/>
-              <a:ea typeface="+mj-ea"/>
-            </a:endParaRPr>
-          </a:p>
-          <a:p>
-            <a:pPr algn="l"/>
-            <a:endParaRPr lang="en-US" altLang="ko-KR" sz="2000" b="1" dirty="0">
-              <a:solidFill>
-                <a:schemeClr val="tx1"/>
-              </a:solidFill>
-              <a:latin typeface="+mj-ea"/>
-              <a:ea typeface="+mj-ea"/>
-            </a:endParaRPr>
-          </a:p>
-        </p:txBody>
-      </p:sp>
-      <p:pic>
-        <p:nvPicPr>
-          <p:cNvPr id="4" name="그림 3">
-            <a:extLst>
-              <a:ext uri="{FF2B5EF4-FFF2-40B4-BE49-F238E27FC236}">
-                <a16:creationId xmlns:a16="http://schemas.microsoft.com/office/drawing/2014/main" id="{0D06119E-797B-E02B-7F46-55CBD6DAB414}"/>
-              </a:ext>
-            </a:extLst>
-          </p:cNvPr>
-          <p:cNvPicPr>
-            <a:picLocks noChangeAspect="1"/>
-          </p:cNvPicPr>
-          <p:nvPr/>
-        </p:nvPicPr>
-        <p:blipFill>
-          <a:blip r:embed="rId4"/>
-          <a:stretch>
-            <a:fillRect/>
-          </a:stretch>
-        </p:blipFill>
-        <p:spPr>
-          <a:xfrm>
-            <a:off x="1325575" y="1403724"/>
-            <a:ext cx="4707405" cy="3402942"/>
-          </a:xfrm>
-          <a:prstGeom prst="rect">
-            <a:avLst/>
-          </a:prstGeom>
-        </p:spPr>
-      </p:pic>
-      <p:sp>
-        <p:nvSpPr>
-          <p:cNvPr id="8" name="TextBox 7">
-            <a:extLst>
-              <a:ext uri="{FF2B5EF4-FFF2-40B4-BE49-F238E27FC236}">
-                <a16:creationId xmlns:a16="http://schemas.microsoft.com/office/drawing/2014/main" id="{1D9CB014-9095-DB73-BE4A-68054C05B31C}"/>
-              </a:ext>
-            </a:extLst>
-          </p:cNvPr>
-          <p:cNvSpPr txBox="1"/>
-          <p:nvPr/>
-        </p:nvSpPr>
-        <p:spPr>
-          <a:xfrm>
-            <a:off x="6109915" y="2325176"/>
-            <a:ext cx="3114768" cy="1015663"/>
-          </a:xfrm>
-          <a:prstGeom prst="rect">
-            <a:avLst/>
-          </a:prstGeom>
-          <a:noFill/>
-        </p:spPr>
-        <p:txBody>
-          <a:bodyPr wrap="square">
-            <a:spAutoFit/>
-          </a:bodyPr>
-          <a:lstStyle/>
-          <a:p>
-            <a:r>
-              <a:rPr lang="en-US" altLang="ko-KR" sz="2000" b="0" i="0" dirty="0">
-                <a:solidFill>
-                  <a:srgbClr val="EE2323"/>
-                </a:solidFill>
-                <a:effectLst/>
-                <a:latin typeface="+mn-ea"/>
-                <a:ea typeface="+mn-ea"/>
-              </a:rPr>
-              <a:t>* </a:t>
-            </a:r>
-            <a:r>
-              <a:rPr lang="ko-KR" altLang="en-US" sz="2000" b="0" i="0" dirty="0">
-                <a:solidFill>
-                  <a:srgbClr val="EE2323"/>
-                </a:solidFill>
-                <a:effectLst/>
-                <a:latin typeface="+mn-ea"/>
-                <a:ea typeface="+mn-ea"/>
-              </a:rPr>
-              <a:t>순전파의 </a:t>
-            </a:r>
-            <a:r>
-              <a:rPr lang="ko-KR" altLang="en-US" sz="2000" b="0" i="0" dirty="0" err="1">
-                <a:solidFill>
-                  <a:srgbClr val="EE2323"/>
-                </a:solidFill>
-                <a:effectLst/>
-                <a:latin typeface="+mn-ea"/>
-                <a:ea typeface="+mn-ea"/>
-              </a:rPr>
-              <a:t>출력값을</a:t>
-            </a:r>
-            <a:endParaRPr lang="en-US" altLang="ko-KR" sz="2000" dirty="0">
-              <a:solidFill>
-                <a:srgbClr val="EE2323"/>
-              </a:solidFill>
-              <a:latin typeface="+mn-ea"/>
-              <a:ea typeface="+mn-ea"/>
-            </a:endParaRPr>
-          </a:p>
-          <a:p>
-            <a:r>
-              <a:rPr lang="en-US" altLang="ko-KR" sz="2000" b="0" i="0" dirty="0">
-                <a:solidFill>
-                  <a:srgbClr val="EE2323"/>
-                </a:solidFill>
-                <a:effectLst/>
-                <a:latin typeface="+mn-ea"/>
-                <a:ea typeface="+mn-ea"/>
-              </a:rPr>
-              <a:t>out</a:t>
-            </a:r>
-            <a:r>
-              <a:rPr lang="ko-KR" altLang="en-US" sz="2000" b="0" i="0" dirty="0">
-                <a:solidFill>
-                  <a:srgbClr val="EE2323"/>
-                </a:solidFill>
-                <a:effectLst/>
-                <a:latin typeface="+mn-ea"/>
-                <a:ea typeface="+mn-ea"/>
-              </a:rPr>
-              <a:t>에 담아서 역전파에서 활용한다</a:t>
-            </a:r>
-            <a:r>
-              <a:rPr lang="en-US" altLang="ko-KR" sz="2000" b="0" i="0" dirty="0">
-                <a:solidFill>
-                  <a:srgbClr val="EE2323"/>
-                </a:solidFill>
-                <a:effectLst/>
-                <a:latin typeface="+mn-ea"/>
-                <a:ea typeface="+mn-ea"/>
-              </a:rPr>
-              <a:t>.</a:t>
-            </a:r>
-            <a:endParaRPr lang="ko-KR" altLang="en-US" sz="2000" dirty="0">
-              <a:latin typeface="+mn-ea"/>
-              <a:ea typeface="+mn-ea"/>
-            </a:endParaRPr>
-          </a:p>
-        </p:txBody>
-      </p:sp>
-    </p:spTree>
-    <p:extLst>
-      <p:ext uri="{BB962C8B-B14F-4D97-AF65-F5344CB8AC3E}">
-        <p14:creationId xmlns:p14="http://schemas.microsoft.com/office/powerpoint/2010/main" val="4195912018"/>
-      </p:ext>
-    </p:extLst>
-  </p:cSld>
-  <p:clrMapOvr>
-    <a:masterClrMapping/>
-  </p:clrMapOvr>
-</p:sld>
-</file>
-
-<file path=ppt/slides/slide24.xml><?xml version="1.0" encoding="utf-8"?>
-<p:sld xmlns:a="http://schemas.openxmlformats.org/drawingml/2006/main" xmlns:r="http://schemas.openxmlformats.org/officeDocument/2006/relationships" xmlns:p="http://schemas.openxmlformats.org/presentationml/2006/main">
-  <p:cSld>
-    <p:spTree>
-      <p:nvGrpSpPr>
-        <p:cNvPr id="1" name="Shape 79"/>
-        <p:cNvGrpSpPr/>
-        <p:nvPr/>
-      </p:nvGrpSpPr>
-      <p:grpSpPr>
-        <a:xfrm>
-          <a:off x="0" y="0"/>
-          <a:ext cx="0" cy="0"/>
-          <a:chOff x="0" y="0"/>
-          <a:chExt cx="0" cy="0"/>
-        </a:xfrm>
-      </p:grpSpPr>
-      <p:sp>
-        <p:nvSpPr>
-          <p:cNvPr id="6" name="Google Shape;80;p16">
-            <a:extLst>
-              <a:ext uri="{FF2B5EF4-FFF2-40B4-BE49-F238E27FC236}">
-                <a16:creationId xmlns:a16="http://schemas.microsoft.com/office/drawing/2014/main" id="{DA140FF7-92FA-48E5-808C-28613864207C}"/>
-              </a:ext>
-            </a:extLst>
-          </p:cNvPr>
-          <p:cNvSpPr/>
-          <p:nvPr/>
-        </p:nvSpPr>
-        <p:spPr>
-          <a:xfrm>
-            <a:off x="1181088" y="-37950"/>
-            <a:ext cx="7962912" cy="5219400"/>
-          </a:xfrm>
-          <a:prstGeom prst="rect">
-            <a:avLst/>
-          </a:prstGeom>
-          <a:solidFill>
-            <a:srgbClr val="19264B"/>
-          </a:solidFill>
-          <a:ln>
-            <a:noFill/>
-          </a:ln>
-        </p:spPr>
-        <p:txBody>
-          <a:bodyPr spcFirstLastPara="1" wrap="square" lIns="91425" tIns="91425" rIns="91425" bIns="91425" anchor="ctr" anchorCtr="0">
-            <a:noAutofit/>
-          </a:bodyPr>
-          <a:lstStyle/>
-          <a:p>
-            <a:pPr marL="0" lvl="0" indent="0" algn="l" rtl="0">
-              <a:spcBef>
-                <a:spcPts val="0"/>
-              </a:spcBef>
-              <a:spcAft>
-                <a:spcPts val="0"/>
-              </a:spcAft>
-              <a:buNone/>
-            </a:pPr>
-            <a:endParaRPr/>
-          </a:p>
-        </p:txBody>
-      </p:sp>
-      <p:sp>
-        <p:nvSpPr>
-          <p:cNvPr id="80" name="Google Shape;80;p16"/>
-          <p:cNvSpPr/>
-          <p:nvPr/>
-        </p:nvSpPr>
-        <p:spPr>
-          <a:xfrm>
-            <a:off x="0" y="-37950"/>
-            <a:ext cx="1181100" cy="5219400"/>
-          </a:xfrm>
-          <a:prstGeom prst="rect">
-            <a:avLst/>
-          </a:prstGeom>
-          <a:solidFill>
-            <a:srgbClr val="19264B"/>
-          </a:solidFill>
-          <a:ln>
-            <a:noFill/>
-          </a:ln>
-        </p:spPr>
-        <p:txBody>
-          <a:bodyPr spcFirstLastPara="1" wrap="square" lIns="91425" tIns="91425" rIns="91425" bIns="91425" anchor="ctr" anchorCtr="0">
-            <a:noAutofit/>
-          </a:bodyPr>
-          <a:lstStyle/>
-          <a:p>
-            <a:pPr marL="0" lvl="0" indent="0" algn="l" rtl="0">
-              <a:spcBef>
-                <a:spcPts val="0"/>
-              </a:spcBef>
-              <a:spcAft>
-                <a:spcPts val="0"/>
-              </a:spcAft>
-              <a:buNone/>
-            </a:pPr>
-            <a:endParaRPr/>
-          </a:p>
-        </p:txBody>
-      </p:sp>
-      <p:cxnSp>
-        <p:nvCxnSpPr>
-          <p:cNvPr id="81" name="Google Shape;81;p16"/>
-          <p:cNvCxnSpPr/>
-          <p:nvPr/>
-        </p:nvCxnSpPr>
-        <p:spPr>
-          <a:xfrm>
-            <a:off x="172875" y="-37950"/>
-            <a:ext cx="0" cy="2187000"/>
-          </a:xfrm>
-          <a:prstGeom prst="straightConnector1">
-            <a:avLst/>
-          </a:prstGeom>
-          <a:noFill/>
-          <a:ln w="38100" cap="flat" cmpd="sng">
-            <a:solidFill>
-              <a:schemeClr val="lt1"/>
-            </a:solidFill>
-            <a:prstDash val="solid"/>
-            <a:round/>
-            <a:headEnd type="none" w="med" len="med"/>
-            <a:tailEnd type="none" w="med" len="med"/>
-          </a:ln>
-        </p:spPr>
-      </p:cxnSp>
-      <p:pic>
-        <p:nvPicPr>
-          <p:cNvPr id="82" name="Google Shape;82;p16"/>
-          <p:cNvPicPr preferRelativeResize="0"/>
-          <p:nvPr/>
-        </p:nvPicPr>
-        <p:blipFill>
-          <a:blip r:embed="rId3">
-            <a:alphaModFix/>
-          </a:blip>
-          <a:stretch>
-            <a:fillRect/>
-          </a:stretch>
-        </p:blipFill>
-        <p:spPr>
-          <a:xfrm rot="5400000">
-            <a:off x="-928700" y="3071650"/>
-            <a:ext cx="3038475" cy="1181100"/>
-          </a:xfrm>
-          <a:prstGeom prst="rect">
-            <a:avLst/>
-          </a:prstGeom>
-          <a:noFill/>
-          <a:ln>
-            <a:noFill/>
-          </a:ln>
-        </p:spPr>
-      </p:pic>
-      <p:sp>
-        <p:nvSpPr>
-          <p:cNvPr id="83" name="Google Shape;83;p16"/>
-          <p:cNvSpPr txBox="1"/>
-          <p:nvPr/>
-        </p:nvSpPr>
-        <p:spPr>
-          <a:xfrm>
-            <a:off x="3968657" y="2302460"/>
-            <a:ext cx="4979400" cy="538579"/>
-          </a:xfrm>
-          <a:prstGeom prst="rect">
-            <a:avLst/>
-          </a:prstGeom>
-          <a:noFill/>
-          <a:ln>
-            <a:noFill/>
-          </a:ln>
-        </p:spPr>
-        <p:txBody>
-          <a:bodyPr spcFirstLastPara="1" wrap="square" lIns="91425" tIns="91425" rIns="91425" bIns="91425" anchor="t" anchorCtr="0">
-            <a:spAutoFit/>
-          </a:bodyPr>
-          <a:lstStyle/>
-          <a:p>
-            <a:pPr marL="0" lvl="0" indent="0" algn="l" rtl="0">
-              <a:lnSpc>
-                <a:spcPct val="115000"/>
-              </a:lnSpc>
-              <a:spcBef>
-                <a:spcPts val="0"/>
-              </a:spcBef>
-              <a:spcAft>
-                <a:spcPts val="0"/>
-              </a:spcAft>
-              <a:buNone/>
-            </a:pPr>
-            <a:r>
-              <a:rPr lang="ko-KR" altLang="en-US" sz="2000" b="1" dirty="0">
-                <a:solidFill>
-                  <a:schemeClr val="bg1"/>
-                </a:solidFill>
-                <a:latin typeface="NanumGothic ExtraBold"/>
-                <a:ea typeface="NanumGothic ExtraBold"/>
-                <a:cs typeface="NanumGothic ExtraBold"/>
-                <a:sym typeface="NanumGothic ExtraBold"/>
-              </a:rPr>
-              <a:t>감사합니다</a:t>
-            </a:r>
-            <a:r>
-              <a:rPr lang="en-US" altLang="ko-KR" sz="2000" b="1" dirty="0">
-                <a:solidFill>
-                  <a:schemeClr val="bg1"/>
-                </a:solidFill>
-                <a:latin typeface="NanumGothic ExtraBold"/>
-                <a:ea typeface="NanumGothic ExtraBold"/>
-                <a:cs typeface="NanumGothic ExtraBold"/>
-                <a:sym typeface="NanumGothic ExtraBold"/>
-              </a:rPr>
-              <a:t>.</a:t>
-            </a:r>
-            <a:endParaRPr sz="2000" b="1" dirty="0">
-              <a:solidFill>
-                <a:schemeClr val="bg1"/>
-              </a:solidFill>
-              <a:latin typeface="NanumGothic ExtraBold"/>
-              <a:ea typeface="NanumGothic ExtraBold"/>
-              <a:cs typeface="NanumGothic ExtraBold"/>
-              <a:sym typeface="NanumGothic ExtraBold"/>
-            </a:endParaRPr>
-          </a:p>
-        </p:txBody>
-      </p:sp>
-    </p:spTree>
-    <p:extLst>
-      <p:ext uri="{BB962C8B-B14F-4D97-AF65-F5344CB8AC3E}">
-        <p14:creationId xmlns:p14="http://schemas.microsoft.com/office/powerpoint/2010/main" val="1140491837"/>
-      </p:ext>
-    </p:extLst>
-  </p:cSld>
-  <p:clrMapOvr>
-    <a:masterClrMapping/>
-  </p:clrMapOvr>
-</p:sld>
-</file>
-
 <file path=ppt/slides/slide3.xml><?xml version="1.0" encoding="utf-8"?>
 <p:sld xmlns:a="http://schemas.openxmlformats.org/drawingml/2006/main" xmlns:r="http://schemas.openxmlformats.org/officeDocument/2006/relationships" xmlns:p="http://schemas.openxmlformats.org/presentationml/2006/main">
   <p:cSld>
@@ -15278,8 +10150,8 @@
         </p:nvSpPr>
         <p:spPr>
           <a:xfrm>
-            <a:off x="1733115" y="1630905"/>
-            <a:ext cx="6440225" cy="2492960"/>
+            <a:off x="1988405" y="2142962"/>
+            <a:ext cx="6440225" cy="1569630"/>
           </a:xfrm>
           <a:prstGeom prst="rect">
             <a:avLst/>
@@ -15304,14 +10176,14 @@
               </a:spcAft>
             </a:pPr>
             <a:r>
-              <a:rPr lang="en-US" altLang="ko-KR" sz="3000" b="1" dirty="0">
+              <a:rPr lang="en-US" altLang="ko-KR" sz="3000" b="1">
                 <a:latin typeface="+mn-ea"/>
                 <a:ea typeface="+mn-ea"/>
               </a:rPr>
-              <a:t>1. </a:t>
-            </a:r>
-            <a:r>
-              <a:rPr lang="ko-KR" altLang="en-US" sz="3000" b="1" dirty="0">
+              <a:t> 1. </a:t>
+            </a:r>
+            <a:r>
+              <a:rPr lang="ko-KR" altLang="en-US" sz="3000" b="1">
                 <a:latin typeface="+mn-ea"/>
                 <a:ea typeface="+mn-ea"/>
               </a:rPr>
@@ -15351,67 +10223,6 @@
               <a:latin typeface="+mn-ea"/>
               <a:ea typeface="+mn-ea"/>
             </a:endParaRPr>
-          </a:p>
-          <a:p>
-            <a:pPr marL="0" lvl="0" indent="0" rtl="0">
-              <a:spcBef>
-                <a:spcPts val="0"/>
-              </a:spcBef>
-              <a:spcAft>
-                <a:spcPts val="0"/>
-              </a:spcAft>
-              <a:buNone/>
-            </a:pPr>
-            <a:r>
-              <a:rPr lang="en-US" altLang="ko-KR" sz="3000" b="1" dirty="0">
-                <a:latin typeface="+mn-ea"/>
-                <a:ea typeface="+mn-ea"/>
-              </a:rPr>
-              <a:t>2. </a:t>
-            </a:r>
-            <a:r>
-              <a:rPr lang="ko-KR" altLang="en-US" sz="3000" b="1" dirty="0">
-                <a:latin typeface="+mn-ea"/>
-                <a:ea typeface="+mn-ea"/>
-              </a:rPr>
-              <a:t>활성화함수 계층 구현</a:t>
-            </a:r>
-            <a:endParaRPr lang="en-US" altLang="ko-KR" sz="3000" b="1" dirty="0">
-              <a:latin typeface="+mn-ea"/>
-              <a:ea typeface="+mn-ea"/>
-            </a:endParaRPr>
-          </a:p>
-          <a:p>
-            <a:pPr marL="0" lvl="0" indent="0" rtl="0">
-              <a:spcBef>
-                <a:spcPts val="0"/>
-              </a:spcBef>
-              <a:spcAft>
-                <a:spcPts val="0"/>
-              </a:spcAft>
-              <a:buNone/>
-            </a:pPr>
-            <a:r>
-              <a:rPr lang="en-US" altLang="ko-KR" sz="3000" b="1" dirty="0">
-                <a:latin typeface="+mn-ea"/>
-                <a:ea typeface="+mn-ea"/>
-              </a:rPr>
-              <a:t>(</a:t>
-            </a:r>
-            <a:r>
-              <a:rPr lang="en-US" altLang="ko-KR" sz="3000" b="1" dirty="0" err="1">
-                <a:latin typeface="+mn-ea"/>
-                <a:ea typeface="+mn-ea"/>
-              </a:rPr>
-              <a:t>ReLU</a:t>
-            </a:r>
-            <a:r>
-              <a:rPr lang="en-US" altLang="ko-KR" sz="3000" b="1" dirty="0">
-                <a:latin typeface="+mn-ea"/>
-                <a:ea typeface="+mn-ea"/>
-              </a:rPr>
-              <a:t>/Sigmoid)</a:t>
-            </a:r>
           </a:p>
         </p:txBody>
       </p:sp>
@@ -16932,7 +11743,7 @@
         <p:spPr>
           <a:xfrm>
             <a:off x="1519729" y="1479869"/>
-            <a:ext cx="7624271" cy="3139321"/>
+            <a:ext cx="7624271" cy="3416320"/>
           </a:xfrm>
           <a:prstGeom prst="rect">
             <a:avLst/>
@@ -17062,6 +11873,16 @@
               <a:t>    </a:t>
             </a:r>
             <a:r>
+              <a:rPr lang="ko-KR" altLang="en-US" sz="1800" dirty="0">
+                <a:solidFill>
+                  <a:schemeClr val="tx1"/>
+                </a:solidFill>
+                <a:latin typeface="+mn-ea"/>
+                <a:ea typeface="+mn-ea"/>
+              </a:rPr>
+              <a:t>기울기</a:t>
+            </a:r>
+            <a:r>
               <a:rPr lang="en-US" altLang="ko-KR" sz="1800" dirty="0">
                 <a:solidFill>
                   <a:schemeClr val="tx1"/>
@@ -17112,6 +11933,13 @@
               <a:buChar char="ü"/>
             </a:pPr>
             <a:r>
+              <a:rPr lang="ko-KR" altLang="en-US" sz="1800" dirty="0">
+                <a:latin typeface="+mn-ea"/>
+                <a:ea typeface="+mn-ea"/>
+              </a:rPr>
+              <a:t>기울기</a:t>
+            </a:r>
+            <a:r>
               <a:rPr lang="en-US" altLang="ko-KR" sz="1800" dirty="0">
                 <a:latin typeface="+mn-ea"/>
                 <a:ea typeface="+mn-ea"/>
@@ -17123,7 +11951,27 @@
                 <a:latin typeface="+mn-ea"/>
                 <a:ea typeface="+mn-ea"/>
               </a:rPr>
-              <a:t>인 지점을 구할 수 있지만 함수가 복잡해 </a:t>
+              <a:t>인 지점을 구할 수 있지만</a:t>
+            </a:r>
+            <a:endParaRPr lang="en-US" altLang="ko-KR" sz="1800" dirty="0">
+              <a:latin typeface="+mn-ea"/>
+              <a:ea typeface="+mn-ea"/>
+            </a:endParaRPr>
+          </a:p>
+          <a:p>
+            <a:r>
+              <a:rPr lang="en-US" altLang="ko-KR" sz="1800" dirty="0">
+                <a:latin typeface="+mn-ea"/>
+                <a:ea typeface="+mn-ea"/>
+              </a:rPr>
+              <a:t>    </a:t>
+            </a:r>
+            <a:r>
+              <a:rPr lang="ko-KR" altLang="en-US" sz="1800" dirty="0">
+                <a:latin typeface="+mn-ea"/>
+                <a:ea typeface="+mn-ea"/>
+              </a:rPr>
+              <a:t>함수가 복잡해 </a:t>
             </a:r>
             <a:r>
               <a:rPr lang="ko-KR" altLang="en-US" sz="1800" b="1" dirty="0" err="1">
@@ -18098,7 +12946,7 @@
         </p:nvSpPr>
         <p:spPr>
           <a:xfrm>
-            <a:off x="1353963" y="662268"/>
+            <a:off x="1506363" y="787774"/>
             <a:ext cx="8248011" cy="3944470"/>
           </a:xfrm>
           <a:prstGeom prst="rect">
@@ -18370,27 +13218,7 @@
                 <a:latin typeface="+mn-ea"/>
                 <a:ea typeface="+mn-ea"/>
               </a:rPr>
-              <a:t> </a:t>
-            </a:r>
-            <a:r>
-              <a:rPr lang="ko-KR" altLang="en-US" sz="4000" b="1" dirty="0" err="1">
-                <a:solidFill>
-                  <a:schemeClr val="tx1"/>
-                </a:solidFill>
-                <a:latin typeface="+mn-ea"/>
-                <a:ea typeface="+mn-ea"/>
-              </a:rPr>
-              <a:t>경사하강법에서의</a:t>
-            </a:r>
-            <a:r>
-              <a:rPr lang="ko-KR" altLang="en-US" sz="4000" b="1" dirty="0">
-                <a:solidFill>
-                  <a:schemeClr val="tx1"/>
-                </a:solidFill>
-                <a:latin typeface="+mn-ea"/>
-                <a:ea typeface="+mn-ea"/>
-              </a:rPr>
-              <a:t> 기울기 계산</a:t>
+              <a:t> 손실함수의 기울기 계산</a:t>
             </a:r>
             <a:endParaRPr lang="en-US" altLang="ko-KR" sz="4000" b="1" dirty="0">
               <a:solidFill>

--- a/발표자료/CUAI_딥러닝__0523.pptx
+++ b/발표자료/CUAI_딥러닝__0523.pptx
@@ -355,6 +355,209 @@
 </inkml:ink>
 </file>
 
+<file path=ppt/ink/ink3.xml><?xml version="1.0" encoding="utf-8"?>
+<inkml:ink xmlns:inkml="http://www.w3.org/2003/InkML">
+  <inkml:definitions>
+    <inkml:context xml:id="ctx0">
+      <inkml:inkSource xml:id="inkSrc0">
+        <inkml:traceFormat>
+          <inkml:channel name="X" type="integer" min="-2.14748E9" max="2.14748E9" units="cm"/>
+          <inkml:channel name="Y" type="integer" min="-2.14748E9" max="2.14748E9" units="cm"/>
+        </inkml:traceFormat>
+        <inkml:channelProperties>
+          <inkml:channelProperty channel="X" name="resolution" value="1000" units="1/cm"/>
+          <inkml:channelProperty channel="Y" name="resolution" value="1000" units="1/cm"/>
+        </inkml:channelProperties>
+      </inkml:inkSource>
+      <inkml:timestamp xml:id="ts0" timeString="2023-05-23T08:33:05.033"/>
+    </inkml:context>
+    <inkml:brush xml:id="br0">
+      <inkml:brushProperty name="width" value="0.3" units="cm"/>
+      <inkml:brushProperty name="height" value="0.6" units="cm"/>
+      <inkml:brushProperty name="color" value="#D9AEFF"/>
+      <inkml:brushProperty name="tip" value="rectangle"/>
+      <inkml:brushProperty name="rasterOp" value="maskPen"/>
+      <inkml:brushProperty name="ignorePressure" value="1"/>
+    </inkml:brush>
+  </inkml:definitions>
+  <inkml:trace contextRef="#ctx0" brushRef="#br0">127 1,'513'0,"-509"-1,0 1,0 0,0 1,0-1,0 1,0 0,0 0,0 0,-1 0,1 1,0 0,-1-1,1 1,4 4,-6-4,0 0,-1 0,1 1,0-1,-1 0,1 1,-1 0,0-1,0 1,0 0,0 0,0-1,-1 1,1 0,-1 0,0 0,0 0,0 0,0 0,-1 5,-1 3,0 0,-1-1,0 1,0-1,-2 0,1 0,-9 14,-48 64,15-24,-49 94,73-122,-2-2,-1-1,-1-1,-33 31,-40 48,55-51,-48 88,71-109,2 1,2 1,-14 49,31-89,-1 0,1-1,-1 1,1 0,0 0,-1 0,1 0,0 0,0 0,0 0,0 0,0 0,0-1,0 1,0 0,0 0,0 0,1 0,-1 0,0 0,0 0,1 0,-1-1,1 1,-1 0,1 0,-1-1,1 1,-1 0,1 0,0-1,-1 1,1-1,0 1,0-1,-1 1,1-1,0 1,0-1,0 1,0-1,0 0,0 0,-1 0,1 1,0-1,1 0,4 0,0 0,0-1,0 0,0 0,0 0,9-4,60-22,85-44,67-49,-188 99,2-4,-1-2,65-56,-71 54,-26 23,123-98,-108 88,1 1,0 1,51-20,-62 29,1 2,-1 0,1 1,0 0,20 1,0 1,35 6,-67-6,1 0,-1 1,0 0,1-1,-1 1,0 0,0 0,0 0,0 0,0 0,0 1,0-1,0 0,0 1,-1 0,4 3,-3-2,0 1,0 0,0-1,0 1,-1 0,1 0,-1 0,1 8,0 1,-1-1,-1 1,0 0,-1 0,-3 16,-1-5,-1-1,-1 0,-1 0,-1-1,-12 24,-67 99,71-120,-2 5,-22 43,40-71,0 0,1 0,-1 0,0-1,1 1,0 0,-1 0,1 0,0 0,0 0,0 0,0 0,0 0,1 0,-1 0,0 0,1 0,0 0,-1 0,1-1,0 1,0 0,0 0,0-1,0 1,1-1,-1 1,0-1,1 1,-1-1,1 0,-1 0,1 0,0 1,-1-2,1 1,3 1,6 3,1-1,-1 0,0-1,1 0,12 1,156 21,-149-20,-5-2</inkml:trace>
+</inkml:ink>
+</file>
+
+<file path=ppt/ink/ink4.xml><?xml version="1.0" encoding="utf-8"?>
+<inkml:ink xmlns:inkml="http://www.w3.org/2003/InkML">
+  <inkml:definitions>
+    <inkml:context xml:id="ctx0">
+      <inkml:inkSource xml:id="inkSrc0">
+        <inkml:traceFormat>
+          <inkml:channel name="X" type="integer" min="-2.14748E9" max="2.14748E9" units="cm"/>
+          <inkml:channel name="Y" type="integer" min="-2.14748E9" max="2.14748E9" units="cm"/>
+        </inkml:traceFormat>
+        <inkml:channelProperties>
+          <inkml:channelProperty channel="X" name="resolution" value="1000" units="1/cm"/>
+          <inkml:channelProperty channel="Y" name="resolution" value="1000" units="1/cm"/>
+        </inkml:channelProperties>
+      </inkml:inkSource>
+      <inkml:timestamp xml:id="ts0" timeString="2023-05-23T08:33:06.913"/>
+    </inkml:context>
+    <inkml:brush xml:id="br0">
+      <inkml:brushProperty name="width" value="0.3" units="cm"/>
+      <inkml:brushProperty name="height" value="0.6" units="cm"/>
+      <inkml:brushProperty name="color" value="#D9AEFF"/>
+      <inkml:brushProperty name="tip" value="rectangle"/>
+      <inkml:brushProperty name="rasterOp" value="maskPen"/>
+      <inkml:brushProperty name="ignorePressure" value="1"/>
+    </inkml:brush>
+  </inkml:definitions>
+  <inkml:trace contextRef="#ctx0" brushRef="#br0">0 499,'2'-7,"0"1,0-1,0 0,1 1,0-1,0 1,0 0,1 0,0 0,6-6,2-5,3-4,0 0,2 2,1 0,0 1,1 0,37-25,4 4,77-37,-99 59,50-16,-8 3,-53 19,49-19,-68 27,0 1,0 0,0 1,0 0,0 0,0 1,14 1,-20-1,-1 0,1 1,0-1,-1 1,1 0,0-1,-1 1,1 0,-1 0,1 0,-1 0,1 0,-1 0,0 1,1-1,-1 0,0 1,0-1,0 1,0-1,0 1,-1-1,2 4,1 3,-1 0,0 0,1 16,-3-22,4 38,-2 1,-2-1,-1 0,-2 1,-2-1,-17 65,14-75,-2-1,-1-1,-1 0,-1 0,-1-2,-2 1,0-2,-2 0,-33 35,22-27,2 1,2 1,-28 51,3-6,24-40,2 1,1 1,-20 54,41-91,1-1,0 0,0 0,0 0,0 1,1-1,-1 8,1-11,0 1,1-1,-1 0,0 0,1 0,-1 0,0 1,1-1,-1 0,1 0,0 0,-1 0,1 0,0 0,0 0,0 0,-1 0,1-1,0 1,0 0,0-1,0 1,1 0,-1-1,0 1,0-1,0 1,0-1,0 0,1 0,-1 1,1-1,6 0,0-1,0 0,0 0,-1-1,1 0,0 0,-1 0,0-1,1 0,10-8,-5 5,73-35,265-120,-347 159,6-3,0 1,1 1,-1-1,21-2,-29 5,1 1,0 0,-1 0,1 0,0 0,0 1,-1-1,1 1,-1 0,1-1,0 1,-1 0,1 1,-1-1,0 0,1 1,-1-1,0 1,0 0,0 0,0-1,0 2,-1-1,4 4,-1 2,1 0,-2 0,1 1,-1-1,0 1,-1 0,0 0,0 0,0 12,-1 14,-2 39,0-36,-10 139,7-116,3-53,1 0,0 1,0-1,3 14,-3-21,0 1,1 0,-1 0,1-1,-1 1,1-1,0 1,0 0,-1-1,1 1,0-1,1 0,-1 1,0-1,0 0,1 0,-1 1,0-1,1 0,-1-1,1 1,-1 0,1 0,0-1,-1 1,1 0,0-1,2 1,2-1,0 0,-1-1,1 1,0-1,-1 0,1-1,0 1,-1-1,6-3,51-26,-41 19,85-37,-81 38</inkml:trace>
+</inkml:ink>
+</file>
+
+<file path=ppt/ink/ink5.xml><?xml version="1.0" encoding="utf-8"?>
+<inkml:ink xmlns:inkml="http://www.w3.org/2003/InkML">
+  <inkml:definitions>
+    <inkml:context xml:id="ctx0">
+      <inkml:inkSource xml:id="inkSrc0">
+        <inkml:traceFormat>
+          <inkml:channel name="X" type="integer" min="-2.14748E9" max="2.14748E9" units="cm"/>
+          <inkml:channel name="Y" type="integer" min="-2.14748E9" max="2.14748E9" units="cm"/>
+        </inkml:traceFormat>
+        <inkml:channelProperties>
+          <inkml:channelProperty channel="X" name="resolution" value="1000" units="1/cm"/>
+          <inkml:channelProperty channel="Y" name="resolution" value="1000" units="1/cm"/>
+        </inkml:channelProperties>
+      </inkml:inkSource>
+      <inkml:timestamp xml:id="ts0" timeString="2023-05-23T08:33:13.272"/>
+    </inkml:context>
+    <inkml:brush xml:id="br0">
+      <inkml:brushProperty name="width" value="0.3" units="cm"/>
+      <inkml:brushProperty name="height" value="0.6" units="cm"/>
+      <inkml:brushProperty name="color" value="#FFACD5"/>
+      <inkml:brushProperty name="tip" value="rectangle"/>
+      <inkml:brushProperty name="rasterOp" value="maskPen"/>
+      <inkml:brushProperty name="ignorePressure" value="1"/>
+    </inkml:brush>
+  </inkml:definitions>
+  <inkml:trace contextRef="#ctx0" brushRef="#br0">0 79,'31'-2,"-1"-2,0 0,0-3,50-15,-54 13,1 1,0 1,0 2,1 0,0 2,32 1,-57 2,0 0,0 0,0 1,0-1,-1 1,1 0,0 0,0 0,0 0,-1 0,1 1,-1-1,1 1,-1 0,1 0,-1 0,0 0,0 0,3 3,-3 0,1 0,-1 0,1 0,-1 0,-1 0,1 0,-1 1,0-1,1 10,0 8,0-1,-2 1,-5 43,3-53,-1 0,0 0,-1 0,0-1,-1 1,-1-1,0 0,-8 12,-73 119,37-57,38-69,-1 1,-18 19,17-22,0 1,-18 30,21-28,-4 7,-17 40,28-57,1 0,1 1,-1-1,1 1,1 0,0 0,0 0,1 0,0 11,0-17,1-1,-1 1,1-1,0 1,-1-1,1 1,0-1,0 0,1 1,-1-1,0 0,1 0,-1 0,1 0,0 0,0 0,0 0,0 0,0-1,0 1,0-1,0 0,1 0,-1 0,1 0,-1 0,1 0,-1 0,4 0,4 0,-1 0,1 0,0-1,0 0,0-1,16-3,76-20,122-46,-202 63,112-41,-2-5,140-80,-157 77,-63 35,63-18,-35 13,-74 24,0 0,0 0,0 1,0 0,8-1,-13 2,1 0,-1 0,0 0,0 0,0 0,0 1,0-1,0 0,0 0,1 1,-1-1,0 1,0-1,0 1,0-1,0 1,-1 0,1-1,0 1,0 0,0 0,-1 0,1 0,0-1,-1 1,1 0,0 0,-1 0,1 0,-1 1,0-1,1 0,-1 0,0 0,0 0,0 2,0 1,0 0,0 0,0 0,-1 0,0 0,0 0,0 0,0 0,-1-1,-2 6,-25 37,12-25,0 0,-2-2,-34 30,-72 46,90-70,-211 143,-120 92,350-247,1 1,-24 26,38-39,0 1,0-1,0 1,0-1,0 1,0 0,0-1,1 1,-1 0,0 0,1 0,-1 3,1-5,0 1,0 0,1 0,-1 0,0 0,0 0,1 0,-1 0,0 0,1 0,-1 0,1 0,-1-1,1 1,-1 0,1 0,0-1,0 2,3 1,0-1,1 0,-1 0,0 0,0 0,1-1,-1 1,1-1,6 1,60 6,0-2,104-6,-99-2,-72 2,372-15,-350 11,38-10,-43 8,0 1,37-4,-46 9</inkml:trace>
+</inkml:ink>
+</file>
+
+<file path=ppt/ink/ink6.xml><?xml version="1.0" encoding="utf-8"?>
+<inkml:ink xmlns:inkml="http://www.w3.org/2003/InkML">
+  <inkml:definitions>
+    <inkml:context xml:id="ctx0">
+      <inkml:inkSource xml:id="inkSrc0">
+        <inkml:traceFormat>
+          <inkml:channel name="X" type="integer" min="-2.14748E9" max="2.14748E9" units="cm"/>
+          <inkml:channel name="Y" type="integer" min="-2.14748E9" max="2.14748E9" units="cm"/>
+        </inkml:traceFormat>
+        <inkml:channelProperties>
+          <inkml:channelProperty channel="X" name="resolution" value="1000" units="1/cm"/>
+          <inkml:channelProperty channel="Y" name="resolution" value="1000" units="1/cm"/>
+        </inkml:channelProperties>
+      </inkml:inkSource>
+      <inkml:timestamp xml:id="ts0" timeString="2023-05-23T08:33:15.240"/>
+    </inkml:context>
+    <inkml:brush xml:id="br0">
+      <inkml:brushProperty name="width" value="0.3" units="cm"/>
+      <inkml:brushProperty name="height" value="0.6" units="cm"/>
+      <inkml:brushProperty name="color" value="#FFACD5"/>
+      <inkml:brushProperty name="tip" value="rectangle"/>
+      <inkml:brushProperty name="rasterOp" value="maskPen"/>
+      <inkml:brushProperty name="ignorePressure" value="1"/>
+    </inkml:brush>
+  </inkml:definitions>
+  <inkml:trace contextRef="#ctx0" brushRef="#br0">0 296,'20'0,"-1"-2,0 0,0-2,35-10,70-33,-94 34,126-56,57-22,-182 80,1 0,0 2,0 2,1 1,0 1,0 2,1 1,33 3,-65-1,0 1,0-1,0 0,0 1,0 0,-1-1,1 1,0 0,0 0,-1 0,1 0,0 0,-1 0,1 1,-1-1,0 0,1 1,-1-1,0 1,0 0,0-1,0 1,0 0,0-1,0 1,-1 0,1 0,0 2,1 6,-1 1,1-1,-2 1,0 11,1-13,-1 15,-1 0,0 0,-2 0,-1-1,-1 1,0-1,-2 0,-1-1,-1 0,0 0,-2-1,-1 0,0 0,-30 35,-20 11,-104 86,118-110,35-31,1 0,1 1,0 0,1 1,0 0,-14 28,4 3,-15 48,32-86,-62 161,64-166,1-1,-1 0,1 1,0-1,-1 1,1-1,0 0,0 1,0-1,0 1,0-1,0 1,0-1,0 0,1 1,0 2,-1-3,1-1,0 1,-1 0,1-1,0 1,-1 0,1-1,0 1,0-1,-1 1,1-1,0 1,0-1,0 0,0 1,0-1,-1 0,1 0,2 1,5-1,-1-1,1 1,0-1,0 0,8-3,-10 3,278-80,-153 41,-30 9,142-36,-210 60,1 2,-1 1,1 2,0 1,47 5,-79-4,0 1,0-1,0 1,1 0,-1 0,0 0,0 0,-1 0,1 0,0 0,0 1,0-1,-1 1,1-1,-1 1,1-1,-1 1,0 0,0 0,1 0,-1 0,-1 0,1 0,0 0,0 0,-1 0,1 0,0 5,0 6,1 0,-2 1,-1 22,0-15,1 4,0 0,-2 1,-1-1,-1-1,-1 1,-10 30,-25 32,1-1,38-85,1 0,0-1,-1 1,1 0,0 0,0 0,0 0,0-1,0 1,0 0,0 0,0 0,0 0,0-1,0 1,1 0,-1 0,0 0,1-1,-1 1,0 0,1 0,-1-1,1 1,-1 0,1-1,-1 1,1 0,0-1,-1 1,1-1,0 1,-1-1,1 0,0 1,0-1,-1 1,1-1,0 0,0 0,0 0,-1 1,1-1,0 0,0 0,1 0,5 0,0 0,0 0,-1 0,13-2,15-6,-1-1,34-14,-61 21,21-8</inkml:trace>
+</inkml:ink>
+</file>
+
+<file path=ppt/ink/ink7.xml><?xml version="1.0" encoding="utf-8"?>
+<inkml:ink xmlns:inkml="http://www.w3.org/2003/InkML">
+  <inkml:definitions>
+    <inkml:context xml:id="ctx0">
+      <inkml:inkSource xml:id="inkSrc0">
+        <inkml:traceFormat>
+          <inkml:channel name="X" type="integer" min="-2.14748E9" max="2.14748E9" units="cm"/>
+          <inkml:channel name="Y" type="integer" min="-2.14748E9" max="2.14748E9" units="cm"/>
+        </inkml:traceFormat>
+        <inkml:channelProperties>
+          <inkml:channelProperty channel="X" name="resolution" value="1000" units="1/cm"/>
+          <inkml:channelProperty channel="Y" name="resolution" value="1000" units="1/cm"/>
+        </inkml:channelProperties>
+      </inkml:inkSource>
+      <inkml:timestamp xml:id="ts0" timeString="2023-05-23T08:33:19.944"/>
+    </inkml:context>
+    <inkml:brush xml:id="br0">
+      <inkml:brushProperty name="width" value="0.3" units="cm"/>
+      <inkml:brushProperty name="height" value="0.6" units="cm"/>
+      <inkml:brushProperty name="color" value="#D9AEFF"/>
+      <inkml:brushProperty name="tip" value="rectangle"/>
+      <inkml:brushProperty name="rasterOp" value="maskPen"/>
+      <inkml:brushProperty name="ignorePressure" value="1"/>
+    </inkml:brush>
+  </inkml:definitions>
+  <inkml:trace contextRef="#ctx0" brushRef="#br0">1 46,'63'1,"263"-11,-192-6,36-4,-166 20,-1-1,1 1,-1 0,1 1,-1-1,1 0,-1 1,0 0,1 0,-1 0,0 0,1 1,-1-1,0 1,5 3,-6-3,0 0,0 1,-1-1,1 1,0-1,-1 1,0-1,0 1,0 0,0 0,0-1,0 1,-1 0,0 0,1 0,-1 0,0 0,0 0,-1 4,-1 3,1 0,-2-1,1 1,-1-1,-1 0,0 0,0 0,0 0,-1-1,-12 15,-6 6,-41 39,46-50,-55 60,-93 128,156-193,-113 172,118-175,0 0,1 1,0 0,1-1,0 1,1 1,0-1,0 0,1 12,4-22,4-5,13-13,-7 5,25-13,0 1,60-27,88-29,-160 70,-2 1,182-68,-172 67,0 1,1 2,0 1,42-1,-73 7,0-1,0 1,0 1,0-1,-1 1,1 0,0-1,0 2,0-1,-1 0,1 1,0 0,3 2,-5-3,0 1,-1 0,1 0,0 0,-1 0,1 0,-1 0,0 1,1-1,-1 0,0 1,-1-1,1 1,0-1,-1 1,1-1,-1 1,0-1,0 1,0-1,0 6,-3 10,0-1,-1 1,0-1,-2 0,-13 31,-48 79,36-77,-1-2,-3-1,-1-1,-3-3,-1-1,-3-1,-61 44,71-59,0 1,2 1,-35 41,41-40,-2 2,0 2,-30 50,57-82,-1 1,0-1,0 1,0-1,1 1,-1-1,1 1,-1-1,1 1,0-1,-1 1,1 0,0-1,0 1,0-1,1 3,-1-3,0 0,1-1,-1 1,1 0,-1 0,1-1,-1 1,1-1,0 1,-1 0,1-1,0 1,-1-1,1 1,0-1,0 0,-1 1,1-1,0 0,0 1,1-1,6 1,-1 0,1-1,0 0,-1-1,13-1,175-39,-61 10,232-40,-329 63</inkml:trace>
+</inkml:ink>
+</file>
+
+<file path=ppt/ink/ink8.xml><?xml version="1.0" encoding="utf-8"?>
+<inkml:ink xmlns:inkml="http://www.w3.org/2003/InkML">
+  <inkml:definitions>
+    <inkml:context xml:id="ctx0">
+      <inkml:inkSource xml:id="inkSrc0">
+        <inkml:traceFormat>
+          <inkml:channel name="X" type="integer" min="-2.14748E9" max="2.14748E9" units="cm"/>
+          <inkml:channel name="Y" type="integer" min="-2.14748E9" max="2.14748E9" units="cm"/>
+        </inkml:traceFormat>
+        <inkml:channelProperties>
+          <inkml:channelProperty channel="X" name="resolution" value="1000" units="1/cm"/>
+          <inkml:channelProperty channel="Y" name="resolution" value="1000" units="1/cm"/>
+        </inkml:channelProperties>
+      </inkml:inkSource>
+      <inkml:timestamp xml:id="ts0" timeString="2023-05-23T08:33:21.744"/>
+    </inkml:context>
+    <inkml:brush xml:id="br0">
+      <inkml:brushProperty name="width" value="0.3" units="cm"/>
+      <inkml:brushProperty name="height" value="0.6" units="cm"/>
+      <inkml:brushProperty name="color" value="#D9AEFF"/>
+      <inkml:brushProperty name="tip" value="rectangle"/>
+      <inkml:brushProperty name="rasterOp" value="maskPen"/>
+      <inkml:brushProperty name="ignorePressure" value="1"/>
+    </inkml:brush>
+  </inkml:definitions>
+  <inkml:trace contextRef="#ctx0" brushRef="#br0">0 342,'11'-7,"0"0,0-1,15-14,14-10,13 1,1 2,1 2,65-21,9-4,-82 31,1 3,74-19,-120 36,1 0,-1 1,1 0,-1-1,1 1,-1 0,0 1,1-1,-1 0,1 1,-1-1,1 1,-1-1,0 1,3 2,-3-2,-1 0,1 0,-1 1,1-1,-1 0,0 1,0-1,0 1,0 0,0-1,0 1,0 0,0 0,-1-1,1 1,-1 0,1 0,-1 0,0 0,0 3,0 6,-1-1,0 0,0-1,-1 1,-1 0,0 0,0-1,-1 1,0-1,-5 9,-11 17,-29 36,43-62,-162 205,68-89,64-79,-38 67,69-103,1 0,0 0,1 0,0 0,1 1,-2 12,-7 28,9-47,0 0,0 0,0-1,0 1,-1-1,1 1,-1-1,-3 4,0-4,19-20,16-10,0 2,2 0,35-21,-36 25,241-151,-258 163,0 2,1 0,0 0,0 2,1 0,0 0,19-3,-33 8,0 0,0 0,0 0,1 1,-1-1,0 0,0 0,0 1,0-1,1 1,-1-1,0 1,0-1,0 1,0 0,0-1,0 1,0 0,-1 0,1 0,0 0,0 0,0 0,-1 0,1 0,-1 0,1 0,-1 0,1 0,-1 0,0 0,1 1,-1-1,0 0,0 0,0 0,0 1,0 1,0 4,0 1,-1 0,0 0,-3 13,-3 4,-1-1,-2 0,0-1,-19 31,-61 85,88-137,-114 162,-78 116,146-206,43-60,9-9,19-10,-18 3,204-50,-126 34,100-36,-131 33</inkml:trace>
+</inkml:ink>
+</file>
+
+<file path=ppt/ink/ink9.xml><?xml version="1.0" encoding="utf-8"?>
+<inkml:ink xmlns:inkml="http://www.w3.org/2003/InkML">
+  <inkml:definitions>
+    <inkml:context xml:id="ctx0">
+      <inkml:inkSource xml:id="inkSrc0">
+        <inkml:traceFormat>
+          <inkml:channel name="X" type="integer" min="-2.14748E9" max="2.14748E9" units="cm"/>
+          <inkml:channel name="Y" type="integer" min="-2.14748E9" max="2.14748E9" units="cm"/>
+        </inkml:traceFormat>
+        <inkml:channelProperties>
+          <inkml:channelProperty channel="X" name="resolution" value="1000" units="1/cm"/>
+          <inkml:channelProperty channel="Y" name="resolution" value="1000" units="1/cm"/>
+        </inkml:channelProperties>
+      </inkml:inkSource>
+      <inkml:timestamp xml:id="ts0" timeString="2023-05-23T08:33:29.105"/>
+    </inkml:context>
+    <inkml:brush xml:id="br0">
+      <inkml:brushProperty name="width" value="0.3" units="cm"/>
+      <inkml:brushProperty name="height" value="0.6" units="cm"/>
+      <inkml:brushProperty name="color" value="#FFACD5"/>
+      <inkml:brushProperty name="tip" value="rectangle"/>
+      <inkml:brushProperty name="rasterOp" value="maskPen"/>
+      <inkml:brushProperty name="ignorePressure" value="1"/>
+    </inkml:brush>
+  </inkml:definitions>
+  <inkml:trace contextRef="#ctx0" brushRef="#br0">0 62,'6'3,"0"-1,1 0,-1 0,0-1,1 0,-1 0,9 0,46-3,-28-2,-1-1,0-2,38-14,-32 10,63-12,-99 23,1-1,-1 1,1 0,-1 0,1 0,-1 0,1 0,-1 1,1-1,-1 1,1 0,-1-1,1 1,-1 0,0 0,0 1,1-1,2 3,-3-2,0 1,0 0,0-1,0 1,0 0,-1 0,1 0,-1 0,0 1,0-1,0 0,0 1,0 5,1 6,-1 0,-1 0,0 0,-1 0,0 0,-2 0,1-1,-2 1,0 0,-1-1,0 0,-13 23,-8 6,-1-1,-51 58,51-67,0 1,3 1,-39 73,24-7,39-97,4-6,20-20,28-32,11-11,56-34,150-98,-234 175,2 1,1 1,58-21,125-28,-196 61,0-2,0-1,28-17,18-9,-70 36,1 1,0-1,0 0,0 1,-1-1,1 1,0-1,0 1,0 0,0 0,0 0,0 0,0 0,2 1,-3-1,-1 0,1 1,0-1,0 0,0 1,-1-1,1 1,0 0,-1-1,1 1,0-1,-1 1,1 0,-1 0,1-1,-1 1,1 0,-1 0,0 0,1-1,-1 3,1 2,-1-1,1 1,-1 0,-1-1,1 1,-1 0,1 0,-1-1,-1 1,-2 7,-5 10,-1 0,0-1,-2-1,-15 21,-65 75,67-86,-300 325,108-124,81-71,116-134,2 1,1 1,1 0,-17 43,27-57,-1 0,-1 0,0 0,0-1,-20 22,27-34,0 0,0 0,0 0,0 1,0-1,0 0,0 1,1-1,-1 0,0 1,1-1,-1 1,1-1,0 1,-1 2,1-3,1-1,-1 0,0 1,1-1,-1 0,0 1,1-1,-1 0,1 1,-1-1,0 0,1 0,-1 1,1-1,-1 0,1 0,-1 0,1 0,-1 0,1 1,-1-1,1 0,-1 0,1 0,-1-1,1 1,-1 0,1 0,-1 0,1 0,8-2,0-1,0 0,-1 0,13-6,88-53,123-92,-32 18,479-243,-543 311,42-21,-177 88,0 0,0 0,0 1,0-1,0 1,0-1,1 1,-1-1,0 1,0 0,0-1,0 1,0 0,1 0,-1 0,0 0,0 0,0 0,1 0,-1 0,0 0,0 1,0-1,0 0,1 1,-1-1,0 1,0 0,0-1,0 1,0 0,0-1,0 1,-1 0,1 0,0 0,0 0,-1 0,1 0,0 0,-1 0,1 0,0 2,1 5,1-1,-2 1,1 0,-1 0,0 11,1 13,-2 0,-2 0,0 0,-3-1,0 1,-2-1,-1-1,-2 1,-21 46,-42 74,-7-4,-119 166,194-306,-13 23,18-30,0 1,-1 0,1-1,0 1,0 0,-1-1,1 1,0 0,0-1,0 1,0 0,0-1,0 1,0 0,0-1,0 1,0 0,1-1,-1 1,0 0,0-1,1 1,-1 0,0-1,1 1,-1-1,1 1,-1-1,0 1,1-1,-1 1,1-1,0 1,-1-1,1 0,-1 1,1-1,0 0,-1 1,2-1,9 2,0 0,0 0,0-1,0-1,0 0,21-3,-7 1,25-1,-1-3,76-19,-93 15</inkml:trace>
+</inkml:ink>
+</file>
+
 <file path=ppt/notesMasters/notesMaster1.xml><?xml version="1.0" encoding="utf-8"?>
 <p:notesMaster xmlns:a="http://schemas.openxmlformats.org/drawingml/2006/main" xmlns:r="http://schemas.openxmlformats.org/officeDocument/2006/relationships" xmlns:p="http://schemas.openxmlformats.org/presentationml/2006/main">
   <p:cSld>
@@ -1642,7 +1845,7 @@
     </p:spTree>
     <p:extLst>
       <p:ext uri="{BB962C8B-B14F-4D97-AF65-F5344CB8AC3E}">
-        <p14:creationId xmlns:p14="http://schemas.microsoft.com/office/powerpoint/2010/main" val="212502813"/>
+        <p14:creationId xmlns:p14="http://schemas.microsoft.com/office/powerpoint/2010/main" val="2734728941"/>
       </p:ext>
     </p:extLst>
   </p:cSld>
@@ -7530,7 +7733,7 @@
         </p:nvSpPr>
         <p:spPr>
           <a:xfrm>
-            <a:off x="1304417" y="260705"/>
+            <a:off x="1325574" y="252215"/>
             <a:ext cx="7818426" cy="3764514"/>
           </a:xfrm>
           <a:prstGeom prst="rect">
@@ -7858,16 +8061,15 @@
           </p:cNvPicPr>
           <p:nvPr/>
         </p:nvPicPr>
-        <p:blipFill>
+        <p:blipFill rotWithShape="1">
           <a:blip r:embed="rId4"/>
-          <a:stretch>
-            <a:fillRect/>
-          </a:stretch>
+          <a:srcRect l="11409" t="-909" r="1696" b="909"/>
+          <a:stretch/>
         </p:blipFill>
         <p:spPr>
           <a:xfrm>
-            <a:off x="1662309" y="1306540"/>
-            <a:ext cx="5634602" cy="3678606"/>
+            <a:off x="1499839" y="1311326"/>
+            <a:ext cx="4896200" cy="3678606"/>
           </a:xfrm>
           <a:prstGeom prst="rect">
             <a:avLst/>
@@ -7896,7 +8098,7 @@
         </p:blipFill>
         <p:spPr>
           <a:xfrm>
-            <a:off x="4020992" y="252215"/>
+            <a:off x="5799612" y="268725"/>
             <a:ext cx="2078392" cy="354272"/>
           </a:xfrm>
           <a:prstGeom prst="rect">
@@ -7909,64 +8111,6 @@
           </a:ln>
         </p:spPr>
       </p:pic>
-      <p:sp>
-        <p:nvSpPr>
-          <p:cNvPr id="2" name="TextBox 1">
-            <a:extLst>
-              <a:ext uri="{FF2B5EF4-FFF2-40B4-BE49-F238E27FC236}">
-                <a16:creationId xmlns:a16="http://schemas.microsoft.com/office/drawing/2014/main" id="{800B3130-1660-3BB2-09B5-BAB4A3D2AADF}"/>
-              </a:ext>
-            </a:extLst>
-          </p:cNvPr>
-          <p:cNvSpPr txBox="1"/>
-          <p:nvPr/>
-        </p:nvSpPr>
-        <p:spPr>
-          <a:xfrm>
-            <a:off x="1239656" y="3933761"/>
-            <a:ext cx="2012907" cy="523220"/>
-          </a:xfrm>
-          <a:prstGeom prst="rect">
-            <a:avLst/>
-          </a:prstGeom>
-          <a:noFill/>
-        </p:spPr>
-        <p:txBody>
-          <a:bodyPr wrap="square" rtlCol="0">
-            <a:spAutoFit/>
-          </a:bodyPr>
-          <a:lstStyle/>
-          <a:p>
-            <a:r>
-              <a:rPr lang="ko-KR" altLang="en-US" dirty="0">
-                <a:solidFill>
-                  <a:srgbClr val="C00000"/>
-                </a:solidFill>
-                <a:latin typeface="+mn-ea"/>
-                <a:ea typeface="+mn-ea"/>
-              </a:rPr>
-              <a:t>대다수의 계산들이 재사용된다</a:t>
-            </a:r>
-            <a:r>
-              <a:rPr lang="en-US" altLang="ko-KR" dirty="0">
-                <a:solidFill>
-                  <a:srgbClr val="C00000"/>
-                </a:solidFill>
-                <a:latin typeface="+mn-ea"/>
-                <a:ea typeface="+mn-ea"/>
-              </a:rPr>
-              <a:t>!</a:t>
-            </a:r>
-            <a:endParaRPr lang="ko-KR" altLang="en-US" dirty="0">
-              <a:solidFill>
-                <a:srgbClr val="C00000"/>
-              </a:solidFill>
-              <a:latin typeface="+mn-ea"/>
-              <a:ea typeface="+mn-ea"/>
-            </a:endParaRPr>
-          </a:p>
-        </p:txBody>
-      </p:sp>
       <p:pic>
         <p:nvPicPr>
           <p:cNvPr id="4" name="그림 3">
@@ -7989,7 +8133,7 @@
         </p:blipFill>
         <p:spPr>
           <a:xfrm>
-            <a:off x="5020742" y="777936"/>
+            <a:off x="4948113" y="784767"/>
             <a:ext cx="4067560" cy="962673"/>
           </a:xfrm>
           <a:prstGeom prst="rect">
@@ -7997,6 +8141,593 @@
           </a:prstGeom>
         </p:spPr>
       </p:pic>
+      <p:pic>
+        <p:nvPicPr>
+          <p:cNvPr id="8" name="그림 7">
+            <a:extLst>
+              <a:ext uri="{FF2B5EF4-FFF2-40B4-BE49-F238E27FC236}">
+                <a16:creationId xmlns:a16="http://schemas.microsoft.com/office/drawing/2014/main" id="{DB7322AB-F664-D1F5-BFF0-578E741DF80E}"/>
+              </a:ext>
+            </a:extLst>
+          </p:cNvPr>
+          <p:cNvPicPr>
+            <a:picLocks noChangeAspect="1"/>
+          </p:cNvPicPr>
+          <p:nvPr/>
+        </p:nvPicPr>
+        <p:blipFill>
+          <a:blip r:embed="rId7"/>
+          <a:stretch>
+            <a:fillRect/>
+          </a:stretch>
+        </p:blipFill>
+        <p:spPr>
+          <a:xfrm>
+            <a:off x="5620268" y="2087369"/>
+            <a:ext cx="1061507" cy="265376"/>
+          </a:xfrm>
+          <a:prstGeom prst="rect">
+            <a:avLst/>
+          </a:prstGeom>
+        </p:spPr>
+      </p:pic>
+      <p:pic>
+        <p:nvPicPr>
+          <p:cNvPr id="10" name="그림 9">
+            <a:extLst>
+              <a:ext uri="{FF2B5EF4-FFF2-40B4-BE49-F238E27FC236}">
+                <a16:creationId xmlns:a16="http://schemas.microsoft.com/office/drawing/2014/main" id="{E3BAFFF9-AF8F-1304-AA07-EC874DC590BD}"/>
+              </a:ext>
+            </a:extLst>
+          </p:cNvPr>
+          <p:cNvPicPr>
+            <a:picLocks noChangeAspect="1"/>
+          </p:cNvPicPr>
+          <p:nvPr/>
+        </p:nvPicPr>
+        <p:blipFill>
+          <a:blip r:embed="rId8"/>
+          <a:stretch>
+            <a:fillRect/>
+          </a:stretch>
+        </p:blipFill>
+        <p:spPr>
+          <a:xfrm>
+            <a:off x="5620705" y="2695166"/>
+            <a:ext cx="823506" cy="307574"/>
+          </a:xfrm>
+          <a:prstGeom prst="rect">
+            <a:avLst/>
+          </a:prstGeom>
+        </p:spPr>
+      </p:pic>
+      <mc:AlternateContent xmlns:mc="http://schemas.openxmlformats.org/markup-compatibility/2006">
+        <mc:Choice xmlns:p14="http://schemas.microsoft.com/office/powerpoint/2010/main" Requires="p14">
+          <p:contentPart p14:bwMode="auto" r:id="rId9">
+            <p14:nvContentPartPr>
+              <p14:cNvPr id="12" name="잉크 11">
+                <a:extLst>
+                  <a:ext uri="{FF2B5EF4-FFF2-40B4-BE49-F238E27FC236}">
+                    <a16:creationId xmlns:a16="http://schemas.microsoft.com/office/drawing/2014/main" id="{95BBCADE-A7AB-5F69-A889-679BE0FF568E}"/>
+                  </a:ext>
+                </a:extLst>
+              </p14:cNvPr>
+              <p14:cNvContentPartPr/>
+              <p14:nvPr/>
+            </p14:nvContentPartPr>
+            <p14:xfrm>
+              <a:off x="2683589" y="1532265"/>
+              <a:ext cx="525240" cy="484920"/>
+            </p14:xfrm>
+          </p:contentPart>
+        </mc:Choice>
+        <mc:Fallback>
+          <p:pic>
+            <p:nvPicPr>
+              <p:cNvPr id="12" name="잉크 11">
+                <a:extLst>
+                  <a:ext uri="{FF2B5EF4-FFF2-40B4-BE49-F238E27FC236}">
+                    <a16:creationId xmlns:a16="http://schemas.microsoft.com/office/drawing/2014/main" id="{95BBCADE-A7AB-5F69-A889-679BE0FF568E}"/>
+                  </a:ext>
+                </a:extLst>
+              </p:cNvPr>
+              <p:cNvPicPr/>
+              <p:nvPr/>
+            </p:nvPicPr>
+            <p:blipFill>
+              <a:blip r:embed="rId10"/>
+              <a:stretch>
+                <a:fillRect/>
+              </a:stretch>
+            </p:blipFill>
+            <p:spPr>
+              <a:xfrm>
+                <a:off x="2629949" y="1424265"/>
+                <a:ext cx="632880" cy="700560"/>
+              </a:xfrm>
+              <a:prstGeom prst="rect">
+                <a:avLst/>
+              </a:prstGeom>
+            </p:spPr>
+          </p:pic>
+        </mc:Fallback>
+      </mc:AlternateContent>
+      <mc:AlternateContent xmlns:mc="http://schemas.openxmlformats.org/markup-compatibility/2006">
+        <mc:Choice xmlns:p14="http://schemas.microsoft.com/office/powerpoint/2010/main" Requires="p14">
+          <p:contentPart p14:bwMode="auto" r:id="rId11">
+            <p14:nvContentPartPr>
+              <p14:cNvPr id="13" name="잉크 12">
+                <a:extLst>
+                  <a:ext uri="{FF2B5EF4-FFF2-40B4-BE49-F238E27FC236}">
+                    <a16:creationId xmlns:a16="http://schemas.microsoft.com/office/drawing/2014/main" id="{0D218902-C1A8-2C8D-DAD9-19B148762B7F}"/>
+                  </a:ext>
+                </a:extLst>
+              </p14:cNvPr>
+              <p14:cNvContentPartPr/>
+              <p14:nvPr/>
+            </p14:nvContentPartPr>
+            <p14:xfrm>
+              <a:off x="2757029" y="2317425"/>
+              <a:ext cx="493560" cy="587160"/>
+            </p14:xfrm>
+          </p:contentPart>
+        </mc:Choice>
+        <mc:Fallback>
+          <p:pic>
+            <p:nvPicPr>
+              <p:cNvPr id="13" name="잉크 12">
+                <a:extLst>
+                  <a:ext uri="{FF2B5EF4-FFF2-40B4-BE49-F238E27FC236}">
+                    <a16:creationId xmlns:a16="http://schemas.microsoft.com/office/drawing/2014/main" id="{0D218902-C1A8-2C8D-DAD9-19B148762B7F}"/>
+                  </a:ext>
+                </a:extLst>
+              </p:cNvPr>
+              <p:cNvPicPr/>
+              <p:nvPr/>
+            </p:nvPicPr>
+            <p:blipFill>
+              <a:blip r:embed="rId12"/>
+              <a:stretch>
+                <a:fillRect/>
+              </a:stretch>
+            </p:blipFill>
+            <p:spPr>
+              <a:xfrm>
+                <a:off x="2703029" y="2209785"/>
+                <a:ext cx="601200" cy="802800"/>
+              </a:xfrm>
+              <a:prstGeom prst="rect">
+                <a:avLst/>
+              </a:prstGeom>
+            </p:spPr>
+          </p:pic>
+        </mc:Fallback>
+      </mc:AlternateContent>
+      <mc:AlternateContent xmlns:mc="http://schemas.openxmlformats.org/markup-compatibility/2006">
+        <mc:Choice xmlns:p14="http://schemas.microsoft.com/office/powerpoint/2010/main" Requires="p14">
+          <p:contentPart p14:bwMode="auto" r:id="rId13">
+            <p14:nvContentPartPr>
+              <p14:cNvPr id="14" name="잉크 13">
+                <a:extLst>
+                  <a:ext uri="{FF2B5EF4-FFF2-40B4-BE49-F238E27FC236}">
+                    <a16:creationId xmlns:a16="http://schemas.microsoft.com/office/drawing/2014/main" id="{46EF226E-A6FC-2E3E-A59E-8F28731110FE}"/>
+                  </a:ext>
+                </a:extLst>
+              </p14:cNvPr>
+              <p14:cNvContentPartPr/>
+              <p14:nvPr/>
+            </p14:nvContentPartPr>
+            <p14:xfrm>
+              <a:off x="3476309" y="2373945"/>
+              <a:ext cx="581400" cy="510480"/>
+            </p14:xfrm>
+          </p:contentPart>
+        </mc:Choice>
+        <mc:Fallback>
+          <p:pic>
+            <p:nvPicPr>
+              <p:cNvPr id="14" name="잉크 13">
+                <a:extLst>
+                  <a:ext uri="{FF2B5EF4-FFF2-40B4-BE49-F238E27FC236}">
+                    <a16:creationId xmlns:a16="http://schemas.microsoft.com/office/drawing/2014/main" id="{46EF226E-A6FC-2E3E-A59E-8F28731110FE}"/>
+                  </a:ext>
+                </a:extLst>
+              </p:cNvPr>
+              <p:cNvPicPr/>
+              <p:nvPr/>
+            </p:nvPicPr>
+            <p:blipFill>
+              <a:blip r:embed="rId14"/>
+              <a:stretch>
+                <a:fillRect/>
+              </a:stretch>
+            </p:blipFill>
+            <p:spPr>
+              <a:xfrm>
+                <a:off x="3422309" y="2266305"/>
+                <a:ext cx="689040" cy="726120"/>
+              </a:xfrm>
+              <a:prstGeom prst="rect">
+                <a:avLst/>
+              </a:prstGeom>
+            </p:spPr>
+          </p:pic>
+        </mc:Fallback>
+      </mc:AlternateContent>
+      <mc:AlternateContent xmlns:mc="http://schemas.openxmlformats.org/markup-compatibility/2006">
+        <mc:Choice xmlns:p14="http://schemas.microsoft.com/office/powerpoint/2010/main" Requires="p14">
+          <p:contentPart p14:bwMode="auto" r:id="rId15">
+            <p14:nvContentPartPr>
+              <p14:cNvPr id="15" name="잉크 14">
+                <a:extLst>
+                  <a:ext uri="{FF2B5EF4-FFF2-40B4-BE49-F238E27FC236}">
+                    <a16:creationId xmlns:a16="http://schemas.microsoft.com/office/drawing/2014/main" id="{A018229D-8787-BC70-9DF7-5086433800B6}"/>
+                  </a:ext>
+                </a:extLst>
+              </p14:cNvPr>
+              <p14:cNvContentPartPr/>
+              <p14:nvPr/>
+            </p14:nvContentPartPr>
+            <p14:xfrm>
+              <a:off x="3465149" y="3276825"/>
+              <a:ext cx="598320" cy="549720"/>
+            </p14:xfrm>
+          </p:contentPart>
+        </mc:Choice>
+        <mc:Fallback>
+          <p:pic>
+            <p:nvPicPr>
+              <p:cNvPr id="15" name="잉크 14">
+                <a:extLst>
+                  <a:ext uri="{FF2B5EF4-FFF2-40B4-BE49-F238E27FC236}">
+                    <a16:creationId xmlns:a16="http://schemas.microsoft.com/office/drawing/2014/main" id="{A018229D-8787-BC70-9DF7-5086433800B6}"/>
+                  </a:ext>
+                </a:extLst>
+              </p:cNvPr>
+              <p:cNvPicPr/>
+              <p:nvPr/>
+            </p:nvPicPr>
+            <p:blipFill>
+              <a:blip r:embed="rId16"/>
+              <a:stretch>
+                <a:fillRect/>
+              </a:stretch>
+            </p:blipFill>
+            <p:spPr>
+              <a:xfrm>
+                <a:off x="3411149" y="3168825"/>
+                <a:ext cx="705960" cy="765360"/>
+              </a:xfrm>
+              <a:prstGeom prst="rect">
+                <a:avLst/>
+              </a:prstGeom>
+            </p:spPr>
+          </p:pic>
+        </mc:Fallback>
+      </mc:AlternateContent>
+      <mc:AlternateContent xmlns:mc="http://schemas.openxmlformats.org/markup-compatibility/2006">
+        <mc:Choice xmlns:p14="http://schemas.microsoft.com/office/powerpoint/2010/main" Requires="p14">
+          <p:contentPart p14:bwMode="auto" r:id="rId17">
+            <p14:nvContentPartPr>
+              <p14:cNvPr id="16" name="잉크 15">
+                <a:extLst>
+                  <a:ext uri="{FF2B5EF4-FFF2-40B4-BE49-F238E27FC236}">
+                    <a16:creationId xmlns:a16="http://schemas.microsoft.com/office/drawing/2014/main" id="{22AD1B2E-C003-69C9-E0DA-4EACD32AACE5}"/>
+                  </a:ext>
+                </a:extLst>
+              </p14:cNvPr>
+              <p14:cNvContentPartPr/>
+              <p14:nvPr/>
+            </p14:nvContentPartPr>
+            <p14:xfrm>
+              <a:off x="2740109" y="3255225"/>
+              <a:ext cx="432000" cy="597960"/>
+            </p14:xfrm>
+          </p:contentPart>
+        </mc:Choice>
+        <mc:Fallback>
+          <p:pic>
+            <p:nvPicPr>
+              <p:cNvPr id="16" name="잉크 15">
+                <a:extLst>
+                  <a:ext uri="{FF2B5EF4-FFF2-40B4-BE49-F238E27FC236}">
+                    <a16:creationId xmlns:a16="http://schemas.microsoft.com/office/drawing/2014/main" id="{22AD1B2E-C003-69C9-E0DA-4EACD32AACE5}"/>
+                  </a:ext>
+                </a:extLst>
+              </p:cNvPr>
+              <p:cNvPicPr/>
+              <p:nvPr/>
+            </p:nvPicPr>
+            <p:blipFill>
+              <a:blip r:embed="rId18"/>
+              <a:stretch>
+                <a:fillRect/>
+              </a:stretch>
+            </p:blipFill>
+            <p:spPr>
+              <a:xfrm>
+                <a:off x="2686469" y="3147225"/>
+                <a:ext cx="539640" cy="813600"/>
+              </a:xfrm>
+              <a:prstGeom prst="rect">
+                <a:avLst/>
+              </a:prstGeom>
+            </p:spPr>
+          </p:pic>
+        </mc:Fallback>
+      </mc:AlternateContent>
+      <mc:AlternateContent xmlns:mc="http://schemas.openxmlformats.org/markup-compatibility/2006">
+        <mc:Choice xmlns:p14="http://schemas.microsoft.com/office/powerpoint/2010/main" Requires="p14">
+          <p:contentPart p14:bwMode="auto" r:id="rId19">
+            <p14:nvContentPartPr>
+              <p14:cNvPr id="17" name="잉크 16">
+                <a:extLst>
+                  <a:ext uri="{FF2B5EF4-FFF2-40B4-BE49-F238E27FC236}">
+                    <a16:creationId xmlns:a16="http://schemas.microsoft.com/office/drawing/2014/main" id="{CB907031-DB72-CE3D-DDEE-6AB7CAD7120F}"/>
+                  </a:ext>
+                </a:extLst>
+              </p14:cNvPr>
+              <p14:cNvContentPartPr/>
+              <p14:nvPr/>
+            </p14:nvContentPartPr>
+            <p14:xfrm>
+              <a:off x="2768189" y="4208505"/>
+              <a:ext cx="324720" cy="530280"/>
+            </p14:xfrm>
+          </p:contentPart>
+        </mc:Choice>
+        <mc:Fallback>
+          <p:pic>
+            <p:nvPicPr>
+              <p:cNvPr id="17" name="잉크 16">
+                <a:extLst>
+                  <a:ext uri="{FF2B5EF4-FFF2-40B4-BE49-F238E27FC236}">
+                    <a16:creationId xmlns:a16="http://schemas.microsoft.com/office/drawing/2014/main" id="{CB907031-DB72-CE3D-DDEE-6AB7CAD7120F}"/>
+                  </a:ext>
+                </a:extLst>
+              </p:cNvPr>
+              <p:cNvPicPr/>
+              <p:nvPr/>
+            </p:nvPicPr>
+            <p:blipFill>
+              <a:blip r:embed="rId20"/>
+              <a:stretch>
+                <a:fillRect/>
+              </a:stretch>
+            </p:blipFill>
+            <p:spPr>
+              <a:xfrm>
+                <a:off x="2714189" y="4100505"/>
+                <a:ext cx="432360" cy="745920"/>
+              </a:xfrm>
+              <a:prstGeom prst="rect">
+                <a:avLst/>
+              </a:prstGeom>
+            </p:spPr>
+          </p:pic>
+        </mc:Fallback>
+      </mc:AlternateContent>
+      <mc:AlternateContent xmlns:mc="http://schemas.openxmlformats.org/markup-compatibility/2006">
+        <mc:Choice xmlns:p14="http://schemas.microsoft.com/office/powerpoint/2010/main" Requires="p14">
+          <p:contentPart p14:bwMode="auto" r:id="rId21">
+            <p14:nvContentPartPr>
+              <p14:cNvPr id="18" name="잉크 17">
+                <a:extLst>
+                  <a:ext uri="{FF2B5EF4-FFF2-40B4-BE49-F238E27FC236}">
+                    <a16:creationId xmlns:a16="http://schemas.microsoft.com/office/drawing/2014/main" id="{56DEAAAE-5315-CC6A-B1A8-D2636D993134}"/>
+                  </a:ext>
+                </a:extLst>
+              </p14:cNvPr>
+              <p14:cNvContentPartPr/>
+              <p14:nvPr/>
+            </p14:nvContentPartPr>
+            <p14:xfrm>
+              <a:off x="3398189" y="4175025"/>
+              <a:ext cx="704160" cy="601560"/>
+            </p14:xfrm>
+          </p:contentPart>
+        </mc:Choice>
+        <mc:Fallback>
+          <p:pic>
+            <p:nvPicPr>
+              <p:cNvPr id="18" name="잉크 17">
+                <a:extLst>
+                  <a:ext uri="{FF2B5EF4-FFF2-40B4-BE49-F238E27FC236}">
+                    <a16:creationId xmlns:a16="http://schemas.microsoft.com/office/drawing/2014/main" id="{56DEAAAE-5315-CC6A-B1A8-D2636D993134}"/>
+                  </a:ext>
+                </a:extLst>
+              </p:cNvPr>
+              <p:cNvPicPr/>
+              <p:nvPr/>
+            </p:nvPicPr>
+            <p:blipFill>
+              <a:blip r:embed="rId22"/>
+              <a:stretch>
+                <a:fillRect/>
+              </a:stretch>
+            </p:blipFill>
+            <p:spPr>
+              <a:xfrm>
+                <a:off x="3344189" y="4067385"/>
+                <a:ext cx="811800" cy="817200"/>
+              </a:xfrm>
+              <a:prstGeom prst="rect">
+                <a:avLst/>
+              </a:prstGeom>
+            </p:spPr>
+          </p:pic>
+        </mc:Fallback>
+      </mc:AlternateContent>
+      <p:sp>
+        <p:nvSpPr>
+          <p:cNvPr id="19" name="TextBox 18">
+            <a:extLst>
+              <a:ext uri="{FF2B5EF4-FFF2-40B4-BE49-F238E27FC236}">
+                <a16:creationId xmlns:a16="http://schemas.microsoft.com/office/drawing/2014/main" id="{FD854F54-9546-B200-9DB4-5B6172A9F0DE}"/>
+              </a:ext>
+            </a:extLst>
+          </p:cNvPr>
+          <p:cNvSpPr txBox="1"/>
+          <p:nvPr/>
+        </p:nvSpPr>
+        <p:spPr>
+          <a:xfrm>
+            <a:off x="6585655" y="2066168"/>
+            <a:ext cx="2180063" cy="307777"/>
+          </a:xfrm>
+          <a:prstGeom prst="rect">
+            <a:avLst/>
+          </a:prstGeom>
+          <a:noFill/>
+        </p:spPr>
+        <p:txBody>
+          <a:bodyPr wrap="square" rtlCol="0">
+            <a:spAutoFit/>
+          </a:bodyPr>
+          <a:lstStyle/>
+          <a:p>
+            <a:r>
+              <a:rPr lang="ko-KR" altLang="en-US" dirty="0">
+                <a:solidFill>
+                  <a:srgbClr val="C00000"/>
+                </a:solidFill>
+                <a:latin typeface="+mn-ea"/>
+                <a:ea typeface="+mn-ea"/>
+              </a:rPr>
+              <a:t> </a:t>
+            </a:r>
+            <a:r>
+              <a:rPr lang="ko-KR" altLang="en-US" dirty="0" err="1">
+                <a:solidFill>
+                  <a:srgbClr val="C00000"/>
+                </a:solidFill>
+                <a:latin typeface="+mn-ea"/>
+                <a:ea typeface="+mn-ea"/>
+              </a:rPr>
+              <a:t>를</a:t>
+            </a:r>
+            <a:r>
+              <a:rPr lang="ko-KR" altLang="en-US" dirty="0">
+                <a:solidFill>
+                  <a:srgbClr val="C00000"/>
+                </a:solidFill>
+                <a:latin typeface="+mn-ea"/>
+                <a:ea typeface="+mn-ea"/>
+              </a:rPr>
+              <a:t> 이미 계산 했다면 </a:t>
+            </a:r>
+          </a:p>
+        </p:txBody>
+      </p:sp>
+      <p:sp>
+        <p:nvSpPr>
+          <p:cNvPr id="20" name="TextBox 19">
+            <a:extLst>
+              <a:ext uri="{FF2B5EF4-FFF2-40B4-BE49-F238E27FC236}">
+                <a16:creationId xmlns:a16="http://schemas.microsoft.com/office/drawing/2014/main" id="{2BCC7C4A-E180-C09F-6769-1FEBE40BAEF1}"/>
+              </a:ext>
+            </a:extLst>
+          </p:cNvPr>
+          <p:cNvSpPr txBox="1"/>
+          <p:nvPr/>
+        </p:nvSpPr>
+        <p:spPr>
+          <a:xfrm>
+            <a:off x="5520366" y="2395146"/>
+            <a:ext cx="2180063" cy="307777"/>
+          </a:xfrm>
+          <a:prstGeom prst="rect">
+            <a:avLst/>
+          </a:prstGeom>
+          <a:noFill/>
+        </p:spPr>
+        <p:txBody>
+          <a:bodyPr wrap="square" rtlCol="0">
+            <a:spAutoFit/>
+          </a:bodyPr>
+          <a:lstStyle/>
+          <a:p>
+            <a:r>
+              <a:rPr lang="ko-KR" altLang="en-US" dirty="0">
+                <a:solidFill>
+                  <a:srgbClr val="C00000"/>
+                </a:solidFill>
+                <a:latin typeface="+mn-ea"/>
+                <a:ea typeface="+mn-ea"/>
+              </a:rPr>
+              <a:t>대다수의 계산들이  </a:t>
+            </a:r>
+          </a:p>
+        </p:txBody>
+      </p:sp>
+      <p:sp>
+        <p:nvSpPr>
+          <p:cNvPr id="21" name="TextBox 20">
+            <a:extLst>
+              <a:ext uri="{FF2B5EF4-FFF2-40B4-BE49-F238E27FC236}">
+                <a16:creationId xmlns:a16="http://schemas.microsoft.com/office/drawing/2014/main" id="{E7920208-D185-FE93-CDBA-8D6CAFFAE40A}"/>
+              </a:ext>
+            </a:extLst>
+          </p:cNvPr>
+          <p:cNvSpPr txBox="1"/>
+          <p:nvPr/>
+        </p:nvSpPr>
+        <p:spPr>
+          <a:xfrm>
+            <a:off x="6414712" y="2696492"/>
+            <a:ext cx="2678632" cy="307777"/>
+          </a:xfrm>
+          <a:prstGeom prst="rect">
+            <a:avLst/>
+          </a:prstGeom>
+          <a:noFill/>
+        </p:spPr>
+        <p:txBody>
+          <a:bodyPr wrap="square" rtlCol="0">
+            <a:spAutoFit/>
+          </a:bodyPr>
+          <a:lstStyle/>
+          <a:p>
+            <a:r>
+              <a:rPr lang="ko-KR" altLang="en-US" dirty="0" err="1">
+                <a:solidFill>
+                  <a:srgbClr val="C00000"/>
+                </a:solidFill>
+                <a:latin typeface="+mn-ea"/>
+                <a:ea typeface="+mn-ea"/>
+              </a:rPr>
+              <a:t>를</a:t>
+            </a:r>
+            <a:r>
+              <a:rPr lang="ko-KR" altLang="en-US" dirty="0">
+                <a:solidFill>
+                  <a:srgbClr val="C00000"/>
+                </a:solidFill>
+                <a:latin typeface="+mn-ea"/>
+                <a:ea typeface="+mn-ea"/>
+              </a:rPr>
+              <a:t> 계산하기 위해 재사용된다</a:t>
+            </a:r>
+            <a:r>
+              <a:rPr lang="en-US" altLang="ko-KR" dirty="0">
+                <a:solidFill>
+                  <a:srgbClr val="C00000"/>
+                </a:solidFill>
+                <a:latin typeface="+mn-ea"/>
+                <a:ea typeface="+mn-ea"/>
+              </a:rPr>
+              <a:t>.</a:t>
+            </a:r>
+            <a:endParaRPr lang="ko-KR" altLang="en-US" dirty="0">
+              <a:solidFill>
+                <a:srgbClr val="C00000"/>
+              </a:solidFill>
+              <a:latin typeface="+mn-ea"/>
+              <a:ea typeface="+mn-ea"/>
+            </a:endParaRPr>
+          </a:p>
+        </p:txBody>
+      </p:sp>
     </p:spTree>
     <p:extLst>
       <p:ext uri="{BB962C8B-B14F-4D97-AF65-F5344CB8AC3E}">
@@ -8137,7 +8868,7 @@
         </p:nvSpPr>
         <p:spPr>
           <a:xfrm>
-            <a:off x="1304417" y="260705"/>
+            <a:off x="1325574" y="252215"/>
             <a:ext cx="7818426" cy="3764514"/>
           </a:xfrm>
           <a:prstGeom prst="rect">
@@ -8465,16 +9196,15 @@
           </p:cNvPicPr>
           <p:nvPr/>
         </p:nvPicPr>
-        <p:blipFill>
+        <p:blipFill rotWithShape="1">
           <a:blip r:embed="rId4"/>
-          <a:stretch>
-            <a:fillRect/>
-          </a:stretch>
+          <a:srcRect l="11409" t="-909" r="1696" b="909"/>
+          <a:stretch/>
         </p:blipFill>
         <p:spPr>
           <a:xfrm>
-            <a:off x="1353963" y="976637"/>
-            <a:ext cx="3178169" cy="2074899"/>
+            <a:off x="1929162" y="929307"/>
+            <a:ext cx="2642838" cy="1985614"/>
           </a:xfrm>
           <a:prstGeom prst="rect">
             <a:avLst/>
@@ -8503,8 +9233,8 @@
         </p:blipFill>
         <p:spPr>
           <a:xfrm>
-            <a:off x="4970213" y="1289922"/>
-            <a:ext cx="3714549" cy="633163"/>
+            <a:off x="6033788" y="1567842"/>
+            <a:ext cx="2078392" cy="354272"/>
           </a:xfrm>
           <a:prstGeom prst="rect">
             <a:avLst/>
@@ -8518,10 +9248,10 @@
       </p:pic>
       <p:pic>
         <p:nvPicPr>
-          <p:cNvPr id="4" name="그림 3">
+          <p:cNvPr id="22" name="그림 21">
             <a:extLst>
               <a:ext uri="{FF2B5EF4-FFF2-40B4-BE49-F238E27FC236}">
-                <a16:creationId xmlns:a16="http://schemas.microsoft.com/office/drawing/2014/main" id="{9EAD9838-F86A-860E-04CA-2A7998DBB870}"/>
+                <a16:creationId xmlns:a16="http://schemas.microsoft.com/office/drawing/2014/main" id="{27BE717B-CF38-F623-E634-0C4B49839FBB}"/>
               </a:ext>
             </a:extLst>
           </p:cNvPr>
@@ -8538,18 +9268,57 @@
         </p:blipFill>
         <p:spPr>
           <a:xfrm>
-            <a:off x="1411452" y="3085661"/>
-            <a:ext cx="7475349" cy="1968775"/>
+            <a:off x="1325562" y="2986738"/>
+            <a:ext cx="7662321" cy="1780971"/>
           </a:xfrm>
           <a:prstGeom prst="rect">
             <a:avLst/>
           </a:prstGeom>
         </p:spPr>
       </p:pic>
+      <p:sp>
+        <p:nvSpPr>
+          <p:cNvPr id="23" name="TextBox 22">
+            <a:extLst>
+              <a:ext uri="{FF2B5EF4-FFF2-40B4-BE49-F238E27FC236}">
+                <a16:creationId xmlns:a16="http://schemas.microsoft.com/office/drawing/2014/main" id="{A95E1777-0059-9CA6-DEF7-3B7713E598E3}"/>
+              </a:ext>
+            </a:extLst>
+          </p:cNvPr>
+          <p:cNvSpPr txBox="1"/>
+          <p:nvPr/>
+        </p:nvSpPr>
+        <p:spPr>
+          <a:xfrm>
+            <a:off x="5603487" y="2571750"/>
+            <a:ext cx="2771078" cy="307777"/>
+          </a:xfrm>
+          <a:prstGeom prst="rect">
+            <a:avLst/>
+          </a:prstGeom>
+          <a:noFill/>
+        </p:spPr>
+        <p:txBody>
+          <a:bodyPr wrap="square" rtlCol="0">
+            <a:spAutoFit/>
+          </a:bodyPr>
+          <a:lstStyle/>
+          <a:p>
+            <a:r>
+              <a:rPr lang="ko-KR" altLang="en-US">
+                <a:solidFill>
+                  <a:srgbClr val="C00000"/>
+                </a:solidFill>
+              </a:rPr>
+              <a:t>기울기가 역방향으로 통과한다</a:t>
+            </a:r>
+          </a:p>
+        </p:txBody>
+      </p:sp>
     </p:spTree>
     <p:extLst>
       <p:ext uri="{BB962C8B-B14F-4D97-AF65-F5344CB8AC3E}">
-        <p14:creationId xmlns:p14="http://schemas.microsoft.com/office/powerpoint/2010/main" val="3890528594"/>
+        <p14:creationId xmlns:p14="http://schemas.microsoft.com/office/powerpoint/2010/main" val="1181950378"/>
       </p:ext>
     </p:extLst>
   </p:cSld>
@@ -8686,7 +9455,7 @@
         </p:nvSpPr>
         <p:spPr>
           <a:xfrm>
-            <a:off x="1206487" y="649103"/>
+            <a:off x="1325574" y="441490"/>
             <a:ext cx="7818426" cy="3402943"/>
           </a:xfrm>
           <a:prstGeom prst="rect">
@@ -8957,27 +9726,7 @@
                 <a:latin typeface="+mj-ea"/>
                 <a:ea typeface="+mj-ea"/>
               </a:rPr>
-              <a:t>가중치를</a:t>
-            </a:r>
-            <a:r>
-              <a:rPr lang="en-US" altLang="ko-KR" sz="2500" b="1" dirty="0">
-                <a:solidFill>
-                  <a:schemeClr val="tx1"/>
-                </a:solidFill>
-                <a:latin typeface="+mj-ea"/>
-                <a:ea typeface="+mj-ea"/>
-              </a:rPr>
-              <a:t> </a:t>
-            </a:r>
-            <a:r>
-              <a:rPr lang="ko-KR" altLang="en-US" sz="2500" b="1" dirty="0">
-                <a:solidFill>
-                  <a:schemeClr val="tx1"/>
-                </a:solidFill>
-                <a:latin typeface="+mj-ea"/>
-                <a:ea typeface="+mj-ea"/>
-              </a:rPr>
-              <a:t>갱신하는 법</a:t>
+              <a:t>신경망의 가중치를 갱신하는 방법</a:t>
             </a:r>
             <a:endParaRPr lang="en-US" altLang="ko-KR" sz="2500" b="1" dirty="0">
               <a:solidFill>
@@ -8988,233 +9737,6 @@
             </a:endParaRPr>
           </a:p>
           <a:p>
-            <a:endParaRPr lang="en-US" altLang="ko-KR" sz="2000" b="1" dirty="0">
-              <a:solidFill>
-                <a:schemeClr val="tx1"/>
-              </a:solidFill>
-              <a:latin typeface="+mj-ea"/>
-              <a:ea typeface="+mj-ea"/>
-            </a:endParaRPr>
-          </a:p>
-          <a:p>
-            <a:pPr algn="l"/>
-            <a:endParaRPr lang="en-US" altLang="ko-KR" sz="2000" b="1" dirty="0">
-              <a:solidFill>
-                <a:schemeClr val="tx1"/>
-              </a:solidFill>
-              <a:latin typeface="+mj-ea"/>
-              <a:ea typeface="+mj-ea"/>
-            </a:endParaRPr>
-          </a:p>
-          <a:p>
-            <a:pPr marL="114300" indent="0" algn="l"/>
-            <a:r>
-              <a:rPr lang="en-US" altLang="ko-KR" sz="2000" b="1" dirty="0">
-                <a:solidFill>
-                  <a:schemeClr val="tx1"/>
-                </a:solidFill>
-                <a:latin typeface="+mj-ea"/>
-                <a:ea typeface="+mj-ea"/>
-              </a:rPr>
-              <a:t>1. weight</a:t>
-            </a:r>
-            <a:r>
-              <a:rPr lang="ko-KR" altLang="en-US" sz="2000" b="1" dirty="0">
-                <a:solidFill>
-                  <a:schemeClr val="tx1"/>
-                </a:solidFill>
-                <a:latin typeface="+mj-ea"/>
-                <a:ea typeface="+mj-ea"/>
-              </a:rPr>
-              <a:t>의 초기값들로 </a:t>
-            </a:r>
-            <a:r>
-              <a:rPr lang="en-US" altLang="ko-KR" sz="2000" b="1" dirty="0">
-                <a:solidFill>
-                  <a:schemeClr val="tx1"/>
-                </a:solidFill>
-                <a:latin typeface="+mj-ea"/>
-                <a:ea typeface="+mj-ea"/>
-              </a:rPr>
-              <a:t>forward pass</a:t>
-            </a:r>
-          </a:p>
-          <a:p>
-            <a:pPr marL="571500" indent="-457200" algn="l">
-              <a:buAutoNum type="arabicPeriod"/>
-            </a:pPr>
-            <a:endParaRPr lang="en-US" altLang="ko-KR" sz="2000" b="1" dirty="0">
-              <a:solidFill>
-                <a:schemeClr val="tx1"/>
-              </a:solidFill>
-              <a:latin typeface="+mj-ea"/>
-              <a:ea typeface="+mj-ea"/>
-            </a:endParaRPr>
-          </a:p>
-          <a:p>
-            <a:pPr marL="114300" indent="0" algn="l"/>
-            <a:r>
-              <a:rPr lang="en-US" altLang="ko-KR" sz="2000" b="1" dirty="0">
-                <a:solidFill>
-                  <a:schemeClr val="tx1"/>
-                </a:solidFill>
-                <a:latin typeface="+mj-ea"/>
-                <a:ea typeface="+mj-ea"/>
-              </a:rPr>
-              <a:t>2. </a:t>
-            </a:r>
-            <a:r>
-              <a:rPr lang="en-US" altLang="ko-KR" sz="2000" b="1" dirty="0" err="1">
-                <a:solidFill>
-                  <a:schemeClr val="tx1"/>
-                </a:solidFill>
-                <a:latin typeface="+mj-ea"/>
-                <a:ea typeface="+mj-ea"/>
-              </a:rPr>
-              <a:t>BackPropagation</a:t>
-            </a:r>
-            <a:r>
-              <a:rPr lang="ko-KR" altLang="en-US" sz="2000" b="1" dirty="0">
-                <a:solidFill>
-                  <a:schemeClr val="tx1"/>
-                </a:solidFill>
-                <a:latin typeface="+mj-ea"/>
-                <a:ea typeface="+mj-ea"/>
-              </a:rPr>
-              <a:t>을 통해 각 </a:t>
-            </a:r>
-            <a:r>
-              <a:rPr lang="en-US" altLang="ko-KR" sz="2000" b="1" dirty="0">
-                <a:solidFill>
-                  <a:schemeClr val="tx1"/>
-                </a:solidFill>
-                <a:latin typeface="+mj-ea"/>
-                <a:ea typeface="+mj-ea"/>
-              </a:rPr>
-              <a:t>weight</a:t>
-            </a:r>
-            <a:r>
-              <a:rPr lang="ko-KR" altLang="en-US" sz="2000" b="1" dirty="0">
-                <a:solidFill>
-                  <a:schemeClr val="tx1"/>
-                </a:solidFill>
-                <a:latin typeface="+mj-ea"/>
-                <a:ea typeface="+mj-ea"/>
-              </a:rPr>
-              <a:t>에 대한</a:t>
-            </a:r>
-            <a:endParaRPr lang="en-US" altLang="ko-KR" sz="2000" b="1" dirty="0">
-              <a:solidFill>
-                <a:schemeClr val="tx1"/>
-              </a:solidFill>
-              <a:latin typeface="+mj-ea"/>
-              <a:ea typeface="+mj-ea"/>
-            </a:endParaRPr>
-          </a:p>
-          <a:p>
-            <a:pPr marL="114300" indent="0" algn="l"/>
-            <a:r>
-              <a:rPr lang="en-US" altLang="ko-KR" sz="2000" b="1" dirty="0">
-                <a:solidFill>
-                  <a:schemeClr val="tx1"/>
-                </a:solidFill>
-                <a:latin typeface="+mj-ea"/>
-                <a:ea typeface="+mj-ea"/>
-              </a:rPr>
-              <a:t>   </a:t>
-            </a:r>
-            <a:r>
-              <a:rPr lang="ko-KR" altLang="en-US" sz="2000" b="1" dirty="0">
-                <a:solidFill>
-                  <a:schemeClr val="tx1"/>
-                </a:solidFill>
-                <a:latin typeface="+mj-ea"/>
-                <a:ea typeface="+mj-ea"/>
-              </a:rPr>
-              <a:t>손실함수의</a:t>
-            </a:r>
-            <a:r>
-              <a:rPr lang="en-US" altLang="ko-KR" sz="2000" b="1" dirty="0">
-                <a:solidFill>
-                  <a:schemeClr val="tx1"/>
-                </a:solidFill>
-                <a:latin typeface="+mj-ea"/>
-                <a:ea typeface="+mj-ea"/>
-              </a:rPr>
-              <a:t> </a:t>
-            </a:r>
-            <a:r>
-              <a:rPr lang="ko-KR" altLang="en-US" sz="2000" b="1" dirty="0" err="1">
-                <a:solidFill>
-                  <a:schemeClr val="tx1"/>
-                </a:solidFill>
-                <a:latin typeface="+mj-ea"/>
-                <a:ea typeface="+mj-ea"/>
-              </a:rPr>
-              <a:t>미분값을</a:t>
-            </a:r>
-            <a:r>
-              <a:rPr lang="ko-KR" altLang="en-US" sz="2000" b="1" dirty="0">
-                <a:solidFill>
-                  <a:schemeClr val="tx1"/>
-                </a:solidFill>
-                <a:latin typeface="+mj-ea"/>
-                <a:ea typeface="+mj-ea"/>
-              </a:rPr>
-              <a:t> 계산</a:t>
-            </a:r>
-            <a:endParaRPr lang="en-US" altLang="ko-KR" sz="2000" b="1" dirty="0">
-              <a:solidFill>
-                <a:schemeClr val="tx1"/>
-              </a:solidFill>
-              <a:latin typeface="+mj-ea"/>
-              <a:ea typeface="+mj-ea"/>
-            </a:endParaRPr>
-          </a:p>
-          <a:p>
-            <a:pPr marL="571500" indent="-457200" algn="l">
-              <a:buAutoNum type="arabicPeriod"/>
-            </a:pPr>
-            <a:endParaRPr lang="en-US" altLang="ko-KR" sz="2000" b="1" dirty="0">
-              <a:solidFill>
-                <a:schemeClr val="tx1"/>
-              </a:solidFill>
-              <a:latin typeface="+mj-ea"/>
-              <a:ea typeface="+mj-ea"/>
-            </a:endParaRPr>
-          </a:p>
-          <a:p>
-            <a:pPr marL="114300" indent="0" algn="l"/>
-            <a:r>
-              <a:rPr lang="en-US" altLang="ko-KR" sz="2000" b="1" dirty="0">
-                <a:solidFill>
-                  <a:schemeClr val="tx1"/>
-                </a:solidFill>
-                <a:latin typeface="+mj-ea"/>
-                <a:ea typeface="+mj-ea"/>
-              </a:rPr>
-              <a:t>3. Weight</a:t>
-            </a:r>
-            <a:r>
-              <a:rPr lang="ko-KR" altLang="en-US" sz="2000" b="1" dirty="0">
-                <a:solidFill>
-                  <a:schemeClr val="tx1"/>
-                </a:solidFill>
-                <a:latin typeface="+mj-ea"/>
-                <a:ea typeface="+mj-ea"/>
-              </a:rPr>
-              <a:t>를 업데이트</a:t>
-            </a:r>
-            <a:endParaRPr lang="en-US" altLang="ko-KR" sz="2000" b="1" dirty="0">
-              <a:solidFill>
-                <a:schemeClr val="tx1"/>
-              </a:solidFill>
-              <a:latin typeface="+mj-ea"/>
-              <a:ea typeface="+mj-ea"/>
-            </a:endParaRPr>
-          </a:p>
-          <a:p>
-            <a:pPr marL="114300" indent="0"/>
             <a:endParaRPr lang="en-US" altLang="ko-KR" sz="2000" b="1" dirty="0">
               <a:solidFill>
                 <a:schemeClr val="tx1"/>
@@ -9257,8 +9779,8 @@
         </p:blipFill>
         <p:spPr>
           <a:xfrm>
-            <a:off x="3179704" y="3962399"/>
-            <a:ext cx="3855305" cy="806277"/>
+            <a:off x="6588572" y="4052332"/>
+            <a:ext cx="2050218" cy="428771"/>
           </a:xfrm>
           <a:prstGeom prst="rect">
             <a:avLst/>
@@ -9270,6 +9792,444 @@
           </a:ln>
         </p:spPr>
       </p:pic>
+      <p:pic>
+        <p:nvPicPr>
+          <p:cNvPr id="1026" name="Picture 2">
+            <a:extLst>
+              <a:ext uri="{FF2B5EF4-FFF2-40B4-BE49-F238E27FC236}">
+                <a16:creationId xmlns:a16="http://schemas.microsoft.com/office/drawing/2014/main" id="{DBD04843-4A01-C07B-AF18-D09CB1592C09}"/>
+              </a:ext>
+            </a:extLst>
+          </p:cNvPr>
+          <p:cNvPicPr>
+            <a:picLocks noChangeAspect="1" noChangeArrowheads="1"/>
+          </p:cNvPicPr>
+          <p:nvPr/>
+        </p:nvPicPr>
+        <p:blipFill>
+          <a:blip r:embed="rId5">
+            <a:extLst>
+              <a:ext uri="{28A0092B-C50C-407E-A947-70E740481C1C}">
+                <a14:useLocalDpi xmlns:a14="http://schemas.microsoft.com/office/drawing/2010/main" val="0"/>
+              </a:ext>
+            </a:extLst>
+          </a:blip>
+          <a:srcRect/>
+          <a:stretch>
+            <a:fillRect/>
+          </a:stretch>
+        </p:blipFill>
+        <p:spPr bwMode="auto">
+          <a:xfrm>
+            <a:off x="1353963" y="1328210"/>
+            <a:ext cx="4537257" cy="3402943"/>
+          </a:xfrm>
+          <a:prstGeom prst="rect">
+            <a:avLst/>
+          </a:prstGeom>
+          <a:noFill/>
+          <a:extLst>
+            <a:ext uri="{909E8E84-426E-40DD-AFC4-6F175D3DCCD1}">
+              <a14:hiddenFill xmlns:a14="http://schemas.microsoft.com/office/drawing/2010/main">
+                <a:solidFill>
+                  <a:srgbClr val="FFFFFF"/>
+                </a:solidFill>
+              </a14:hiddenFill>
+            </a:ext>
+          </a:extLst>
+        </p:spPr>
+      </p:pic>
+      <p:sp>
+        <p:nvSpPr>
+          <p:cNvPr id="2" name="TextBox 1">
+            <a:extLst>
+              <a:ext uri="{FF2B5EF4-FFF2-40B4-BE49-F238E27FC236}">
+                <a16:creationId xmlns:a16="http://schemas.microsoft.com/office/drawing/2014/main" id="{73E5428F-2BB9-4BE5-9CB8-9321C8421EDA}"/>
+              </a:ext>
+            </a:extLst>
+          </p:cNvPr>
+          <p:cNvSpPr txBox="1"/>
+          <p:nvPr/>
+        </p:nvSpPr>
+        <p:spPr>
+          <a:xfrm>
+            <a:off x="5891220" y="1536109"/>
+            <a:ext cx="3444922" cy="2308324"/>
+          </a:xfrm>
+          <a:prstGeom prst="rect">
+            <a:avLst/>
+          </a:prstGeom>
+          <a:noFill/>
+        </p:spPr>
+        <p:txBody>
+          <a:bodyPr wrap="square" rtlCol="0">
+            <a:spAutoFit/>
+          </a:bodyPr>
+          <a:lstStyle/>
+          <a:p>
+            <a:pPr marL="342900" indent="-228600" algn="l">
+              <a:buAutoNum type="arabicPeriod"/>
+            </a:pPr>
+            <a:r>
+              <a:rPr lang="en-US" altLang="ko-KR" sz="1200" b="1" dirty="0">
+                <a:solidFill>
+                  <a:schemeClr val="tx1"/>
+                </a:solidFill>
+                <a:latin typeface="+mj-ea"/>
+                <a:ea typeface="+mj-ea"/>
+              </a:rPr>
+              <a:t>weight</a:t>
+            </a:r>
+            <a:r>
+              <a:rPr lang="ko-KR" altLang="en-US" sz="1200" b="1" dirty="0">
+                <a:solidFill>
+                  <a:schemeClr val="tx1"/>
+                </a:solidFill>
+                <a:latin typeface="+mj-ea"/>
+                <a:ea typeface="+mj-ea"/>
+              </a:rPr>
+              <a:t>의 초기값들로 </a:t>
+            </a:r>
+            <a:r>
+              <a:rPr lang="en-US" altLang="ko-KR" sz="1200" b="1" dirty="0">
+                <a:solidFill>
+                  <a:schemeClr val="tx1"/>
+                </a:solidFill>
+                <a:latin typeface="+mj-ea"/>
+                <a:ea typeface="+mj-ea"/>
+              </a:rPr>
+              <a:t>forward pass</a:t>
+            </a:r>
+          </a:p>
+          <a:p>
+            <a:pPr marL="342900" indent="-228600" algn="l">
+              <a:buAutoNum type="arabicPeriod"/>
+            </a:pPr>
+            <a:endParaRPr lang="en-US" altLang="ko-KR" sz="1200" b="1" dirty="0">
+              <a:solidFill>
+                <a:schemeClr val="tx1"/>
+              </a:solidFill>
+              <a:latin typeface="+mj-ea"/>
+              <a:ea typeface="+mj-ea"/>
+            </a:endParaRPr>
+          </a:p>
+          <a:p>
+            <a:pPr marL="114300" indent="0" algn="l"/>
+            <a:endParaRPr lang="en-US" altLang="ko-KR" sz="1200" b="1" dirty="0">
+              <a:solidFill>
+                <a:schemeClr val="tx1"/>
+              </a:solidFill>
+              <a:latin typeface="+mj-ea"/>
+              <a:ea typeface="+mj-ea"/>
+            </a:endParaRPr>
+          </a:p>
+          <a:p>
+            <a:pPr marL="114300" indent="0" algn="l"/>
+            <a:r>
+              <a:rPr lang="en-US" altLang="ko-KR" sz="1200" b="1" dirty="0">
+                <a:solidFill>
+                  <a:schemeClr val="tx1"/>
+                </a:solidFill>
+                <a:latin typeface="+mj-ea"/>
+                <a:ea typeface="+mj-ea"/>
+              </a:rPr>
+              <a:t>2. </a:t>
+            </a:r>
+            <a:r>
+              <a:rPr lang="ko-KR" altLang="en-US" sz="1200" b="1" dirty="0">
+                <a:solidFill>
+                  <a:schemeClr val="tx1"/>
+                </a:solidFill>
+                <a:latin typeface="+mj-ea"/>
+                <a:ea typeface="+mj-ea"/>
+              </a:rPr>
+              <a:t>손실함수 계산</a:t>
+            </a:r>
+            <a:endParaRPr lang="en-US" altLang="ko-KR" sz="1200" b="1" dirty="0">
+              <a:solidFill>
+                <a:schemeClr val="tx1"/>
+              </a:solidFill>
+              <a:latin typeface="+mj-ea"/>
+              <a:ea typeface="+mj-ea"/>
+            </a:endParaRPr>
+          </a:p>
+          <a:p>
+            <a:pPr marL="114300" indent="0" algn="l"/>
+            <a:endParaRPr lang="en-US" altLang="ko-KR" sz="1200" b="1" dirty="0">
+              <a:solidFill>
+                <a:schemeClr val="tx1"/>
+              </a:solidFill>
+              <a:latin typeface="+mj-ea"/>
+              <a:ea typeface="+mj-ea"/>
+            </a:endParaRPr>
+          </a:p>
+          <a:p>
+            <a:pPr marL="571500" indent="-457200" algn="l">
+              <a:buAutoNum type="arabicPeriod"/>
+            </a:pPr>
+            <a:endParaRPr lang="en-US" altLang="ko-KR" sz="1200" b="1" dirty="0">
+              <a:solidFill>
+                <a:schemeClr val="tx1"/>
+              </a:solidFill>
+              <a:latin typeface="+mj-ea"/>
+              <a:ea typeface="+mj-ea"/>
+            </a:endParaRPr>
+          </a:p>
+          <a:p>
+            <a:pPr marL="114300" indent="0" algn="l"/>
+            <a:r>
+              <a:rPr lang="en-US" altLang="ko-KR" sz="1200" b="1" dirty="0">
+                <a:solidFill>
+                  <a:schemeClr val="tx1"/>
+                </a:solidFill>
+                <a:latin typeface="+mj-ea"/>
+                <a:ea typeface="+mj-ea"/>
+              </a:rPr>
+              <a:t>3. </a:t>
+            </a:r>
+            <a:r>
+              <a:rPr lang="en-US" altLang="ko-KR" sz="1200" b="1" dirty="0" err="1">
+                <a:solidFill>
+                  <a:schemeClr val="tx1"/>
+                </a:solidFill>
+                <a:latin typeface="+mj-ea"/>
+                <a:ea typeface="+mj-ea"/>
+              </a:rPr>
+              <a:t>BackPropagation</a:t>
+            </a:r>
+            <a:r>
+              <a:rPr lang="ko-KR" altLang="en-US" sz="1200" b="1" dirty="0">
+                <a:solidFill>
+                  <a:schemeClr val="tx1"/>
+                </a:solidFill>
+                <a:latin typeface="+mj-ea"/>
+                <a:ea typeface="+mj-ea"/>
+              </a:rPr>
+              <a:t>을 통해 각 </a:t>
+            </a:r>
+            <a:r>
+              <a:rPr lang="en-US" altLang="ko-KR" sz="1200" b="1" dirty="0">
+                <a:solidFill>
+                  <a:schemeClr val="tx1"/>
+                </a:solidFill>
+                <a:latin typeface="+mj-ea"/>
+                <a:ea typeface="+mj-ea"/>
+              </a:rPr>
+              <a:t>weight</a:t>
+            </a:r>
+            <a:r>
+              <a:rPr lang="ko-KR" altLang="en-US" sz="1200" b="1" dirty="0">
+                <a:solidFill>
+                  <a:schemeClr val="tx1"/>
+                </a:solidFill>
+                <a:latin typeface="+mj-ea"/>
+                <a:ea typeface="+mj-ea"/>
+              </a:rPr>
+              <a:t>에</a:t>
+            </a:r>
+            <a:endParaRPr lang="en-US" altLang="ko-KR" sz="1200" b="1" dirty="0">
+              <a:solidFill>
+                <a:schemeClr val="tx1"/>
+              </a:solidFill>
+              <a:latin typeface="+mj-ea"/>
+              <a:ea typeface="+mj-ea"/>
+            </a:endParaRPr>
+          </a:p>
+          <a:p>
+            <a:pPr marL="114300" indent="0" algn="l"/>
+            <a:r>
+              <a:rPr lang="en-US" altLang="ko-KR" sz="1200" b="1" dirty="0">
+                <a:solidFill>
+                  <a:schemeClr val="tx1"/>
+                </a:solidFill>
+                <a:latin typeface="+mj-ea"/>
+                <a:ea typeface="+mj-ea"/>
+              </a:rPr>
+              <a:t>   </a:t>
+            </a:r>
+            <a:r>
+              <a:rPr lang="ko-KR" altLang="en-US" sz="1200" b="1" dirty="0">
+                <a:solidFill>
+                  <a:schemeClr val="tx1"/>
+                </a:solidFill>
+                <a:latin typeface="+mj-ea"/>
+                <a:ea typeface="+mj-ea"/>
+              </a:rPr>
+              <a:t>대한</a:t>
+            </a:r>
+            <a:r>
+              <a:rPr lang="en-US" altLang="ko-KR" sz="1200" b="1" dirty="0">
+                <a:solidFill>
+                  <a:schemeClr val="tx1"/>
+                </a:solidFill>
+                <a:latin typeface="+mj-ea"/>
+                <a:ea typeface="+mj-ea"/>
+              </a:rPr>
+              <a:t> </a:t>
+            </a:r>
+            <a:r>
+              <a:rPr lang="ko-KR" altLang="en-US" sz="1200" b="1" dirty="0">
+                <a:solidFill>
+                  <a:schemeClr val="tx1"/>
+                </a:solidFill>
+                <a:latin typeface="+mj-ea"/>
+                <a:ea typeface="+mj-ea"/>
+              </a:rPr>
+              <a:t>손실함수의</a:t>
+            </a:r>
+            <a:r>
+              <a:rPr lang="en-US" altLang="ko-KR" sz="1200" b="1" dirty="0">
+                <a:solidFill>
+                  <a:schemeClr val="tx1"/>
+                </a:solidFill>
+                <a:latin typeface="+mj-ea"/>
+                <a:ea typeface="+mj-ea"/>
+              </a:rPr>
+              <a:t> </a:t>
+            </a:r>
+            <a:r>
+              <a:rPr lang="ko-KR" altLang="en-US" sz="1200" b="1" dirty="0" err="1">
+                <a:solidFill>
+                  <a:schemeClr val="tx1"/>
+                </a:solidFill>
+                <a:latin typeface="+mj-ea"/>
+                <a:ea typeface="+mj-ea"/>
+              </a:rPr>
+              <a:t>편미분값을</a:t>
+            </a:r>
+            <a:r>
+              <a:rPr lang="ko-KR" altLang="en-US" sz="1200" b="1" dirty="0">
+                <a:solidFill>
+                  <a:schemeClr val="tx1"/>
+                </a:solidFill>
+                <a:latin typeface="+mj-ea"/>
+                <a:ea typeface="+mj-ea"/>
+              </a:rPr>
+              <a:t> 계산</a:t>
+            </a:r>
+            <a:endParaRPr lang="en-US" altLang="ko-KR" sz="1200" b="1" dirty="0">
+              <a:solidFill>
+                <a:schemeClr val="tx1"/>
+              </a:solidFill>
+              <a:latin typeface="+mj-ea"/>
+              <a:ea typeface="+mj-ea"/>
+            </a:endParaRPr>
+          </a:p>
+          <a:p>
+            <a:pPr marL="114300" indent="0" algn="l"/>
+            <a:endParaRPr lang="en-US" altLang="ko-KR" sz="1200" b="1" dirty="0">
+              <a:solidFill>
+                <a:schemeClr val="tx1"/>
+              </a:solidFill>
+              <a:latin typeface="+mj-ea"/>
+              <a:ea typeface="+mj-ea"/>
+            </a:endParaRPr>
+          </a:p>
+          <a:p>
+            <a:pPr marL="114300" indent="0" algn="l"/>
+            <a:endParaRPr lang="en-US" altLang="ko-KR" sz="1200" b="1" dirty="0">
+              <a:solidFill>
+                <a:schemeClr val="tx1"/>
+              </a:solidFill>
+              <a:latin typeface="+mj-ea"/>
+              <a:ea typeface="+mj-ea"/>
+            </a:endParaRPr>
+          </a:p>
+          <a:p>
+            <a:pPr marL="114300" indent="0" algn="l"/>
+            <a:r>
+              <a:rPr lang="en-US" altLang="ko-KR" sz="1200" b="1" dirty="0">
+                <a:solidFill>
+                  <a:schemeClr val="tx1"/>
+                </a:solidFill>
+                <a:latin typeface="+mj-ea"/>
+                <a:ea typeface="+mj-ea"/>
+              </a:rPr>
+              <a:t>4. </a:t>
+            </a:r>
+            <a:r>
+              <a:rPr lang="ko-KR" altLang="en-US" sz="1200" b="1" dirty="0" err="1">
+                <a:solidFill>
+                  <a:schemeClr val="tx1"/>
+                </a:solidFill>
+                <a:latin typeface="+mj-ea"/>
+                <a:ea typeface="+mj-ea"/>
+              </a:rPr>
+              <a:t>경사하강법을</a:t>
+            </a:r>
+            <a:r>
+              <a:rPr lang="ko-KR" altLang="en-US" sz="1200" b="1" dirty="0">
+                <a:solidFill>
+                  <a:schemeClr val="tx1"/>
+                </a:solidFill>
+                <a:latin typeface="+mj-ea"/>
+                <a:ea typeface="+mj-ea"/>
+              </a:rPr>
+              <a:t> 이용해 손실함수를</a:t>
+            </a:r>
+            <a:r>
+              <a:rPr lang="en-US" altLang="ko-KR" sz="1200" b="1" dirty="0">
+                <a:solidFill>
+                  <a:schemeClr val="tx1"/>
+                </a:solidFill>
+                <a:latin typeface="+mj-ea"/>
+                <a:ea typeface="+mj-ea"/>
+              </a:rPr>
+              <a:t> </a:t>
+            </a:r>
+          </a:p>
+          <a:p>
+            <a:pPr marL="114300" indent="0" algn="l"/>
+            <a:r>
+              <a:rPr lang="en-US" altLang="ko-KR" sz="1200" b="1" dirty="0">
+                <a:solidFill>
+                  <a:schemeClr val="tx1"/>
+                </a:solidFill>
+                <a:latin typeface="+mj-ea"/>
+                <a:ea typeface="+mj-ea"/>
+              </a:rPr>
+              <a:t>   </a:t>
+            </a:r>
+            <a:r>
+              <a:rPr lang="ko-KR" altLang="en-US" sz="1200" b="1" dirty="0">
+                <a:solidFill>
+                  <a:schemeClr val="tx1"/>
+                </a:solidFill>
+                <a:latin typeface="+mj-ea"/>
+                <a:ea typeface="+mj-ea"/>
+              </a:rPr>
+              <a:t>최소화하는 방향으로</a:t>
+            </a:r>
+            <a:r>
+              <a:rPr lang="en-US" altLang="ko-KR" sz="1200" b="1" dirty="0">
+                <a:solidFill>
+                  <a:schemeClr val="tx1"/>
+                </a:solidFill>
+                <a:latin typeface="+mj-ea"/>
+                <a:ea typeface="+mj-ea"/>
+              </a:rPr>
+              <a:t> weight</a:t>
+            </a:r>
+            <a:r>
+              <a:rPr lang="ko-KR" altLang="en-US" sz="1200" b="1" dirty="0">
+                <a:solidFill>
+                  <a:schemeClr val="tx1"/>
+                </a:solidFill>
+                <a:latin typeface="+mj-ea"/>
+                <a:ea typeface="+mj-ea"/>
+              </a:rPr>
+              <a:t>를 업데이트</a:t>
+            </a:r>
+            <a:endParaRPr lang="en-US" altLang="ko-KR" sz="1200" b="1" dirty="0">
+              <a:solidFill>
+                <a:schemeClr val="tx1"/>
+              </a:solidFill>
+              <a:latin typeface="+mj-ea"/>
+              <a:ea typeface="+mj-ea"/>
+            </a:endParaRPr>
+          </a:p>
+        </p:txBody>
+      </p:sp>
     </p:spTree>
     <p:extLst>
       <p:ext uri="{BB962C8B-B14F-4D97-AF65-F5344CB8AC3E}">
@@ -10176,14 +11136,14 @@
               </a:spcAft>
             </a:pPr>
             <a:r>
-              <a:rPr lang="en-US" altLang="ko-KR" sz="3000" b="1">
+              <a:rPr lang="en-US" altLang="ko-KR" sz="3000" b="1" dirty="0">
                 <a:latin typeface="+mn-ea"/>
                 <a:ea typeface="+mn-ea"/>
               </a:rPr>
               <a:t> 1. </a:t>
             </a:r>
             <a:r>
-              <a:rPr lang="ko-KR" altLang="en-US" sz="3000" b="1">
+              <a:rPr lang="ko-KR" altLang="en-US" sz="3000" b="1" dirty="0">
                 <a:latin typeface="+mn-ea"/>
                 <a:ea typeface="+mn-ea"/>
               </a:rPr>
@@ -12114,10 +13074,10 @@
       </p:sp>
       <p:pic>
         <p:nvPicPr>
-          <p:cNvPr id="5" name="그림 4">
+          <p:cNvPr id="10" name="그림 9">
             <a:extLst>
               <a:ext uri="{FF2B5EF4-FFF2-40B4-BE49-F238E27FC236}">
-                <a16:creationId xmlns:a16="http://schemas.microsoft.com/office/drawing/2014/main" id="{6C03E8DB-34D9-BAA7-DCA7-72D155F994B8}"/>
+                <a16:creationId xmlns:a16="http://schemas.microsoft.com/office/drawing/2014/main" id="{392DAE44-38E1-B92B-3AD4-23927F85832E}"/>
               </a:ext>
             </a:extLst>
           </p:cNvPr>
@@ -12134,13 +13094,13 @@
         </p:blipFill>
         <p:spPr>
           <a:xfrm>
-            <a:off x="6261029" y="1209386"/>
-            <a:ext cx="2726484" cy="1055413"/>
+            <a:off x="5937535" y="1899587"/>
+            <a:ext cx="3033590" cy="370241"/>
           </a:xfrm>
           <a:prstGeom prst="rect">
             <a:avLst/>
           </a:prstGeom>
-          <a:ln w="9525">
+          <a:ln w="6350">
             <a:solidFill>
               <a:schemeClr val="tx1"/>
             </a:solidFill>

--- a/발표자료/CUAI_딥러닝__0523.pptx
+++ b/발표자료/CUAI_딥러닝__0523.pptx
@@ -7580,7 +7580,7 @@
         </p:blipFill>
         <p:spPr>
           <a:xfrm>
-            <a:off x="2345592" y="4025219"/>
+            <a:off x="1960875" y="3938136"/>
             <a:ext cx="5736074" cy="977741"/>
           </a:xfrm>
           <a:prstGeom prst="rect">
@@ -7593,6 +7593,54 @@
           </a:ln>
         </p:spPr>
       </p:pic>
+      <p:sp>
+        <p:nvSpPr>
+          <p:cNvPr id="2" name="TextBox 1">
+            <a:extLst>
+              <a:ext uri="{FF2B5EF4-FFF2-40B4-BE49-F238E27FC236}">
+                <a16:creationId xmlns:a16="http://schemas.microsoft.com/office/drawing/2014/main" id="{FA6C9FEC-3B9C-B05E-5C67-41EE97B220E7}"/>
+              </a:ext>
+            </a:extLst>
+          </p:cNvPr>
+          <p:cNvSpPr txBox="1"/>
+          <p:nvPr/>
+        </p:nvSpPr>
+        <p:spPr>
+          <a:xfrm>
+            <a:off x="2119592" y="3919327"/>
+            <a:ext cx="1118328" cy="307777"/>
+          </a:xfrm>
+          <a:prstGeom prst="rect">
+            <a:avLst/>
+          </a:prstGeom>
+          <a:noFill/>
+        </p:spPr>
+        <p:txBody>
+          <a:bodyPr wrap="square" rtlCol="0">
+            <a:spAutoFit/>
+          </a:bodyPr>
+          <a:lstStyle/>
+          <a:p>
+            <a:r>
+              <a:rPr lang="ko-KR" altLang="en-US" b="1">
+                <a:solidFill>
+                  <a:srgbClr val="C00000"/>
+                </a:solidFill>
+                <a:latin typeface="+mn-ea"/>
+                <a:ea typeface="+mn-ea"/>
+              </a:rPr>
+              <a:t>손실함수 </a:t>
+            </a:r>
+            <a:endParaRPr lang="ko-KR" altLang="en-US" b="1" dirty="0">
+              <a:solidFill>
+                <a:srgbClr val="C00000"/>
+              </a:solidFill>
+              <a:latin typeface="+mn-ea"/>
+              <a:ea typeface="+mn-ea"/>
+            </a:endParaRPr>
+          </a:p>
+        </p:txBody>
+      </p:sp>
     </p:spTree>
     <p:extLst>
       <p:ext uri="{BB962C8B-B14F-4D97-AF65-F5344CB8AC3E}">
@@ -7733,7 +7781,7 @@
         </p:nvSpPr>
         <p:spPr>
           <a:xfrm>
-            <a:off x="1325574" y="252215"/>
+            <a:off x="1284677" y="88671"/>
             <a:ext cx="7818426" cy="3764514"/>
           </a:xfrm>
           <a:prstGeom prst="rect">
@@ -8728,6 +8776,155 @@
           </a:p>
         </p:txBody>
       </p:sp>
+      <p:sp>
+        <p:nvSpPr>
+          <p:cNvPr id="22" name="TextBox 21">
+            <a:extLst>
+              <a:ext uri="{FF2B5EF4-FFF2-40B4-BE49-F238E27FC236}">
+                <a16:creationId xmlns:a16="http://schemas.microsoft.com/office/drawing/2014/main" id="{9BE48F9D-95F6-FFE9-D861-C7A2C638B1FF}"/>
+              </a:ext>
+            </a:extLst>
+          </p:cNvPr>
+          <p:cNvSpPr txBox="1"/>
+          <p:nvPr/>
+        </p:nvSpPr>
+        <p:spPr>
+          <a:xfrm>
+            <a:off x="1284677" y="716446"/>
+            <a:ext cx="4959264" cy="600164"/>
+          </a:xfrm>
+          <a:prstGeom prst="rect">
+            <a:avLst/>
+          </a:prstGeom>
+          <a:noFill/>
+        </p:spPr>
+        <p:txBody>
+          <a:bodyPr wrap="square" rtlCol="0">
+            <a:spAutoFit/>
+          </a:bodyPr>
+          <a:lstStyle/>
+          <a:p>
+            <a:r>
+              <a:rPr lang="ko-KR" altLang="en-US" sz="1100" dirty="0" err="1">
+                <a:latin typeface="+mn-ea"/>
+                <a:ea typeface="+mn-ea"/>
+              </a:rPr>
+              <a:t>경사하강법을</a:t>
+            </a:r>
+            <a:r>
+              <a:rPr lang="ko-KR" altLang="en-US" sz="1100" dirty="0">
+                <a:latin typeface="+mn-ea"/>
+                <a:ea typeface="+mn-ea"/>
+              </a:rPr>
+              <a:t> 위해</a:t>
+            </a:r>
+            <a:endParaRPr lang="en-US" altLang="ko-KR" sz="1100" dirty="0">
+              <a:latin typeface="+mn-ea"/>
+              <a:ea typeface="+mn-ea"/>
+            </a:endParaRPr>
+          </a:p>
+          <a:p>
+            <a:r>
+              <a:rPr lang="ko-KR" altLang="en-US" sz="1100" dirty="0">
+                <a:latin typeface="+mn-ea"/>
+                <a:ea typeface="+mn-ea"/>
+              </a:rPr>
+              <a:t>각 가중치에 대한 손실함수의 기울기를 얻기 위해서는</a:t>
+            </a:r>
+            <a:endParaRPr lang="en-US" altLang="ko-KR" sz="1100" dirty="0">
+              <a:latin typeface="+mn-ea"/>
+              <a:ea typeface="+mn-ea"/>
+            </a:endParaRPr>
+          </a:p>
+          <a:p>
+            <a:r>
+              <a:rPr lang="ko-KR" altLang="en-US" sz="1100" dirty="0">
+                <a:latin typeface="+mn-ea"/>
+                <a:ea typeface="+mn-ea"/>
+              </a:rPr>
+              <a:t>각 가중치에 대한 손실함수의 </a:t>
+            </a:r>
+            <a:r>
+              <a:rPr lang="ko-KR" altLang="en-US" sz="1100" dirty="0" err="1">
+                <a:latin typeface="+mn-ea"/>
+                <a:ea typeface="+mn-ea"/>
+              </a:rPr>
+              <a:t>편미분을</a:t>
+            </a:r>
+            <a:r>
+              <a:rPr lang="ko-KR" altLang="en-US" sz="1100" dirty="0">
+                <a:latin typeface="+mn-ea"/>
+                <a:ea typeface="+mn-ea"/>
+              </a:rPr>
+              <a:t> </a:t>
+            </a:r>
+            <a:r>
+              <a:rPr lang="ko-KR" altLang="en-US" sz="1100" dirty="0" err="1">
+                <a:latin typeface="+mn-ea"/>
+                <a:ea typeface="+mn-ea"/>
+              </a:rPr>
+              <a:t>구해야한다</a:t>
+            </a:r>
+            <a:endParaRPr lang="ko-KR" altLang="en-US" sz="1100" dirty="0">
+              <a:latin typeface="+mn-ea"/>
+              <a:ea typeface="+mn-ea"/>
+            </a:endParaRPr>
+          </a:p>
+        </p:txBody>
+      </p:sp>
+      <p:sp>
+        <p:nvSpPr>
+          <p:cNvPr id="23" name="TextBox 22">
+            <a:extLst>
+              <a:ext uri="{FF2B5EF4-FFF2-40B4-BE49-F238E27FC236}">
+                <a16:creationId xmlns:a16="http://schemas.microsoft.com/office/drawing/2014/main" id="{C5456499-AE46-1ABA-5849-CDC5FF29D099}"/>
+              </a:ext>
+            </a:extLst>
+          </p:cNvPr>
+          <p:cNvSpPr txBox="1"/>
+          <p:nvPr/>
+        </p:nvSpPr>
+        <p:spPr>
+          <a:xfrm>
+            <a:off x="4316186" y="1763515"/>
+            <a:ext cx="1204180" cy="307777"/>
+          </a:xfrm>
+          <a:prstGeom prst="rect">
+            <a:avLst/>
+          </a:prstGeom>
+          <a:solidFill>
+            <a:srgbClr val="FFC000"/>
+          </a:solidFill>
+        </p:spPr>
+        <p:txBody>
+          <a:bodyPr wrap="square" rtlCol="0">
+            <a:spAutoFit/>
+          </a:bodyPr>
+          <a:lstStyle/>
+          <a:p>
+            <a:r>
+              <a:rPr lang="en-US" altLang="ko-KR" b="1" dirty="0">
+                <a:solidFill>
+                  <a:schemeClr val="tx1"/>
+                </a:solidFill>
+                <a:latin typeface="+mn-ea"/>
+                <a:ea typeface="+mn-ea"/>
+              </a:rPr>
+              <a:t>“Chain rule”</a:t>
+            </a:r>
+            <a:r>
+              <a:rPr lang="ko-KR" altLang="en-US" b="1" dirty="0">
+                <a:solidFill>
+                  <a:schemeClr val="tx1"/>
+                </a:solidFill>
+                <a:latin typeface="+mn-ea"/>
+                <a:ea typeface="+mn-ea"/>
+              </a:rPr>
+              <a:t> </a:t>
+            </a:r>
+          </a:p>
+        </p:txBody>
+      </p:sp>
     </p:spTree>
     <p:extLst>
       <p:ext uri="{BB962C8B-B14F-4D97-AF65-F5344CB8AC3E}">
@@ -9455,8 +9652,8 @@
         </p:nvSpPr>
         <p:spPr>
           <a:xfrm>
-            <a:off x="1325574" y="441490"/>
-            <a:ext cx="7818426" cy="3402943"/>
+            <a:off x="970156" y="441490"/>
+            <a:ext cx="8173844" cy="3402943"/>
           </a:xfrm>
           <a:prstGeom prst="rect">
             <a:avLst/>
@@ -9726,7 +9923,7 @@
                 <a:latin typeface="+mj-ea"/>
                 <a:ea typeface="+mj-ea"/>
               </a:rPr>
-              <a:t>신경망의 가중치를 갱신하는 방법</a:t>
+              <a:t>오차역전파를 통해 신경망의 가중치를 갱신하는 방법</a:t>
             </a:r>
             <a:endParaRPr lang="en-US" altLang="ko-KR" sz="2500" b="1" dirty="0">
               <a:solidFill>
@@ -9854,7 +10051,7 @@
         <p:spPr>
           <a:xfrm>
             <a:off x="5891220" y="1536109"/>
-            <a:ext cx="3444922" cy="2308324"/>
+            <a:ext cx="3444922" cy="3416320"/>
           </a:xfrm>
           <a:prstGeom prst="rect">
             <a:avLst/>
@@ -10227,6 +10424,99 @@
               <a:latin typeface="+mj-ea"/>
               <a:ea typeface="+mj-ea"/>
             </a:endParaRPr>
+          </a:p>
+          <a:p>
+            <a:pPr marL="114300" indent="0" algn="l"/>
+            <a:endParaRPr lang="en-US" altLang="ko-KR" sz="1200" b="1" dirty="0">
+              <a:solidFill>
+                <a:schemeClr val="tx1"/>
+              </a:solidFill>
+              <a:latin typeface="+mj-ea"/>
+              <a:ea typeface="+mj-ea"/>
+            </a:endParaRPr>
+          </a:p>
+          <a:p>
+            <a:pPr marL="114300" indent="0" algn="l"/>
+            <a:endParaRPr lang="en-US" altLang="ko-KR" sz="1200" b="1" dirty="0">
+              <a:solidFill>
+                <a:schemeClr val="tx1"/>
+              </a:solidFill>
+              <a:latin typeface="+mj-ea"/>
+              <a:ea typeface="+mj-ea"/>
+            </a:endParaRPr>
+          </a:p>
+          <a:p>
+            <a:pPr marL="114300" indent="0" algn="l"/>
+            <a:endParaRPr lang="en-US" altLang="ko-KR" sz="1200" b="1" dirty="0">
+              <a:solidFill>
+                <a:schemeClr val="tx1"/>
+              </a:solidFill>
+              <a:latin typeface="+mj-ea"/>
+              <a:ea typeface="+mj-ea"/>
+            </a:endParaRPr>
+          </a:p>
+          <a:p>
+            <a:pPr marL="114300" indent="0" algn="l"/>
+            <a:endParaRPr lang="en-US" altLang="ko-KR" sz="1200" b="1" dirty="0">
+              <a:solidFill>
+                <a:schemeClr val="tx1"/>
+              </a:solidFill>
+              <a:latin typeface="+mj-ea"/>
+              <a:ea typeface="+mj-ea"/>
+            </a:endParaRPr>
+          </a:p>
+          <a:p>
+            <a:pPr marL="114300" indent="0" algn="l"/>
+            <a:endParaRPr lang="en-US" altLang="ko-KR" sz="1200" b="1" dirty="0">
+              <a:solidFill>
+                <a:schemeClr val="tx1"/>
+              </a:solidFill>
+              <a:latin typeface="+mj-ea"/>
+              <a:ea typeface="+mj-ea"/>
+            </a:endParaRPr>
+          </a:p>
+          <a:p>
+            <a:pPr marL="114300" indent="0" algn="l"/>
+            <a:r>
+              <a:rPr lang="en-US" altLang="ko-KR" sz="1200" b="1">
+                <a:solidFill>
+                  <a:schemeClr val="tx1"/>
+                </a:solidFill>
+                <a:latin typeface="+mj-ea"/>
+                <a:ea typeface="+mj-ea"/>
+              </a:rPr>
+              <a:t>-&gt; </a:t>
+            </a:r>
+            <a:r>
+              <a:rPr lang="ko-KR" altLang="en-US" sz="1200" b="1">
+                <a:solidFill>
+                  <a:schemeClr val="tx1"/>
+                </a:solidFill>
+                <a:latin typeface="+mj-ea"/>
+                <a:ea typeface="+mj-ea"/>
+              </a:rPr>
+              <a:t>신경망 </a:t>
+            </a:r>
+            <a:r>
+              <a:rPr lang="ko-KR" altLang="en-US" sz="1200" b="1" dirty="0">
+                <a:solidFill>
+                  <a:schemeClr val="tx1"/>
+                </a:solidFill>
+                <a:latin typeface="+mj-ea"/>
+                <a:ea typeface="+mj-ea"/>
+              </a:rPr>
+              <a:t>최적화</a:t>
+            </a:r>
+            <a:r>
+              <a:rPr lang="en-US" altLang="ko-KR" sz="1200" b="1" dirty="0">
+                <a:solidFill>
+                  <a:schemeClr val="tx1"/>
+                </a:solidFill>
+                <a:latin typeface="+mj-ea"/>
+                <a:ea typeface="+mj-ea"/>
+              </a:rPr>
+              <a:t>!</a:t>
+            </a:r>
           </a:p>
         </p:txBody>
       </p:sp>
@@ -11597,7 +11887,7 @@
                 <a:latin typeface="+mj-ea"/>
                 <a:ea typeface="+mj-ea"/>
               </a:rPr>
-              <a:t>신경망 모델</a:t>
+              <a:t>신경망 모델을</a:t>
             </a:r>
             <a:r>
               <a:rPr lang="en-US" altLang="ko-KR" sz="2200" b="1" dirty="0">
@@ -11617,7 +11907,7 @@
                 <a:latin typeface="+mj-ea"/>
                 <a:ea typeface="+mj-ea"/>
               </a:rPr>
-              <a:t>최적화</a:t>
+              <a:t>최적화한다</a:t>
             </a:r>
             <a:r>
               <a:rPr lang="en-US" altLang="ko-KR" sz="2200" b="1" dirty="0">
@@ -13531,60 +13821,115 @@
           </a:p>
           <a:p>
             <a:pPr algn="l"/>
-            <a:endParaRPr lang="en-US" altLang="ko-KR" sz="2200" b="1" dirty="0">
+            <a:r>
+              <a:rPr lang="en-US" altLang="ko-KR" sz="2200" b="1" dirty="0">
+                <a:solidFill>
+                  <a:schemeClr val="tx1"/>
+                </a:solidFill>
+                <a:latin typeface="+mj-ea"/>
+                <a:ea typeface="+mj-ea"/>
+              </a:rPr>
+              <a:t>                        </a:t>
+            </a:r>
+            <a:r>
+              <a:rPr lang="ko-KR" altLang="en-US" sz="4000" b="1" dirty="0" err="1">
+                <a:solidFill>
+                  <a:schemeClr val="tx1"/>
+                </a:solidFill>
+                <a:latin typeface="+mj-ea"/>
+                <a:ea typeface="+mj-ea"/>
+              </a:rPr>
+              <a:t>경사하강법</a:t>
+            </a:r>
+            <a:r>
+              <a:rPr lang="ko-KR" altLang="en-US" sz="4000" b="1" dirty="0">
+                <a:solidFill>
+                  <a:schemeClr val="tx1"/>
+                </a:solidFill>
+                <a:latin typeface="+mj-ea"/>
+                <a:ea typeface="+mj-ea"/>
+              </a:rPr>
+              <a:t> </a:t>
+            </a:r>
+            <a:r>
+              <a:rPr lang="en-US" altLang="ko-KR" sz="4000" b="1" dirty="0">
+                <a:solidFill>
+                  <a:schemeClr val="tx1"/>
+                </a:solidFill>
+                <a:latin typeface="+mj-ea"/>
+                <a:ea typeface="+mj-ea"/>
+              </a:rPr>
+              <a:t>!</a:t>
+            </a:r>
+          </a:p>
+          <a:p>
+            <a:pPr algn="l"/>
+            <a:r>
+              <a:rPr lang="ko-KR" altLang="en-US" sz="2800" b="0" i="0" dirty="0">
+                <a:solidFill>
+                  <a:srgbClr val="EE2323"/>
+                </a:solidFill>
+                <a:effectLst/>
+                <a:latin typeface="+mn-ea"/>
+                <a:ea typeface="+mn-ea"/>
+              </a:rPr>
+              <a:t>   </a:t>
+            </a:r>
+            <a:r>
+              <a:rPr lang="ko-KR" altLang="en-US" sz="1700" b="0" i="0" dirty="0">
+                <a:solidFill>
+                  <a:srgbClr val="EE2323"/>
+                </a:solidFill>
+                <a:effectLst/>
+                <a:latin typeface="+mn-ea"/>
+                <a:ea typeface="+mn-ea"/>
+              </a:rPr>
+              <a:t>현재 위치에서 기울어진 방향으로 일정 거리만큼 이동한 후</a:t>
+            </a:r>
+            <a:endParaRPr lang="en-US" altLang="ko-KR" sz="1700" b="0" i="0" dirty="0">
+              <a:solidFill>
+                <a:srgbClr val="EE2323"/>
+              </a:solidFill>
+              <a:effectLst/>
+              <a:latin typeface="+mn-ea"/>
+              <a:ea typeface="+mn-ea"/>
+            </a:endParaRPr>
+          </a:p>
+          <a:p>
+            <a:pPr algn="l"/>
+            <a:r>
+              <a:rPr lang="ko-KR" altLang="en-US" sz="1700" b="0" i="0" dirty="0">
+                <a:solidFill>
+                  <a:srgbClr val="EE2323"/>
+                </a:solidFill>
+                <a:effectLst/>
+                <a:latin typeface="+mn-ea"/>
+                <a:ea typeface="+mn-ea"/>
+              </a:rPr>
+              <a:t>    이동한 위치에서 다시 기울기를 구하고 그 기울어진 방향으로 나아가는 것을 반복하면서 손실함수를 최소화한다</a:t>
+            </a:r>
+            <a:r>
+              <a:rPr lang="en-US" altLang="ko-KR" sz="1700" b="0" i="0" dirty="0">
+                <a:solidFill>
+                  <a:srgbClr val="EE2323"/>
+                </a:solidFill>
+                <a:effectLst/>
+                <a:latin typeface="+mn-ea"/>
+                <a:ea typeface="+mn-ea"/>
+              </a:rPr>
+              <a:t>.</a:t>
+            </a:r>
+            <a:endParaRPr lang="en-US" altLang="ko-KR" sz="1700" b="1" dirty="0">
               <a:solidFill>
                 <a:schemeClr val="tx1"/>
               </a:solidFill>
-              <a:latin typeface="+mj-ea"/>
-              <a:ea typeface="+mj-ea"/>
+              <a:latin typeface="+mn-ea"/>
+              <a:ea typeface="+mn-ea"/>
             </a:endParaRPr>
           </a:p>
           <a:p>
             <a:pPr algn="l"/>
-            <a:r>
-              <a:rPr lang="en-US" altLang="ko-KR" sz="2200" b="1" dirty="0">
-                <a:solidFill>
-                  <a:schemeClr val="tx1"/>
-                </a:solidFill>
-                <a:latin typeface="+mj-ea"/>
-                <a:ea typeface="+mj-ea"/>
-              </a:rPr>
-              <a:t>                        </a:t>
-            </a:r>
-            <a:r>
-              <a:rPr lang="ko-KR" altLang="en-US" sz="4000" b="1" dirty="0" err="1">
-                <a:solidFill>
-                  <a:schemeClr val="tx1"/>
-                </a:solidFill>
-                <a:latin typeface="+mj-ea"/>
-                <a:ea typeface="+mj-ea"/>
-              </a:rPr>
-              <a:t>경사하강법</a:t>
-            </a:r>
-            <a:r>
-              <a:rPr lang="ko-KR" altLang="en-US" sz="4000" b="1" dirty="0">
-                <a:solidFill>
-                  <a:schemeClr val="tx1"/>
-                </a:solidFill>
-                <a:latin typeface="+mj-ea"/>
-                <a:ea typeface="+mj-ea"/>
-              </a:rPr>
-              <a:t> </a:t>
-            </a:r>
-            <a:r>
-              <a:rPr lang="en-US" altLang="ko-KR" sz="4000" b="1" dirty="0">
-                <a:solidFill>
-                  <a:schemeClr val="tx1"/>
-                </a:solidFill>
-                <a:latin typeface="+mj-ea"/>
-                <a:ea typeface="+mj-ea"/>
-              </a:rPr>
-              <a:t>!</a:t>
-            </a:r>
-          </a:p>
-          <a:p>
-            <a:pPr algn="l"/>
-            <a:endParaRPr lang="en-US" altLang="ko-KR" sz="4000" b="1" dirty="0">
+            <a:endParaRPr lang="en-US" altLang="ko-KR" sz="2000" b="1" dirty="0">
               <a:solidFill>
                 <a:schemeClr val="tx1"/>
               </a:solidFill>
@@ -13646,8 +13991,8 @@
         </p:blipFill>
         <p:spPr>
           <a:xfrm>
-            <a:off x="2323422" y="2263430"/>
-            <a:ext cx="5321905" cy="1350139"/>
+            <a:off x="5195794" y="2842174"/>
+            <a:ext cx="3396894" cy="861774"/>
           </a:xfrm>
           <a:prstGeom prst="rect">
             <a:avLst/>
@@ -13668,8 +14013,8 @@
         </p:nvSpPr>
         <p:spPr>
           <a:xfrm>
-            <a:off x="4912658" y="2258799"/>
-            <a:ext cx="2519084" cy="1350139"/>
+            <a:off x="6852425" y="2785093"/>
+            <a:ext cx="1594366" cy="861774"/>
           </a:xfrm>
           <a:prstGeom prst="rect">
             <a:avLst/>
@@ -13720,8 +14065,8 @@
         </p:nvSpPr>
         <p:spPr>
           <a:xfrm>
-            <a:off x="1904201" y="3942187"/>
-            <a:ext cx="6490446" cy="861774"/>
+            <a:off x="1956344" y="4424947"/>
+            <a:ext cx="6490446" cy="615553"/>
           </a:xfrm>
           <a:prstGeom prst="rect">
             <a:avLst/>
@@ -13735,14 +14080,14 @@
           <a:lstStyle/>
           <a:p>
             <a:r>
-              <a:rPr lang="ko-KR" altLang="en-US" sz="2000" dirty="0">
+              <a:rPr lang="ko-KR" altLang="en-US" sz="1700" dirty="0">
                 <a:latin typeface="+mn-ea"/>
                 <a:ea typeface="+mn-ea"/>
               </a:rPr>
               <a:t>각 가중치의 손실함수의 기울기</a:t>
             </a:r>
             <a:r>
-              <a:rPr lang="en-US" altLang="ko-KR" sz="2000" dirty="0">
+              <a:rPr lang="en-US" altLang="ko-KR" sz="1700" dirty="0">
                 <a:latin typeface="+mn-ea"/>
                 <a:ea typeface="+mn-ea"/>
               </a:rPr>
@@ -13750,14 +14095,8 @@
             </a:r>
           </a:p>
           <a:p>
-            <a:endParaRPr lang="en-US" altLang="ko-KR" sz="1000" dirty="0">
-              <a:latin typeface="+mn-ea"/>
-              <a:ea typeface="+mn-ea"/>
-            </a:endParaRPr>
-          </a:p>
-          <a:p>
-            <a:r>
-              <a:rPr lang="ko-KR" altLang="en-US" sz="2000" dirty="0">
+            <a:r>
+              <a:rPr lang="ko-KR" altLang="en-US" sz="1700" dirty="0">
                 <a:latin typeface="+mn-ea"/>
                 <a:ea typeface="+mn-ea"/>
               </a:rPr>
@@ -13766,6 +14105,53 @@
           </a:p>
         </p:txBody>
       </p:sp>
+      <p:pic>
+        <p:nvPicPr>
+          <p:cNvPr id="3" name="Picture 2">
+            <a:extLst>
+              <a:ext uri="{FF2B5EF4-FFF2-40B4-BE49-F238E27FC236}">
+                <a16:creationId xmlns:a16="http://schemas.microsoft.com/office/drawing/2014/main" id="{3475BC3B-84CC-4183-03B9-16A1EFA7CEFC}"/>
+              </a:ext>
+            </a:extLst>
+          </p:cNvPr>
+          <p:cNvPicPr>
+            <a:picLocks noChangeAspect="1" noChangeArrowheads="1"/>
+          </p:cNvPicPr>
+          <p:nvPr/>
+        </p:nvPicPr>
+        <p:blipFill>
+          <a:blip r:embed="rId5">
+            <a:extLst>
+              <a:ext uri="{28A0092B-C50C-407E-A947-70E740481C1C}">
+                <a14:useLocalDpi xmlns:a14="http://schemas.microsoft.com/office/drawing/2010/main" val="0"/>
+              </a:ext>
+            </a:extLst>
+          </a:blip>
+          <a:srcRect/>
+          <a:stretch>
+            <a:fillRect/>
+          </a:stretch>
+        </p:blipFill>
+        <p:spPr bwMode="auto">
+          <a:xfrm>
+            <a:off x="2318627" y="2571750"/>
+            <a:ext cx="2325856" cy="1744392"/>
+          </a:xfrm>
+          <a:prstGeom prst="rect">
+            <a:avLst/>
+          </a:prstGeom>
+          <a:noFill/>
+          <a:extLst>
+            <a:ext uri="{909E8E84-426E-40DD-AFC4-6F175D3DCCD1}">
+              <a14:hiddenFill xmlns:a14="http://schemas.microsoft.com/office/drawing/2010/main">
+                <a:solidFill>
+                  <a:srgbClr val="FFFFFF"/>
+                </a:solidFill>
+              </a14:hiddenFill>
+            </a:ext>
+          </a:extLst>
+        </p:spPr>
+      </p:pic>
     </p:spTree>
     <p:extLst>
       <p:ext uri="{BB962C8B-B14F-4D97-AF65-F5344CB8AC3E}">
